--- a/스토리보드(구현 및 필요하면 추가).pptx
+++ b/스토리보드(구현 및 필요하면 추가).pptx
@@ -5,7 +5,7 @@
     <p:sldMasterId id="2147483648" r:id="rId1"/>
   </p:sldMasterIdLst>
   <p:notesMasterIdLst>
-    <p:notesMasterId r:id="rId38"/>
+    <p:notesMasterId r:id="rId39"/>
   </p:notesMasterIdLst>
   <p:sldIdLst>
     <p:sldId id="274" r:id="rId2"/>
@@ -30,8 +30,8 @@
     <p:sldId id="286" r:id="rId21"/>
     <p:sldId id="287" r:id="rId22"/>
     <p:sldId id="289" r:id="rId23"/>
-    <p:sldId id="290" r:id="rId24"/>
-    <p:sldId id="291" r:id="rId25"/>
+    <p:sldId id="291" r:id="rId24"/>
+    <p:sldId id="290" r:id="rId25"/>
     <p:sldId id="273" r:id="rId26"/>
     <p:sldId id="271" r:id="rId27"/>
     <p:sldId id="272" r:id="rId28"/>
@@ -42,8 +42,9 @@
     <p:sldId id="294" r:id="rId33"/>
     <p:sldId id="283" r:id="rId34"/>
     <p:sldId id="285" r:id="rId35"/>
-    <p:sldId id="292" r:id="rId36"/>
-    <p:sldId id="293" r:id="rId37"/>
+    <p:sldId id="298" r:id="rId36"/>
+    <p:sldId id="292" r:id="rId37"/>
+    <p:sldId id="293" r:id="rId38"/>
   </p:sldIdLst>
   <p:sldSz cx="9144000" cy="6858000" type="screen4x3"/>
   <p:notesSz cx="6858000" cy="9144000"/>
@@ -227,7 +228,7 @@
           <a:p>
             <a:fld id="{C3EF622D-87EB-4ED6-AC54-EACB2EA6DD55}" type="datetimeFigureOut">
               <a:rPr lang="ko-KR" altLang="en-US" smtClean="0"/>
-              <a:t>2020-08-07</a:t>
+              <a:t>2020-08-10</a:t>
             </a:fld>
             <a:endParaRPr lang="ko-KR" altLang="en-US"/>
           </a:p>
@@ -676,7 +677,7 @@
           <a:p>
             <a:fld id="{114F4981-A902-4C96-B316-F76B8AB2BDDE}" type="datetimeFigureOut">
               <a:rPr lang="ko-KR" altLang="en-US" smtClean="0"/>
-              <a:t>2020-08-07</a:t>
+              <a:t>2020-08-10</a:t>
             </a:fld>
             <a:endParaRPr lang="ko-KR" altLang="en-US"/>
           </a:p>
@@ -846,7 +847,7 @@
           <a:p>
             <a:fld id="{114F4981-A902-4C96-B316-F76B8AB2BDDE}" type="datetimeFigureOut">
               <a:rPr lang="ko-KR" altLang="en-US" smtClean="0"/>
-              <a:t>2020-08-07</a:t>
+              <a:t>2020-08-10</a:t>
             </a:fld>
             <a:endParaRPr lang="ko-KR" altLang="en-US"/>
           </a:p>
@@ -1026,7 +1027,7 @@
           <a:p>
             <a:fld id="{114F4981-A902-4C96-B316-F76B8AB2BDDE}" type="datetimeFigureOut">
               <a:rPr lang="ko-KR" altLang="en-US" smtClean="0"/>
-              <a:t>2020-08-07</a:t>
+              <a:t>2020-08-10</a:t>
             </a:fld>
             <a:endParaRPr lang="ko-KR" altLang="en-US"/>
           </a:p>
@@ -1196,7 +1197,7 @@
           <a:p>
             <a:fld id="{114F4981-A902-4C96-B316-F76B8AB2BDDE}" type="datetimeFigureOut">
               <a:rPr lang="ko-KR" altLang="en-US" smtClean="0"/>
-              <a:t>2020-08-07</a:t>
+              <a:t>2020-08-10</a:t>
             </a:fld>
             <a:endParaRPr lang="ko-KR" altLang="en-US"/>
           </a:p>
@@ -1442,7 +1443,7 @@
           <a:p>
             <a:fld id="{114F4981-A902-4C96-B316-F76B8AB2BDDE}" type="datetimeFigureOut">
               <a:rPr lang="ko-KR" altLang="en-US" smtClean="0"/>
-              <a:t>2020-08-07</a:t>
+              <a:t>2020-08-10</a:t>
             </a:fld>
             <a:endParaRPr lang="ko-KR" altLang="en-US"/>
           </a:p>
@@ -1730,7 +1731,7 @@
           <a:p>
             <a:fld id="{114F4981-A902-4C96-B316-F76B8AB2BDDE}" type="datetimeFigureOut">
               <a:rPr lang="ko-KR" altLang="en-US" smtClean="0"/>
-              <a:t>2020-08-07</a:t>
+              <a:t>2020-08-10</a:t>
             </a:fld>
             <a:endParaRPr lang="ko-KR" altLang="en-US"/>
           </a:p>
@@ -2152,7 +2153,7 @@
           <a:p>
             <a:fld id="{114F4981-A902-4C96-B316-F76B8AB2BDDE}" type="datetimeFigureOut">
               <a:rPr lang="ko-KR" altLang="en-US" smtClean="0"/>
-              <a:t>2020-08-07</a:t>
+              <a:t>2020-08-10</a:t>
             </a:fld>
             <a:endParaRPr lang="ko-KR" altLang="en-US"/>
           </a:p>
@@ -2270,7 +2271,7 @@
           <a:p>
             <a:fld id="{114F4981-A902-4C96-B316-F76B8AB2BDDE}" type="datetimeFigureOut">
               <a:rPr lang="ko-KR" altLang="en-US" smtClean="0"/>
-              <a:t>2020-08-07</a:t>
+              <a:t>2020-08-10</a:t>
             </a:fld>
             <a:endParaRPr lang="ko-KR" altLang="en-US"/>
           </a:p>
@@ -2365,7 +2366,7 @@
           <a:p>
             <a:fld id="{114F4981-A902-4C96-B316-F76B8AB2BDDE}" type="datetimeFigureOut">
               <a:rPr lang="ko-KR" altLang="en-US" smtClean="0"/>
-              <a:t>2020-08-07</a:t>
+              <a:t>2020-08-10</a:t>
             </a:fld>
             <a:endParaRPr lang="ko-KR" altLang="en-US"/>
           </a:p>
@@ -2642,7 +2643,7 @@
           <a:p>
             <a:fld id="{114F4981-A902-4C96-B316-F76B8AB2BDDE}" type="datetimeFigureOut">
               <a:rPr lang="ko-KR" altLang="en-US" smtClean="0"/>
-              <a:t>2020-08-07</a:t>
+              <a:t>2020-08-10</a:t>
             </a:fld>
             <a:endParaRPr lang="ko-KR" altLang="en-US"/>
           </a:p>
@@ -2895,7 +2896,7 @@
           <a:p>
             <a:fld id="{114F4981-A902-4C96-B316-F76B8AB2BDDE}" type="datetimeFigureOut">
               <a:rPr lang="ko-KR" altLang="en-US" smtClean="0"/>
-              <a:t>2020-08-07</a:t>
+              <a:t>2020-08-10</a:t>
             </a:fld>
             <a:endParaRPr lang="ko-KR" altLang="en-US"/>
           </a:p>
@@ -3108,7 +3109,7 @@
           <a:p>
             <a:fld id="{114F4981-A902-4C96-B316-F76B8AB2BDDE}" type="datetimeFigureOut">
               <a:rPr lang="ko-KR" altLang="en-US" smtClean="0"/>
-              <a:t>2020-08-07</a:t>
+              <a:t>2020-08-10</a:t>
             </a:fld>
             <a:endParaRPr lang="ko-KR" altLang="en-US"/>
           </a:p>
@@ -7932,15 +7933,7 @@
                     <a:schemeClr val="tx1"/>
                   </a:solidFill>
                 </a:rPr>
-                <a:t>(</a:t>
-              </a:r>
-              <a:r>
-                <a:rPr lang="en-US" altLang="ko-KR" dirty="0" smtClean="0">
-                  <a:solidFill>
-                    <a:schemeClr val="tx1"/>
-                  </a:solidFill>
-                </a:rPr>
-                <a:t>CSS</a:t>
+                <a:t>(CSS</a:t>
               </a:r>
               <a:r>
                 <a:rPr lang="ko-KR" altLang="en-US" dirty="0" smtClean="0">
@@ -15608,7 +15601,6 @@
               <a:rPr lang="ko-KR" altLang="en-US" dirty="0"/>
               <a:t>동</a:t>
             </a:r>
-            <a:endParaRPr lang="ko-KR" altLang="en-US" dirty="0"/>
           </a:p>
         </p:txBody>
       </p:sp>
@@ -16394,15 +16386,7 @@
                     <a:schemeClr val="tx1"/>
                   </a:solidFill>
                 </a:rPr>
-                <a:t>X</a:t>
-              </a:r>
-              <a:r>
-                <a:rPr lang="en-US" altLang="ko-KR" dirty="0" smtClean="0">
-                  <a:solidFill>
-                    <a:schemeClr val="tx1"/>
-                  </a:solidFill>
-                </a:rPr>
-                <a:t>)</a:t>
+                <a:t>X)</a:t>
               </a:r>
             </a:p>
             <a:p>
@@ -17930,6 +17914,33 @@
                 </a:rPr>
                 <a:t>)</a:t>
               </a:r>
+            </a:p>
+            <a:p>
+              <a:pPr algn="ctr"/>
+              <a:r>
+                <a:rPr lang="en-US" altLang="ko-KR" dirty="0" smtClean="0">
+                  <a:solidFill>
+                    <a:schemeClr val="tx1"/>
+                  </a:solidFill>
+                </a:rPr>
+                <a:t>(CSS</a:t>
+              </a:r>
+              <a:r>
+                <a:rPr lang="ko-KR" altLang="en-US" dirty="0" smtClean="0">
+                  <a:solidFill>
+                    <a:schemeClr val="tx1"/>
+                  </a:solidFill>
+                </a:rPr>
+                <a:t>완료</a:t>
+              </a:r>
+              <a:r>
+                <a:rPr lang="en-US" altLang="ko-KR" dirty="0" smtClean="0">
+                  <a:solidFill>
+                    <a:schemeClr val="tx1"/>
+                  </a:solidFill>
+                </a:rPr>
+                <a:t>)</a:t>
+              </a:r>
               <a:endParaRPr lang="ko-KR" altLang="en-US" dirty="0">
                 <a:solidFill>
                   <a:schemeClr val="tx1"/>
@@ -18966,7 +18977,7 @@
               <a:t>배송지</a:t>
             </a:r>
             <a:r>
-              <a:rPr lang="en-US" altLang="ko-KR" smtClean="0"/>
+              <a:rPr lang="en-US" altLang="ko-KR" dirty="0" smtClean="0"/>
               <a:t>)</a:t>
             </a:r>
             <a:endParaRPr lang="ko-KR" altLang="en-US" dirty="0"/>
@@ -21015,6 +21026,33 @@
                 </a:rPr>
                 <a:t>)</a:t>
               </a:r>
+            </a:p>
+            <a:p>
+              <a:pPr algn="ctr"/>
+              <a:r>
+                <a:rPr lang="en-US" altLang="ko-KR" dirty="0" smtClean="0">
+                  <a:solidFill>
+                    <a:schemeClr val="tx1"/>
+                  </a:solidFill>
+                </a:rPr>
+                <a:t>(CSS</a:t>
+              </a:r>
+              <a:r>
+                <a:rPr lang="ko-KR" altLang="en-US" dirty="0" smtClean="0">
+                  <a:solidFill>
+                    <a:schemeClr val="tx1"/>
+                  </a:solidFill>
+                </a:rPr>
+                <a:t>완료</a:t>
+              </a:r>
+              <a:r>
+                <a:rPr lang="en-US" altLang="ko-KR" dirty="0" smtClean="0">
+                  <a:solidFill>
+                    <a:schemeClr val="tx1"/>
+                  </a:solidFill>
+                </a:rPr>
+                <a:t>)</a:t>
+              </a:r>
               <a:endParaRPr lang="ko-KR" altLang="en-US" dirty="0">
                 <a:solidFill>
                   <a:schemeClr val="tx1"/>
@@ -22365,6 +22403,41 @@
                 </a:rPr>
                 <a:t>)</a:t>
               </a:r>
+            </a:p>
+            <a:p>
+              <a:pPr algn="ctr"/>
+              <a:r>
+                <a:rPr lang="en-US" altLang="ko-KR" dirty="0" smtClean="0">
+                  <a:solidFill>
+                    <a:schemeClr val="tx1"/>
+                  </a:solidFill>
+                </a:rPr>
+                <a:t>(CSS</a:t>
+              </a:r>
+              <a:r>
+                <a:rPr lang="ko-KR" altLang="en-US" dirty="0" smtClean="0">
+                  <a:solidFill>
+                    <a:schemeClr val="tx1"/>
+                  </a:solidFill>
+                </a:rPr>
+                <a:t>완료</a:t>
+              </a:r>
+              <a:r>
+                <a:rPr lang="en-US" altLang="ko-KR" dirty="0" smtClean="0">
+                  <a:solidFill>
+                    <a:schemeClr val="tx1"/>
+                  </a:solidFill>
+                </a:rPr>
+                <a:t>)</a:t>
+              </a:r>
+              <a:endParaRPr lang="en-US" altLang="ko-KR" dirty="0" smtClean="0">
+                <a:solidFill>
+                  <a:schemeClr val="tx1"/>
+                </a:solidFill>
+              </a:endParaRPr>
+            </a:p>
+            <a:p>
+              <a:pPr algn="ctr"/>
               <a:endParaRPr lang="ko-KR" altLang="en-US" dirty="0">
                 <a:solidFill>
                   <a:schemeClr val="tx1"/>
@@ -23853,6 +23926,33 @@
                 </a:rPr>
                 <a:t>)</a:t>
               </a:r>
+            </a:p>
+            <a:p>
+              <a:pPr algn="ctr"/>
+              <a:r>
+                <a:rPr lang="en-US" altLang="ko-KR" dirty="0" smtClean="0">
+                  <a:solidFill>
+                    <a:schemeClr val="tx1"/>
+                  </a:solidFill>
+                </a:rPr>
+                <a:t>(CSS</a:t>
+              </a:r>
+              <a:r>
+                <a:rPr lang="ko-KR" altLang="en-US" dirty="0" smtClean="0">
+                  <a:solidFill>
+                    <a:schemeClr val="tx1"/>
+                  </a:solidFill>
+                </a:rPr>
+                <a:t>완료</a:t>
+              </a:r>
+              <a:r>
+                <a:rPr lang="en-US" altLang="ko-KR" dirty="0" smtClean="0">
+                  <a:solidFill>
+                    <a:schemeClr val="tx1"/>
+                  </a:solidFill>
+                </a:rPr>
+                <a:t>)</a:t>
+              </a:r>
               <a:endParaRPr lang="ko-KR" altLang="en-US" dirty="0">
                 <a:solidFill>
                   <a:schemeClr val="tx1"/>
@@ -25582,7 +25682,7 @@
                     <a:schemeClr val="tx1"/>
                   </a:solidFill>
                 </a:rPr>
-                <a:t> A/S </a:t>
+                <a:t>A/S </a:t>
               </a:r>
               <a:r>
                 <a:rPr lang="ko-KR" altLang="en-US" dirty="0" smtClean="0">
@@ -25590,7 +25690,7 @@
                     <a:schemeClr val="tx1"/>
                   </a:solidFill>
                 </a:rPr>
-                <a:t>목록</a:t>
+                <a:t>신청</a:t>
               </a:r>
               <a:endParaRPr lang="en-US" altLang="ko-KR" dirty="0" smtClean="0">
                 <a:solidFill>
@@ -25615,6 +25715,33 @@
                   </a:solidFill>
                 </a:rPr>
                 <a:t>이용자</a:t>
+              </a:r>
+              <a:r>
+                <a:rPr lang="en-US" altLang="ko-KR" dirty="0" smtClean="0">
+                  <a:solidFill>
+                    <a:schemeClr val="tx1"/>
+                  </a:solidFill>
+                </a:rPr>
+                <a:t>)</a:t>
+              </a:r>
+            </a:p>
+            <a:p>
+              <a:pPr algn="ctr"/>
+              <a:r>
+                <a:rPr lang="en-US" altLang="ko-KR" dirty="0" smtClean="0">
+                  <a:solidFill>
+                    <a:schemeClr val="tx1"/>
+                  </a:solidFill>
+                </a:rPr>
+                <a:t>(CSS</a:t>
+              </a:r>
+              <a:r>
+                <a:rPr lang="ko-KR" altLang="en-US" dirty="0" smtClean="0">
+                  <a:solidFill>
+                    <a:schemeClr val="tx1"/>
+                  </a:solidFill>
+                </a:rPr>
+                <a:t>완료</a:t>
               </a:r>
               <a:r>
                 <a:rPr lang="en-US" altLang="ko-KR" dirty="0" smtClean="0">
@@ -26541,8 +26668,8 @@
         </p:nvSpPr>
         <p:spPr>
           <a:xfrm>
-            <a:off x="1835696" y="2542334"/>
-            <a:ext cx="5572000" cy="2902889"/>
+            <a:off x="1835696" y="1844824"/>
+            <a:ext cx="5572000" cy="3528391"/>
           </a:xfrm>
           <a:prstGeom prst="rect">
             <a:avLst/>
@@ -26575,244 +26702,14 @@
       </p:sp>
       <p:sp>
         <p:nvSpPr>
-          <p:cNvPr id="2" name="직사각형 1"/>
+          <p:cNvPr id="11" name="직사각형 10"/>
           <p:cNvSpPr/>
           <p:nvPr/>
         </p:nvSpPr>
         <p:spPr>
           <a:xfrm>
-            <a:off x="2051720" y="2758359"/>
-            <a:ext cx="5040560" cy="360040"/>
-          </a:xfrm>
-          <a:prstGeom prst="rect">
-            <a:avLst/>
-          </a:prstGeom>
-          <a:solidFill>
-            <a:schemeClr val="accent1">
-              <a:lumMod val="40000"/>
-              <a:lumOff val="60000"/>
-            </a:schemeClr>
-          </a:solidFill>
-        </p:spPr>
-        <p:style>
-          <a:lnRef idx="2">
-            <a:schemeClr val="accent1">
-              <a:shade val="50000"/>
-            </a:schemeClr>
-          </a:lnRef>
-          <a:fillRef idx="1">
-            <a:schemeClr val="accent1"/>
-          </a:fillRef>
-          <a:effectRef idx="0">
-            <a:schemeClr val="accent1"/>
-          </a:effectRef>
-          <a:fontRef idx="minor">
-            <a:schemeClr val="lt1"/>
-          </a:fontRef>
-        </p:style>
-        <p:txBody>
-          <a:bodyPr rtlCol="0" anchor="ctr"/>
-          <a:lstStyle/>
-          <a:p>
-            <a:pPr algn="ctr"/>
-            <a:r>
-              <a:rPr lang="ko-KR" altLang="en-US" dirty="0" smtClean="0"/>
-              <a:t>주문번호 </a:t>
-            </a:r>
-            <a:r>
-              <a:rPr lang="en-US" altLang="ko-KR" dirty="0" smtClean="0"/>
-              <a:t>1 </a:t>
-            </a:r>
-            <a:r>
-              <a:rPr lang="ko-KR" altLang="en-US" dirty="0"/>
-              <a:t>정보</a:t>
-            </a:r>
-          </a:p>
-        </p:txBody>
-      </p:sp>
-      <p:sp>
-        <p:nvSpPr>
-          <p:cNvPr id="31" name="직사각형 30"/>
-          <p:cNvSpPr/>
-          <p:nvPr/>
-        </p:nvSpPr>
-        <p:spPr>
-          <a:xfrm>
-            <a:off x="2051720" y="3298419"/>
-            <a:ext cx="5040560" cy="360040"/>
-          </a:xfrm>
-          <a:prstGeom prst="rect">
-            <a:avLst/>
-          </a:prstGeom>
-          <a:solidFill>
-            <a:schemeClr val="accent1">
-              <a:lumMod val="40000"/>
-              <a:lumOff val="60000"/>
-            </a:schemeClr>
-          </a:solidFill>
-        </p:spPr>
-        <p:style>
-          <a:lnRef idx="2">
-            <a:schemeClr val="accent1">
-              <a:shade val="50000"/>
-            </a:schemeClr>
-          </a:lnRef>
-          <a:fillRef idx="1">
-            <a:schemeClr val="accent1"/>
-          </a:fillRef>
-          <a:effectRef idx="0">
-            <a:schemeClr val="accent1"/>
-          </a:effectRef>
-          <a:fontRef idx="minor">
-            <a:schemeClr val="lt1"/>
-          </a:fontRef>
-        </p:style>
-        <p:txBody>
-          <a:bodyPr rtlCol="0" anchor="ctr"/>
-          <a:lstStyle/>
-          <a:p>
-            <a:pPr algn="ctr"/>
-            <a:r>
-              <a:rPr lang="ko-KR" altLang="en-US" dirty="0" smtClean="0"/>
-              <a:t>주문번호 </a:t>
-            </a:r>
-            <a:r>
-              <a:rPr lang="en-US" altLang="ko-KR" dirty="0" smtClean="0"/>
-              <a:t>2 </a:t>
-            </a:r>
-            <a:r>
-              <a:rPr lang="ko-KR" altLang="en-US" dirty="0"/>
-              <a:t>정보</a:t>
-            </a:r>
-          </a:p>
-        </p:txBody>
-      </p:sp>
-      <p:sp>
-        <p:nvSpPr>
-          <p:cNvPr id="32" name="직사각형 31"/>
-          <p:cNvSpPr/>
-          <p:nvPr/>
-        </p:nvSpPr>
-        <p:spPr>
-          <a:xfrm>
-            <a:off x="2051720" y="3838479"/>
-            <a:ext cx="5040560" cy="360040"/>
-          </a:xfrm>
-          <a:prstGeom prst="rect">
-            <a:avLst/>
-          </a:prstGeom>
-          <a:solidFill>
-            <a:schemeClr val="accent1">
-              <a:lumMod val="40000"/>
-              <a:lumOff val="60000"/>
-            </a:schemeClr>
-          </a:solidFill>
-        </p:spPr>
-        <p:style>
-          <a:lnRef idx="2">
-            <a:schemeClr val="accent1">
-              <a:shade val="50000"/>
-            </a:schemeClr>
-          </a:lnRef>
-          <a:fillRef idx="1">
-            <a:schemeClr val="accent1"/>
-          </a:fillRef>
-          <a:effectRef idx="0">
-            <a:schemeClr val="accent1"/>
-          </a:effectRef>
-          <a:fontRef idx="minor">
-            <a:schemeClr val="lt1"/>
-          </a:fontRef>
-        </p:style>
-        <p:txBody>
-          <a:bodyPr rtlCol="0" anchor="ctr"/>
-          <a:lstStyle/>
-          <a:p>
-            <a:pPr algn="ctr"/>
-            <a:r>
-              <a:rPr lang="ko-KR" altLang="en-US" dirty="0" smtClean="0"/>
-              <a:t>주문번호 </a:t>
-            </a:r>
-            <a:r>
-              <a:rPr lang="en-US" altLang="ko-KR" dirty="0" smtClean="0"/>
-              <a:t>3 </a:t>
-            </a:r>
-            <a:r>
-              <a:rPr lang="ko-KR" altLang="en-US" dirty="0" smtClean="0"/>
-              <a:t>정보</a:t>
-            </a:r>
-            <a:endParaRPr lang="ko-KR" altLang="en-US" dirty="0"/>
-          </a:p>
-        </p:txBody>
-      </p:sp>
-      <p:sp>
-        <p:nvSpPr>
-          <p:cNvPr id="33" name="직사각형 32"/>
-          <p:cNvSpPr/>
-          <p:nvPr/>
-        </p:nvSpPr>
-        <p:spPr>
-          <a:xfrm>
-            <a:off x="2051720" y="4365104"/>
-            <a:ext cx="5040560" cy="360040"/>
-          </a:xfrm>
-          <a:prstGeom prst="rect">
-            <a:avLst/>
-          </a:prstGeom>
-          <a:solidFill>
-            <a:schemeClr val="accent1">
-              <a:lumMod val="40000"/>
-              <a:lumOff val="60000"/>
-            </a:schemeClr>
-          </a:solidFill>
-        </p:spPr>
-        <p:style>
-          <a:lnRef idx="2">
-            <a:schemeClr val="accent1">
-              <a:shade val="50000"/>
-            </a:schemeClr>
-          </a:lnRef>
-          <a:fillRef idx="1">
-            <a:schemeClr val="accent1"/>
-          </a:fillRef>
-          <a:effectRef idx="0">
-            <a:schemeClr val="accent1"/>
-          </a:effectRef>
-          <a:fontRef idx="minor">
-            <a:schemeClr val="lt1"/>
-          </a:fontRef>
-        </p:style>
-        <p:txBody>
-          <a:bodyPr rtlCol="0" anchor="ctr"/>
-          <a:lstStyle/>
-          <a:p>
-            <a:pPr algn="ctr"/>
-            <a:r>
-              <a:rPr lang="ko-KR" altLang="en-US" dirty="0" smtClean="0"/>
-              <a:t>주문번호 </a:t>
-            </a:r>
-            <a:r>
-              <a:rPr lang="en-US" altLang="ko-KR" dirty="0" smtClean="0"/>
-              <a:t>4 </a:t>
-            </a:r>
-            <a:r>
-              <a:rPr lang="ko-KR" altLang="en-US" dirty="0" smtClean="0"/>
-              <a:t>정보</a:t>
-            </a:r>
-            <a:endParaRPr lang="ko-KR" altLang="en-US" dirty="0"/>
-          </a:p>
-        </p:txBody>
-      </p:sp>
-      <p:sp>
-        <p:nvSpPr>
-          <p:cNvPr id="34" name="직사각형 33"/>
-          <p:cNvSpPr/>
-          <p:nvPr/>
-        </p:nvSpPr>
-        <p:spPr>
-          <a:xfrm>
-            <a:off x="8028384" y="116632"/>
-            <a:ext cx="936104" cy="432048"/>
+            <a:off x="3635896" y="5589240"/>
+            <a:ext cx="1944216" cy="288032"/>
           </a:xfrm>
           <a:prstGeom prst="rect">
             <a:avLst/>
@@ -26840,22 +26737,179 @@
           <a:p>
             <a:pPr algn="ctr"/>
             <a:r>
-              <a:rPr lang="ko-KR" altLang="en-US" sz="1400" dirty="0" smtClean="0"/>
-              <a:t>주문조회</a:t>
-            </a:r>
-            <a:endParaRPr lang="ko-KR" altLang="en-US" sz="1400" dirty="0"/>
-          </a:p>
-        </p:txBody>
-      </p:sp>
-      <p:sp>
-        <p:nvSpPr>
-          <p:cNvPr id="36" name="직사각형 35"/>
+              <a:rPr lang="ko-KR" altLang="en-US" dirty="0" smtClean="0"/>
+              <a:t>선택제품 반품</a:t>
+            </a:r>
+            <a:endParaRPr lang="ko-KR" altLang="en-US" dirty="0"/>
+          </a:p>
+        </p:txBody>
+      </p:sp>
+      <p:sp>
+        <p:nvSpPr>
+          <p:cNvPr id="2" name="직사각형 1"/>
           <p:cNvSpPr/>
           <p:nvPr/>
         </p:nvSpPr>
         <p:spPr>
           <a:xfrm>
-            <a:off x="8028384" y="699987"/>
+            <a:off x="2337614" y="2780928"/>
+            <a:ext cx="4536504" cy="360040"/>
+          </a:xfrm>
+          <a:prstGeom prst="rect">
+            <a:avLst/>
+          </a:prstGeom>
+          <a:solidFill>
+            <a:schemeClr val="accent1">
+              <a:lumMod val="40000"/>
+              <a:lumOff val="60000"/>
+            </a:schemeClr>
+          </a:solidFill>
+        </p:spPr>
+        <p:style>
+          <a:lnRef idx="2">
+            <a:schemeClr val="accent1">
+              <a:shade val="50000"/>
+            </a:schemeClr>
+          </a:lnRef>
+          <a:fillRef idx="1">
+            <a:schemeClr val="accent1"/>
+          </a:fillRef>
+          <a:effectRef idx="0">
+            <a:schemeClr val="accent1"/>
+          </a:effectRef>
+          <a:fontRef idx="minor">
+            <a:schemeClr val="lt1"/>
+          </a:fontRef>
+        </p:style>
+        <p:txBody>
+          <a:bodyPr rtlCol="0" anchor="ctr"/>
+          <a:lstStyle/>
+          <a:p>
+            <a:pPr algn="ctr"/>
+            <a:r>
+              <a:rPr lang="ko-KR" altLang="en-US" dirty="0" smtClean="0"/>
+              <a:t>주문한 물품</a:t>
+            </a:r>
+            <a:r>
+              <a:rPr lang="en-US" altLang="ko-KR" dirty="0" smtClean="0"/>
+              <a:t>2</a:t>
+            </a:r>
+            <a:endParaRPr lang="ko-KR" altLang="en-US" dirty="0"/>
+          </a:p>
+        </p:txBody>
+      </p:sp>
+      <p:sp>
+        <p:nvSpPr>
+          <p:cNvPr id="31" name="직사각형 30"/>
+          <p:cNvSpPr/>
+          <p:nvPr/>
+        </p:nvSpPr>
+        <p:spPr>
+          <a:xfrm>
+            <a:off x="2337614" y="3212976"/>
+            <a:ext cx="2952328" cy="360040"/>
+          </a:xfrm>
+          <a:prstGeom prst="rect">
+            <a:avLst/>
+          </a:prstGeom>
+          <a:solidFill>
+            <a:schemeClr val="accent1">
+              <a:lumMod val="40000"/>
+              <a:lumOff val="60000"/>
+            </a:schemeClr>
+          </a:solidFill>
+        </p:spPr>
+        <p:style>
+          <a:lnRef idx="2">
+            <a:schemeClr val="accent1">
+              <a:shade val="50000"/>
+            </a:schemeClr>
+          </a:lnRef>
+          <a:fillRef idx="1">
+            <a:schemeClr val="accent1"/>
+          </a:fillRef>
+          <a:effectRef idx="0">
+            <a:schemeClr val="accent1"/>
+          </a:effectRef>
+          <a:fontRef idx="minor">
+            <a:schemeClr val="lt1"/>
+          </a:fontRef>
+        </p:style>
+        <p:txBody>
+          <a:bodyPr rtlCol="0" anchor="ctr"/>
+          <a:lstStyle/>
+          <a:p>
+            <a:pPr algn="ctr"/>
+            <a:r>
+              <a:rPr lang="ko-KR" altLang="en-US" dirty="0" smtClean="0"/>
+              <a:t>제품명 나열</a:t>
+            </a:r>
+            <a:endParaRPr lang="ko-KR" altLang="en-US" dirty="0"/>
+          </a:p>
+        </p:txBody>
+      </p:sp>
+      <p:sp>
+        <p:nvSpPr>
+          <p:cNvPr id="32" name="직사각형 31"/>
+          <p:cNvSpPr/>
+          <p:nvPr/>
+        </p:nvSpPr>
+        <p:spPr>
+          <a:xfrm>
+            <a:off x="2337614" y="3717033"/>
+            <a:ext cx="4536504" cy="1512168"/>
+          </a:xfrm>
+          <a:prstGeom prst="rect">
+            <a:avLst/>
+          </a:prstGeom>
+          <a:solidFill>
+            <a:schemeClr val="accent1">
+              <a:lumMod val="40000"/>
+              <a:lumOff val="60000"/>
+            </a:schemeClr>
+          </a:solidFill>
+        </p:spPr>
+        <p:style>
+          <a:lnRef idx="2">
+            <a:schemeClr val="accent1">
+              <a:shade val="50000"/>
+            </a:schemeClr>
+          </a:lnRef>
+          <a:fillRef idx="1">
+            <a:schemeClr val="accent1"/>
+          </a:fillRef>
+          <a:effectRef idx="0">
+            <a:schemeClr val="accent1"/>
+          </a:effectRef>
+          <a:fontRef idx="minor">
+            <a:schemeClr val="lt1"/>
+          </a:fontRef>
+        </p:style>
+        <p:txBody>
+          <a:bodyPr rtlCol="0" anchor="ctr"/>
+          <a:lstStyle/>
+          <a:p>
+            <a:pPr algn="ctr"/>
+            <a:r>
+              <a:rPr lang="ko-KR" altLang="en-US" dirty="0" smtClean="0"/>
+              <a:t>내</a:t>
+            </a:r>
+            <a:r>
+              <a:rPr lang="ko-KR" altLang="en-US" dirty="0"/>
+              <a:t>용</a:t>
+            </a:r>
+          </a:p>
+        </p:txBody>
+      </p:sp>
+      <p:sp>
+        <p:nvSpPr>
+          <p:cNvPr id="34" name="직사각형 33"/>
+          <p:cNvSpPr/>
+          <p:nvPr/>
+        </p:nvSpPr>
+        <p:spPr>
+          <a:xfrm>
+            <a:off x="8028384" y="116632"/>
             <a:ext cx="936104" cy="432048"/>
           </a:xfrm>
           <a:prstGeom prst="rect">
@@ -26885,7 +26939,7 @@
             <a:pPr algn="ctr"/>
             <a:r>
               <a:rPr lang="ko-KR" altLang="en-US" sz="1400" dirty="0" smtClean="0"/>
-              <a:t>배송조회</a:t>
+              <a:t>주문조회</a:t>
             </a:r>
             <a:endParaRPr lang="ko-KR" altLang="en-US" sz="1400" dirty="0"/>
           </a:p>
@@ -26893,14 +26947,14 @@
       </p:sp>
       <p:sp>
         <p:nvSpPr>
-          <p:cNvPr id="42" name="직사각형 41"/>
+          <p:cNvPr id="36" name="직사각형 35"/>
           <p:cNvSpPr/>
           <p:nvPr/>
         </p:nvSpPr>
         <p:spPr>
           <a:xfrm>
-            <a:off x="8028384" y="1268760"/>
-            <a:ext cx="936104" cy="864096"/>
+            <a:off x="8028384" y="699987"/>
+            <a:ext cx="936104" cy="432048"/>
           </a:xfrm>
           <a:prstGeom prst="rect">
             <a:avLst/>
@@ -26928,6 +26982,50 @@
           <a:p>
             <a:pPr algn="ctr"/>
             <a:r>
+              <a:rPr lang="ko-KR" altLang="en-US" sz="1400" dirty="0" smtClean="0"/>
+              <a:t>배송조회</a:t>
+            </a:r>
+            <a:endParaRPr lang="ko-KR" altLang="en-US" sz="1400" dirty="0"/>
+          </a:p>
+        </p:txBody>
+      </p:sp>
+      <p:sp>
+        <p:nvSpPr>
+          <p:cNvPr id="42" name="직사각형 41"/>
+          <p:cNvSpPr/>
+          <p:nvPr/>
+        </p:nvSpPr>
+        <p:spPr>
+          <a:xfrm>
+            <a:off x="8028384" y="1268760"/>
+            <a:ext cx="936104" cy="864096"/>
+          </a:xfrm>
+          <a:prstGeom prst="rect">
+            <a:avLst/>
+          </a:prstGeom>
+        </p:spPr>
+        <p:style>
+          <a:lnRef idx="2">
+            <a:schemeClr val="accent1">
+              <a:shade val="50000"/>
+            </a:schemeClr>
+          </a:lnRef>
+          <a:fillRef idx="1">
+            <a:schemeClr val="accent1"/>
+          </a:fillRef>
+          <a:effectRef idx="0">
+            <a:schemeClr val="accent1"/>
+          </a:effectRef>
+          <a:fontRef idx="minor">
+            <a:schemeClr val="lt1"/>
+          </a:fontRef>
+        </p:style>
+        <p:txBody>
+          <a:bodyPr rtlCol="0" anchor="ctr"/>
+          <a:lstStyle/>
+          <a:p>
+            <a:pPr algn="ctr"/>
+            <a:r>
               <a:rPr lang="en-US" altLang="ko-KR" sz="1400" smtClean="0"/>
               <a:t>C/S </a:t>
             </a:r>
@@ -26936,13 +27034,267 @@
               <a:t>관련</a:t>
             </a:r>
             <a:endParaRPr lang="ko-KR" altLang="en-US" sz="1400" dirty="0"/>
+          </a:p>
+        </p:txBody>
+      </p:sp>
+      <p:sp>
+        <p:nvSpPr>
+          <p:cNvPr id="43" name="직사각형 42"/>
+          <p:cNvSpPr/>
+          <p:nvPr/>
+        </p:nvSpPr>
+        <p:spPr>
+          <a:xfrm>
+            <a:off x="2337614" y="2348880"/>
+            <a:ext cx="4536504" cy="360040"/>
+          </a:xfrm>
+          <a:prstGeom prst="rect">
+            <a:avLst/>
+          </a:prstGeom>
+          <a:solidFill>
+            <a:schemeClr val="accent1">
+              <a:lumMod val="40000"/>
+              <a:lumOff val="60000"/>
+            </a:schemeClr>
+          </a:solidFill>
+        </p:spPr>
+        <p:style>
+          <a:lnRef idx="2">
+            <a:schemeClr val="accent1">
+              <a:shade val="50000"/>
+            </a:schemeClr>
+          </a:lnRef>
+          <a:fillRef idx="1">
+            <a:schemeClr val="accent1"/>
+          </a:fillRef>
+          <a:effectRef idx="0">
+            <a:schemeClr val="accent1"/>
+          </a:effectRef>
+          <a:fontRef idx="minor">
+            <a:schemeClr val="lt1"/>
+          </a:fontRef>
+        </p:style>
+        <p:txBody>
+          <a:bodyPr rtlCol="0" anchor="ctr"/>
+          <a:lstStyle/>
+          <a:p>
+            <a:pPr algn="ctr"/>
+            <a:r>
+              <a:rPr lang="ko-KR" altLang="en-US" dirty="0" smtClean="0"/>
+              <a:t>주문한 물품</a:t>
+            </a:r>
+            <a:r>
+              <a:rPr lang="en-US" altLang="ko-KR" dirty="0" smtClean="0"/>
+              <a:t>1</a:t>
+            </a:r>
+            <a:endParaRPr lang="ko-KR" altLang="en-US" dirty="0"/>
+          </a:p>
+        </p:txBody>
+      </p:sp>
+      <p:sp>
+        <p:nvSpPr>
+          <p:cNvPr id="50" name="직사각형 49"/>
+          <p:cNvSpPr/>
+          <p:nvPr/>
+        </p:nvSpPr>
+        <p:spPr>
+          <a:xfrm>
+            <a:off x="2337614" y="1916832"/>
+            <a:ext cx="4536504" cy="360040"/>
+          </a:xfrm>
+          <a:prstGeom prst="rect">
+            <a:avLst/>
+          </a:prstGeom>
+          <a:solidFill>
+            <a:schemeClr val="accent1">
+              <a:lumMod val="40000"/>
+              <a:lumOff val="60000"/>
+            </a:schemeClr>
+          </a:solidFill>
+        </p:spPr>
+        <p:style>
+          <a:lnRef idx="2">
+            <a:schemeClr val="accent1">
+              <a:shade val="50000"/>
+            </a:schemeClr>
+          </a:lnRef>
+          <a:fillRef idx="1">
+            <a:schemeClr val="accent1"/>
+          </a:fillRef>
+          <a:effectRef idx="0">
+            <a:schemeClr val="accent1"/>
+          </a:effectRef>
+          <a:fontRef idx="minor">
+            <a:schemeClr val="lt1"/>
+          </a:fontRef>
+        </p:style>
+        <p:txBody>
+          <a:bodyPr rtlCol="0" anchor="ctr"/>
+          <a:lstStyle/>
+          <a:p>
+            <a:pPr algn="ctr"/>
+            <a:r>
+              <a:rPr lang="ko-KR" altLang="en-US" dirty="0" smtClean="0"/>
+              <a:t>주문번호</a:t>
+            </a:r>
+            <a:endParaRPr lang="ko-KR" altLang="en-US" dirty="0"/>
+          </a:p>
+        </p:txBody>
+      </p:sp>
+      <p:sp>
+        <p:nvSpPr>
+          <p:cNvPr id="52" name="직사각형 51"/>
+          <p:cNvSpPr/>
+          <p:nvPr/>
+        </p:nvSpPr>
+        <p:spPr>
+          <a:xfrm>
+            <a:off x="5400092" y="3212976"/>
+            <a:ext cx="1476164" cy="360040"/>
+          </a:xfrm>
+          <a:prstGeom prst="rect">
+            <a:avLst/>
+          </a:prstGeom>
+          <a:solidFill>
+            <a:schemeClr val="accent1">
+              <a:lumMod val="40000"/>
+              <a:lumOff val="60000"/>
+            </a:schemeClr>
+          </a:solidFill>
+        </p:spPr>
+        <p:style>
+          <a:lnRef idx="2">
+            <a:schemeClr val="accent1">
+              <a:shade val="50000"/>
+            </a:schemeClr>
+          </a:lnRef>
+          <a:fillRef idx="1">
+            <a:schemeClr val="accent1"/>
+          </a:fillRef>
+          <a:effectRef idx="0">
+            <a:schemeClr val="accent1"/>
+          </a:effectRef>
+          <a:fontRef idx="minor">
+            <a:schemeClr val="lt1"/>
+          </a:fontRef>
+        </p:style>
+        <p:txBody>
+          <a:bodyPr rtlCol="0" anchor="ctr"/>
+          <a:lstStyle/>
+          <a:p>
+            <a:pPr algn="ctr"/>
+            <a:r>
+              <a:rPr lang="ko-KR" altLang="en-US" dirty="0" smtClean="0"/>
+              <a:t>사유</a:t>
+            </a:r>
+            <a:endParaRPr lang="ko-KR" altLang="en-US" dirty="0"/>
+          </a:p>
+        </p:txBody>
+      </p:sp>
+      <p:sp>
+        <p:nvSpPr>
+          <p:cNvPr id="40" name="직사각형 39"/>
+          <p:cNvSpPr/>
+          <p:nvPr/>
+        </p:nvSpPr>
+        <p:spPr>
+          <a:xfrm>
+            <a:off x="2337614" y="2348880"/>
+            <a:ext cx="360040" cy="360040"/>
+          </a:xfrm>
+          <a:prstGeom prst="rect">
+            <a:avLst/>
+          </a:prstGeom>
+          <a:solidFill>
+            <a:schemeClr val="tx2">
+              <a:lumMod val="40000"/>
+              <a:lumOff val="60000"/>
+            </a:schemeClr>
+          </a:solidFill>
+        </p:spPr>
+        <p:style>
+          <a:lnRef idx="2">
+            <a:schemeClr val="accent1">
+              <a:shade val="50000"/>
+            </a:schemeClr>
+          </a:lnRef>
+          <a:fillRef idx="1">
+            <a:schemeClr val="accent1"/>
+          </a:fillRef>
+          <a:effectRef idx="0">
+            <a:schemeClr val="accent1"/>
+          </a:effectRef>
+          <a:fontRef idx="minor">
+            <a:schemeClr val="lt1"/>
+          </a:fontRef>
+        </p:style>
+        <p:txBody>
+          <a:bodyPr rtlCol="0" anchor="ctr"/>
+          <a:lstStyle/>
+          <a:p>
+            <a:pPr algn="ctr"/>
+            <a:r>
+              <a:rPr lang="en-US" altLang="ko-KR" dirty="0" smtClean="0"/>
+              <a:t>V</a:t>
+            </a:r>
+            <a:endParaRPr lang="ko-KR" altLang="en-US" dirty="0"/>
+          </a:p>
+        </p:txBody>
+      </p:sp>
+      <p:sp>
+        <p:nvSpPr>
+          <p:cNvPr id="41" name="직사각형 40"/>
+          <p:cNvSpPr/>
+          <p:nvPr/>
+        </p:nvSpPr>
+        <p:spPr>
+          <a:xfrm>
+            <a:off x="2337614" y="2780928"/>
+            <a:ext cx="360040" cy="360040"/>
+          </a:xfrm>
+          <a:prstGeom prst="rect">
+            <a:avLst/>
+          </a:prstGeom>
+          <a:solidFill>
+            <a:schemeClr val="tx2">
+              <a:lumMod val="40000"/>
+              <a:lumOff val="60000"/>
+            </a:schemeClr>
+          </a:solidFill>
+        </p:spPr>
+        <p:style>
+          <a:lnRef idx="2">
+            <a:schemeClr val="accent1">
+              <a:shade val="50000"/>
+            </a:schemeClr>
+          </a:lnRef>
+          <a:fillRef idx="1">
+            <a:schemeClr val="accent1"/>
+          </a:fillRef>
+          <a:effectRef idx="0">
+            <a:schemeClr val="accent1"/>
+          </a:effectRef>
+          <a:fontRef idx="minor">
+            <a:schemeClr val="lt1"/>
+          </a:fontRef>
+        </p:style>
+        <p:txBody>
+          <a:bodyPr rtlCol="0" anchor="ctr"/>
+          <a:lstStyle/>
+          <a:p>
+            <a:pPr algn="ctr"/>
+            <a:r>
+              <a:rPr lang="en-US" altLang="ko-KR" dirty="0" smtClean="0"/>
+              <a:t>V</a:t>
+            </a:r>
+            <a:endParaRPr lang="ko-KR" altLang="en-US" dirty="0"/>
           </a:p>
         </p:txBody>
       </p:sp>
     </p:spTree>
     <p:extLst>
       <p:ext uri="{BB962C8B-B14F-4D97-AF65-F5344CB8AC3E}">
-        <p14:creationId xmlns:p14="http://schemas.microsoft.com/office/powerpoint/2010/main" val="1241195974"/>
+        <p14:creationId xmlns:p14="http://schemas.microsoft.com/office/powerpoint/2010/main" val="2430483524"/>
       </p:ext>
     </p:extLst>
   </p:cSld>
@@ -27073,20 +27425,66 @@
             <a:p>
               <a:pPr algn="ctr"/>
               <a:r>
+                <a:rPr lang="ko-KR" altLang="en-US" dirty="0" smtClean="0">
+                  <a:solidFill>
+                    <a:schemeClr val="tx1"/>
+                  </a:solidFill>
+                </a:rPr>
+                <a:t>주문 개편</a:t>
+              </a:r>
+              <a:endParaRPr lang="en-US" altLang="ko-KR" dirty="0" smtClean="0">
+                <a:solidFill>
+                  <a:schemeClr val="tx1"/>
+                </a:solidFill>
+              </a:endParaRPr>
+            </a:p>
+            <a:p>
+              <a:pPr algn="ctr"/>
+              <a:r>
                 <a:rPr lang="en-US" altLang="ko-KR" dirty="0" smtClean="0">
                   <a:solidFill>
                     <a:schemeClr val="tx1"/>
                   </a:solidFill>
                 </a:rPr>
-                <a:t>A/S </a:t>
-              </a:r>
+                <a:t>&amp;</a:t>
+              </a:r>
+            </a:p>
+            <a:p>
+              <a:pPr algn="ctr"/>
               <a:r>
                 <a:rPr lang="ko-KR" altLang="en-US" dirty="0" smtClean="0">
                   <a:solidFill>
                     <a:schemeClr val="tx1"/>
                   </a:solidFill>
                 </a:rPr>
-                <a:t>신청</a:t>
+                <a:t>반품 조회</a:t>
+              </a:r>
+              <a:r>
+                <a:rPr lang="en-US" altLang="ko-KR" dirty="0" smtClean="0">
+                  <a:solidFill>
+                    <a:schemeClr val="tx1"/>
+                  </a:solidFill>
+                </a:rPr>
+                <a:t> </a:t>
+              </a:r>
+            </a:p>
+            <a:p>
+              <a:pPr algn="ctr"/>
+              <a:r>
+                <a:rPr lang="en-US" altLang="ko-KR" dirty="0" smtClean="0">
+                  <a:solidFill>
+                    <a:schemeClr val="tx1"/>
+                  </a:solidFill>
+                </a:rPr>
+                <a:t> A/S </a:t>
+              </a:r>
+              <a:r>
+                <a:rPr lang="ko-KR" altLang="en-US" dirty="0" smtClean="0">
+                  <a:solidFill>
+                    <a:schemeClr val="tx1"/>
+                  </a:solidFill>
+                </a:rPr>
+                <a:t>조회</a:t>
               </a:r>
               <a:endParaRPr lang="en-US" altLang="ko-KR" dirty="0" smtClean="0">
                 <a:solidFill>
@@ -27904,7 +28302,7 @@
         </p:nvSpPr>
         <p:spPr>
           <a:xfrm>
-            <a:off x="8028384" y="2348880"/>
+            <a:off x="8028384" y="2636912"/>
             <a:ext cx="936104" cy="2952328"/>
           </a:xfrm>
           <a:prstGeom prst="rect">
@@ -27987,7 +28385,7 @@
         </p:nvSpPr>
         <p:spPr>
           <a:xfrm>
-            <a:off x="8028384" y="5013176"/>
+            <a:off x="8028384" y="5301208"/>
             <a:ext cx="936104" cy="288032"/>
           </a:xfrm>
           <a:prstGeom prst="rect">
@@ -28037,8 +28435,8 @@
         </p:nvSpPr>
         <p:spPr>
           <a:xfrm>
-            <a:off x="1835696" y="1844824"/>
-            <a:ext cx="5572000" cy="3528391"/>
+            <a:off x="1835696" y="2542334"/>
+            <a:ext cx="5572000" cy="2902889"/>
           </a:xfrm>
           <a:prstGeom prst="rect">
             <a:avLst/>
@@ -28071,14 +28469,276 @@
       </p:sp>
       <p:sp>
         <p:nvSpPr>
-          <p:cNvPr id="11" name="직사각형 10"/>
+          <p:cNvPr id="2" name="직사각형 1"/>
           <p:cNvSpPr/>
           <p:nvPr/>
         </p:nvSpPr>
         <p:spPr>
           <a:xfrm>
-            <a:off x="3635896" y="5589240"/>
-            <a:ext cx="1944216" cy="288032"/>
+            <a:off x="2051720" y="2758359"/>
+            <a:ext cx="5040560" cy="360040"/>
+          </a:xfrm>
+          <a:prstGeom prst="rect">
+            <a:avLst/>
+          </a:prstGeom>
+          <a:solidFill>
+            <a:schemeClr val="accent1">
+              <a:lumMod val="40000"/>
+              <a:lumOff val="60000"/>
+            </a:schemeClr>
+          </a:solidFill>
+        </p:spPr>
+        <p:style>
+          <a:lnRef idx="2">
+            <a:schemeClr val="accent1">
+              <a:shade val="50000"/>
+            </a:schemeClr>
+          </a:lnRef>
+          <a:fillRef idx="1">
+            <a:schemeClr val="accent1"/>
+          </a:fillRef>
+          <a:effectRef idx="0">
+            <a:schemeClr val="accent1"/>
+          </a:effectRef>
+          <a:fontRef idx="minor">
+            <a:schemeClr val="lt1"/>
+          </a:fontRef>
+        </p:style>
+        <p:txBody>
+          <a:bodyPr rtlCol="0" anchor="ctr"/>
+          <a:lstStyle/>
+          <a:p>
+            <a:pPr algn="ctr"/>
+            <a:r>
+              <a:rPr lang="ko-KR" altLang="en-US" dirty="0" smtClean="0"/>
+              <a:t>반품 </a:t>
+            </a:r>
+            <a:r>
+              <a:rPr lang="en-US" altLang="ko-KR" dirty="0" smtClean="0"/>
+              <a:t>|| A/S </a:t>
+            </a:r>
+            <a:r>
+              <a:rPr lang="ko-KR" altLang="en-US" dirty="0" smtClean="0"/>
+              <a:t>번호 </a:t>
+            </a:r>
+            <a:r>
+              <a:rPr lang="en-US" altLang="ko-KR" dirty="0" smtClean="0"/>
+              <a:t>1 </a:t>
+            </a:r>
+            <a:r>
+              <a:rPr lang="ko-KR" altLang="en-US" dirty="0"/>
+              <a:t>정보</a:t>
+            </a:r>
+          </a:p>
+        </p:txBody>
+      </p:sp>
+      <p:sp>
+        <p:nvSpPr>
+          <p:cNvPr id="31" name="직사각형 30"/>
+          <p:cNvSpPr/>
+          <p:nvPr/>
+        </p:nvSpPr>
+        <p:spPr>
+          <a:xfrm>
+            <a:off x="2051720" y="3298419"/>
+            <a:ext cx="5040560" cy="360040"/>
+          </a:xfrm>
+          <a:prstGeom prst="rect">
+            <a:avLst/>
+          </a:prstGeom>
+          <a:solidFill>
+            <a:schemeClr val="accent1">
+              <a:lumMod val="40000"/>
+              <a:lumOff val="60000"/>
+            </a:schemeClr>
+          </a:solidFill>
+        </p:spPr>
+        <p:style>
+          <a:lnRef idx="2">
+            <a:schemeClr val="accent1">
+              <a:shade val="50000"/>
+            </a:schemeClr>
+          </a:lnRef>
+          <a:fillRef idx="1">
+            <a:schemeClr val="accent1"/>
+          </a:fillRef>
+          <a:effectRef idx="0">
+            <a:schemeClr val="accent1"/>
+          </a:effectRef>
+          <a:fontRef idx="minor">
+            <a:schemeClr val="lt1"/>
+          </a:fontRef>
+        </p:style>
+        <p:txBody>
+          <a:bodyPr rtlCol="0" anchor="ctr"/>
+          <a:lstStyle/>
+          <a:p>
+            <a:pPr algn="ctr"/>
+            <a:r>
+              <a:rPr lang="ko-KR" altLang="en-US" dirty="0"/>
+              <a:t>반품 </a:t>
+            </a:r>
+            <a:r>
+              <a:rPr lang="en-US" altLang="ko-KR" dirty="0"/>
+              <a:t>|| A/S </a:t>
+            </a:r>
+            <a:r>
+              <a:rPr lang="ko-KR" altLang="en-US" dirty="0"/>
+              <a:t>번호 </a:t>
+            </a:r>
+            <a:r>
+              <a:rPr lang="en-US" altLang="ko-KR" dirty="0" smtClean="0"/>
+              <a:t>2 </a:t>
+            </a:r>
+            <a:r>
+              <a:rPr lang="ko-KR" altLang="en-US" dirty="0"/>
+              <a:t>정보</a:t>
+            </a:r>
+          </a:p>
+        </p:txBody>
+      </p:sp>
+      <p:sp>
+        <p:nvSpPr>
+          <p:cNvPr id="32" name="직사각형 31"/>
+          <p:cNvSpPr/>
+          <p:nvPr/>
+        </p:nvSpPr>
+        <p:spPr>
+          <a:xfrm>
+            <a:off x="2051720" y="3838479"/>
+            <a:ext cx="5040560" cy="360040"/>
+          </a:xfrm>
+          <a:prstGeom prst="rect">
+            <a:avLst/>
+          </a:prstGeom>
+          <a:solidFill>
+            <a:schemeClr val="accent1">
+              <a:lumMod val="40000"/>
+              <a:lumOff val="60000"/>
+            </a:schemeClr>
+          </a:solidFill>
+        </p:spPr>
+        <p:style>
+          <a:lnRef idx="2">
+            <a:schemeClr val="accent1">
+              <a:shade val="50000"/>
+            </a:schemeClr>
+          </a:lnRef>
+          <a:fillRef idx="1">
+            <a:schemeClr val="accent1"/>
+          </a:fillRef>
+          <a:effectRef idx="0">
+            <a:schemeClr val="accent1"/>
+          </a:effectRef>
+          <a:fontRef idx="minor">
+            <a:schemeClr val="lt1"/>
+          </a:fontRef>
+        </p:style>
+        <p:txBody>
+          <a:bodyPr rtlCol="0" anchor="ctr"/>
+          <a:lstStyle/>
+          <a:p>
+            <a:pPr algn="ctr"/>
+            <a:r>
+              <a:rPr lang="ko-KR" altLang="en-US" dirty="0"/>
+              <a:t>반품 </a:t>
+            </a:r>
+            <a:r>
+              <a:rPr lang="en-US" altLang="ko-KR" dirty="0"/>
+              <a:t>|| A/S </a:t>
+            </a:r>
+            <a:r>
+              <a:rPr lang="ko-KR" altLang="en-US" dirty="0"/>
+              <a:t>번호 </a:t>
+            </a:r>
+            <a:r>
+              <a:rPr lang="en-US" altLang="ko-KR" dirty="0" smtClean="0"/>
+              <a:t>3 </a:t>
+            </a:r>
+            <a:r>
+              <a:rPr lang="ko-KR" altLang="en-US" dirty="0" smtClean="0"/>
+              <a:t>정보</a:t>
+            </a:r>
+            <a:endParaRPr lang="ko-KR" altLang="en-US" dirty="0"/>
+          </a:p>
+        </p:txBody>
+      </p:sp>
+      <p:sp>
+        <p:nvSpPr>
+          <p:cNvPr id="33" name="직사각형 32"/>
+          <p:cNvSpPr/>
+          <p:nvPr/>
+        </p:nvSpPr>
+        <p:spPr>
+          <a:xfrm>
+            <a:off x="2051720" y="4365104"/>
+            <a:ext cx="5040560" cy="360040"/>
+          </a:xfrm>
+          <a:prstGeom prst="rect">
+            <a:avLst/>
+          </a:prstGeom>
+          <a:solidFill>
+            <a:schemeClr val="accent1">
+              <a:lumMod val="40000"/>
+              <a:lumOff val="60000"/>
+            </a:schemeClr>
+          </a:solidFill>
+        </p:spPr>
+        <p:style>
+          <a:lnRef idx="2">
+            <a:schemeClr val="accent1">
+              <a:shade val="50000"/>
+            </a:schemeClr>
+          </a:lnRef>
+          <a:fillRef idx="1">
+            <a:schemeClr val="accent1"/>
+          </a:fillRef>
+          <a:effectRef idx="0">
+            <a:schemeClr val="accent1"/>
+          </a:effectRef>
+          <a:fontRef idx="minor">
+            <a:schemeClr val="lt1"/>
+          </a:fontRef>
+        </p:style>
+        <p:txBody>
+          <a:bodyPr rtlCol="0" anchor="ctr"/>
+          <a:lstStyle/>
+          <a:p>
+            <a:pPr algn="ctr"/>
+            <a:r>
+              <a:rPr lang="ko-KR" altLang="en-US" dirty="0"/>
+              <a:t>반품 </a:t>
+            </a:r>
+            <a:r>
+              <a:rPr lang="en-US" altLang="ko-KR" dirty="0"/>
+              <a:t>|| A/S </a:t>
+            </a:r>
+            <a:r>
+              <a:rPr lang="ko-KR" altLang="en-US" dirty="0"/>
+              <a:t>번호 </a:t>
+            </a:r>
+            <a:r>
+              <a:rPr lang="en-US" altLang="ko-KR" dirty="0" smtClean="0"/>
+              <a:t>4 </a:t>
+            </a:r>
+            <a:r>
+              <a:rPr lang="ko-KR" altLang="en-US" dirty="0" smtClean="0"/>
+              <a:t>정보</a:t>
+            </a:r>
+            <a:endParaRPr lang="ko-KR" altLang="en-US" dirty="0"/>
+          </a:p>
+        </p:txBody>
+      </p:sp>
+      <p:sp>
+        <p:nvSpPr>
+          <p:cNvPr id="34" name="직사각형 33"/>
+          <p:cNvSpPr/>
+          <p:nvPr/>
+        </p:nvSpPr>
+        <p:spPr>
+          <a:xfrm>
+            <a:off x="8028384" y="116632"/>
+            <a:ext cx="936104" cy="648072"/>
           </a:xfrm>
           <a:prstGeom prst="rect">
             <a:avLst/>
@@ -28106,179 +28766,45 @@
           <a:p>
             <a:pPr algn="ctr"/>
             <a:r>
-              <a:rPr lang="ko-KR" altLang="en-US" dirty="0" smtClean="0"/>
-              <a:t>선택제품 반품</a:t>
-            </a:r>
-            <a:endParaRPr lang="ko-KR" altLang="en-US" dirty="0"/>
-          </a:p>
-        </p:txBody>
-      </p:sp>
-      <p:sp>
-        <p:nvSpPr>
-          <p:cNvPr id="2" name="직사각형 1"/>
+              <a:rPr lang="ko-KR" altLang="en-US" sz="1200" dirty="0" smtClean="0"/>
+              <a:t>주문</a:t>
+            </a:r>
+            <a:r>
+              <a:rPr lang="en-US" altLang="ko-KR" sz="1200" dirty="0" smtClean="0"/>
+              <a:t>, </a:t>
+            </a:r>
+            <a:r>
+              <a:rPr lang="ko-KR" altLang="en-US" sz="1200" dirty="0" smtClean="0"/>
+              <a:t>반품</a:t>
+            </a:r>
+            <a:r>
+              <a:rPr lang="en-US" altLang="ko-KR" sz="1200" dirty="0" smtClean="0"/>
+              <a:t>,</a:t>
+            </a:r>
+          </a:p>
+          <a:p>
+            <a:pPr algn="ctr"/>
+            <a:r>
+              <a:rPr lang="en-US" altLang="ko-KR" sz="1200" dirty="0" smtClean="0"/>
+              <a:t> A/S </a:t>
+            </a:r>
+            <a:r>
+              <a:rPr lang="ko-KR" altLang="en-US" sz="1200" dirty="0" smtClean="0"/>
+              <a:t>조회</a:t>
+            </a:r>
+            <a:endParaRPr lang="ko-KR" altLang="en-US" sz="1200" dirty="0"/>
+          </a:p>
+        </p:txBody>
+      </p:sp>
+      <p:sp>
+        <p:nvSpPr>
+          <p:cNvPr id="36" name="직사각형 35"/>
           <p:cNvSpPr/>
           <p:nvPr/>
         </p:nvSpPr>
         <p:spPr>
           <a:xfrm>
-            <a:off x="2337614" y="2780928"/>
-            <a:ext cx="4536504" cy="360040"/>
-          </a:xfrm>
-          <a:prstGeom prst="rect">
-            <a:avLst/>
-          </a:prstGeom>
-          <a:solidFill>
-            <a:schemeClr val="accent1">
-              <a:lumMod val="40000"/>
-              <a:lumOff val="60000"/>
-            </a:schemeClr>
-          </a:solidFill>
-        </p:spPr>
-        <p:style>
-          <a:lnRef idx="2">
-            <a:schemeClr val="accent1">
-              <a:shade val="50000"/>
-            </a:schemeClr>
-          </a:lnRef>
-          <a:fillRef idx="1">
-            <a:schemeClr val="accent1"/>
-          </a:fillRef>
-          <a:effectRef idx="0">
-            <a:schemeClr val="accent1"/>
-          </a:effectRef>
-          <a:fontRef idx="minor">
-            <a:schemeClr val="lt1"/>
-          </a:fontRef>
-        </p:style>
-        <p:txBody>
-          <a:bodyPr rtlCol="0" anchor="ctr"/>
-          <a:lstStyle/>
-          <a:p>
-            <a:pPr algn="ctr"/>
-            <a:r>
-              <a:rPr lang="ko-KR" altLang="en-US" dirty="0" smtClean="0"/>
-              <a:t>주문한 물품</a:t>
-            </a:r>
-            <a:r>
-              <a:rPr lang="en-US" altLang="ko-KR" dirty="0" smtClean="0"/>
-              <a:t>2</a:t>
-            </a:r>
-            <a:endParaRPr lang="ko-KR" altLang="en-US" dirty="0"/>
-          </a:p>
-        </p:txBody>
-      </p:sp>
-      <p:sp>
-        <p:nvSpPr>
-          <p:cNvPr id="31" name="직사각형 30"/>
-          <p:cNvSpPr/>
-          <p:nvPr/>
-        </p:nvSpPr>
-        <p:spPr>
-          <a:xfrm>
-            <a:off x="2337614" y="3212976"/>
-            <a:ext cx="2952328" cy="360040"/>
-          </a:xfrm>
-          <a:prstGeom prst="rect">
-            <a:avLst/>
-          </a:prstGeom>
-          <a:solidFill>
-            <a:schemeClr val="accent1">
-              <a:lumMod val="40000"/>
-              <a:lumOff val="60000"/>
-            </a:schemeClr>
-          </a:solidFill>
-        </p:spPr>
-        <p:style>
-          <a:lnRef idx="2">
-            <a:schemeClr val="accent1">
-              <a:shade val="50000"/>
-            </a:schemeClr>
-          </a:lnRef>
-          <a:fillRef idx="1">
-            <a:schemeClr val="accent1"/>
-          </a:fillRef>
-          <a:effectRef idx="0">
-            <a:schemeClr val="accent1"/>
-          </a:effectRef>
-          <a:fontRef idx="minor">
-            <a:schemeClr val="lt1"/>
-          </a:fontRef>
-        </p:style>
-        <p:txBody>
-          <a:bodyPr rtlCol="0" anchor="ctr"/>
-          <a:lstStyle/>
-          <a:p>
-            <a:pPr algn="ctr"/>
-            <a:r>
-              <a:rPr lang="ko-KR" altLang="en-US" dirty="0" smtClean="0"/>
-              <a:t>제품명 나열</a:t>
-            </a:r>
-            <a:endParaRPr lang="ko-KR" altLang="en-US" dirty="0"/>
-          </a:p>
-        </p:txBody>
-      </p:sp>
-      <p:sp>
-        <p:nvSpPr>
-          <p:cNvPr id="32" name="직사각형 31"/>
-          <p:cNvSpPr/>
-          <p:nvPr/>
-        </p:nvSpPr>
-        <p:spPr>
-          <a:xfrm>
-            <a:off x="2337614" y="4149081"/>
-            <a:ext cx="4536504" cy="1080119"/>
-          </a:xfrm>
-          <a:prstGeom prst="rect">
-            <a:avLst/>
-          </a:prstGeom>
-          <a:solidFill>
-            <a:schemeClr val="accent1">
-              <a:lumMod val="40000"/>
-              <a:lumOff val="60000"/>
-            </a:schemeClr>
-          </a:solidFill>
-        </p:spPr>
-        <p:style>
-          <a:lnRef idx="2">
-            <a:schemeClr val="accent1">
-              <a:shade val="50000"/>
-            </a:schemeClr>
-          </a:lnRef>
-          <a:fillRef idx="1">
-            <a:schemeClr val="accent1"/>
-          </a:fillRef>
-          <a:effectRef idx="0">
-            <a:schemeClr val="accent1"/>
-          </a:effectRef>
-          <a:fontRef idx="minor">
-            <a:schemeClr val="lt1"/>
-          </a:fontRef>
-        </p:style>
-        <p:txBody>
-          <a:bodyPr rtlCol="0" anchor="ctr"/>
-          <a:lstStyle/>
-          <a:p>
-            <a:pPr algn="ctr"/>
-            <a:r>
-              <a:rPr lang="ko-KR" altLang="en-US" dirty="0" smtClean="0"/>
-              <a:t>내</a:t>
-            </a:r>
-            <a:r>
-              <a:rPr lang="ko-KR" altLang="en-US" dirty="0"/>
-              <a:t>용</a:t>
-            </a:r>
-          </a:p>
-        </p:txBody>
-      </p:sp>
-      <p:sp>
-        <p:nvSpPr>
-          <p:cNvPr id="34" name="직사각형 33"/>
-          <p:cNvSpPr/>
-          <p:nvPr/>
-        </p:nvSpPr>
-        <p:spPr>
-          <a:xfrm>
-            <a:off x="8028384" y="116632"/>
+            <a:off x="8028384" y="988019"/>
             <a:ext cx="936104" cy="432048"/>
           </a:xfrm>
           <a:prstGeom prst="rect">
@@ -28308,7 +28834,7 @@
             <a:pPr algn="ctr"/>
             <a:r>
               <a:rPr lang="ko-KR" altLang="en-US" sz="1400" dirty="0" smtClean="0"/>
-              <a:t>주문조회</a:t>
+              <a:t>배송조회</a:t>
             </a:r>
             <a:endParaRPr lang="ko-KR" altLang="en-US" sz="1400" dirty="0"/>
           </a:p>
@@ -28316,14 +28842,14 @@
       </p:sp>
       <p:sp>
         <p:nvSpPr>
-          <p:cNvPr id="36" name="직사각형 35"/>
+          <p:cNvPr id="42" name="직사각형 41"/>
           <p:cNvSpPr/>
           <p:nvPr/>
         </p:nvSpPr>
         <p:spPr>
           <a:xfrm>
-            <a:off x="8028384" y="699987"/>
-            <a:ext cx="936104" cy="432048"/>
+            <a:off x="8028384" y="1556792"/>
+            <a:ext cx="936104" cy="864096"/>
           </a:xfrm>
           <a:prstGeom prst="rect">
             <a:avLst/>
@@ -28351,50 +28877,6 @@
           <a:p>
             <a:pPr algn="ctr"/>
             <a:r>
-              <a:rPr lang="ko-KR" altLang="en-US" sz="1400" dirty="0" smtClean="0"/>
-              <a:t>배송조회</a:t>
-            </a:r>
-            <a:endParaRPr lang="ko-KR" altLang="en-US" sz="1400" dirty="0"/>
-          </a:p>
-        </p:txBody>
-      </p:sp>
-      <p:sp>
-        <p:nvSpPr>
-          <p:cNvPr id="42" name="직사각형 41"/>
-          <p:cNvSpPr/>
-          <p:nvPr/>
-        </p:nvSpPr>
-        <p:spPr>
-          <a:xfrm>
-            <a:off x="8028384" y="1268760"/>
-            <a:ext cx="936104" cy="864096"/>
-          </a:xfrm>
-          <a:prstGeom prst="rect">
-            <a:avLst/>
-          </a:prstGeom>
-        </p:spPr>
-        <p:style>
-          <a:lnRef idx="2">
-            <a:schemeClr val="accent1">
-              <a:shade val="50000"/>
-            </a:schemeClr>
-          </a:lnRef>
-          <a:fillRef idx="1">
-            <a:schemeClr val="accent1"/>
-          </a:fillRef>
-          <a:effectRef idx="0">
-            <a:schemeClr val="accent1"/>
-          </a:effectRef>
-          <a:fontRef idx="minor">
-            <a:schemeClr val="lt1"/>
-          </a:fontRef>
-        </p:style>
-        <p:txBody>
-          <a:bodyPr rtlCol="0" anchor="ctr"/>
-          <a:lstStyle/>
-          <a:p>
-            <a:pPr algn="ctr"/>
-            <a:r>
               <a:rPr lang="en-US" altLang="ko-KR" sz="1400" smtClean="0"/>
               <a:t>C/S </a:t>
             </a:r>
@@ -28403,317 +28885,13 @@
               <a:t>관련</a:t>
             </a:r>
             <a:endParaRPr lang="ko-KR" altLang="en-US" sz="1400" dirty="0"/>
-          </a:p>
-        </p:txBody>
-      </p:sp>
-      <p:sp>
-        <p:nvSpPr>
-          <p:cNvPr id="43" name="직사각형 42"/>
-          <p:cNvSpPr/>
-          <p:nvPr/>
-        </p:nvSpPr>
-        <p:spPr>
-          <a:xfrm>
-            <a:off x="2337614" y="2348880"/>
-            <a:ext cx="4536504" cy="360040"/>
-          </a:xfrm>
-          <a:prstGeom prst="rect">
-            <a:avLst/>
-          </a:prstGeom>
-          <a:solidFill>
-            <a:schemeClr val="accent1">
-              <a:lumMod val="40000"/>
-              <a:lumOff val="60000"/>
-            </a:schemeClr>
-          </a:solidFill>
-        </p:spPr>
-        <p:style>
-          <a:lnRef idx="2">
-            <a:schemeClr val="accent1">
-              <a:shade val="50000"/>
-            </a:schemeClr>
-          </a:lnRef>
-          <a:fillRef idx="1">
-            <a:schemeClr val="accent1"/>
-          </a:fillRef>
-          <a:effectRef idx="0">
-            <a:schemeClr val="accent1"/>
-          </a:effectRef>
-          <a:fontRef idx="minor">
-            <a:schemeClr val="lt1"/>
-          </a:fontRef>
-        </p:style>
-        <p:txBody>
-          <a:bodyPr rtlCol="0" anchor="ctr"/>
-          <a:lstStyle/>
-          <a:p>
-            <a:pPr algn="ctr"/>
-            <a:r>
-              <a:rPr lang="ko-KR" altLang="en-US" dirty="0" smtClean="0"/>
-              <a:t>주문한 물품</a:t>
-            </a:r>
-            <a:r>
-              <a:rPr lang="en-US" altLang="ko-KR" dirty="0" smtClean="0"/>
-              <a:t>1</a:t>
-            </a:r>
-            <a:endParaRPr lang="ko-KR" altLang="en-US" dirty="0"/>
-          </a:p>
-        </p:txBody>
-      </p:sp>
-      <p:sp>
-        <p:nvSpPr>
-          <p:cNvPr id="50" name="직사각형 49"/>
-          <p:cNvSpPr/>
-          <p:nvPr/>
-        </p:nvSpPr>
-        <p:spPr>
-          <a:xfrm>
-            <a:off x="2337614" y="1916832"/>
-            <a:ext cx="4536504" cy="360040"/>
-          </a:xfrm>
-          <a:prstGeom prst="rect">
-            <a:avLst/>
-          </a:prstGeom>
-          <a:solidFill>
-            <a:schemeClr val="accent1">
-              <a:lumMod val="40000"/>
-              <a:lumOff val="60000"/>
-            </a:schemeClr>
-          </a:solidFill>
-        </p:spPr>
-        <p:style>
-          <a:lnRef idx="2">
-            <a:schemeClr val="accent1">
-              <a:shade val="50000"/>
-            </a:schemeClr>
-          </a:lnRef>
-          <a:fillRef idx="1">
-            <a:schemeClr val="accent1"/>
-          </a:fillRef>
-          <a:effectRef idx="0">
-            <a:schemeClr val="accent1"/>
-          </a:effectRef>
-          <a:fontRef idx="minor">
-            <a:schemeClr val="lt1"/>
-          </a:fontRef>
-        </p:style>
-        <p:txBody>
-          <a:bodyPr rtlCol="0" anchor="ctr"/>
-          <a:lstStyle/>
-          <a:p>
-            <a:pPr algn="ctr"/>
-            <a:r>
-              <a:rPr lang="ko-KR" altLang="en-US" dirty="0" smtClean="0"/>
-              <a:t>주문번호</a:t>
-            </a:r>
-            <a:endParaRPr lang="ko-KR" altLang="en-US" dirty="0"/>
-          </a:p>
-        </p:txBody>
-      </p:sp>
-      <p:sp>
-        <p:nvSpPr>
-          <p:cNvPr id="52" name="직사각형 51"/>
-          <p:cNvSpPr/>
-          <p:nvPr/>
-        </p:nvSpPr>
-        <p:spPr>
-          <a:xfrm>
-            <a:off x="5400092" y="3212976"/>
-            <a:ext cx="1476164" cy="360040"/>
-          </a:xfrm>
-          <a:prstGeom prst="rect">
-            <a:avLst/>
-          </a:prstGeom>
-          <a:solidFill>
-            <a:schemeClr val="accent1">
-              <a:lumMod val="40000"/>
-              <a:lumOff val="60000"/>
-            </a:schemeClr>
-          </a:solidFill>
-        </p:spPr>
-        <p:style>
-          <a:lnRef idx="2">
-            <a:schemeClr val="accent1">
-              <a:shade val="50000"/>
-            </a:schemeClr>
-          </a:lnRef>
-          <a:fillRef idx="1">
-            <a:schemeClr val="accent1"/>
-          </a:fillRef>
-          <a:effectRef idx="0">
-            <a:schemeClr val="accent1"/>
-          </a:effectRef>
-          <a:fontRef idx="minor">
-            <a:schemeClr val="lt1"/>
-          </a:fontRef>
-        </p:style>
-        <p:txBody>
-          <a:bodyPr rtlCol="0" anchor="ctr"/>
-          <a:lstStyle/>
-          <a:p>
-            <a:pPr algn="ctr"/>
-            <a:r>
-              <a:rPr lang="ko-KR" altLang="en-US" dirty="0" smtClean="0"/>
-              <a:t>사유</a:t>
-            </a:r>
-            <a:endParaRPr lang="ko-KR" altLang="en-US" dirty="0"/>
-          </a:p>
-        </p:txBody>
-      </p:sp>
-      <p:sp>
-        <p:nvSpPr>
-          <p:cNvPr id="53" name="직사각형 52"/>
-          <p:cNvSpPr/>
-          <p:nvPr/>
-        </p:nvSpPr>
-        <p:spPr>
-          <a:xfrm>
-            <a:off x="2337614" y="3645024"/>
-            <a:ext cx="4536504" cy="360040"/>
-          </a:xfrm>
-          <a:prstGeom prst="rect">
-            <a:avLst/>
-          </a:prstGeom>
-          <a:solidFill>
-            <a:schemeClr val="accent1">
-              <a:lumMod val="40000"/>
-              <a:lumOff val="60000"/>
-            </a:schemeClr>
-          </a:solidFill>
-        </p:spPr>
-        <p:style>
-          <a:lnRef idx="2">
-            <a:schemeClr val="accent1">
-              <a:shade val="50000"/>
-            </a:schemeClr>
-          </a:lnRef>
-          <a:fillRef idx="1">
-            <a:schemeClr val="accent1"/>
-          </a:fillRef>
-          <a:effectRef idx="0">
-            <a:schemeClr val="accent1"/>
-          </a:effectRef>
-          <a:fontRef idx="minor">
-            <a:schemeClr val="lt1"/>
-          </a:fontRef>
-        </p:style>
-        <p:txBody>
-          <a:bodyPr rtlCol="0" anchor="ctr"/>
-          <a:lstStyle/>
-          <a:p>
-            <a:pPr algn="ctr"/>
-            <a:r>
-              <a:rPr lang="ko-KR" altLang="en-US" dirty="0" smtClean="0"/>
-              <a:t>환불 계좌 정보</a:t>
-            </a:r>
-            <a:endParaRPr lang="ko-KR" altLang="en-US" dirty="0"/>
-          </a:p>
-        </p:txBody>
-      </p:sp>
-      <p:sp>
-        <p:nvSpPr>
-          <p:cNvPr id="40" name="직사각형 39"/>
-          <p:cNvSpPr/>
-          <p:nvPr/>
-        </p:nvSpPr>
-        <p:spPr>
-          <a:xfrm>
-            <a:off x="2337614" y="2348880"/>
-            <a:ext cx="360040" cy="360040"/>
-          </a:xfrm>
-          <a:prstGeom prst="rect">
-            <a:avLst/>
-          </a:prstGeom>
-          <a:solidFill>
-            <a:schemeClr val="tx2">
-              <a:lumMod val="40000"/>
-              <a:lumOff val="60000"/>
-            </a:schemeClr>
-          </a:solidFill>
-        </p:spPr>
-        <p:style>
-          <a:lnRef idx="2">
-            <a:schemeClr val="accent1">
-              <a:shade val="50000"/>
-            </a:schemeClr>
-          </a:lnRef>
-          <a:fillRef idx="1">
-            <a:schemeClr val="accent1"/>
-          </a:fillRef>
-          <a:effectRef idx="0">
-            <a:schemeClr val="accent1"/>
-          </a:effectRef>
-          <a:fontRef idx="minor">
-            <a:schemeClr val="lt1"/>
-          </a:fontRef>
-        </p:style>
-        <p:txBody>
-          <a:bodyPr rtlCol="0" anchor="ctr"/>
-          <a:lstStyle/>
-          <a:p>
-            <a:pPr algn="ctr"/>
-            <a:r>
-              <a:rPr lang="en-US" altLang="ko-KR" dirty="0" smtClean="0"/>
-              <a:t>V</a:t>
-            </a:r>
-            <a:endParaRPr lang="ko-KR" altLang="en-US" dirty="0"/>
-          </a:p>
-        </p:txBody>
-      </p:sp>
-      <p:sp>
-        <p:nvSpPr>
-          <p:cNvPr id="41" name="직사각형 40"/>
-          <p:cNvSpPr/>
-          <p:nvPr/>
-        </p:nvSpPr>
-        <p:spPr>
-          <a:xfrm>
-            <a:off x="2337614" y="2780928"/>
-            <a:ext cx="360040" cy="360040"/>
-          </a:xfrm>
-          <a:prstGeom prst="rect">
-            <a:avLst/>
-          </a:prstGeom>
-          <a:solidFill>
-            <a:schemeClr val="tx2">
-              <a:lumMod val="40000"/>
-              <a:lumOff val="60000"/>
-            </a:schemeClr>
-          </a:solidFill>
-        </p:spPr>
-        <p:style>
-          <a:lnRef idx="2">
-            <a:schemeClr val="accent1">
-              <a:shade val="50000"/>
-            </a:schemeClr>
-          </a:lnRef>
-          <a:fillRef idx="1">
-            <a:schemeClr val="accent1"/>
-          </a:fillRef>
-          <a:effectRef idx="0">
-            <a:schemeClr val="accent1"/>
-          </a:effectRef>
-          <a:fontRef idx="minor">
-            <a:schemeClr val="lt1"/>
-          </a:fontRef>
-        </p:style>
-        <p:txBody>
-          <a:bodyPr rtlCol="0" anchor="ctr"/>
-          <a:lstStyle/>
-          <a:p>
-            <a:pPr algn="ctr"/>
-            <a:r>
-              <a:rPr lang="en-US" altLang="ko-KR" dirty="0" smtClean="0"/>
-              <a:t>V</a:t>
-            </a:r>
-            <a:endParaRPr lang="ko-KR" altLang="en-US" dirty="0"/>
           </a:p>
         </p:txBody>
       </p:sp>
     </p:spTree>
     <p:extLst>
       <p:ext uri="{BB962C8B-B14F-4D97-AF65-F5344CB8AC3E}">
-        <p14:creationId xmlns:p14="http://schemas.microsoft.com/office/powerpoint/2010/main" val="2430483524"/>
+        <p14:creationId xmlns:p14="http://schemas.microsoft.com/office/powerpoint/2010/main" val="1241195974"/>
       </p:ext>
     </p:extLst>
   </p:cSld>
@@ -28927,6 +29105,33 @@
               </a:r>
               <a:r>
                 <a:rPr lang="en-US" altLang="ko-KR" dirty="0" smtClean="0">
+                  <a:solidFill>
+                    <a:schemeClr val="tx1"/>
+                  </a:solidFill>
+                </a:rPr>
+                <a:t>)</a:t>
+              </a:r>
+            </a:p>
+            <a:p>
+              <a:pPr algn="ctr"/>
+              <a:r>
+                <a:rPr lang="en-US" altLang="ko-KR" dirty="0" smtClean="0">
+                  <a:solidFill>
+                    <a:schemeClr val="tx1"/>
+                  </a:solidFill>
+                </a:rPr>
+                <a:t>(CSS </a:t>
+              </a:r>
+              <a:r>
+                <a:rPr lang="ko-KR" altLang="en-US" dirty="0" smtClean="0">
+                  <a:solidFill>
+                    <a:schemeClr val="tx1"/>
+                  </a:solidFill>
+                </a:rPr>
+                <a:t>완료</a:t>
+              </a:r>
+              <a:r>
+                <a:rPr lang="en-US" altLang="ko-KR" dirty="0">
                   <a:solidFill>
                     <a:schemeClr val="tx1"/>
                   </a:solidFill>
@@ -30846,67 +31051,14 @@
       </p:sp>
       <p:sp>
         <p:nvSpPr>
-          <p:cNvPr id="30" name="직사각형 29"/>
-          <p:cNvSpPr/>
-          <p:nvPr/>
-        </p:nvSpPr>
-        <p:spPr>
-          <a:xfrm>
-            <a:off x="1259632" y="1008112"/>
-            <a:ext cx="6624736" cy="764704"/>
-          </a:xfrm>
-          <a:prstGeom prst="rect">
-            <a:avLst/>
-          </a:prstGeom>
-          <a:solidFill>
-            <a:schemeClr val="accent1">
-              <a:lumMod val="40000"/>
-              <a:lumOff val="60000"/>
-            </a:schemeClr>
-          </a:solidFill>
-        </p:spPr>
-        <p:style>
-          <a:lnRef idx="2">
-            <a:schemeClr val="accent1">
-              <a:shade val="50000"/>
-            </a:schemeClr>
-          </a:lnRef>
-          <a:fillRef idx="1">
-            <a:schemeClr val="accent1"/>
-          </a:fillRef>
-          <a:effectRef idx="0">
-            <a:schemeClr val="accent1"/>
-          </a:effectRef>
-          <a:fontRef idx="minor">
-            <a:schemeClr val="lt1"/>
-          </a:fontRef>
-        </p:style>
-        <p:txBody>
-          <a:bodyPr rtlCol="0" anchor="ctr"/>
-          <a:lstStyle/>
-          <a:p>
-            <a:pPr algn="ctr"/>
-            <a:r>
-              <a:rPr lang="ko-KR" altLang="en-US" dirty="0" smtClean="0"/>
-              <a:t>배</a:t>
-            </a:r>
-            <a:r>
-              <a:rPr lang="ko-KR" altLang="en-US" dirty="0"/>
-              <a:t>너</a:t>
-            </a:r>
-          </a:p>
-        </p:txBody>
-      </p:sp>
-      <p:sp>
-        <p:nvSpPr>
           <p:cNvPr id="37" name="직사각형 36"/>
           <p:cNvSpPr/>
           <p:nvPr/>
         </p:nvSpPr>
         <p:spPr>
           <a:xfrm>
-            <a:off x="1259632" y="6453336"/>
-            <a:ext cx="6624736" cy="404664"/>
+            <a:off x="1259632" y="6237312"/>
+            <a:ext cx="6624736" cy="620688"/>
           </a:xfrm>
           <a:prstGeom prst="rect">
             <a:avLst/>
@@ -30990,7 +31142,7 @@
         <p:spPr>
           <a:xfrm>
             <a:off x="2208450" y="5517232"/>
-            <a:ext cx="4608512" cy="720080"/>
+            <a:ext cx="4608512" cy="504056"/>
           </a:xfrm>
           <a:prstGeom prst="rect">
             <a:avLst/>
@@ -32762,59 +32914,6 @@
       </p:sp>
       <p:sp>
         <p:nvSpPr>
-          <p:cNvPr id="30" name="직사각형 29"/>
-          <p:cNvSpPr/>
-          <p:nvPr/>
-        </p:nvSpPr>
-        <p:spPr>
-          <a:xfrm>
-            <a:off x="1259632" y="1008112"/>
-            <a:ext cx="6624736" cy="764704"/>
-          </a:xfrm>
-          <a:prstGeom prst="rect">
-            <a:avLst/>
-          </a:prstGeom>
-          <a:solidFill>
-            <a:schemeClr val="accent1">
-              <a:lumMod val="40000"/>
-              <a:lumOff val="60000"/>
-            </a:schemeClr>
-          </a:solidFill>
-        </p:spPr>
-        <p:style>
-          <a:lnRef idx="2">
-            <a:schemeClr val="accent1">
-              <a:shade val="50000"/>
-            </a:schemeClr>
-          </a:lnRef>
-          <a:fillRef idx="1">
-            <a:schemeClr val="accent1"/>
-          </a:fillRef>
-          <a:effectRef idx="0">
-            <a:schemeClr val="accent1"/>
-          </a:effectRef>
-          <a:fontRef idx="minor">
-            <a:schemeClr val="lt1"/>
-          </a:fontRef>
-        </p:style>
-        <p:txBody>
-          <a:bodyPr rtlCol="0" anchor="ctr"/>
-          <a:lstStyle/>
-          <a:p>
-            <a:pPr algn="ctr"/>
-            <a:r>
-              <a:rPr lang="ko-KR" altLang="en-US" dirty="0" smtClean="0"/>
-              <a:t>배</a:t>
-            </a:r>
-            <a:r>
-              <a:rPr lang="ko-KR" altLang="en-US" dirty="0"/>
-              <a:t>너</a:t>
-            </a:r>
-          </a:p>
-        </p:txBody>
-      </p:sp>
-      <p:sp>
-        <p:nvSpPr>
           <p:cNvPr id="37" name="직사각형 36"/>
           <p:cNvSpPr/>
           <p:nvPr/>
@@ -34183,59 +34282,6 @@
       </p:sp>
       <p:sp>
         <p:nvSpPr>
-          <p:cNvPr id="30" name="직사각형 29"/>
-          <p:cNvSpPr/>
-          <p:nvPr/>
-        </p:nvSpPr>
-        <p:spPr>
-          <a:xfrm>
-            <a:off x="1259632" y="1008112"/>
-            <a:ext cx="6624736" cy="764704"/>
-          </a:xfrm>
-          <a:prstGeom prst="rect">
-            <a:avLst/>
-          </a:prstGeom>
-          <a:solidFill>
-            <a:schemeClr val="accent1">
-              <a:lumMod val="40000"/>
-              <a:lumOff val="60000"/>
-            </a:schemeClr>
-          </a:solidFill>
-        </p:spPr>
-        <p:style>
-          <a:lnRef idx="2">
-            <a:schemeClr val="accent1">
-              <a:shade val="50000"/>
-            </a:schemeClr>
-          </a:lnRef>
-          <a:fillRef idx="1">
-            <a:schemeClr val="accent1"/>
-          </a:fillRef>
-          <a:effectRef idx="0">
-            <a:schemeClr val="accent1"/>
-          </a:effectRef>
-          <a:fontRef idx="minor">
-            <a:schemeClr val="lt1"/>
-          </a:fontRef>
-        </p:style>
-        <p:txBody>
-          <a:bodyPr rtlCol="0" anchor="ctr"/>
-          <a:lstStyle/>
-          <a:p>
-            <a:pPr algn="ctr"/>
-            <a:r>
-              <a:rPr lang="ko-KR" altLang="en-US" dirty="0" smtClean="0"/>
-              <a:t>배</a:t>
-            </a:r>
-            <a:r>
-              <a:rPr lang="ko-KR" altLang="en-US" dirty="0"/>
-              <a:t>너</a:t>
-            </a:r>
-          </a:p>
-        </p:txBody>
-      </p:sp>
-      <p:sp>
-        <p:nvSpPr>
           <p:cNvPr id="37" name="직사각형 36"/>
           <p:cNvSpPr/>
           <p:nvPr/>
@@ -37288,59 +37334,6 @@
       </p:sp>
       <p:sp>
         <p:nvSpPr>
-          <p:cNvPr id="30" name="직사각형 29"/>
-          <p:cNvSpPr/>
-          <p:nvPr/>
-        </p:nvSpPr>
-        <p:spPr>
-          <a:xfrm>
-            <a:off x="1259632" y="1008112"/>
-            <a:ext cx="6624736" cy="764704"/>
-          </a:xfrm>
-          <a:prstGeom prst="rect">
-            <a:avLst/>
-          </a:prstGeom>
-          <a:solidFill>
-            <a:schemeClr val="accent1">
-              <a:lumMod val="40000"/>
-              <a:lumOff val="60000"/>
-            </a:schemeClr>
-          </a:solidFill>
-        </p:spPr>
-        <p:style>
-          <a:lnRef idx="2">
-            <a:schemeClr val="accent1">
-              <a:shade val="50000"/>
-            </a:schemeClr>
-          </a:lnRef>
-          <a:fillRef idx="1">
-            <a:schemeClr val="accent1"/>
-          </a:fillRef>
-          <a:effectRef idx="0">
-            <a:schemeClr val="accent1"/>
-          </a:effectRef>
-          <a:fontRef idx="minor">
-            <a:schemeClr val="lt1"/>
-          </a:fontRef>
-        </p:style>
-        <p:txBody>
-          <a:bodyPr rtlCol="0" anchor="ctr"/>
-          <a:lstStyle/>
-          <a:p>
-            <a:pPr algn="ctr"/>
-            <a:r>
-              <a:rPr lang="ko-KR" altLang="en-US" dirty="0" smtClean="0"/>
-              <a:t>배</a:t>
-            </a:r>
-            <a:r>
-              <a:rPr lang="ko-KR" altLang="en-US" dirty="0"/>
-              <a:t>너</a:t>
-            </a:r>
-          </a:p>
-        </p:txBody>
-      </p:sp>
-      <p:sp>
-        <p:nvSpPr>
           <p:cNvPr id="37" name="직사각형 36"/>
           <p:cNvSpPr/>
           <p:nvPr/>
@@ -38722,59 +38715,6 @@
       </p:sp>
       <p:sp>
         <p:nvSpPr>
-          <p:cNvPr id="30" name="직사각형 29"/>
-          <p:cNvSpPr/>
-          <p:nvPr/>
-        </p:nvSpPr>
-        <p:spPr>
-          <a:xfrm>
-            <a:off x="1259632" y="1008112"/>
-            <a:ext cx="6624736" cy="764704"/>
-          </a:xfrm>
-          <a:prstGeom prst="rect">
-            <a:avLst/>
-          </a:prstGeom>
-          <a:solidFill>
-            <a:schemeClr val="accent1">
-              <a:lumMod val="40000"/>
-              <a:lumOff val="60000"/>
-            </a:schemeClr>
-          </a:solidFill>
-        </p:spPr>
-        <p:style>
-          <a:lnRef idx="2">
-            <a:schemeClr val="accent1">
-              <a:shade val="50000"/>
-            </a:schemeClr>
-          </a:lnRef>
-          <a:fillRef idx="1">
-            <a:schemeClr val="accent1"/>
-          </a:fillRef>
-          <a:effectRef idx="0">
-            <a:schemeClr val="accent1"/>
-          </a:effectRef>
-          <a:fontRef idx="minor">
-            <a:schemeClr val="lt1"/>
-          </a:fontRef>
-        </p:style>
-        <p:txBody>
-          <a:bodyPr rtlCol="0" anchor="ctr"/>
-          <a:lstStyle/>
-          <a:p>
-            <a:pPr algn="ctr"/>
-            <a:r>
-              <a:rPr lang="ko-KR" altLang="en-US" dirty="0" smtClean="0"/>
-              <a:t>배</a:t>
-            </a:r>
-            <a:r>
-              <a:rPr lang="ko-KR" altLang="en-US" dirty="0"/>
-              <a:t>너</a:t>
-            </a:r>
-          </a:p>
-        </p:txBody>
-      </p:sp>
-      <p:sp>
-        <p:nvSpPr>
           <p:cNvPr id="37" name="직사각형 36"/>
           <p:cNvSpPr/>
           <p:nvPr/>
@@ -42422,7 +42362,7 @@
                     <a:schemeClr val="tx1"/>
                   </a:solidFill>
                 </a:rPr>
-                <a:t>주문 확인</a:t>
+                <a:t>주문 목록</a:t>
               </a:r>
               <a:endParaRPr lang="en-US" altLang="ko-KR" dirty="0" smtClean="0">
                 <a:solidFill>
@@ -42826,59 +42766,6 @@
       </p:sp>
       <p:sp>
         <p:nvSpPr>
-          <p:cNvPr id="30" name="직사각형 29"/>
-          <p:cNvSpPr/>
-          <p:nvPr/>
-        </p:nvSpPr>
-        <p:spPr>
-          <a:xfrm>
-            <a:off x="1259632" y="1008112"/>
-            <a:ext cx="6624736" cy="764704"/>
-          </a:xfrm>
-          <a:prstGeom prst="rect">
-            <a:avLst/>
-          </a:prstGeom>
-          <a:solidFill>
-            <a:schemeClr val="accent1">
-              <a:lumMod val="40000"/>
-              <a:lumOff val="60000"/>
-            </a:schemeClr>
-          </a:solidFill>
-        </p:spPr>
-        <p:style>
-          <a:lnRef idx="2">
-            <a:schemeClr val="accent1">
-              <a:shade val="50000"/>
-            </a:schemeClr>
-          </a:lnRef>
-          <a:fillRef idx="1">
-            <a:schemeClr val="accent1"/>
-          </a:fillRef>
-          <a:effectRef idx="0">
-            <a:schemeClr val="accent1"/>
-          </a:effectRef>
-          <a:fontRef idx="minor">
-            <a:schemeClr val="lt1"/>
-          </a:fontRef>
-        </p:style>
-        <p:txBody>
-          <a:bodyPr rtlCol="0" anchor="ctr"/>
-          <a:lstStyle/>
-          <a:p>
-            <a:pPr algn="ctr"/>
-            <a:r>
-              <a:rPr lang="ko-KR" altLang="en-US" dirty="0" smtClean="0"/>
-              <a:t>배</a:t>
-            </a:r>
-            <a:r>
-              <a:rPr lang="ko-KR" altLang="en-US" dirty="0"/>
-              <a:t>너</a:t>
-            </a:r>
-          </a:p>
-        </p:txBody>
-      </p:sp>
-      <p:sp>
-        <p:nvSpPr>
           <p:cNvPr id="37" name="직사각형 36"/>
           <p:cNvSpPr/>
           <p:nvPr/>
@@ -43360,7 +43247,7 @@
             <a:pPr algn="ctr"/>
             <a:r>
               <a:rPr lang="ko-KR" altLang="en-US" dirty="0" smtClean="0"/>
-              <a:t>제품</a:t>
+              <a:t>주문번호 </a:t>
             </a:r>
             <a:r>
               <a:rPr lang="en-US" altLang="ko-KR" dirty="0" smtClean="0"/>
@@ -43414,7 +43301,7 @@
             <a:pPr algn="ctr"/>
             <a:r>
               <a:rPr lang="ko-KR" altLang="en-US" dirty="0" smtClean="0"/>
-              <a:t>제품</a:t>
+              <a:t>주문번호 </a:t>
             </a:r>
             <a:r>
               <a:rPr lang="en-US" altLang="ko-KR" dirty="0" smtClean="0"/>
@@ -43468,7 +43355,7 @@
             <a:pPr algn="ctr"/>
             <a:r>
               <a:rPr lang="ko-KR" altLang="en-US" dirty="0" smtClean="0"/>
-              <a:t>제품</a:t>
+              <a:t>주문번호 </a:t>
             </a:r>
             <a:r>
               <a:rPr lang="en-US" altLang="ko-KR" dirty="0" smtClean="0"/>
@@ -43522,10 +43409,10 @@
             <a:pPr algn="ctr"/>
             <a:r>
               <a:rPr lang="ko-KR" altLang="en-US" dirty="0" smtClean="0"/>
-              <a:t>제품</a:t>
-            </a:r>
-            <a:r>
-              <a:rPr lang="en-US" altLang="ko-KR" dirty="0"/>
+              <a:t>주문번호 </a:t>
+            </a:r>
+            <a:r>
+              <a:rPr lang="en-US" altLang="ko-KR" dirty="0" smtClean="0"/>
               <a:t>4</a:t>
             </a:r>
             <a:endParaRPr lang="ko-KR" altLang="en-US" dirty="0"/>
@@ -43626,7 +43513,11 @@
             <a:pPr algn="ctr"/>
             <a:r>
               <a:rPr lang="ko-KR" altLang="en-US" sz="1600" dirty="0" smtClean="0"/>
-              <a:t>주문상태</a:t>
+              <a:t>주문</a:t>
+            </a:r>
+            <a:r>
+              <a:rPr lang="ko-KR" altLang="en-US" sz="1600" dirty="0" smtClean="0"/>
+              <a:t>상태</a:t>
             </a:r>
             <a:endParaRPr lang="ko-KR" altLang="en-US" sz="1600" dirty="0"/>
           </a:p>
@@ -43676,7 +43567,11 @@
             <a:pPr algn="ctr"/>
             <a:r>
               <a:rPr lang="ko-KR" altLang="en-US" sz="1600" dirty="0" smtClean="0"/>
-              <a:t>주문상태</a:t>
+              <a:t>주문</a:t>
+            </a:r>
+            <a:r>
+              <a:rPr lang="ko-KR" altLang="en-US" sz="1600" dirty="0" smtClean="0"/>
+              <a:t>상태</a:t>
             </a:r>
             <a:endParaRPr lang="ko-KR" altLang="en-US" sz="1600" dirty="0"/>
           </a:p>
@@ -43726,7 +43621,11 @@
             <a:pPr algn="ctr"/>
             <a:r>
               <a:rPr lang="ko-KR" altLang="en-US" sz="1600" dirty="0" smtClean="0"/>
-              <a:t>주문상태</a:t>
+              <a:t>주문</a:t>
+            </a:r>
+            <a:r>
+              <a:rPr lang="ko-KR" altLang="en-US" sz="1600" dirty="0" smtClean="0"/>
+              <a:t>상태</a:t>
             </a:r>
             <a:endParaRPr lang="ko-KR" altLang="en-US" sz="1600" dirty="0"/>
           </a:p>
@@ -44103,7 +44002,15 @@
                     <a:schemeClr val="tx1"/>
                   </a:solidFill>
                 </a:rPr>
-                <a:t>반품 확인</a:t>
+                <a:t>주문 </a:t>
+              </a:r>
+              <a:r>
+                <a:rPr lang="ko-KR" altLang="en-US" dirty="0" smtClean="0">
+                  <a:solidFill>
+                    <a:schemeClr val="tx1"/>
+                  </a:solidFill>
+                </a:rPr>
+                <a:t>확인</a:t>
               </a:r>
               <a:endParaRPr lang="en-US" altLang="ko-KR" dirty="0" smtClean="0">
                 <a:solidFill>
@@ -44507,59 +44414,6 @@
       </p:sp>
       <p:sp>
         <p:nvSpPr>
-          <p:cNvPr id="30" name="직사각형 29"/>
-          <p:cNvSpPr/>
-          <p:nvPr/>
-        </p:nvSpPr>
-        <p:spPr>
-          <a:xfrm>
-            <a:off x="1259632" y="1008112"/>
-            <a:ext cx="6624736" cy="764704"/>
-          </a:xfrm>
-          <a:prstGeom prst="rect">
-            <a:avLst/>
-          </a:prstGeom>
-          <a:solidFill>
-            <a:schemeClr val="accent1">
-              <a:lumMod val="40000"/>
-              <a:lumOff val="60000"/>
-            </a:schemeClr>
-          </a:solidFill>
-        </p:spPr>
-        <p:style>
-          <a:lnRef idx="2">
-            <a:schemeClr val="accent1">
-              <a:shade val="50000"/>
-            </a:schemeClr>
-          </a:lnRef>
-          <a:fillRef idx="1">
-            <a:schemeClr val="accent1"/>
-          </a:fillRef>
-          <a:effectRef idx="0">
-            <a:schemeClr val="accent1"/>
-          </a:effectRef>
-          <a:fontRef idx="minor">
-            <a:schemeClr val="lt1"/>
-          </a:fontRef>
-        </p:style>
-        <p:txBody>
-          <a:bodyPr rtlCol="0" anchor="ctr"/>
-          <a:lstStyle/>
-          <a:p>
-            <a:pPr algn="ctr"/>
-            <a:r>
-              <a:rPr lang="ko-KR" altLang="en-US" dirty="0" smtClean="0"/>
-              <a:t>배</a:t>
-            </a:r>
-            <a:r>
-              <a:rPr lang="ko-KR" altLang="en-US" dirty="0"/>
-              <a:t>너</a:t>
-            </a:r>
-          </a:p>
-        </p:txBody>
-      </p:sp>
-      <p:sp>
-        <p:nvSpPr>
           <p:cNvPr id="37" name="직사각형 36"/>
           <p:cNvSpPr/>
           <p:nvPr/>
@@ -45041,7 +44895,7 @@
             <a:pPr algn="ctr"/>
             <a:r>
               <a:rPr lang="ko-KR" altLang="en-US" dirty="0" smtClean="0"/>
-              <a:t>제품</a:t>
+              <a:t>주문번호 </a:t>
             </a:r>
             <a:r>
               <a:rPr lang="en-US" altLang="ko-KR" dirty="0" smtClean="0"/>
@@ -45095,11 +44949,11 @@
             <a:pPr algn="ctr"/>
             <a:r>
               <a:rPr lang="ko-KR" altLang="en-US" dirty="0" smtClean="0"/>
-              <a:t>제품</a:t>
+              <a:t>제품 </a:t>
             </a:r>
             <a:r>
               <a:rPr lang="en-US" altLang="ko-KR" dirty="0" smtClean="0"/>
-              <a:t>2</a:t>
+              <a:t>1</a:t>
             </a:r>
             <a:endParaRPr lang="ko-KR" altLang="en-US" dirty="0"/>
           </a:p>
@@ -45149,11 +45003,11 @@
             <a:pPr algn="ctr"/>
             <a:r>
               <a:rPr lang="ko-KR" altLang="en-US" dirty="0" smtClean="0"/>
-              <a:t>제품</a:t>
+              <a:t>제품 </a:t>
             </a:r>
             <a:r>
               <a:rPr lang="en-US" altLang="ko-KR" dirty="0" smtClean="0"/>
-              <a:t>3</a:t>
+              <a:t>2</a:t>
             </a:r>
             <a:endParaRPr lang="ko-KR" altLang="en-US" dirty="0"/>
           </a:p>
@@ -45203,255 +45057,11 @@
             <a:pPr algn="ctr"/>
             <a:r>
               <a:rPr lang="ko-KR" altLang="en-US" dirty="0" smtClean="0"/>
-              <a:t>제품</a:t>
-            </a:r>
-            <a:r>
-              <a:rPr lang="en-US" altLang="ko-KR" dirty="0"/>
-              <a:t>4</a:t>
-            </a:r>
-            <a:endParaRPr lang="ko-KR" altLang="en-US" dirty="0"/>
-          </a:p>
-        </p:txBody>
-      </p:sp>
-      <p:sp>
-        <p:nvSpPr>
-          <p:cNvPr id="50" name="직사각형 49"/>
-          <p:cNvSpPr/>
-          <p:nvPr/>
-        </p:nvSpPr>
-        <p:spPr>
-          <a:xfrm>
-            <a:off x="6300192" y="2758359"/>
-            <a:ext cx="1008112" cy="360040"/>
-          </a:xfrm>
-          <a:prstGeom prst="rect">
-            <a:avLst/>
-          </a:prstGeom>
-          <a:solidFill>
-            <a:schemeClr val="tx2">
-              <a:lumMod val="40000"/>
-              <a:lumOff val="60000"/>
-            </a:schemeClr>
-          </a:solidFill>
-        </p:spPr>
-        <p:style>
-          <a:lnRef idx="2">
-            <a:schemeClr val="accent1">
-              <a:shade val="50000"/>
-            </a:schemeClr>
-          </a:lnRef>
-          <a:fillRef idx="1">
-            <a:schemeClr val="accent1"/>
-          </a:fillRef>
-          <a:effectRef idx="0">
-            <a:schemeClr val="accent1"/>
-          </a:effectRef>
-          <a:fontRef idx="minor">
-            <a:schemeClr val="lt1"/>
-          </a:fontRef>
-        </p:style>
-        <p:txBody>
-          <a:bodyPr rtlCol="0" anchor="ctr"/>
-          <a:lstStyle/>
-          <a:p>
-            <a:pPr algn="ctr"/>
-            <a:r>
-              <a:rPr lang="ko-KR" altLang="en-US" sz="1600" dirty="0" smtClean="0"/>
-              <a:t>확인여</a:t>
-            </a:r>
-            <a:r>
-              <a:rPr lang="ko-KR" altLang="en-US" sz="1600" dirty="0"/>
-              <a:t>부</a:t>
-            </a:r>
-          </a:p>
-        </p:txBody>
-      </p:sp>
-      <p:sp>
-        <p:nvSpPr>
-          <p:cNvPr id="54" name="직사각형 53"/>
-          <p:cNvSpPr/>
-          <p:nvPr/>
-        </p:nvSpPr>
-        <p:spPr>
-          <a:xfrm>
-            <a:off x="6300192" y="3298419"/>
-            <a:ext cx="1008112" cy="360040"/>
-          </a:xfrm>
-          <a:prstGeom prst="rect">
-            <a:avLst/>
-          </a:prstGeom>
-          <a:solidFill>
-            <a:schemeClr val="tx2">
-              <a:lumMod val="40000"/>
-              <a:lumOff val="60000"/>
-            </a:schemeClr>
-          </a:solidFill>
-        </p:spPr>
-        <p:style>
-          <a:lnRef idx="2">
-            <a:schemeClr val="accent1">
-              <a:shade val="50000"/>
-            </a:schemeClr>
-          </a:lnRef>
-          <a:fillRef idx="1">
-            <a:schemeClr val="accent1"/>
-          </a:fillRef>
-          <a:effectRef idx="0">
-            <a:schemeClr val="accent1"/>
-          </a:effectRef>
-          <a:fontRef idx="minor">
-            <a:schemeClr val="lt1"/>
-          </a:fontRef>
-        </p:style>
-        <p:txBody>
-          <a:bodyPr rtlCol="0" anchor="ctr"/>
-          <a:lstStyle/>
-          <a:p>
-            <a:pPr algn="ctr"/>
-            <a:r>
-              <a:rPr lang="ko-KR" altLang="en-US" sz="1600" dirty="0"/>
-              <a:t>확인여부</a:t>
-            </a:r>
-          </a:p>
-        </p:txBody>
-      </p:sp>
-      <p:sp>
-        <p:nvSpPr>
-          <p:cNvPr id="55" name="직사각형 54"/>
-          <p:cNvSpPr/>
-          <p:nvPr/>
-        </p:nvSpPr>
-        <p:spPr>
-          <a:xfrm>
-            <a:off x="6300192" y="3838479"/>
-            <a:ext cx="1008112" cy="360040"/>
-          </a:xfrm>
-          <a:prstGeom prst="rect">
-            <a:avLst/>
-          </a:prstGeom>
-          <a:solidFill>
-            <a:schemeClr val="tx2">
-              <a:lumMod val="40000"/>
-              <a:lumOff val="60000"/>
-            </a:schemeClr>
-          </a:solidFill>
-        </p:spPr>
-        <p:style>
-          <a:lnRef idx="2">
-            <a:schemeClr val="accent1">
-              <a:shade val="50000"/>
-            </a:schemeClr>
-          </a:lnRef>
-          <a:fillRef idx="1">
-            <a:schemeClr val="accent1"/>
-          </a:fillRef>
-          <a:effectRef idx="0">
-            <a:schemeClr val="accent1"/>
-          </a:effectRef>
-          <a:fontRef idx="minor">
-            <a:schemeClr val="lt1"/>
-          </a:fontRef>
-        </p:style>
-        <p:txBody>
-          <a:bodyPr rtlCol="0" anchor="ctr"/>
-          <a:lstStyle/>
-          <a:p>
-            <a:pPr algn="ctr"/>
-            <a:r>
-              <a:rPr lang="ko-KR" altLang="en-US" sz="1600" dirty="0"/>
-              <a:t>확인여부</a:t>
-            </a:r>
-          </a:p>
-        </p:txBody>
-      </p:sp>
-      <p:sp>
-        <p:nvSpPr>
-          <p:cNvPr id="56" name="직사각형 55"/>
-          <p:cNvSpPr/>
-          <p:nvPr/>
-        </p:nvSpPr>
-        <p:spPr>
-          <a:xfrm>
-            <a:off x="6300192" y="4342535"/>
-            <a:ext cx="1008112" cy="360040"/>
-          </a:xfrm>
-          <a:prstGeom prst="rect">
-            <a:avLst/>
-          </a:prstGeom>
-          <a:solidFill>
-            <a:schemeClr val="tx2">
-              <a:lumMod val="40000"/>
-              <a:lumOff val="60000"/>
-            </a:schemeClr>
-          </a:solidFill>
-        </p:spPr>
-        <p:style>
-          <a:lnRef idx="2">
-            <a:schemeClr val="accent1">
-              <a:shade val="50000"/>
-            </a:schemeClr>
-          </a:lnRef>
-          <a:fillRef idx="1">
-            <a:schemeClr val="accent1"/>
-          </a:fillRef>
-          <a:effectRef idx="0">
-            <a:schemeClr val="accent1"/>
-          </a:effectRef>
-          <a:fontRef idx="minor">
-            <a:schemeClr val="lt1"/>
-          </a:fontRef>
-        </p:style>
-        <p:txBody>
-          <a:bodyPr rtlCol="0" anchor="ctr"/>
-          <a:lstStyle/>
-          <a:p>
-            <a:pPr algn="ctr"/>
-            <a:r>
-              <a:rPr lang="ko-KR" altLang="en-US" sz="1600" dirty="0"/>
-              <a:t>확인여부</a:t>
-            </a:r>
-          </a:p>
-        </p:txBody>
-      </p:sp>
-      <p:sp>
-        <p:nvSpPr>
-          <p:cNvPr id="57" name="직사각형 56"/>
-          <p:cNvSpPr/>
-          <p:nvPr/>
-        </p:nvSpPr>
-        <p:spPr>
-          <a:xfrm>
-            <a:off x="3635896" y="5301208"/>
-            <a:ext cx="1944216" cy="288032"/>
-          </a:xfrm>
-          <a:prstGeom prst="rect">
-            <a:avLst/>
-          </a:prstGeom>
-        </p:spPr>
-        <p:style>
-          <a:lnRef idx="2">
-            <a:schemeClr val="accent1">
-              <a:shade val="50000"/>
-            </a:schemeClr>
-          </a:lnRef>
-          <a:fillRef idx="1">
-            <a:schemeClr val="accent1"/>
-          </a:fillRef>
-          <a:effectRef idx="0">
-            <a:schemeClr val="accent1"/>
-          </a:effectRef>
-          <a:fontRef idx="minor">
-            <a:schemeClr val="lt1"/>
-          </a:fontRef>
-        </p:style>
-        <p:txBody>
-          <a:bodyPr rtlCol="0" anchor="ctr"/>
-          <a:lstStyle/>
-          <a:p>
-            <a:pPr algn="ctr"/>
-            <a:r>
-              <a:rPr lang="ko-KR" altLang="en-US" dirty="0" err="1" smtClean="0"/>
-              <a:t>페이지네이션</a:t>
+              <a:t>제품 </a:t>
+            </a:r>
+            <a:r>
+              <a:rPr lang="en-US" altLang="ko-KR" dirty="0" smtClean="0"/>
+              <a:t>3</a:t>
             </a:r>
             <a:endParaRPr lang="ko-KR" altLang="en-US" dirty="0"/>
           </a:p>
@@ -45645,10 +45255,258 @@
           </p:txBody>
         </p:sp>
       </p:grpSp>
+      <p:sp>
+        <p:nvSpPr>
+          <p:cNvPr id="47" name="직사각형 46"/>
+          <p:cNvSpPr/>
+          <p:nvPr/>
+        </p:nvSpPr>
+        <p:spPr>
+          <a:xfrm>
+            <a:off x="6300192" y="2758359"/>
+            <a:ext cx="1008112" cy="360040"/>
+          </a:xfrm>
+          <a:prstGeom prst="rect">
+            <a:avLst/>
+          </a:prstGeom>
+          <a:solidFill>
+            <a:schemeClr val="tx2">
+              <a:lumMod val="40000"/>
+              <a:lumOff val="60000"/>
+            </a:schemeClr>
+          </a:solidFill>
+        </p:spPr>
+        <p:style>
+          <a:lnRef idx="2">
+            <a:schemeClr val="accent1">
+              <a:shade val="50000"/>
+            </a:schemeClr>
+          </a:lnRef>
+          <a:fillRef idx="1">
+            <a:schemeClr val="accent1"/>
+          </a:fillRef>
+          <a:effectRef idx="0">
+            <a:schemeClr val="accent1"/>
+          </a:effectRef>
+          <a:fontRef idx="minor">
+            <a:schemeClr val="lt1"/>
+          </a:fontRef>
+        </p:style>
+        <p:txBody>
+          <a:bodyPr rtlCol="0" anchor="ctr"/>
+          <a:lstStyle/>
+          <a:p>
+            <a:pPr algn="ctr"/>
+            <a:r>
+              <a:rPr lang="ko-KR" altLang="en-US" sz="1600" dirty="0" smtClean="0"/>
+              <a:t>상태설정</a:t>
+            </a:r>
+            <a:endParaRPr lang="ko-KR" altLang="en-US" sz="1600" dirty="0"/>
+          </a:p>
+        </p:txBody>
+      </p:sp>
+      <p:sp>
+        <p:nvSpPr>
+          <p:cNvPr id="48" name="직사각형 47"/>
+          <p:cNvSpPr/>
+          <p:nvPr/>
+        </p:nvSpPr>
+        <p:spPr>
+          <a:xfrm>
+            <a:off x="6300192" y="3298419"/>
+            <a:ext cx="1008112" cy="360040"/>
+          </a:xfrm>
+          <a:prstGeom prst="rect">
+            <a:avLst/>
+          </a:prstGeom>
+          <a:solidFill>
+            <a:schemeClr val="tx2">
+              <a:lumMod val="40000"/>
+              <a:lumOff val="60000"/>
+            </a:schemeClr>
+          </a:solidFill>
+        </p:spPr>
+        <p:style>
+          <a:lnRef idx="2">
+            <a:schemeClr val="accent1">
+              <a:shade val="50000"/>
+            </a:schemeClr>
+          </a:lnRef>
+          <a:fillRef idx="1">
+            <a:schemeClr val="accent1"/>
+          </a:fillRef>
+          <a:effectRef idx="0">
+            <a:schemeClr val="accent1"/>
+          </a:effectRef>
+          <a:fontRef idx="minor">
+            <a:schemeClr val="lt1"/>
+          </a:fontRef>
+        </p:style>
+        <p:txBody>
+          <a:bodyPr rtlCol="0" anchor="ctr"/>
+          <a:lstStyle/>
+          <a:p>
+            <a:pPr algn="ctr"/>
+            <a:r>
+              <a:rPr lang="ko-KR" altLang="en-US" sz="1600" dirty="0" smtClean="0"/>
+              <a:t>개수</a:t>
+            </a:r>
+            <a:endParaRPr lang="ko-KR" altLang="en-US" sz="1600" dirty="0"/>
+          </a:p>
+        </p:txBody>
+      </p:sp>
+      <p:sp>
+        <p:nvSpPr>
+          <p:cNvPr id="49" name="직사각형 48"/>
+          <p:cNvSpPr/>
+          <p:nvPr/>
+        </p:nvSpPr>
+        <p:spPr>
+          <a:xfrm>
+            <a:off x="6300192" y="3838479"/>
+            <a:ext cx="1008112" cy="360040"/>
+          </a:xfrm>
+          <a:prstGeom prst="rect">
+            <a:avLst/>
+          </a:prstGeom>
+          <a:solidFill>
+            <a:schemeClr val="tx2">
+              <a:lumMod val="40000"/>
+              <a:lumOff val="60000"/>
+            </a:schemeClr>
+          </a:solidFill>
+        </p:spPr>
+        <p:style>
+          <a:lnRef idx="2">
+            <a:schemeClr val="accent1">
+              <a:shade val="50000"/>
+            </a:schemeClr>
+          </a:lnRef>
+          <a:fillRef idx="1">
+            <a:schemeClr val="accent1"/>
+          </a:fillRef>
+          <a:effectRef idx="0">
+            <a:schemeClr val="accent1"/>
+          </a:effectRef>
+          <a:fontRef idx="minor">
+            <a:schemeClr val="lt1"/>
+          </a:fontRef>
+        </p:style>
+        <p:txBody>
+          <a:bodyPr rtlCol="0" anchor="ctr"/>
+          <a:lstStyle/>
+          <a:p>
+            <a:pPr algn="ctr"/>
+            <a:r>
+              <a:rPr lang="ko-KR" altLang="en-US" sz="1600" dirty="0" smtClean="0"/>
+              <a:t>개수</a:t>
+            </a:r>
+            <a:endParaRPr lang="ko-KR" altLang="en-US" sz="1600" dirty="0"/>
+          </a:p>
+        </p:txBody>
+      </p:sp>
+      <p:sp>
+        <p:nvSpPr>
+          <p:cNvPr id="51" name="직사각형 50"/>
+          <p:cNvSpPr/>
+          <p:nvPr/>
+        </p:nvSpPr>
+        <p:spPr>
+          <a:xfrm>
+            <a:off x="6300192" y="4342535"/>
+            <a:ext cx="1008112" cy="360040"/>
+          </a:xfrm>
+          <a:prstGeom prst="rect">
+            <a:avLst/>
+          </a:prstGeom>
+          <a:solidFill>
+            <a:schemeClr val="tx2">
+              <a:lumMod val="40000"/>
+              <a:lumOff val="60000"/>
+            </a:schemeClr>
+          </a:solidFill>
+        </p:spPr>
+        <p:style>
+          <a:lnRef idx="2">
+            <a:schemeClr val="accent1">
+              <a:shade val="50000"/>
+            </a:schemeClr>
+          </a:lnRef>
+          <a:fillRef idx="1">
+            <a:schemeClr val="accent1"/>
+          </a:fillRef>
+          <a:effectRef idx="0">
+            <a:schemeClr val="accent1"/>
+          </a:effectRef>
+          <a:fontRef idx="minor">
+            <a:schemeClr val="lt1"/>
+          </a:fontRef>
+        </p:style>
+        <p:txBody>
+          <a:bodyPr rtlCol="0" anchor="ctr"/>
+          <a:lstStyle/>
+          <a:p>
+            <a:pPr algn="ctr"/>
+            <a:r>
+              <a:rPr lang="ko-KR" altLang="en-US" sz="1600" dirty="0" smtClean="0"/>
+              <a:t>개수</a:t>
+            </a:r>
+            <a:endParaRPr lang="ko-KR" altLang="en-US" sz="1600" dirty="0"/>
+          </a:p>
+        </p:txBody>
+      </p:sp>
+      <p:sp>
+        <p:nvSpPr>
+          <p:cNvPr id="52" name="직사각형 51"/>
+          <p:cNvSpPr/>
+          <p:nvPr/>
+        </p:nvSpPr>
+        <p:spPr>
+          <a:xfrm>
+            <a:off x="3635896" y="5301208"/>
+            <a:ext cx="1944216" cy="288032"/>
+          </a:xfrm>
+          <a:prstGeom prst="rect">
+            <a:avLst/>
+          </a:prstGeom>
+        </p:spPr>
+        <p:style>
+          <a:lnRef idx="2">
+            <a:schemeClr val="accent1">
+              <a:shade val="50000"/>
+            </a:schemeClr>
+          </a:lnRef>
+          <a:fillRef idx="1">
+            <a:schemeClr val="accent1"/>
+          </a:fillRef>
+          <a:effectRef idx="0">
+            <a:schemeClr val="accent1"/>
+          </a:effectRef>
+          <a:fontRef idx="minor">
+            <a:schemeClr val="lt1"/>
+          </a:fontRef>
+        </p:style>
+        <p:txBody>
+          <a:bodyPr rtlCol="0" anchor="ctr"/>
+          <a:lstStyle/>
+          <a:p>
+            <a:pPr algn="ctr"/>
+            <a:r>
+              <a:rPr lang="ko-KR" altLang="en-US" dirty="0" smtClean="0"/>
+              <a:t>변</a:t>
+            </a:r>
+            <a:r>
+              <a:rPr lang="ko-KR" altLang="en-US" dirty="0"/>
+              <a:t>경</a:t>
+            </a:r>
+            <a:endParaRPr lang="ko-KR" altLang="en-US" dirty="0"/>
+          </a:p>
+        </p:txBody>
+      </p:sp>
     </p:spTree>
     <p:extLst>
       <p:ext uri="{BB962C8B-B14F-4D97-AF65-F5344CB8AC3E}">
-        <p14:creationId xmlns:p14="http://schemas.microsoft.com/office/powerpoint/2010/main" val="1269155692"/>
+        <p14:creationId xmlns:p14="http://schemas.microsoft.com/office/powerpoint/2010/main" val="1445691219"/>
       </p:ext>
     </p:extLst>
   </p:cSld>
@@ -45779,20 +45637,12 @@
             <a:p>
               <a:pPr algn="ctr"/>
               <a:r>
-                <a:rPr lang="en-US" altLang="ko-KR" dirty="0" smtClean="0">
-                  <a:solidFill>
-                    <a:schemeClr val="tx1"/>
-                  </a:solidFill>
-                </a:rPr>
-                <a:t>A/S</a:t>
-              </a:r>
-              <a:r>
                 <a:rPr lang="ko-KR" altLang="en-US" dirty="0" smtClean="0">
                   <a:solidFill>
                     <a:schemeClr val="tx1"/>
                   </a:solidFill>
                 </a:rPr>
-                <a:t> 확인</a:t>
+                <a:t>반품 확인</a:t>
               </a:r>
               <a:endParaRPr lang="en-US" altLang="ko-KR" dirty="0" smtClean="0">
                 <a:solidFill>
@@ -46196,24 +46046,18 @@
       </p:sp>
       <p:sp>
         <p:nvSpPr>
-          <p:cNvPr id="30" name="직사각형 29"/>
+          <p:cNvPr id="37" name="직사각형 36"/>
           <p:cNvSpPr/>
           <p:nvPr/>
         </p:nvSpPr>
         <p:spPr>
           <a:xfrm>
-            <a:off x="1259632" y="1008112"/>
-            <a:ext cx="6624736" cy="764704"/>
+            <a:off x="1259632" y="6237312"/>
+            <a:ext cx="6624736" cy="620688"/>
           </a:xfrm>
           <a:prstGeom prst="rect">
             <a:avLst/>
           </a:prstGeom>
-          <a:solidFill>
-            <a:schemeClr val="accent1">
-              <a:lumMod val="40000"/>
-              <a:lumOff val="60000"/>
-            </a:schemeClr>
-          </a:solidFill>
         </p:spPr>
         <p:style>
           <a:lnRef idx="2">
@@ -46237,13 +46081,1602 @@
           <a:p>
             <a:pPr algn="ctr"/>
             <a:r>
+              <a:rPr lang="ko-KR" altLang="en-US" dirty="0" err="1" smtClean="0"/>
+              <a:t>푸터</a:t>
+            </a:r>
+            <a:endParaRPr lang="ko-KR" altLang="en-US" dirty="0"/>
+          </a:p>
+        </p:txBody>
+      </p:sp>
+      <p:sp>
+        <p:nvSpPr>
+          <p:cNvPr id="35" name="직사각형 34"/>
+          <p:cNvSpPr/>
+          <p:nvPr/>
+        </p:nvSpPr>
+        <p:spPr>
+          <a:xfrm>
+            <a:off x="3140190" y="83164"/>
+            <a:ext cx="639722" cy="166328"/>
+          </a:xfrm>
+          <a:prstGeom prst="rect">
+            <a:avLst/>
+          </a:prstGeom>
+        </p:spPr>
+        <p:style>
+          <a:lnRef idx="2">
+            <a:schemeClr val="accent1">
+              <a:shade val="50000"/>
+            </a:schemeClr>
+          </a:lnRef>
+          <a:fillRef idx="1">
+            <a:schemeClr val="accent1"/>
+          </a:fillRef>
+          <a:effectRef idx="0">
+            <a:schemeClr val="accent1"/>
+          </a:effectRef>
+          <a:fontRef idx="minor">
+            <a:schemeClr val="lt1"/>
+          </a:fontRef>
+        </p:style>
+        <p:txBody>
+          <a:bodyPr rtlCol="0" anchor="ctr"/>
+          <a:lstStyle/>
+          <a:p>
+            <a:pPr algn="ctr"/>
+            <a:r>
+              <a:rPr lang="ko-KR" altLang="en-US" sz="800" dirty="0" smtClean="0"/>
+              <a:t>로그아웃</a:t>
+            </a:r>
+            <a:endParaRPr lang="ko-KR" altLang="en-US" sz="800" dirty="0"/>
+          </a:p>
+        </p:txBody>
+      </p:sp>
+      <p:sp>
+        <p:nvSpPr>
+          <p:cNvPr id="40" name="직사각형 39"/>
+          <p:cNvSpPr/>
+          <p:nvPr/>
+        </p:nvSpPr>
+        <p:spPr>
+          <a:xfrm>
+            <a:off x="7092280" y="83164"/>
+            <a:ext cx="720080" cy="166328"/>
+          </a:xfrm>
+          <a:prstGeom prst="rect">
+            <a:avLst/>
+          </a:prstGeom>
+        </p:spPr>
+        <p:style>
+          <a:lnRef idx="2">
+            <a:schemeClr val="accent1">
+              <a:shade val="50000"/>
+            </a:schemeClr>
+          </a:lnRef>
+          <a:fillRef idx="1">
+            <a:schemeClr val="accent1"/>
+          </a:fillRef>
+          <a:effectRef idx="0">
+            <a:schemeClr val="accent1"/>
+          </a:effectRef>
+          <a:fontRef idx="minor">
+            <a:schemeClr val="lt1"/>
+          </a:fontRef>
+        </p:style>
+        <p:txBody>
+          <a:bodyPr rtlCol="0" anchor="ctr"/>
+          <a:lstStyle/>
+          <a:p>
+            <a:pPr algn="ctr"/>
+            <a:r>
+              <a:rPr lang="ko-KR" altLang="en-US" sz="800" dirty="0" err="1" smtClean="0"/>
+              <a:t>마이페이지</a:t>
+            </a:r>
+            <a:endParaRPr lang="ko-KR" altLang="en-US" sz="800" dirty="0"/>
+          </a:p>
+        </p:txBody>
+      </p:sp>
+      <p:sp>
+        <p:nvSpPr>
+          <p:cNvPr id="41" name="직사각형 40"/>
+          <p:cNvSpPr/>
+          <p:nvPr/>
+        </p:nvSpPr>
+        <p:spPr>
+          <a:xfrm>
+            <a:off x="6372200" y="83164"/>
+            <a:ext cx="648072" cy="166328"/>
+          </a:xfrm>
+          <a:prstGeom prst="rect">
+            <a:avLst/>
+          </a:prstGeom>
+        </p:spPr>
+        <p:style>
+          <a:lnRef idx="2">
+            <a:schemeClr val="accent1">
+              <a:shade val="50000"/>
+            </a:schemeClr>
+          </a:lnRef>
+          <a:fillRef idx="1">
+            <a:schemeClr val="accent1"/>
+          </a:fillRef>
+          <a:effectRef idx="0">
+            <a:schemeClr val="accent1"/>
+          </a:effectRef>
+          <a:fontRef idx="minor">
+            <a:schemeClr val="lt1"/>
+          </a:fontRef>
+        </p:style>
+        <p:txBody>
+          <a:bodyPr rtlCol="0" anchor="ctr"/>
+          <a:lstStyle/>
+          <a:p>
+            <a:pPr algn="ctr"/>
+            <a:r>
+              <a:rPr lang="ko-KR" altLang="en-US" sz="800" dirty="0" smtClean="0"/>
+              <a:t>상품관리</a:t>
+            </a:r>
+            <a:endParaRPr lang="ko-KR" altLang="en-US" sz="800" dirty="0"/>
+          </a:p>
+        </p:txBody>
+      </p:sp>
+      <p:sp>
+        <p:nvSpPr>
+          <p:cNvPr id="42" name="직사각형 41"/>
+          <p:cNvSpPr/>
+          <p:nvPr/>
+        </p:nvSpPr>
+        <p:spPr>
+          <a:xfrm>
+            <a:off x="5114198" y="83164"/>
+            <a:ext cx="393906" cy="166328"/>
+          </a:xfrm>
+          <a:prstGeom prst="rect">
+            <a:avLst/>
+          </a:prstGeom>
+        </p:spPr>
+        <p:style>
+          <a:lnRef idx="2">
+            <a:schemeClr val="accent1">
+              <a:shade val="50000"/>
+            </a:schemeClr>
+          </a:lnRef>
+          <a:fillRef idx="1">
+            <a:schemeClr val="accent1"/>
+          </a:fillRef>
+          <a:effectRef idx="0">
+            <a:schemeClr val="accent1"/>
+          </a:effectRef>
+          <a:fontRef idx="minor">
+            <a:schemeClr val="lt1"/>
+          </a:fontRef>
+        </p:style>
+        <p:txBody>
+          <a:bodyPr rtlCol="0" anchor="ctr"/>
+          <a:lstStyle/>
+          <a:p>
+            <a:pPr algn="ctr"/>
+            <a:r>
+              <a:rPr lang="ko-KR" altLang="en-US" sz="800" dirty="0" smtClean="0"/>
+              <a:t>리뷰</a:t>
+            </a:r>
+            <a:endParaRPr lang="ko-KR" altLang="en-US" sz="800" dirty="0"/>
+          </a:p>
+        </p:txBody>
+      </p:sp>
+      <p:sp>
+        <p:nvSpPr>
+          <p:cNvPr id="43" name="직사각형 42"/>
+          <p:cNvSpPr/>
+          <p:nvPr/>
+        </p:nvSpPr>
+        <p:spPr>
+          <a:xfrm>
+            <a:off x="4572000" y="83164"/>
+            <a:ext cx="465914" cy="166328"/>
+          </a:xfrm>
+          <a:prstGeom prst="rect">
+            <a:avLst/>
+          </a:prstGeom>
+        </p:spPr>
+        <p:style>
+          <a:lnRef idx="2">
+            <a:schemeClr val="accent1">
+              <a:shade val="50000"/>
+            </a:schemeClr>
+          </a:lnRef>
+          <a:fillRef idx="1">
+            <a:schemeClr val="accent1"/>
+          </a:fillRef>
+          <a:effectRef idx="0">
+            <a:schemeClr val="accent1"/>
+          </a:effectRef>
+          <a:fontRef idx="minor">
+            <a:schemeClr val="lt1"/>
+          </a:fontRef>
+        </p:style>
+        <p:txBody>
+          <a:bodyPr rtlCol="0" anchor="ctr"/>
+          <a:lstStyle/>
+          <a:p>
+            <a:pPr algn="ctr"/>
+            <a:r>
+              <a:rPr lang="en-US" altLang="ko-KR" sz="800" dirty="0" smtClean="0"/>
+              <a:t>Q&amp;A</a:t>
+            </a:r>
+            <a:endParaRPr lang="ko-KR" altLang="en-US" sz="800" dirty="0"/>
+          </a:p>
+        </p:txBody>
+      </p:sp>
+      <p:sp>
+        <p:nvSpPr>
+          <p:cNvPr id="44" name="직사각형 43"/>
+          <p:cNvSpPr/>
+          <p:nvPr/>
+        </p:nvSpPr>
+        <p:spPr>
+          <a:xfrm>
+            <a:off x="3890062" y="83164"/>
+            <a:ext cx="609930" cy="166328"/>
+          </a:xfrm>
+          <a:prstGeom prst="rect">
+            <a:avLst/>
+          </a:prstGeom>
+        </p:spPr>
+        <p:style>
+          <a:lnRef idx="2">
+            <a:schemeClr val="accent1">
+              <a:shade val="50000"/>
+            </a:schemeClr>
+          </a:lnRef>
+          <a:fillRef idx="1">
+            <a:schemeClr val="accent1"/>
+          </a:fillRef>
+          <a:effectRef idx="0">
+            <a:schemeClr val="accent1"/>
+          </a:effectRef>
+          <a:fontRef idx="minor">
+            <a:schemeClr val="lt1"/>
+          </a:fontRef>
+        </p:style>
+        <p:txBody>
+          <a:bodyPr rtlCol="0" anchor="ctr"/>
+          <a:lstStyle/>
+          <a:p>
+            <a:pPr algn="ctr"/>
+            <a:r>
+              <a:rPr lang="ko-KR" altLang="en-US" sz="800" dirty="0" smtClean="0"/>
+              <a:t>공지사</a:t>
+            </a:r>
+            <a:r>
+              <a:rPr lang="ko-KR" altLang="en-US" sz="800" dirty="0"/>
+              <a:t>항</a:t>
+            </a:r>
+          </a:p>
+        </p:txBody>
+      </p:sp>
+      <p:sp>
+        <p:nvSpPr>
+          <p:cNvPr id="45" name="직사각형 44"/>
+          <p:cNvSpPr/>
+          <p:nvPr/>
+        </p:nvSpPr>
+        <p:spPr>
+          <a:xfrm>
+            <a:off x="5580112" y="83164"/>
+            <a:ext cx="720080" cy="166328"/>
+          </a:xfrm>
+          <a:prstGeom prst="rect">
+            <a:avLst/>
+          </a:prstGeom>
+        </p:spPr>
+        <p:style>
+          <a:lnRef idx="2">
+            <a:schemeClr val="accent1">
+              <a:shade val="50000"/>
+            </a:schemeClr>
+          </a:lnRef>
+          <a:fillRef idx="1">
+            <a:schemeClr val="accent1"/>
+          </a:fillRef>
+          <a:effectRef idx="0">
+            <a:schemeClr val="accent1"/>
+          </a:effectRef>
+          <a:fontRef idx="minor">
+            <a:schemeClr val="lt1"/>
+          </a:fontRef>
+        </p:style>
+        <p:txBody>
+          <a:bodyPr rtlCol="0" anchor="ctr"/>
+          <a:lstStyle/>
+          <a:p>
+            <a:pPr algn="ctr"/>
+            <a:r>
+              <a:rPr lang="ko-KR" altLang="en-US" sz="800" dirty="0" smtClean="0"/>
+              <a:t>게시판관리</a:t>
+            </a:r>
+            <a:endParaRPr lang="ko-KR" altLang="en-US" sz="800" dirty="0"/>
+          </a:p>
+        </p:txBody>
+      </p:sp>
+      <p:sp>
+        <p:nvSpPr>
+          <p:cNvPr id="46" name="직사각형 45"/>
+          <p:cNvSpPr/>
+          <p:nvPr/>
+        </p:nvSpPr>
+        <p:spPr>
+          <a:xfrm>
+            <a:off x="2374709" y="83164"/>
+            <a:ext cx="613115" cy="166328"/>
+          </a:xfrm>
+          <a:prstGeom prst="rect">
+            <a:avLst/>
+          </a:prstGeom>
+        </p:spPr>
+        <p:style>
+          <a:lnRef idx="2">
+            <a:schemeClr val="accent1">
+              <a:shade val="50000"/>
+            </a:schemeClr>
+          </a:lnRef>
+          <a:fillRef idx="1">
+            <a:schemeClr val="accent1"/>
+          </a:fillRef>
+          <a:effectRef idx="0">
+            <a:schemeClr val="accent1"/>
+          </a:effectRef>
+          <a:fontRef idx="minor">
+            <a:schemeClr val="lt1"/>
+          </a:fontRef>
+        </p:style>
+        <p:txBody>
+          <a:bodyPr rtlCol="0" anchor="ctr"/>
+          <a:lstStyle/>
+          <a:p>
+            <a:pPr algn="ctr"/>
+            <a:r>
+              <a:rPr lang="ko-KR" altLang="en-US" sz="600" dirty="0" err="1" smtClean="0"/>
+              <a:t>로그인정보</a:t>
+            </a:r>
+            <a:endParaRPr lang="ko-KR" altLang="en-US" sz="600" dirty="0"/>
+          </a:p>
+        </p:txBody>
+      </p:sp>
+      <p:sp>
+        <p:nvSpPr>
+          <p:cNvPr id="33" name="직사각형 32"/>
+          <p:cNvSpPr/>
+          <p:nvPr/>
+        </p:nvSpPr>
+        <p:spPr>
+          <a:xfrm>
+            <a:off x="1835696" y="2542335"/>
+            <a:ext cx="5572000" cy="2448272"/>
+          </a:xfrm>
+          <a:prstGeom prst="rect">
+            <a:avLst/>
+          </a:prstGeom>
+        </p:spPr>
+        <p:style>
+          <a:lnRef idx="2">
+            <a:schemeClr val="accent1">
+              <a:shade val="50000"/>
+            </a:schemeClr>
+          </a:lnRef>
+          <a:fillRef idx="1">
+            <a:schemeClr val="accent1"/>
+          </a:fillRef>
+          <a:effectRef idx="0">
+            <a:schemeClr val="accent1"/>
+          </a:effectRef>
+          <a:fontRef idx="minor">
+            <a:schemeClr val="lt1"/>
+          </a:fontRef>
+        </p:style>
+        <p:txBody>
+          <a:bodyPr rtlCol="0" anchor="ctr"/>
+          <a:lstStyle/>
+          <a:p>
+            <a:pPr algn="ctr"/>
+            <a:endParaRPr lang="ko-KR" altLang="en-US" dirty="0"/>
+          </a:p>
+        </p:txBody>
+      </p:sp>
+      <p:sp>
+        <p:nvSpPr>
+          <p:cNvPr id="34" name="직사각형 33"/>
+          <p:cNvSpPr/>
+          <p:nvPr/>
+        </p:nvSpPr>
+        <p:spPr>
+          <a:xfrm>
+            <a:off x="2051720" y="2758359"/>
+            <a:ext cx="4032448" cy="360040"/>
+          </a:xfrm>
+          <a:prstGeom prst="rect">
+            <a:avLst/>
+          </a:prstGeom>
+          <a:solidFill>
+            <a:schemeClr val="accent1">
+              <a:lumMod val="40000"/>
+              <a:lumOff val="60000"/>
+            </a:schemeClr>
+          </a:solidFill>
+        </p:spPr>
+        <p:style>
+          <a:lnRef idx="2">
+            <a:schemeClr val="accent1">
+              <a:shade val="50000"/>
+            </a:schemeClr>
+          </a:lnRef>
+          <a:fillRef idx="1">
+            <a:schemeClr val="accent1"/>
+          </a:fillRef>
+          <a:effectRef idx="0">
+            <a:schemeClr val="accent1"/>
+          </a:effectRef>
+          <a:fontRef idx="minor">
+            <a:schemeClr val="lt1"/>
+          </a:fontRef>
+        </p:style>
+        <p:txBody>
+          <a:bodyPr rtlCol="0" anchor="ctr"/>
+          <a:lstStyle/>
+          <a:p>
+            <a:pPr algn="ctr"/>
+            <a:r>
               <a:rPr lang="ko-KR" altLang="en-US" dirty="0" smtClean="0"/>
-              <a:t>배</a:t>
-            </a:r>
-            <a:r>
-              <a:rPr lang="ko-KR" altLang="en-US" dirty="0"/>
-              <a:t>너</a:t>
-            </a:r>
+              <a:t>제품</a:t>
+            </a:r>
+            <a:r>
+              <a:rPr lang="en-US" altLang="ko-KR" dirty="0" smtClean="0"/>
+              <a:t>1</a:t>
+            </a:r>
+            <a:endParaRPr lang="ko-KR" altLang="en-US" dirty="0"/>
+          </a:p>
+        </p:txBody>
+      </p:sp>
+      <p:sp>
+        <p:nvSpPr>
+          <p:cNvPr id="36" name="직사각형 35"/>
+          <p:cNvSpPr/>
+          <p:nvPr/>
+        </p:nvSpPr>
+        <p:spPr>
+          <a:xfrm>
+            <a:off x="2051720" y="3298419"/>
+            <a:ext cx="4032448" cy="360040"/>
+          </a:xfrm>
+          <a:prstGeom prst="rect">
+            <a:avLst/>
+          </a:prstGeom>
+          <a:solidFill>
+            <a:schemeClr val="accent1">
+              <a:lumMod val="40000"/>
+              <a:lumOff val="60000"/>
+            </a:schemeClr>
+          </a:solidFill>
+        </p:spPr>
+        <p:style>
+          <a:lnRef idx="2">
+            <a:schemeClr val="accent1">
+              <a:shade val="50000"/>
+            </a:schemeClr>
+          </a:lnRef>
+          <a:fillRef idx="1">
+            <a:schemeClr val="accent1"/>
+          </a:fillRef>
+          <a:effectRef idx="0">
+            <a:schemeClr val="accent1"/>
+          </a:effectRef>
+          <a:fontRef idx="minor">
+            <a:schemeClr val="lt1"/>
+          </a:fontRef>
+        </p:style>
+        <p:txBody>
+          <a:bodyPr rtlCol="0" anchor="ctr"/>
+          <a:lstStyle/>
+          <a:p>
+            <a:pPr algn="ctr"/>
+            <a:r>
+              <a:rPr lang="ko-KR" altLang="en-US" dirty="0" smtClean="0"/>
+              <a:t>제품</a:t>
+            </a:r>
+            <a:r>
+              <a:rPr lang="en-US" altLang="ko-KR" dirty="0" smtClean="0"/>
+              <a:t>2</a:t>
+            </a:r>
+            <a:endParaRPr lang="ko-KR" altLang="en-US" dirty="0"/>
+          </a:p>
+        </p:txBody>
+      </p:sp>
+      <p:sp>
+        <p:nvSpPr>
+          <p:cNvPr id="38" name="직사각형 37"/>
+          <p:cNvSpPr/>
+          <p:nvPr/>
+        </p:nvSpPr>
+        <p:spPr>
+          <a:xfrm>
+            <a:off x="2051720" y="3838479"/>
+            <a:ext cx="4032448" cy="360040"/>
+          </a:xfrm>
+          <a:prstGeom prst="rect">
+            <a:avLst/>
+          </a:prstGeom>
+          <a:solidFill>
+            <a:schemeClr val="accent1">
+              <a:lumMod val="40000"/>
+              <a:lumOff val="60000"/>
+            </a:schemeClr>
+          </a:solidFill>
+        </p:spPr>
+        <p:style>
+          <a:lnRef idx="2">
+            <a:schemeClr val="accent1">
+              <a:shade val="50000"/>
+            </a:schemeClr>
+          </a:lnRef>
+          <a:fillRef idx="1">
+            <a:schemeClr val="accent1"/>
+          </a:fillRef>
+          <a:effectRef idx="0">
+            <a:schemeClr val="accent1"/>
+          </a:effectRef>
+          <a:fontRef idx="minor">
+            <a:schemeClr val="lt1"/>
+          </a:fontRef>
+        </p:style>
+        <p:txBody>
+          <a:bodyPr rtlCol="0" anchor="ctr"/>
+          <a:lstStyle/>
+          <a:p>
+            <a:pPr algn="ctr"/>
+            <a:r>
+              <a:rPr lang="ko-KR" altLang="en-US" dirty="0" smtClean="0"/>
+              <a:t>제품</a:t>
+            </a:r>
+            <a:r>
+              <a:rPr lang="en-US" altLang="ko-KR" dirty="0" smtClean="0"/>
+              <a:t>3</a:t>
+            </a:r>
+            <a:endParaRPr lang="ko-KR" altLang="en-US" dirty="0"/>
+          </a:p>
+        </p:txBody>
+      </p:sp>
+      <p:sp>
+        <p:nvSpPr>
+          <p:cNvPr id="39" name="직사각형 38"/>
+          <p:cNvSpPr/>
+          <p:nvPr/>
+        </p:nvSpPr>
+        <p:spPr>
+          <a:xfrm>
+            <a:off x="2051720" y="4342535"/>
+            <a:ext cx="4032448" cy="360040"/>
+          </a:xfrm>
+          <a:prstGeom prst="rect">
+            <a:avLst/>
+          </a:prstGeom>
+          <a:solidFill>
+            <a:schemeClr val="accent1">
+              <a:lumMod val="40000"/>
+              <a:lumOff val="60000"/>
+            </a:schemeClr>
+          </a:solidFill>
+        </p:spPr>
+        <p:style>
+          <a:lnRef idx="2">
+            <a:schemeClr val="accent1">
+              <a:shade val="50000"/>
+            </a:schemeClr>
+          </a:lnRef>
+          <a:fillRef idx="1">
+            <a:schemeClr val="accent1"/>
+          </a:fillRef>
+          <a:effectRef idx="0">
+            <a:schemeClr val="accent1"/>
+          </a:effectRef>
+          <a:fontRef idx="minor">
+            <a:schemeClr val="lt1"/>
+          </a:fontRef>
+        </p:style>
+        <p:txBody>
+          <a:bodyPr rtlCol="0" anchor="ctr"/>
+          <a:lstStyle/>
+          <a:p>
+            <a:pPr algn="ctr"/>
+            <a:r>
+              <a:rPr lang="ko-KR" altLang="en-US" dirty="0" smtClean="0"/>
+              <a:t>제품</a:t>
+            </a:r>
+            <a:r>
+              <a:rPr lang="en-US" altLang="ko-KR" dirty="0"/>
+              <a:t>4</a:t>
+            </a:r>
+            <a:endParaRPr lang="ko-KR" altLang="en-US" dirty="0"/>
+          </a:p>
+        </p:txBody>
+      </p:sp>
+      <p:sp>
+        <p:nvSpPr>
+          <p:cNvPr id="50" name="직사각형 49"/>
+          <p:cNvSpPr/>
+          <p:nvPr/>
+        </p:nvSpPr>
+        <p:spPr>
+          <a:xfrm>
+            <a:off x="6300192" y="2758359"/>
+            <a:ext cx="1008112" cy="360040"/>
+          </a:xfrm>
+          <a:prstGeom prst="rect">
+            <a:avLst/>
+          </a:prstGeom>
+          <a:solidFill>
+            <a:schemeClr val="tx2">
+              <a:lumMod val="40000"/>
+              <a:lumOff val="60000"/>
+            </a:schemeClr>
+          </a:solidFill>
+        </p:spPr>
+        <p:style>
+          <a:lnRef idx="2">
+            <a:schemeClr val="accent1">
+              <a:shade val="50000"/>
+            </a:schemeClr>
+          </a:lnRef>
+          <a:fillRef idx="1">
+            <a:schemeClr val="accent1"/>
+          </a:fillRef>
+          <a:effectRef idx="0">
+            <a:schemeClr val="accent1"/>
+          </a:effectRef>
+          <a:fontRef idx="minor">
+            <a:schemeClr val="lt1"/>
+          </a:fontRef>
+        </p:style>
+        <p:txBody>
+          <a:bodyPr rtlCol="0" anchor="ctr"/>
+          <a:lstStyle/>
+          <a:p>
+            <a:pPr algn="ctr"/>
+            <a:r>
+              <a:rPr lang="ko-KR" altLang="en-US" sz="1600" dirty="0" smtClean="0"/>
+              <a:t>확인여</a:t>
+            </a:r>
+            <a:r>
+              <a:rPr lang="ko-KR" altLang="en-US" sz="1600" dirty="0"/>
+              <a:t>부</a:t>
+            </a:r>
+          </a:p>
+        </p:txBody>
+      </p:sp>
+      <p:sp>
+        <p:nvSpPr>
+          <p:cNvPr id="54" name="직사각형 53"/>
+          <p:cNvSpPr/>
+          <p:nvPr/>
+        </p:nvSpPr>
+        <p:spPr>
+          <a:xfrm>
+            <a:off x="6300192" y="3298419"/>
+            <a:ext cx="1008112" cy="360040"/>
+          </a:xfrm>
+          <a:prstGeom prst="rect">
+            <a:avLst/>
+          </a:prstGeom>
+          <a:solidFill>
+            <a:schemeClr val="tx2">
+              <a:lumMod val="40000"/>
+              <a:lumOff val="60000"/>
+            </a:schemeClr>
+          </a:solidFill>
+        </p:spPr>
+        <p:style>
+          <a:lnRef idx="2">
+            <a:schemeClr val="accent1">
+              <a:shade val="50000"/>
+            </a:schemeClr>
+          </a:lnRef>
+          <a:fillRef idx="1">
+            <a:schemeClr val="accent1"/>
+          </a:fillRef>
+          <a:effectRef idx="0">
+            <a:schemeClr val="accent1"/>
+          </a:effectRef>
+          <a:fontRef idx="minor">
+            <a:schemeClr val="lt1"/>
+          </a:fontRef>
+        </p:style>
+        <p:txBody>
+          <a:bodyPr rtlCol="0" anchor="ctr"/>
+          <a:lstStyle/>
+          <a:p>
+            <a:pPr algn="ctr"/>
+            <a:r>
+              <a:rPr lang="ko-KR" altLang="en-US" sz="1600" dirty="0"/>
+              <a:t>확인여부</a:t>
+            </a:r>
+          </a:p>
+        </p:txBody>
+      </p:sp>
+      <p:sp>
+        <p:nvSpPr>
+          <p:cNvPr id="55" name="직사각형 54"/>
+          <p:cNvSpPr/>
+          <p:nvPr/>
+        </p:nvSpPr>
+        <p:spPr>
+          <a:xfrm>
+            <a:off x="6300192" y="3838479"/>
+            <a:ext cx="1008112" cy="360040"/>
+          </a:xfrm>
+          <a:prstGeom prst="rect">
+            <a:avLst/>
+          </a:prstGeom>
+          <a:solidFill>
+            <a:schemeClr val="tx2">
+              <a:lumMod val="40000"/>
+              <a:lumOff val="60000"/>
+            </a:schemeClr>
+          </a:solidFill>
+        </p:spPr>
+        <p:style>
+          <a:lnRef idx="2">
+            <a:schemeClr val="accent1">
+              <a:shade val="50000"/>
+            </a:schemeClr>
+          </a:lnRef>
+          <a:fillRef idx="1">
+            <a:schemeClr val="accent1"/>
+          </a:fillRef>
+          <a:effectRef idx="0">
+            <a:schemeClr val="accent1"/>
+          </a:effectRef>
+          <a:fontRef idx="minor">
+            <a:schemeClr val="lt1"/>
+          </a:fontRef>
+        </p:style>
+        <p:txBody>
+          <a:bodyPr rtlCol="0" anchor="ctr"/>
+          <a:lstStyle/>
+          <a:p>
+            <a:pPr algn="ctr"/>
+            <a:r>
+              <a:rPr lang="ko-KR" altLang="en-US" sz="1600" dirty="0"/>
+              <a:t>확인여부</a:t>
+            </a:r>
+          </a:p>
+        </p:txBody>
+      </p:sp>
+      <p:sp>
+        <p:nvSpPr>
+          <p:cNvPr id="56" name="직사각형 55"/>
+          <p:cNvSpPr/>
+          <p:nvPr/>
+        </p:nvSpPr>
+        <p:spPr>
+          <a:xfrm>
+            <a:off x="6300192" y="4342535"/>
+            <a:ext cx="1008112" cy="360040"/>
+          </a:xfrm>
+          <a:prstGeom prst="rect">
+            <a:avLst/>
+          </a:prstGeom>
+          <a:solidFill>
+            <a:schemeClr val="tx2">
+              <a:lumMod val="40000"/>
+              <a:lumOff val="60000"/>
+            </a:schemeClr>
+          </a:solidFill>
+        </p:spPr>
+        <p:style>
+          <a:lnRef idx="2">
+            <a:schemeClr val="accent1">
+              <a:shade val="50000"/>
+            </a:schemeClr>
+          </a:lnRef>
+          <a:fillRef idx="1">
+            <a:schemeClr val="accent1"/>
+          </a:fillRef>
+          <a:effectRef idx="0">
+            <a:schemeClr val="accent1"/>
+          </a:effectRef>
+          <a:fontRef idx="minor">
+            <a:schemeClr val="lt1"/>
+          </a:fontRef>
+        </p:style>
+        <p:txBody>
+          <a:bodyPr rtlCol="0" anchor="ctr"/>
+          <a:lstStyle/>
+          <a:p>
+            <a:pPr algn="ctr"/>
+            <a:r>
+              <a:rPr lang="ko-KR" altLang="en-US" sz="1600" dirty="0"/>
+              <a:t>확인여부</a:t>
+            </a:r>
+          </a:p>
+        </p:txBody>
+      </p:sp>
+      <p:sp>
+        <p:nvSpPr>
+          <p:cNvPr id="57" name="직사각형 56"/>
+          <p:cNvSpPr/>
+          <p:nvPr/>
+        </p:nvSpPr>
+        <p:spPr>
+          <a:xfrm>
+            <a:off x="3635896" y="5301208"/>
+            <a:ext cx="1944216" cy="288032"/>
+          </a:xfrm>
+          <a:prstGeom prst="rect">
+            <a:avLst/>
+          </a:prstGeom>
+        </p:spPr>
+        <p:style>
+          <a:lnRef idx="2">
+            <a:schemeClr val="accent1">
+              <a:shade val="50000"/>
+            </a:schemeClr>
+          </a:lnRef>
+          <a:fillRef idx="1">
+            <a:schemeClr val="accent1"/>
+          </a:fillRef>
+          <a:effectRef idx="0">
+            <a:schemeClr val="accent1"/>
+          </a:effectRef>
+          <a:fontRef idx="minor">
+            <a:schemeClr val="lt1"/>
+          </a:fontRef>
+        </p:style>
+        <p:txBody>
+          <a:bodyPr rtlCol="0" anchor="ctr"/>
+          <a:lstStyle/>
+          <a:p>
+            <a:pPr algn="ctr"/>
+            <a:r>
+              <a:rPr lang="ko-KR" altLang="en-US" dirty="0" err="1" smtClean="0"/>
+              <a:t>페이지네이션</a:t>
+            </a:r>
+            <a:endParaRPr lang="ko-KR" altLang="en-US" dirty="0"/>
+          </a:p>
+        </p:txBody>
+      </p:sp>
+      <p:grpSp>
+        <p:nvGrpSpPr>
+          <p:cNvPr id="58" name="그룹 57"/>
+          <p:cNvGrpSpPr/>
+          <p:nvPr/>
+        </p:nvGrpSpPr>
+        <p:grpSpPr>
+          <a:xfrm>
+            <a:off x="8028384" y="670384"/>
+            <a:ext cx="936104" cy="4630824"/>
+            <a:chOff x="8028384" y="1844824"/>
+            <a:chExt cx="936104" cy="3456384"/>
+          </a:xfrm>
+        </p:grpSpPr>
+        <p:sp>
+          <p:nvSpPr>
+            <p:cNvPr id="59" name="직사각형 58"/>
+            <p:cNvSpPr/>
+            <p:nvPr/>
+          </p:nvSpPr>
+          <p:spPr>
+            <a:xfrm>
+              <a:off x="8028384" y="1844824"/>
+              <a:ext cx="936104" cy="3168352"/>
+            </a:xfrm>
+            <a:prstGeom prst="rect">
+              <a:avLst/>
+            </a:prstGeom>
+          </p:spPr>
+          <p:style>
+            <a:lnRef idx="2">
+              <a:schemeClr val="accent1">
+                <a:shade val="50000"/>
+              </a:schemeClr>
+            </a:lnRef>
+            <a:fillRef idx="1">
+              <a:schemeClr val="accent1"/>
+            </a:fillRef>
+            <a:effectRef idx="0">
+              <a:schemeClr val="accent1"/>
+            </a:effectRef>
+            <a:fontRef idx="minor">
+              <a:schemeClr val="lt1"/>
+            </a:fontRef>
+          </p:style>
+          <p:txBody>
+            <a:bodyPr rtlCol="0" anchor="ctr"/>
+            <a:lstStyle/>
+            <a:p>
+              <a:pPr algn="ctr"/>
+              <a:r>
+                <a:rPr lang="ko-KR" altLang="en-US" sz="1600" dirty="0" smtClean="0"/>
+                <a:t>미처리 주문</a:t>
+              </a:r>
+              <a:endParaRPr lang="en-US" altLang="ko-KR" sz="1600" dirty="0" smtClean="0"/>
+            </a:p>
+            <a:p>
+              <a:pPr algn="ctr"/>
+              <a:r>
+                <a:rPr lang="ko-KR" altLang="en-US" sz="1600" dirty="0" smtClean="0"/>
+                <a:t>개수</a:t>
+              </a:r>
+              <a:endParaRPr lang="en-US" altLang="ko-KR" sz="1600" dirty="0" smtClean="0"/>
+            </a:p>
+            <a:p>
+              <a:pPr algn="ctr"/>
+              <a:endParaRPr lang="en-US" altLang="ko-KR" sz="1600" dirty="0"/>
+            </a:p>
+            <a:p>
+              <a:pPr algn="ctr"/>
+              <a:r>
+                <a:rPr lang="ko-KR" altLang="en-US" sz="1600" dirty="0" smtClean="0"/>
+                <a:t>미확인 반품</a:t>
+              </a:r>
+              <a:endParaRPr lang="en-US" altLang="ko-KR" sz="1600" dirty="0" smtClean="0"/>
+            </a:p>
+            <a:p>
+              <a:pPr algn="ctr"/>
+              <a:r>
+                <a:rPr lang="ko-KR" altLang="en-US" sz="1600" dirty="0" smtClean="0"/>
+                <a:t>개수</a:t>
+              </a:r>
+              <a:endParaRPr lang="en-US" altLang="ko-KR" sz="1600" dirty="0" smtClean="0"/>
+            </a:p>
+            <a:p>
+              <a:pPr algn="ctr"/>
+              <a:endParaRPr lang="en-US" altLang="ko-KR" sz="1600" dirty="0"/>
+            </a:p>
+            <a:p>
+              <a:pPr algn="ctr"/>
+              <a:r>
+                <a:rPr lang="ko-KR" altLang="en-US" sz="1600" dirty="0" smtClean="0"/>
+                <a:t>미확인 </a:t>
+              </a:r>
+              <a:r>
+                <a:rPr lang="en-US" altLang="ko-KR" sz="1600" dirty="0" smtClean="0"/>
+                <a:t>A/S</a:t>
+              </a:r>
+            </a:p>
+            <a:p>
+              <a:pPr algn="ctr"/>
+              <a:r>
+                <a:rPr lang="ko-KR" altLang="en-US" sz="1600" dirty="0" smtClean="0"/>
+                <a:t>개수</a:t>
+              </a:r>
+              <a:endParaRPr lang="en-US" altLang="ko-KR" sz="1600" dirty="0" smtClean="0"/>
+            </a:p>
+            <a:p>
+              <a:pPr algn="ctr"/>
+              <a:endParaRPr lang="en-US" altLang="ko-KR" sz="1600" dirty="0" smtClean="0"/>
+            </a:p>
+            <a:p>
+              <a:pPr algn="ctr"/>
+              <a:r>
+                <a:rPr lang="ko-KR" altLang="en-US" sz="1600" dirty="0"/>
+                <a:t>미확인 </a:t>
+              </a:r>
+              <a:r>
+                <a:rPr lang="en-US" altLang="ko-KR" sz="1600" dirty="0" smtClean="0"/>
+                <a:t>Q&amp;A</a:t>
+              </a:r>
+              <a:endParaRPr lang="en-US" altLang="ko-KR" sz="1600" dirty="0"/>
+            </a:p>
+            <a:p>
+              <a:pPr algn="ctr"/>
+              <a:r>
+                <a:rPr lang="ko-KR" altLang="en-US" sz="1600" dirty="0"/>
+                <a:t>개수</a:t>
+              </a:r>
+              <a:endParaRPr lang="en-US" altLang="ko-KR" sz="1600" dirty="0"/>
+            </a:p>
+            <a:p>
+              <a:pPr algn="ctr"/>
+              <a:endParaRPr lang="en-US" altLang="ko-KR" dirty="0" smtClean="0"/>
+            </a:p>
+          </p:txBody>
+        </p:sp>
+        <p:sp>
+          <p:nvSpPr>
+            <p:cNvPr id="60" name="직사각형 59"/>
+            <p:cNvSpPr/>
+            <p:nvPr/>
+          </p:nvSpPr>
+          <p:spPr>
+            <a:xfrm>
+              <a:off x="8028384" y="5013176"/>
+              <a:ext cx="936104" cy="288032"/>
+            </a:xfrm>
+            <a:prstGeom prst="rect">
+              <a:avLst/>
+            </a:prstGeom>
+            <a:solidFill>
+              <a:schemeClr val="accent1">
+                <a:lumMod val="40000"/>
+                <a:lumOff val="60000"/>
+              </a:schemeClr>
+            </a:solidFill>
+          </p:spPr>
+          <p:style>
+            <a:lnRef idx="2">
+              <a:schemeClr val="accent1">
+                <a:shade val="50000"/>
+              </a:schemeClr>
+            </a:lnRef>
+            <a:fillRef idx="1">
+              <a:schemeClr val="accent1"/>
+            </a:fillRef>
+            <a:effectRef idx="0">
+              <a:schemeClr val="accent1"/>
+            </a:effectRef>
+            <a:fontRef idx="minor">
+              <a:schemeClr val="lt1"/>
+            </a:fontRef>
+          </p:style>
+          <p:txBody>
+            <a:bodyPr rtlCol="0" anchor="ctr"/>
+            <a:lstStyle/>
+            <a:p>
+              <a:pPr algn="ctr"/>
+              <a:r>
+                <a:rPr lang="en-US" altLang="ko-KR" dirty="0" smtClean="0"/>
+                <a:t>TOP</a:t>
+              </a:r>
+              <a:endParaRPr lang="ko-KR" altLang="en-US" dirty="0"/>
+            </a:p>
+          </p:txBody>
+        </p:sp>
+      </p:grpSp>
+    </p:spTree>
+    <p:extLst>
+      <p:ext uri="{BB962C8B-B14F-4D97-AF65-F5344CB8AC3E}">
+        <p14:creationId xmlns:p14="http://schemas.microsoft.com/office/powerpoint/2010/main" val="1269155692"/>
+      </p:ext>
+    </p:extLst>
+  </p:cSld>
+  <p:clrMapOvr>
+    <a:masterClrMapping/>
+  </p:clrMapOvr>
+  <p:timing>
+    <p:tnLst>
+      <p:par>
+        <p:cTn id="1" dur="indefinite" restart="never" nodeType="tmRoot"/>
+      </p:par>
+    </p:tnLst>
+  </p:timing>
+</p:sld>
+</file>
+
+<file path=ppt/slides/slide37.xml><?xml version="1.0" encoding="utf-8"?>
+<p:sld xmlns:a="http://schemas.openxmlformats.org/drawingml/2006/main" xmlns:r="http://schemas.openxmlformats.org/officeDocument/2006/relationships" xmlns:p="http://schemas.openxmlformats.org/presentationml/2006/main">
+  <p:cSld>
+    <p:spTree>
+      <p:nvGrpSpPr>
+        <p:cNvPr id="1" name=""/>
+        <p:cNvGrpSpPr/>
+        <p:nvPr/>
+      </p:nvGrpSpPr>
+      <p:grpSpPr>
+        <a:xfrm>
+          <a:off x="0" y="0"/>
+          <a:ext cx="0" cy="0"/>
+          <a:chOff x="0" y="0"/>
+          <a:chExt cx="0" cy="0"/>
+        </a:xfrm>
+      </p:grpSpPr>
+      <p:grpSp>
+        <p:nvGrpSpPr>
+          <p:cNvPr id="28" name="그룹 27"/>
+          <p:cNvGrpSpPr/>
+          <p:nvPr/>
+        </p:nvGrpSpPr>
+        <p:grpSpPr>
+          <a:xfrm>
+            <a:off x="0" y="0"/>
+            <a:ext cx="9144000" cy="6858000"/>
+            <a:chOff x="0" y="0"/>
+            <a:chExt cx="9144000" cy="6858000"/>
+          </a:xfrm>
+        </p:grpSpPr>
+        <p:sp>
+          <p:nvSpPr>
+            <p:cNvPr id="5" name="직사각형 4"/>
+            <p:cNvSpPr/>
+            <p:nvPr/>
+          </p:nvSpPr>
+          <p:spPr>
+            <a:xfrm>
+              <a:off x="7884368" y="0"/>
+              <a:ext cx="1259632" cy="6858000"/>
+            </a:xfrm>
+            <a:prstGeom prst="rect">
+              <a:avLst/>
+            </a:prstGeom>
+            <a:solidFill>
+              <a:schemeClr val="bg1"/>
+            </a:solidFill>
+          </p:spPr>
+          <p:style>
+            <a:lnRef idx="2">
+              <a:schemeClr val="accent1">
+                <a:shade val="50000"/>
+              </a:schemeClr>
+            </a:lnRef>
+            <a:fillRef idx="1">
+              <a:schemeClr val="accent1"/>
+            </a:fillRef>
+            <a:effectRef idx="0">
+              <a:schemeClr val="accent1"/>
+            </a:effectRef>
+            <a:fontRef idx="minor">
+              <a:schemeClr val="lt1"/>
+            </a:fontRef>
+          </p:style>
+          <p:txBody>
+            <a:bodyPr rtlCol="0" anchor="ctr"/>
+            <a:lstStyle/>
+            <a:p>
+              <a:pPr algn="ctr"/>
+              <a:endParaRPr lang="ko-KR" altLang="en-US"/>
+            </a:p>
+          </p:txBody>
+        </p:sp>
+        <p:sp>
+          <p:nvSpPr>
+            <p:cNvPr id="6" name="직사각형 5"/>
+            <p:cNvSpPr/>
+            <p:nvPr/>
+          </p:nvSpPr>
+          <p:spPr>
+            <a:xfrm>
+              <a:off x="0" y="0"/>
+              <a:ext cx="1259632" cy="6858000"/>
+            </a:xfrm>
+            <a:prstGeom prst="rect">
+              <a:avLst/>
+            </a:prstGeom>
+            <a:solidFill>
+              <a:schemeClr val="bg1"/>
+            </a:solidFill>
+          </p:spPr>
+          <p:style>
+            <a:lnRef idx="2">
+              <a:schemeClr val="accent1">
+                <a:shade val="50000"/>
+              </a:schemeClr>
+            </a:lnRef>
+            <a:fillRef idx="1">
+              <a:schemeClr val="accent1"/>
+            </a:fillRef>
+            <a:effectRef idx="0">
+              <a:schemeClr val="accent1"/>
+            </a:effectRef>
+            <a:fontRef idx="minor">
+              <a:schemeClr val="lt1"/>
+            </a:fontRef>
+          </p:style>
+          <p:txBody>
+            <a:bodyPr rtlCol="0" anchor="ctr"/>
+            <a:lstStyle/>
+            <a:p>
+              <a:pPr algn="ctr"/>
+              <a:r>
+                <a:rPr lang="en-US" altLang="ko-KR" dirty="0" smtClean="0">
+                  <a:solidFill>
+                    <a:schemeClr val="tx1"/>
+                  </a:solidFill>
+                </a:rPr>
+                <a:t>A/S</a:t>
+              </a:r>
+              <a:r>
+                <a:rPr lang="ko-KR" altLang="en-US" dirty="0" smtClean="0">
+                  <a:solidFill>
+                    <a:schemeClr val="tx1"/>
+                  </a:solidFill>
+                </a:rPr>
+                <a:t> 확인</a:t>
+              </a:r>
+              <a:endParaRPr lang="en-US" altLang="ko-KR" dirty="0" smtClean="0">
+                <a:solidFill>
+                  <a:schemeClr val="tx1"/>
+                </a:solidFill>
+              </a:endParaRPr>
+            </a:p>
+            <a:p>
+              <a:pPr algn="ctr"/>
+              <a:r>
+                <a:rPr lang="en-US" altLang="ko-KR" dirty="0" smtClean="0">
+                  <a:solidFill>
+                    <a:schemeClr val="tx1"/>
+                  </a:solidFill>
+                </a:rPr>
+                <a:t>(</a:t>
+              </a:r>
+              <a:r>
+                <a:rPr lang="ko-KR" altLang="en-US" dirty="0" smtClean="0">
+                  <a:solidFill>
+                    <a:schemeClr val="tx1"/>
+                  </a:solidFill>
+                </a:rPr>
+                <a:t>관리자</a:t>
+              </a:r>
+              <a:r>
+                <a:rPr lang="en-US" altLang="ko-KR" dirty="0" smtClean="0">
+                  <a:solidFill>
+                    <a:schemeClr val="tx1"/>
+                  </a:solidFill>
+                </a:rPr>
+                <a:t>)</a:t>
+              </a:r>
+              <a:endParaRPr lang="ko-KR" altLang="en-US" dirty="0">
+                <a:solidFill>
+                  <a:schemeClr val="tx1"/>
+                </a:solidFill>
+              </a:endParaRPr>
+            </a:p>
+          </p:txBody>
+        </p:sp>
+        <p:sp>
+          <p:nvSpPr>
+            <p:cNvPr id="7" name="직사각형 6"/>
+            <p:cNvSpPr/>
+            <p:nvPr/>
+          </p:nvSpPr>
+          <p:spPr>
+            <a:xfrm>
+              <a:off x="1259632" y="0"/>
+              <a:ext cx="6624736" cy="1008112"/>
+            </a:xfrm>
+            <a:prstGeom prst="rect">
+              <a:avLst/>
+            </a:prstGeom>
+            <a:solidFill>
+              <a:schemeClr val="bg1">
+                <a:lumMod val="85000"/>
+              </a:schemeClr>
+            </a:solidFill>
+          </p:spPr>
+          <p:style>
+            <a:lnRef idx="2">
+              <a:schemeClr val="accent1">
+                <a:shade val="50000"/>
+              </a:schemeClr>
+            </a:lnRef>
+            <a:fillRef idx="1">
+              <a:schemeClr val="accent1"/>
+            </a:fillRef>
+            <a:effectRef idx="0">
+              <a:schemeClr val="accent1"/>
+            </a:effectRef>
+            <a:fontRef idx="minor">
+              <a:schemeClr val="lt1"/>
+            </a:fontRef>
+          </p:style>
+          <p:txBody>
+            <a:bodyPr rtlCol="0" anchor="ctr"/>
+            <a:lstStyle/>
+            <a:p>
+              <a:pPr algn="ctr"/>
+              <a:endParaRPr lang="ko-KR" altLang="en-US"/>
+            </a:p>
+          </p:txBody>
+        </p:sp>
+        <p:sp>
+          <p:nvSpPr>
+            <p:cNvPr id="8" name="직사각형 7"/>
+            <p:cNvSpPr/>
+            <p:nvPr/>
+          </p:nvSpPr>
+          <p:spPr>
+            <a:xfrm>
+              <a:off x="1259632" y="0"/>
+              <a:ext cx="1008112" cy="1008112"/>
+            </a:xfrm>
+            <a:prstGeom prst="rect">
+              <a:avLst/>
+            </a:prstGeom>
+            <a:solidFill>
+              <a:schemeClr val="tx2">
+                <a:lumMod val="40000"/>
+                <a:lumOff val="60000"/>
+              </a:schemeClr>
+            </a:solidFill>
+          </p:spPr>
+          <p:style>
+            <a:lnRef idx="2">
+              <a:schemeClr val="accent1">
+                <a:shade val="50000"/>
+              </a:schemeClr>
+            </a:lnRef>
+            <a:fillRef idx="1">
+              <a:schemeClr val="accent1"/>
+            </a:fillRef>
+            <a:effectRef idx="0">
+              <a:schemeClr val="accent1"/>
+            </a:effectRef>
+            <a:fontRef idx="minor">
+              <a:schemeClr val="lt1"/>
+            </a:fontRef>
+          </p:style>
+          <p:txBody>
+            <a:bodyPr rtlCol="0" anchor="ctr"/>
+            <a:lstStyle/>
+            <a:p>
+              <a:pPr algn="ctr"/>
+              <a:r>
+                <a:rPr lang="ko-KR" altLang="en-US" dirty="0" smtClean="0"/>
+                <a:t>로고</a:t>
+              </a:r>
+              <a:endParaRPr lang="ko-KR" altLang="en-US" dirty="0"/>
+            </a:p>
+          </p:txBody>
+        </p:sp>
+        <p:sp>
+          <p:nvSpPr>
+            <p:cNvPr id="9" name="직사각형 8"/>
+            <p:cNvSpPr/>
+            <p:nvPr/>
+          </p:nvSpPr>
+          <p:spPr>
+            <a:xfrm>
+              <a:off x="2267744" y="0"/>
+              <a:ext cx="5616624" cy="332656"/>
+            </a:xfrm>
+            <a:prstGeom prst="rect">
+              <a:avLst/>
+            </a:prstGeom>
+            <a:solidFill>
+              <a:schemeClr val="accent2">
+                <a:lumMod val="40000"/>
+                <a:lumOff val="60000"/>
+              </a:schemeClr>
+            </a:solidFill>
+          </p:spPr>
+          <p:style>
+            <a:lnRef idx="2">
+              <a:schemeClr val="accent1">
+                <a:shade val="50000"/>
+              </a:schemeClr>
+            </a:lnRef>
+            <a:fillRef idx="1">
+              <a:schemeClr val="accent1"/>
+            </a:fillRef>
+            <a:effectRef idx="0">
+              <a:schemeClr val="accent1"/>
+            </a:effectRef>
+            <a:fontRef idx="minor">
+              <a:schemeClr val="lt1"/>
+            </a:fontRef>
+          </p:style>
+          <p:txBody>
+            <a:bodyPr rtlCol="0" anchor="ctr"/>
+            <a:lstStyle/>
+            <a:p>
+              <a:pPr algn="ctr"/>
+              <a:endParaRPr lang="ko-KR" altLang="en-US"/>
+            </a:p>
+          </p:txBody>
+        </p:sp>
+        <p:sp>
+          <p:nvSpPr>
+            <p:cNvPr id="10" name="직사각형 9"/>
+            <p:cNvSpPr/>
+            <p:nvPr/>
+          </p:nvSpPr>
+          <p:spPr>
+            <a:xfrm>
+              <a:off x="2411760" y="504056"/>
+              <a:ext cx="1008112" cy="332656"/>
+            </a:xfrm>
+            <a:prstGeom prst="rect">
+              <a:avLst/>
+            </a:prstGeom>
+          </p:spPr>
+          <p:style>
+            <a:lnRef idx="2">
+              <a:schemeClr val="accent1">
+                <a:shade val="50000"/>
+              </a:schemeClr>
+            </a:lnRef>
+            <a:fillRef idx="1">
+              <a:schemeClr val="accent1"/>
+            </a:fillRef>
+            <a:effectRef idx="0">
+              <a:schemeClr val="accent1"/>
+            </a:effectRef>
+            <a:fontRef idx="minor">
+              <a:schemeClr val="lt1"/>
+            </a:fontRef>
+          </p:style>
+          <p:txBody>
+            <a:bodyPr rtlCol="0" anchor="ctr"/>
+            <a:lstStyle/>
+            <a:p>
+              <a:pPr algn="ctr"/>
+              <a:r>
+                <a:rPr lang="ko-KR" altLang="en-US" sz="1000" dirty="0" smtClean="0"/>
+                <a:t>제품리스트로</a:t>
+              </a:r>
+              <a:endParaRPr lang="ko-KR" altLang="en-US" sz="1000" dirty="0"/>
+            </a:p>
+          </p:txBody>
+        </p:sp>
+        <p:sp>
+          <p:nvSpPr>
+            <p:cNvPr id="15" name="직사각형 14"/>
+            <p:cNvSpPr/>
+            <p:nvPr/>
+          </p:nvSpPr>
+          <p:spPr>
+            <a:xfrm>
+              <a:off x="3558346" y="504056"/>
+              <a:ext cx="1008112" cy="332656"/>
+            </a:xfrm>
+            <a:prstGeom prst="rect">
+              <a:avLst/>
+            </a:prstGeom>
+          </p:spPr>
+          <p:style>
+            <a:lnRef idx="2">
+              <a:schemeClr val="accent1">
+                <a:shade val="50000"/>
+              </a:schemeClr>
+            </a:lnRef>
+            <a:fillRef idx="1">
+              <a:schemeClr val="accent1"/>
+            </a:fillRef>
+            <a:effectRef idx="0">
+              <a:schemeClr val="accent1"/>
+            </a:effectRef>
+            <a:fontRef idx="minor">
+              <a:schemeClr val="lt1"/>
+            </a:fontRef>
+          </p:style>
+          <p:txBody>
+            <a:bodyPr rtlCol="0" anchor="ctr"/>
+            <a:lstStyle/>
+            <a:p>
+              <a:pPr algn="ctr"/>
+              <a:r>
+                <a:rPr lang="ko-KR" altLang="en-US" sz="1000" dirty="0" smtClean="0"/>
+                <a:t>제품리스트로</a:t>
+              </a:r>
+              <a:endParaRPr lang="ko-KR" altLang="en-US" sz="1000" dirty="0"/>
+            </a:p>
+          </p:txBody>
+        </p:sp>
+        <p:sp>
+          <p:nvSpPr>
+            <p:cNvPr id="16" name="직사각형 15"/>
+            <p:cNvSpPr/>
+            <p:nvPr/>
+          </p:nvSpPr>
+          <p:spPr>
+            <a:xfrm>
+              <a:off x="4716016" y="504056"/>
+              <a:ext cx="1008112" cy="332656"/>
+            </a:xfrm>
+            <a:prstGeom prst="rect">
+              <a:avLst/>
+            </a:prstGeom>
+          </p:spPr>
+          <p:style>
+            <a:lnRef idx="2">
+              <a:schemeClr val="accent1">
+                <a:shade val="50000"/>
+              </a:schemeClr>
+            </a:lnRef>
+            <a:fillRef idx="1">
+              <a:schemeClr val="accent1"/>
+            </a:fillRef>
+            <a:effectRef idx="0">
+              <a:schemeClr val="accent1"/>
+            </a:effectRef>
+            <a:fontRef idx="minor">
+              <a:schemeClr val="lt1"/>
+            </a:fontRef>
+          </p:style>
+          <p:txBody>
+            <a:bodyPr rtlCol="0" anchor="ctr"/>
+            <a:lstStyle/>
+            <a:p>
+              <a:pPr algn="ctr"/>
+              <a:r>
+                <a:rPr lang="ko-KR" altLang="en-US" sz="1000" dirty="0" smtClean="0"/>
+                <a:t>제품리스트로</a:t>
+              </a:r>
+              <a:endParaRPr lang="ko-KR" altLang="en-US" sz="1000" dirty="0"/>
+            </a:p>
+          </p:txBody>
+        </p:sp>
+        <p:sp>
+          <p:nvSpPr>
+            <p:cNvPr id="17" name="직사각형 16"/>
+            <p:cNvSpPr/>
+            <p:nvPr/>
+          </p:nvSpPr>
+          <p:spPr>
+            <a:xfrm>
+              <a:off x="5868144" y="504056"/>
+              <a:ext cx="1872208" cy="332656"/>
+            </a:xfrm>
+            <a:prstGeom prst="rect">
+              <a:avLst/>
+            </a:prstGeom>
+          </p:spPr>
+          <p:style>
+            <a:lnRef idx="2">
+              <a:schemeClr val="accent1">
+                <a:shade val="50000"/>
+              </a:schemeClr>
+            </a:lnRef>
+            <a:fillRef idx="1">
+              <a:schemeClr val="accent1"/>
+            </a:fillRef>
+            <a:effectRef idx="0">
+              <a:schemeClr val="accent1"/>
+            </a:effectRef>
+            <a:fontRef idx="minor">
+              <a:schemeClr val="lt1"/>
+            </a:fontRef>
+          </p:style>
+          <p:txBody>
+            <a:bodyPr rtlCol="0" anchor="ctr"/>
+            <a:lstStyle/>
+            <a:p>
+              <a:pPr algn="ctr"/>
+              <a:endParaRPr lang="ko-KR" altLang="en-US"/>
+            </a:p>
+          </p:txBody>
+        </p:sp>
+      </p:grpSp>
+      <p:sp>
+        <p:nvSpPr>
+          <p:cNvPr id="29" name="직사각형 28"/>
+          <p:cNvSpPr/>
+          <p:nvPr/>
+        </p:nvSpPr>
+        <p:spPr>
+          <a:xfrm>
+            <a:off x="7407696" y="504056"/>
+            <a:ext cx="332656" cy="332656"/>
+          </a:xfrm>
+          <a:prstGeom prst="rect">
+            <a:avLst/>
+          </a:prstGeom>
+          <a:solidFill>
+            <a:schemeClr val="accent1">
+              <a:lumMod val="60000"/>
+              <a:lumOff val="40000"/>
+            </a:schemeClr>
+          </a:solidFill>
+        </p:spPr>
+        <p:style>
+          <a:lnRef idx="2">
+            <a:schemeClr val="accent1">
+              <a:shade val="50000"/>
+            </a:schemeClr>
+          </a:lnRef>
+          <a:fillRef idx="1">
+            <a:schemeClr val="accent1"/>
+          </a:fillRef>
+          <a:effectRef idx="0">
+            <a:schemeClr val="accent1"/>
+          </a:effectRef>
+          <a:fontRef idx="minor">
+            <a:schemeClr val="lt1"/>
+          </a:fontRef>
+        </p:style>
+        <p:txBody>
+          <a:bodyPr rtlCol="0" anchor="ctr"/>
+          <a:lstStyle/>
+          <a:p>
+            <a:pPr algn="ctr"/>
+            <a:endParaRPr lang="ko-KR" altLang="en-US"/>
           </a:p>
         </p:txBody>
       </p:sp>

--- a/스토리보드(구현 및 필요하면 추가).pptx
+++ b/스토리보드(구현 및 필요하면 추가).pptx
@@ -228,7 +228,7 @@
           <a:p>
             <a:fld id="{C3EF622D-87EB-4ED6-AC54-EACB2EA6DD55}" type="datetimeFigureOut">
               <a:rPr lang="ko-KR" altLang="en-US" smtClean="0"/>
-              <a:t>2020-08-10</a:t>
+              <a:t>2020-08-11</a:t>
             </a:fld>
             <a:endParaRPr lang="ko-KR" altLang="en-US"/>
           </a:p>
@@ -677,7 +677,7 @@
           <a:p>
             <a:fld id="{114F4981-A902-4C96-B316-F76B8AB2BDDE}" type="datetimeFigureOut">
               <a:rPr lang="ko-KR" altLang="en-US" smtClean="0"/>
-              <a:t>2020-08-10</a:t>
+              <a:t>2020-08-11</a:t>
             </a:fld>
             <a:endParaRPr lang="ko-KR" altLang="en-US"/>
           </a:p>
@@ -847,7 +847,7 @@
           <a:p>
             <a:fld id="{114F4981-A902-4C96-B316-F76B8AB2BDDE}" type="datetimeFigureOut">
               <a:rPr lang="ko-KR" altLang="en-US" smtClean="0"/>
-              <a:t>2020-08-10</a:t>
+              <a:t>2020-08-11</a:t>
             </a:fld>
             <a:endParaRPr lang="ko-KR" altLang="en-US"/>
           </a:p>
@@ -1027,7 +1027,7 @@
           <a:p>
             <a:fld id="{114F4981-A902-4C96-B316-F76B8AB2BDDE}" type="datetimeFigureOut">
               <a:rPr lang="ko-KR" altLang="en-US" smtClean="0"/>
-              <a:t>2020-08-10</a:t>
+              <a:t>2020-08-11</a:t>
             </a:fld>
             <a:endParaRPr lang="ko-KR" altLang="en-US"/>
           </a:p>
@@ -1197,7 +1197,7 @@
           <a:p>
             <a:fld id="{114F4981-A902-4C96-B316-F76B8AB2BDDE}" type="datetimeFigureOut">
               <a:rPr lang="ko-KR" altLang="en-US" smtClean="0"/>
-              <a:t>2020-08-10</a:t>
+              <a:t>2020-08-11</a:t>
             </a:fld>
             <a:endParaRPr lang="ko-KR" altLang="en-US"/>
           </a:p>
@@ -1443,7 +1443,7 @@
           <a:p>
             <a:fld id="{114F4981-A902-4C96-B316-F76B8AB2BDDE}" type="datetimeFigureOut">
               <a:rPr lang="ko-KR" altLang="en-US" smtClean="0"/>
-              <a:t>2020-08-10</a:t>
+              <a:t>2020-08-11</a:t>
             </a:fld>
             <a:endParaRPr lang="ko-KR" altLang="en-US"/>
           </a:p>
@@ -1731,7 +1731,7 @@
           <a:p>
             <a:fld id="{114F4981-A902-4C96-B316-F76B8AB2BDDE}" type="datetimeFigureOut">
               <a:rPr lang="ko-KR" altLang="en-US" smtClean="0"/>
-              <a:t>2020-08-10</a:t>
+              <a:t>2020-08-11</a:t>
             </a:fld>
             <a:endParaRPr lang="ko-KR" altLang="en-US"/>
           </a:p>
@@ -2153,7 +2153,7 @@
           <a:p>
             <a:fld id="{114F4981-A902-4C96-B316-F76B8AB2BDDE}" type="datetimeFigureOut">
               <a:rPr lang="ko-KR" altLang="en-US" smtClean="0"/>
-              <a:t>2020-08-10</a:t>
+              <a:t>2020-08-11</a:t>
             </a:fld>
             <a:endParaRPr lang="ko-KR" altLang="en-US"/>
           </a:p>
@@ -2271,7 +2271,7 @@
           <a:p>
             <a:fld id="{114F4981-A902-4C96-B316-F76B8AB2BDDE}" type="datetimeFigureOut">
               <a:rPr lang="ko-KR" altLang="en-US" smtClean="0"/>
-              <a:t>2020-08-10</a:t>
+              <a:t>2020-08-11</a:t>
             </a:fld>
             <a:endParaRPr lang="ko-KR" altLang="en-US"/>
           </a:p>
@@ -2366,7 +2366,7 @@
           <a:p>
             <a:fld id="{114F4981-A902-4C96-B316-F76B8AB2BDDE}" type="datetimeFigureOut">
               <a:rPr lang="ko-KR" altLang="en-US" smtClean="0"/>
-              <a:t>2020-08-10</a:t>
+              <a:t>2020-08-11</a:t>
             </a:fld>
             <a:endParaRPr lang="ko-KR" altLang="en-US"/>
           </a:p>
@@ -2643,7 +2643,7 @@
           <a:p>
             <a:fld id="{114F4981-A902-4C96-B316-F76B8AB2BDDE}" type="datetimeFigureOut">
               <a:rPr lang="ko-KR" altLang="en-US" smtClean="0"/>
-              <a:t>2020-08-10</a:t>
+              <a:t>2020-08-11</a:t>
             </a:fld>
             <a:endParaRPr lang="ko-KR" altLang="en-US"/>
           </a:p>
@@ -2896,7 +2896,7 @@
           <a:p>
             <a:fld id="{114F4981-A902-4C96-B316-F76B8AB2BDDE}" type="datetimeFigureOut">
               <a:rPr lang="ko-KR" altLang="en-US" smtClean="0"/>
-              <a:t>2020-08-10</a:t>
+              <a:t>2020-08-11</a:t>
             </a:fld>
             <a:endParaRPr lang="ko-KR" altLang="en-US"/>
           </a:p>
@@ -3109,7 +3109,7 @@
           <a:p>
             <a:fld id="{114F4981-A902-4C96-B316-F76B8AB2BDDE}" type="datetimeFigureOut">
               <a:rPr lang="ko-KR" altLang="en-US" smtClean="0"/>
-              <a:t>2020-08-10</a:t>
+              <a:t>2020-08-11</a:t>
             </a:fld>
             <a:endParaRPr lang="ko-KR" altLang="en-US"/>
           </a:p>
@@ -22430,11 +22430,6 @@
                 </a:rPr>
                 <a:t>)</a:t>
               </a:r>
-              <a:endParaRPr lang="en-US" altLang="ko-KR" dirty="0" smtClean="0">
-                <a:solidFill>
-                  <a:schemeClr val="tx1"/>
-                </a:solidFill>
-              </a:endParaRPr>
             </a:p>
             <a:p>
               <a:pPr algn="ctr"/>
@@ -29131,12 +29126,47 @@
                 <a:t>완료</a:t>
               </a:r>
               <a:r>
-                <a:rPr lang="en-US" altLang="ko-KR" dirty="0">
+                <a:rPr lang="en-US" altLang="ko-KR" dirty="0" smtClean="0">
                   <a:solidFill>
                     <a:schemeClr val="tx1"/>
                   </a:solidFill>
                 </a:rPr>
                 <a:t>)</a:t>
+              </a:r>
+            </a:p>
+            <a:p>
+              <a:pPr algn="ctr"/>
+              <a:r>
+                <a:rPr lang="ko-KR" altLang="en-US" dirty="0" err="1" smtClean="0">
+                  <a:solidFill>
+                    <a:schemeClr val="tx1"/>
+                  </a:solidFill>
+                </a:rPr>
+                <a:t>게시글은</a:t>
+              </a:r>
+              <a:r>
+                <a:rPr lang="ko-KR" altLang="en-US" dirty="0" smtClean="0">
+                  <a:solidFill>
+                    <a:schemeClr val="tx1"/>
+                  </a:solidFill>
+                </a:rPr>
+                <a:t> 최대 </a:t>
+              </a:r>
+              <a:r>
+                <a:rPr lang="en-US" altLang="ko-KR" dirty="0" smtClean="0">
+                  <a:solidFill>
+                    <a:schemeClr val="tx1"/>
+                  </a:solidFill>
+                </a:rPr>
+                <a:t>6</a:t>
+              </a:r>
+              <a:r>
+                <a:rPr lang="ko-KR" altLang="en-US" dirty="0" smtClean="0">
+                  <a:solidFill>
+                    <a:schemeClr val="tx1"/>
+                  </a:solidFill>
+                </a:rPr>
+                <a:t>개까지 노출</a:t>
               </a:r>
               <a:endParaRPr lang="ko-KR" altLang="en-US" dirty="0">
                 <a:solidFill>
@@ -30686,6 +30716,38 @@
                 </a:rPr>
                 <a:t>)</a:t>
               </a:r>
+            </a:p>
+            <a:p>
+              <a:pPr algn="ctr"/>
+              <a:r>
+                <a:rPr lang="en-US" altLang="ko-KR" dirty="0" smtClean="0">
+                  <a:solidFill>
+                    <a:schemeClr val="tx1"/>
+                  </a:solidFill>
+                </a:rPr>
+                <a:t>(CSS</a:t>
+              </a:r>
+              <a:r>
+                <a:rPr lang="ko-KR" altLang="en-US" dirty="0" smtClean="0">
+                  <a:solidFill>
+                    <a:schemeClr val="tx1"/>
+                  </a:solidFill>
+                </a:rPr>
+                <a:t>완료</a:t>
+              </a:r>
+              <a:r>
+                <a:rPr lang="en-US" altLang="ko-KR" dirty="0" smtClean="0">
+                  <a:solidFill>
+                    <a:schemeClr val="tx1"/>
+                  </a:solidFill>
+                </a:rPr>
+                <a:t>)</a:t>
+              </a:r>
+              <a:endParaRPr lang="en-US" altLang="ko-KR" dirty="0" smtClean="0">
+                <a:solidFill>
+                  <a:schemeClr val="tx1"/>
+                </a:solidFill>
+              </a:endParaRPr>
             </a:p>
           </p:txBody>
         </p:sp>
@@ -42396,6 +42458,33 @@
                 </a:rPr>
                 <a:t>)</a:t>
               </a:r>
+            </a:p>
+            <a:p>
+              <a:pPr algn="ctr"/>
+              <a:r>
+                <a:rPr lang="en-US" altLang="ko-KR" dirty="0" smtClean="0">
+                  <a:solidFill>
+                    <a:schemeClr val="tx1"/>
+                  </a:solidFill>
+                </a:rPr>
+                <a:t>(CSS</a:t>
+              </a:r>
+              <a:r>
+                <a:rPr lang="ko-KR" altLang="en-US" dirty="0" smtClean="0">
+                  <a:solidFill>
+                    <a:schemeClr val="tx1"/>
+                  </a:solidFill>
+                </a:rPr>
+                <a:t>완료</a:t>
+              </a:r>
+              <a:r>
+                <a:rPr lang="en-US" altLang="ko-KR" dirty="0" smtClean="0">
+                  <a:solidFill>
+                    <a:schemeClr val="tx1"/>
+                  </a:solidFill>
+                </a:rPr>
+                <a:t>)</a:t>
+              </a:r>
               <a:endParaRPr lang="ko-KR" altLang="en-US" dirty="0">
                 <a:solidFill>
                   <a:schemeClr val="tx1"/>
@@ -43513,11 +43602,7 @@
             <a:pPr algn="ctr"/>
             <a:r>
               <a:rPr lang="ko-KR" altLang="en-US" sz="1600" dirty="0" smtClean="0"/>
-              <a:t>주문</a:t>
-            </a:r>
-            <a:r>
-              <a:rPr lang="ko-KR" altLang="en-US" sz="1600" dirty="0" smtClean="0"/>
-              <a:t>상태</a:t>
+              <a:t>주문상태</a:t>
             </a:r>
             <a:endParaRPr lang="ko-KR" altLang="en-US" sz="1600" dirty="0"/>
           </a:p>
@@ -43567,11 +43652,7 @@
             <a:pPr algn="ctr"/>
             <a:r>
               <a:rPr lang="ko-KR" altLang="en-US" sz="1600" dirty="0" smtClean="0"/>
-              <a:t>주문</a:t>
-            </a:r>
-            <a:r>
-              <a:rPr lang="ko-KR" altLang="en-US" sz="1600" dirty="0" smtClean="0"/>
-              <a:t>상태</a:t>
+              <a:t>주문상태</a:t>
             </a:r>
             <a:endParaRPr lang="ko-KR" altLang="en-US" sz="1600" dirty="0"/>
           </a:p>
@@ -43621,11 +43702,7 @@
             <a:pPr algn="ctr"/>
             <a:r>
               <a:rPr lang="ko-KR" altLang="en-US" sz="1600" dirty="0" smtClean="0"/>
-              <a:t>주문</a:t>
-            </a:r>
-            <a:r>
-              <a:rPr lang="ko-KR" altLang="en-US" sz="1600" dirty="0" smtClean="0"/>
-              <a:t>상태</a:t>
+              <a:t>주문상태</a:t>
             </a:r>
             <a:endParaRPr lang="ko-KR" altLang="en-US" sz="1600" dirty="0"/>
           </a:p>
@@ -44002,15 +44079,7 @@
                     <a:schemeClr val="tx1"/>
                   </a:solidFill>
                 </a:rPr>
-                <a:t>주문 </a:t>
-              </a:r>
-              <a:r>
-                <a:rPr lang="ko-KR" altLang="en-US" dirty="0" smtClean="0">
-                  <a:solidFill>
-                    <a:schemeClr val="tx1"/>
-                  </a:solidFill>
-                </a:rPr>
-                <a:t>확인</a:t>
+                <a:t>주문 확인</a:t>
               </a:r>
               <a:endParaRPr lang="en-US" altLang="ko-KR" dirty="0" smtClean="0">
                 <a:solidFill>
@@ -44035,6 +44104,33 @@
                   </a:solidFill>
                 </a:rPr>
                 <a:t>관리자</a:t>
+              </a:r>
+              <a:r>
+                <a:rPr lang="en-US" altLang="ko-KR" dirty="0" smtClean="0">
+                  <a:solidFill>
+                    <a:schemeClr val="tx1"/>
+                  </a:solidFill>
+                </a:rPr>
+                <a:t>)</a:t>
+              </a:r>
+            </a:p>
+            <a:p>
+              <a:pPr algn="ctr"/>
+              <a:r>
+                <a:rPr lang="en-US" altLang="ko-KR" dirty="0" smtClean="0">
+                  <a:solidFill>
+                    <a:schemeClr val="tx1"/>
+                  </a:solidFill>
+                </a:rPr>
+                <a:t>(CSS</a:t>
+              </a:r>
+              <a:r>
+                <a:rPr lang="ko-KR" altLang="en-US" dirty="0" smtClean="0">
+                  <a:solidFill>
+                    <a:schemeClr val="tx1"/>
+                  </a:solidFill>
+                </a:rPr>
+                <a:t>완료</a:t>
               </a:r>
               <a:r>
                 <a:rPr lang="en-US" altLang="ko-KR" dirty="0" smtClean="0">
@@ -45499,7 +45595,6 @@
               <a:rPr lang="ko-KR" altLang="en-US" dirty="0"/>
               <a:t>경</a:t>
             </a:r>
-            <a:endParaRPr lang="ko-KR" altLang="en-US" dirty="0"/>
           </a:p>
         </p:txBody>
       </p:sp>

--- a/스토리보드(구현 및 필요하면 추가).pptx
+++ b/스토리보드(구현 및 필요하면 추가).pptx
@@ -228,7 +228,7 @@
           <a:p>
             <a:fld id="{C3EF622D-87EB-4ED6-AC54-EACB2EA6DD55}" type="datetimeFigureOut">
               <a:rPr lang="ko-KR" altLang="en-US" smtClean="0"/>
-              <a:t>2020-08-11</a:t>
+              <a:t>2020-08-12</a:t>
             </a:fld>
             <a:endParaRPr lang="ko-KR" altLang="en-US"/>
           </a:p>
@@ -677,7 +677,7 @@
           <a:p>
             <a:fld id="{114F4981-A902-4C96-B316-F76B8AB2BDDE}" type="datetimeFigureOut">
               <a:rPr lang="ko-KR" altLang="en-US" smtClean="0"/>
-              <a:t>2020-08-11</a:t>
+              <a:t>2020-08-12</a:t>
             </a:fld>
             <a:endParaRPr lang="ko-KR" altLang="en-US"/>
           </a:p>
@@ -847,7 +847,7 @@
           <a:p>
             <a:fld id="{114F4981-A902-4C96-B316-F76B8AB2BDDE}" type="datetimeFigureOut">
               <a:rPr lang="ko-KR" altLang="en-US" smtClean="0"/>
-              <a:t>2020-08-11</a:t>
+              <a:t>2020-08-12</a:t>
             </a:fld>
             <a:endParaRPr lang="ko-KR" altLang="en-US"/>
           </a:p>
@@ -1027,7 +1027,7 @@
           <a:p>
             <a:fld id="{114F4981-A902-4C96-B316-F76B8AB2BDDE}" type="datetimeFigureOut">
               <a:rPr lang="ko-KR" altLang="en-US" smtClean="0"/>
-              <a:t>2020-08-11</a:t>
+              <a:t>2020-08-12</a:t>
             </a:fld>
             <a:endParaRPr lang="ko-KR" altLang="en-US"/>
           </a:p>
@@ -1197,7 +1197,7 @@
           <a:p>
             <a:fld id="{114F4981-A902-4C96-B316-F76B8AB2BDDE}" type="datetimeFigureOut">
               <a:rPr lang="ko-KR" altLang="en-US" smtClean="0"/>
-              <a:t>2020-08-11</a:t>
+              <a:t>2020-08-12</a:t>
             </a:fld>
             <a:endParaRPr lang="ko-KR" altLang="en-US"/>
           </a:p>
@@ -1443,7 +1443,7 @@
           <a:p>
             <a:fld id="{114F4981-A902-4C96-B316-F76B8AB2BDDE}" type="datetimeFigureOut">
               <a:rPr lang="ko-KR" altLang="en-US" smtClean="0"/>
-              <a:t>2020-08-11</a:t>
+              <a:t>2020-08-12</a:t>
             </a:fld>
             <a:endParaRPr lang="ko-KR" altLang="en-US"/>
           </a:p>
@@ -1731,7 +1731,7 @@
           <a:p>
             <a:fld id="{114F4981-A902-4C96-B316-F76B8AB2BDDE}" type="datetimeFigureOut">
               <a:rPr lang="ko-KR" altLang="en-US" smtClean="0"/>
-              <a:t>2020-08-11</a:t>
+              <a:t>2020-08-12</a:t>
             </a:fld>
             <a:endParaRPr lang="ko-KR" altLang="en-US"/>
           </a:p>
@@ -2153,7 +2153,7 @@
           <a:p>
             <a:fld id="{114F4981-A902-4C96-B316-F76B8AB2BDDE}" type="datetimeFigureOut">
               <a:rPr lang="ko-KR" altLang="en-US" smtClean="0"/>
-              <a:t>2020-08-11</a:t>
+              <a:t>2020-08-12</a:t>
             </a:fld>
             <a:endParaRPr lang="ko-KR" altLang="en-US"/>
           </a:p>
@@ -2271,7 +2271,7 @@
           <a:p>
             <a:fld id="{114F4981-A902-4C96-B316-F76B8AB2BDDE}" type="datetimeFigureOut">
               <a:rPr lang="ko-KR" altLang="en-US" smtClean="0"/>
-              <a:t>2020-08-11</a:t>
+              <a:t>2020-08-12</a:t>
             </a:fld>
             <a:endParaRPr lang="ko-KR" altLang="en-US"/>
           </a:p>
@@ -2366,7 +2366,7 @@
           <a:p>
             <a:fld id="{114F4981-A902-4C96-B316-F76B8AB2BDDE}" type="datetimeFigureOut">
               <a:rPr lang="ko-KR" altLang="en-US" smtClean="0"/>
-              <a:t>2020-08-11</a:t>
+              <a:t>2020-08-12</a:t>
             </a:fld>
             <a:endParaRPr lang="ko-KR" altLang="en-US"/>
           </a:p>
@@ -2643,7 +2643,7 @@
           <a:p>
             <a:fld id="{114F4981-A902-4C96-B316-F76B8AB2BDDE}" type="datetimeFigureOut">
               <a:rPr lang="ko-KR" altLang="en-US" smtClean="0"/>
-              <a:t>2020-08-11</a:t>
+              <a:t>2020-08-12</a:t>
             </a:fld>
             <a:endParaRPr lang="ko-KR" altLang="en-US"/>
           </a:p>
@@ -2896,7 +2896,7 @@
           <a:p>
             <a:fld id="{114F4981-A902-4C96-B316-F76B8AB2BDDE}" type="datetimeFigureOut">
               <a:rPr lang="ko-KR" altLang="en-US" smtClean="0"/>
-              <a:t>2020-08-11</a:t>
+              <a:t>2020-08-12</a:t>
             </a:fld>
             <a:endParaRPr lang="ko-KR" altLang="en-US"/>
           </a:p>
@@ -3109,7 +3109,7 @@
           <a:p>
             <a:fld id="{114F4981-A902-4C96-B316-F76B8AB2BDDE}" type="datetimeFigureOut">
               <a:rPr lang="ko-KR" altLang="en-US" smtClean="0"/>
-              <a:t>2020-08-11</a:t>
+              <a:t>2020-08-12</a:t>
             </a:fld>
             <a:endParaRPr lang="ko-KR" altLang="en-US"/>
           </a:p>
@@ -27513,11 +27513,33 @@
                 </a:rPr>
                 <a:t>)</a:t>
               </a:r>
-              <a:endParaRPr lang="ko-KR" altLang="en-US" dirty="0">
-                <a:solidFill>
-                  <a:schemeClr val="tx1"/>
-                </a:solidFill>
-              </a:endParaRPr>
+            </a:p>
+            <a:p>
+              <a:pPr algn="ctr"/>
+              <a:r>
+                <a:rPr lang="en-US" altLang="ko-KR" dirty="0" smtClean="0">
+                  <a:solidFill>
+                    <a:schemeClr val="tx1"/>
+                  </a:solidFill>
+                </a:rPr>
+                <a:t>(CSS</a:t>
+              </a:r>
+              <a:r>
+                <a:rPr lang="ko-KR" altLang="en-US" dirty="0" smtClean="0">
+                  <a:solidFill>
+                    <a:schemeClr val="tx1"/>
+                  </a:solidFill>
+                </a:rPr>
+                <a:t>완료</a:t>
+              </a:r>
+              <a:r>
+                <a:rPr lang="en-US" altLang="ko-KR" dirty="0" smtClean="0">
+                  <a:solidFill>
+                    <a:schemeClr val="tx1"/>
+                  </a:solidFill>
+                </a:rPr>
+                <a:t>)</a:t>
+              </a:r>
             </a:p>
           </p:txBody>
         </p:sp>
@@ -30743,11 +30765,6 @@
                 </a:rPr>
                 <a:t>)</a:t>
               </a:r>
-              <a:endParaRPr lang="en-US" altLang="ko-KR" dirty="0" smtClean="0">
-                <a:solidFill>
-                  <a:schemeClr val="tx1"/>
-                </a:solidFill>
-              </a:endParaRPr>
             </a:p>
           </p:txBody>
         </p:sp>
@@ -45771,6 +45788,33 @@
                 </a:rPr>
                 <a:t>)</a:t>
               </a:r>
+            </a:p>
+            <a:p>
+              <a:pPr algn="ctr"/>
+              <a:r>
+                <a:rPr lang="en-US" altLang="ko-KR" dirty="0" smtClean="0">
+                  <a:solidFill>
+                    <a:schemeClr val="tx1"/>
+                  </a:solidFill>
+                </a:rPr>
+                <a:t>(CSS</a:t>
+              </a:r>
+              <a:r>
+                <a:rPr lang="ko-KR" altLang="en-US" dirty="0" smtClean="0">
+                  <a:solidFill>
+                    <a:schemeClr val="tx1"/>
+                  </a:solidFill>
+                </a:rPr>
+                <a:t>완료</a:t>
+              </a:r>
+              <a:r>
+                <a:rPr lang="en-US" altLang="ko-KR" dirty="0" smtClean="0">
+                  <a:solidFill>
+                    <a:schemeClr val="tx1"/>
+                  </a:solidFill>
+                </a:rPr>
+                <a:t>)</a:t>
+              </a:r>
               <a:endParaRPr lang="ko-KR" altLang="en-US" dirty="0">
                 <a:solidFill>
                   <a:schemeClr val="tx1"/>
@@ -47398,6 +47442,33 @@
                   </a:solidFill>
                 </a:rPr>
                 <a:t>관리자</a:t>
+              </a:r>
+              <a:r>
+                <a:rPr lang="en-US" altLang="ko-KR" dirty="0" smtClean="0">
+                  <a:solidFill>
+                    <a:schemeClr val="tx1"/>
+                  </a:solidFill>
+                </a:rPr>
+                <a:t>)</a:t>
+              </a:r>
+            </a:p>
+            <a:p>
+              <a:pPr algn="ctr"/>
+              <a:r>
+                <a:rPr lang="en-US" altLang="ko-KR" dirty="0" smtClean="0">
+                  <a:solidFill>
+                    <a:schemeClr val="tx1"/>
+                  </a:solidFill>
+                </a:rPr>
+                <a:t>(CSS</a:t>
+              </a:r>
+              <a:r>
+                <a:rPr lang="ko-KR" altLang="en-US" dirty="0" smtClean="0">
+                  <a:solidFill>
+                    <a:schemeClr val="tx1"/>
+                  </a:solidFill>
+                </a:rPr>
+                <a:t>완료</a:t>
               </a:r>
               <a:r>
                 <a:rPr lang="en-US" altLang="ko-KR" dirty="0" smtClean="0">

--- a/스토리보드(구현 및 필요하면 추가).pptx
+++ b/스토리보드(구현 및 필요하면 추가).pptx
@@ -5,7 +5,7 @@
     <p:sldMasterId id="2147483648" r:id="rId1"/>
   </p:sldMasterIdLst>
   <p:notesMasterIdLst>
-    <p:notesMasterId r:id="rId39"/>
+    <p:notesMasterId r:id="rId40"/>
   </p:notesMasterIdLst>
   <p:sldIdLst>
     <p:sldId id="274" r:id="rId2"/>
@@ -32,19 +32,20 @@
     <p:sldId id="289" r:id="rId23"/>
     <p:sldId id="291" r:id="rId24"/>
     <p:sldId id="290" r:id="rId25"/>
-    <p:sldId id="273" r:id="rId26"/>
-    <p:sldId id="271" r:id="rId27"/>
-    <p:sldId id="272" r:id="rId28"/>
-    <p:sldId id="275" r:id="rId29"/>
-    <p:sldId id="280" r:id="rId30"/>
-    <p:sldId id="281" r:id="rId31"/>
-    <p:sldId id="282" r:id="rId32"/>
-    <p:sldId id="294" r:id="rId33"/>
-    <p:sldId id="283" r:id="rId34"/>
-    <p:sldId id="285" r:id="rId35"/>
-    <p:sldId id="298" r:id="rId36"/>
-    <p:sldId id="292" r:id="rId37"/>
-    <p:sldId id="293" r:id="rId38"/>
+    <p:sldId id="299" r:id="rId26"/>
+    <p:sldId id="273" r:id="rId27"/>
+    <p:sldId id="271" r:id="rId28"/>
+    <p:sldId id="272" r:id="rId29"/>
+    <p:sldId id="275" r:id="rId30"/>
+    <p:sldId id="280" r:id="rId31"/>
+    <p:sldId id="281" r:id="rId32"/>
+    <p:sldId id="282" r:id="rId33"/>
+    <p:sldId id="294" r:id="rId34"/>
+    <p:sldId id="283" r:id="rId35"/>
+    <p:sldId id="285" r:id="rId36"/>
+    <p:sldId id="298" r:id="rId37"/>
+    <p:sldId id="292" r:id="rId38"/>
+    <p:sldId id="293" r:id="rId39"/>
   </p:sldIdLst>
   <p:sldSz cx="9144000" cy="6858000" type="screen4x3"/>
   <p:notesSz cx="6858000" cy="9144000"/>
@@ -228,7 +229,7 @@
           <a:p>
             <a:fld id="{C3EF622D-87EB-4ED6-AC54-EACB2EA6DD55}" type="datetimeFigureOut">
               <a:rPr lang="ko-KR" altLang="en-US" smtClean="0"/>
-              <a:t>2020-08-12</a:t>
+              <a:t>2020-08-13</a:t>
             </a:fld>
             <a:endParaRPr lang="ko-KR" altLang="en-US"/>
           </a:p>
@@ -677,7 +678,7 @@
           <a:p>
             <a:fld id="{114F4981-A902-4C96-B316-F76B8AB2BDDE}" type="datetimeFigureOut">
               <a:rPr lang="ko-KR" altLang="en-US" smtClean="0"/>
-              <a:t>2020-08-12</a:t>
+              <a:t>2020-08-13</a:t>
             </a:fld>
             <a:endParaRPr lang="ko-KR" altLang="en-US"/>
           </a:p>
@@ -847,7 +848,7 @@
           <a:p>
             <a:fld id="{114F4981-A902-4C96-B316-F76B8AB2BDDE}" type="datetimeFigureOut">
               <a:rPr lang="ko-KR" altLang="en-US" smtClean="0"/>
-              <a:t>2020-08-12</a:t>
+              <a:t>2020-08-13</a:t>
             </a:fld>
             <a:endParaRPr lang="ko-KR" altLang="en-US"/>
           </a:p>
@@ -1027,7 +1028,7 @@
           <a:p>
             <a:fld id="{114F4981-A902-4C96-B316-F76B8AB2BDDE}" type="datetimeFigureOut">
               <a:rPr lang="ko-KR" altLang="en-US" smtClean="0"/>
-              <a:t>2020-08-12</a:t>
+              <a:t>2020-08-13</a:t>
             </a:fld>
             <a:endParaRPr lang="ko-KR" altLang="en-US"/>
           </a:p>
@@ -1197,7 +1198,7 @@
           <a:p>
             <a:fld id="{114F4981-A902-4C96-B316-F76B8AB2BDDE}" type="datetimeFigureOut">
               <a:rPr lang="ko-KR" altLang="en-US" smtClean="0"/>
-              <a:t>2020-08-12</a:t>
+              <a:t>2020-08-13</a:t>
             </a:fld>
             <a:endParaRPr lang="ko-KR" altLang="en-US"/>
           </a:p>
@@ -1443,7 +1444,7 @@
           <a:p>
             <a:fld id="{114F4981-A902-4C96-B316-F76B8AB2BDDE}" type="datetimeFigureOut">
               <a:rPr lang="ko-KR" altLang="en-US" smtClean="0"/>
-              <a:t>2020-08-12</a:t>
+              <a:t>2020-08-13</a:t>
             </a:fld>
             <a:endParaRPr lang="ko-KR" altLang="en-US"/>
           </a:p>
@@ -1731,7 +1732,7 @@
           <a:p>
             <a:fld id="{114F4981-A902-4C96-B316-F76B8AB2BDDE}" type="datetimeFigureOut">
               <a:rPr lang="ko-KR" altLang="en-US" smtClean="0"/>
-              <a:t>2020-08-12</a:t>
+              <a:t>2020-08-13</a:t>
             </a:fld>
             <a:endParaRPr lang="ko-KR" altLang="en-US"/>
           </a:p>
@@ -2153,7 +2154,7 @@
           <a:p>
             <a:fld id="{114F4981-A902-4C96-B316-F76B8AB2BDDE}" type="datetimeFigureOut">
               <a:rPr lang="ko-KR" altLang="en-US" smtClean="0"/>
-              <a:t>2020-08-12</a:t>
+              <a:t>2020-08-13</a:t>
             </a:fld>
             <a:endParaRPr lang="ko-KR" altLang="en-US"/>
           </a:p>
@@ -2271,7 +2272,7 @@
           <a:p>
             <a:fld id="{114F4981-A902-4C96-B316-F76B8AB2BDDE}" type="datetimeFigureOut">
               <a:rPr lang="ko-KR" altLang="en-US" smtClean="0"/>
-              <a:t>2020-08-12</a:t>
+              <a:t>2020-08-13</a:t>
             </a:fld>
             <a:endParaRPr lang="ko-KR" altLang="en-US"/>
           </a:p>
@@ -2366,7 +2367,7 @@
           <a:p>
             <a:fld id="{114F4981-A902-4C96-B316-F76B8AB2BDDE}" type="datetimeFigureOut">
               <a:rPr lang="ko-KR" altLang="en-US" smtClean="0"/>
-              <a:t>2020-08-12</a:t>
+              <a:t>2020-08-13</a:t>
             </a:fld>
             <a:endParaRPr lang="ko-KR" altLang="en-US"/>
           </a:p>
@@ -2643,7 +2644,7 @@
           <a:p>
             <a:fld id="{114F4981-A902-4C96-B316-F76B8AB2BDDE}" type="datetimeFigureOut">
               <a:rPr lang="ko-KR" altLang="en-US" smtClean="0"/>
-              <a:t>2020-08-12</a:t>
+              <a:t>2020-08-13</a:t>
             </a:fld>
             <a:endParaRPr lang="ko-KR" altLang="en-US"/>
           </a:p>
@@ -2896,7 +2897,7 @@
           <a:p>
             <a:fld id="{114F4981-A902-4C96-B316-F76B8AB2BDDE}" type="datetimeFigureOut">
               <a:rPr lang="ko-KR" altLang="en-US" smtClean="0"/>
-              <a:t>2020-08-12</a:t>
+              <a:t>2020-08-13</a:t>
             </a:fld>
             <a:endParaRPr lang="ko-KR" altLang="en-US"/>
           </a:p>
@@ -3109,7 +3110,7 @@
           <a:p>
             <a:fld id="{114F4981-A902-4C96-B316-F76B8AB2BDDE}" type="datetimeFigureOut">
               <a:rPr lang="ko-KR" altLang="en-US" smtClean="0"/>
-              <a:t>2020-08-12</a:t>
+              <a:t>2020-08-13</a:t>
             </a:fld>
             <a:endParaRPr lang="ko-KR" altLang="en-US"/>
           </a:p>
@@ -28942,64 +28943,6 @@
           <a:chExt cx="0" cy="0"/>
         </a:xfrm>
       </p:grpSpPr>
-      <p:sp>
-        <p:nvSpPr>
-          <p:cNvPr id="2" name="제목 1"/>
-          <p:cNvSpPr>
-            <a:spLocks noGrp="1"/>
-          </p:cNvSpPr>
-          <p:nvPr>
-            <p:ph type="title"/>
-          </p:nvPr>
-        </p:nvSpPr>
-        <p:spPr>
-          <a:xfrm>
-            <a:off x="457200" y="2492896"/>
-            <a:ext cx="8229600" cy="1143000"/>
-          </a:xfrm>
-        </p:spPr>
-        <p:txBody>
-          <a:bodyPr/>
-          <a:lstStyle/>
-          <a:p>
-            <a:r>
-              <a:rPr lang="ko-KR" altLang="en-US" dirty="0" smtClean="0"/>
-              <a:t>관리자 시점</a:t>
-            </a:r>
-            <a:endParaRPr lang="ko-KR" altLang="en-US" dirty="0"/>
-          </a:p>
-        </p:txBody>
-      </p:sp>
-    </p:spTree>
-    <p:extLst>
-      <p:ext uri="{BB962C8B-B14F-4D97-AF65-F5344CB8AC3E}">
-        <p14:creationId xmlns:p14="http://schemas.microsoft.com/office/powerpoint/2010/main" val="10625423"/>
-      </p:ext>
-    </p:extLst>
-  </p:cSld>
-  <p:clrMapOvr>
-    <a:masterClrMapping/>
-  </p:clrMapOvr>
-</p:sld>
-</file>
-
-<file path=ppt/slides/slide26.xml><?xml version="1.0" encoding="utf-8"?>
-<p:sld xmlns:a="http://schemas.openxmlformats.org/drawingml/2006/main" xmlns:r="http://schemas.openxmlformats.org/officeDocument/2006/relationships" xmlns:p="http://schemas.openxmlformats.org/presentationml/2006/main">
-  <p:cSld>
-    <p:spTree>
-      <p:nvGrpSpPr>
-        <p:cNvPr id="1" name=""/>
-        <p:cNvGrpSpPr/>
-        <p:nvPr/>
-      </p:nvGrpSpPr>
-      <p:grpSpPr>
-        <a:xfrm>
-          <a:off x="0" y="0"/>
-          <a:ext cx="0" cy="0"/>
-          <a:chOff x="0" y="0"/>
-          <a:chExt cx="0" cy="0"/>
-        </a:xfrm>
-      </p:grpSpPr>
       <p:grpSp>
         <p:nvGrpSpPr>
           <p:cNvPr id="28" name="그룹 27"/>
@@ -29102,7 +29045,7 @@
                     <a:schemeClr val="tx1"/>
                   </a:solidFill>
                 </a:rPr>
-                <a:t>메인 화면</a:t>
+                <a:t>제품조회</a:t>
               </a:r>
               <a:r>
                 <a:rPr lang="en-US" altLang="ko-KR" dirty="0" smtClean="0">
@@ -29118,7 +29061,7 @@
                     <a:schemeClr val="tx1"/>
                   </a:solidFill>
                 </a:rPr>
-                <a:t>관리자</a:t>
+                <a:t>이용자</a:t>
               </a:r>
               <a:r>
                 <a:rPr lang="en-US" altLang="ko-KR" dirty="0" smtClean="0">
@@ -29137,7 +29080,7 @@
                     <a:schemeClr val="tx1"/>
                   </a:solidFill>
                 </a:rPr>
-                <a:t>(CSS </a:t>
+                <a:t>(CSS</a:t>
               </a:r>
               <a:r>
                 <a:rPr lang="ko-KR" altLang="en-US" dirty="0" smtClean="0">
@@ -29159,12 +29102,36 @@
             <a:p>
               <a:pPr algn="ctr"/>
               <a:r>
+                <a:rPr lang="en-US" altLang="ko-KR" dirty="0" smtClean="0">
+                  <a:solidFill>
+                    <a:schemeClr val="tx1"/>
+                  </a:solidFill>
+                </a:rPr>
+                <a:t>(</a:t>
+              </a:r>
+              <a:r>
                 <a:rPr lang="ko-KR" altLang="en-US" dirty="0" err="1" smtClean="0">
                   <a:solidFill>
                     <a:schemeClr val="tx1"/>
                   </a:solidFill>
                 </a:rPr>
-                <a:t>게시글은</a:t>
+                <a:t>프론트</a:t>
+              </a:r>
+              <a:endParaRPr lang="en-US" altLang="ko-KR" dirty="0" smtClean="0">
+                <a:solidFill>
+                  <a:schemeClr val="tx1"/>
+                </a:solidFill>
+              </a:endParaRPr>
+            </a:p>
+            <a:p>
+              <a:pPr algn="ctr"/>
+              <a:r>
+                <a:rPr lang="ko-KR" altLang="en-US" dirty="0" err="1" smtClean="0">
+                  <a:solidFill>
+                    <a:schemeClr val="tx1"/>
+                  </a:solidFill>
+                </a:rPr>
+                <a:t>앤드</a:t>
               </a:r>
               <a:r>
                 <a:rPr lang="ko-KR" altLang="en-US" dirty="0" smtClean="0">
@@ -29172,7 +29139,7 @@
                     <a:schemeClr val="tx1"/>
                   </a:solidFill>
                 </a:rPr>
-                <a:t> 최대 </a:t>
+                <a:t> 완료</a:t>
               </a:r>
               <a:r>
                 <a:rPr lang="en-US" altLang="ko-KR" dirty="0" smtClean="0">
@@ -29180,17 +29147,9 @@
                     <a:schemeClr val="tx1"/>
                   </a:solidFill>
                 </a:rPr>
-                <a:t>6</a:t>
-              </a:r>
-              <a:r>
-                <a:rPr lang="ko-KR" altLang="en-US" dirty="0" smtClean="0">
-                  <a:solidFill>
-                    <a:schemeClr val="tx1"/>
-                  </a:solidFill>
-                </a:rPr>
-                <a:t>개까지 노출</a:t>
-              </a:r>
-              <a:endParaRPr lang="ko-KR" altLang="en-US" dirty="0">
+                <a:t>)</a:t>
+              </a:r>
+              <a:endParaRPr lang="en-US" altLang="ko-KR" dirty="0" smtClean="0">
                 <a:solidFill>
                   <a:schemeClr val="tx1"/>
                 </a:solidFill>
@@ -29511,361 +29470,6 @@
             </a:p>
           </p:txBody>
         </p:sp>
-        <p:sp>
-          <p:nvSpPr>
-            <p:cNvPr id="18" name="직사각형 17"/>
-            <p:cNvSpPr/>
-            <p:nvPr/>
-          </p:nvSpPr>
-          <p:spPr>
-            <a:xfrm>
-              <a:off x="3140190" y="83164"/>
-              <a:ext cx="639722" cy="166328"/>
-            </a:xfrm>
-            <a:prstGeom prst="rect">
-              <a:avLst/>
-            </a:prstGeom>
-          </p:spPr>
-          <p:style>
-            <a:lnRef idx="2">
-              <a:schemeClr val="accent1">
-                <a:shade val="50000"/>
-              </a:schemeClr>
-            </a:lnRef>
-            <a:fillRef idx="1">
-              <a:schemeClr val="accent1"/>
-            </a:fillRef>
-            <a:effectRef idx="0">
-              <a:schemeClr val="accent1"/>
-            </a:effectRef>
-            <a:fontRef idx="minor">
-              <a:schemeClr val="lt1"/>
-            </a:fontRef>
-          </p:style>
-          <p:txBody>
-            <a:bodyPr rtlCol="0" anchor="ctr"/>
-            <a:lstStyle/>
-            <a:p>
-              <a:pPr algn="ctr"/>
-              <a:r>
-                <a:rPr lang="ko-KR" altLang="en-US" sz="800" dirty="0" smtClean="0"/>
-                <a:t>로그아웃</a:t>
-              </a:r>
-              <a:endParaRPr lang="ko-KR" altLang="en-US" sz="800" dirty="0"/>
-            </a:p>
-          </p:txBody>
-        </p:sp>
-        <p:sp>
-          <p:nvSpPr>
-            <p:cNvPr id="20" name="직사각형 19"/>
-            <p:cNvSpPr/>
-            <p:nvPr/>
-          </p:nvSpPr>
-          <p:spPr>
-            <a:xfrm>
-              <a:off x="7092280" y="83164"/>
-              <a:ext cx="720080" cy="166328"/>
-            </a:xfrm>
-            <a:prstGeom prst="rect">
-              <a:avLst/>
-            </a:prstGeom>
-          </p:spPr>
-          <p:style>
-            <a:lnRef idx="2">
-              <a:schemeClr val="accent1">
-                <a:shade val="50000"/>
-              </a:schemeClr>
-            </a:lnRef>
-            <a:fillRef idx="1">
-              <a:schemeClr val="accent1"/>
-            </a:fillRef>
-            <a:effectRef idx="0">
-              <a:schemeClr val="accent1"/>
-            </a:effectRef>
-            <a:fontRef idx="minor">
-              <a:schemeClr val="lt1"/>
-            </a:fontRef>
-          </p:style>
-          <p:txBody>
-            <a:bodyPr rtlCol="0" anchor="ctr"/>
-            <a:lstStyle/>
-            <a:p>
-              <a:pPr algn="ctr"/>
-              <a:r>
-                <a:rPr lang="ko-KR" altLang="en-US" sz="800" dirty="0" err="1" smtClean="0"/>
-                <a:t>마이페이지</a:t>
-              </a:r>
-              <a:endParaRPr lang="ko-KR" altLang="en-US" sz="800" dirty="0"/>
-            </a:p>
-          </p:txBody>
-        </p:sp>
-        <p:sp>
-          <p:nvSpPr>
-            <p:cNvPr id="23" name="직사각형 22"/>
-            <p:cNvSpPr/>
-            <p:nvPr/>
-          </p:nvSpPr>
-          <p:spPr>
-            <a:xfrm>
-              <a:off x="6372200" y="83164"/>
-              <a:ext cx="648072" cy="166328"/>
-            </a:xfrm>
-            <a:prstGeom prst="rect">
-              <a:avLst/>
-            </a:prstGeom>
-          </p:spPr>
-          <p:style>
-            <a:lnRef idx="2">
-              <a:schemeClr val="accent1">
-                <a:shade val="50000"/>
-              </a:schemeClr>
-            </a:lnRef>
-            <a:fillRef idx="1">
-              <a:schemeClr val="accent1"/>
-            </a:fillRef>
-            <a:effectRef idx="0">
-              <a:schemeClr val="accent1"/>
-            </a:effectRef>
-            <a:fontRef idx="minor">
-              <a:schemeClr val="lt1"/>
-            </a:fontRef>
-          </p:style>
-          <p:txBody>
-            <a:bodyPr rtlCol="0" anchor="ctr"/>
-            <a:lstStyle/>
-            <a:p>
-              <a:pPr algn="ctr"/>
-              <a:r>
-                <a:rPr lang="ko-KR" altLang="en-US" sz="800" dirty="0" smtClean="0"/>
-                <a:t>상품관리</a:t>
-              </a:r>
-              <a:endParaRPr lang="ko-KR" altLang="en-US" sz="800" dirty="0"/>
-            </a:p>
-          </p:txBody>
-        </p:sp>
-        <p:sp>
-          <p:nvSpPr>
-            <p:cNvPr id="24" name="직사각형 23"/>
-            <p:cNvSpPr/>
-            <p:nvPr/>
-          </p:nvSpPr>
-          <p:spPr>
-            <a:xfrm>
-              <a:off x="5114198" y="83164"/>
-              <a:ext cx="393906" cy="166328"/>
-            </a:xfrm>
-            <a:prstGeom prst="rect">
-              <a:avLst/>
-            </a:prstGeom>
-          </p:spPr>
-          <p:style>
-            <a:lnRef idx="2">
-              <a:schemeClr val="accent1">
-                <a:shade val="50000"/>
-              </a:schemeClr>
-            </a:lnRef>
-            <a:fillRef idx="1">
-              <a:schemeClr val="accent1"/>
-            </a:fillRef>
-            <a:effectRef idx="0">
-              <a:schemeClr val="accent1"/>
-            </a:effectRef>
-            <a:fontRef idx="minor">
-              <a:schemeClr val="lt1"/>
-            </a:fontRef>
-          </p:style>
-          <p:txBody>
-            <a:bodyPr rtlCol="0" anchor="ctr"/>
-            <a:lstStyle/>
-            <a:p>
-              <a:pPr algn="ctr"/>
-              <a:r>
-                <a:rPr lang="ko-KR" altLang="en-US" sz="800" dirty="0" smtClean="0"/>
-                <a:t>리뷰</a:t>
-              </a:r>
-              <a:endParaRPr lang="ko-KR" altLang="en-US" sz="800" dirty="0"/>
-            </a:p>
-          </p:txBody>
-        </p:sp>
-        <p:sp>
-          <p:nvSpPr>
-            <p:cNvPr id="26" name="직사각형 25"/>
-            <p:cNvSpPr/>
-            <p:nvPr/>
-          </p:nvSpPr>
-          <p:spPr>
-            <a:xfrm>
-              <a:off x="4572000" y="83164"/>
-              <a:ext cx="465914" cy="166328"/>
-            </a:xfrm>
-            <a:prstGeom prst="rect">
-              <a:avLst/>
-            </a:prstGeom>
-          </p:spPr>
-          <p:style>
-            <a:lnRef idx="2">
-              <a:schemeClr val="accent1">
-                <a:shade val="50000"/>
-              </a:schemeClr>
-            </a:lnRef>
-            <a:fillRef idx="1">
-              <a:schemeClr val="accent1"/>
-            </a:fillRef>
-            <a:effectRef idx="0">
-              <a:schemeClr val="accent1"/>
-            </a:effectRef>
-            <a:fontRef idx="minor">
-              <a:schemeClr val="lt1"/>
-            </a:fontRef>
-          </p:style>
-          <p:txBody>
-            <a:bodyPr rtlCol="0" anchor="ctr"/>
-            <a:lstStyle/>
-            <a:p>
-              <a:pPr algn="ctr"/>
-              <a:r>
-                <a:rPr lang="en-US" altLang="ko-KR" sz="800" dirty="0" smtClean="0"/>
-                <a:t>Q&amp;A</a:t>
-              </a:r>
-              <a:endParaRPr lang="ko-KR" altLang="en-US" sz="800" dirty="0"/>
-            </a:p>
-          </p:txBody>
-        </p:sp>
-        <p:sp>
-          <p:nvSpPr>
-            <p:cNvPr id="27" name="직사각형 26"/>
-            <p:cNvSpPr/>
-            <p:nvPr/>
-          </p:nvSpPr>
-          <p:spPr>
-            <a:xfrm>
-              <a:off x="3890062" y="83164"/>
-              <a:ext cx="609930" cy="166328"/>
-            </a:xfrm>
-            <a:prstGeom prst="rect">
-              <a:avLst/>
-            </a:prstGeom>
-          </p:spPr>
-          <p:style>
-            <a:lnRef idx="2">
-              <a:schemeClr val="accent1">
-                <a:shade val="50000"/>
-              </a:schemeClr>
-            </a:lnRef>
-            <a:fillRef idx="1">
-              <a:schemeClr val="accent1"/>
-            </a:fillRef>
-            <a:effectRef idx="0">
-              <a:schemeClr val="accent1"/>
-            </a:effectRef>
-            <a:fontRef idx="minor">
-              <a:schemeClr val="lt1"/>
-            </a:fontRef>
-          </p:style>
-          <p:txBody>
-            <a:bodyPr rtlCol="0" anchor="ctr"/>
-            <a:lstStyle/>
-            <a:p>
-              <a:pPr algn="ctr"/>
-              <a:r>
-                <a:rPr lang="ko-KR" altLang="en-US" sz="800" dirty="0" smtClean="0"/>
-                <a:t>공지사</a:t>
-              </a:r>
-              <a:r>
-                <a:rPr lang="ko-KR" altLang="en-US" sz="800" dirty="0"/>
-                <a:t>항</a:t>
-              </a:r>
-            </a:p>
-          </p:txBody>
-        </p:sp>
-        <p:sp>
-          <p:nvSpPr>
-            <p:cNvPr id="40" name="직사각형 39"/>
-            <p:cNvSpPr/>
-            <p:nvPr/>
-          </p:nvSpPr>
-          <p:spPr>
-            <a:xfrm>
-              <a:off x="5580112" y="83164"/>
-              <a:ext cx="720080" cy="166328"/>
-            </a:xfrm>
-            <a:prstGeom prst="rect">
-              <a:avLst/>
-            </a:prstGeom>
-          </p:spPr>
-          <p:style>
-            <a:lnRef idx="2">
-              <a:schemeClr val="accent1">
-                <a:shade val="50000"/>
-              </a:schemeClr>
-            </a:lnRef>
-            <a:fillRef idx="1">
-              <a:schemeClr val="accent1"/>
-            </a:fillRef>
-            <a:effectRef idx="0">
-              <a:schemeClr val="accent1"/>
-            </a:effectRef>
-            <a:fontRef idx="minor">
-              <a:schemeClr val="lt1"/>
-            </a:fontRef>
-          </p:style>
-          <p:txBody>
-            <a:bodyPr rtlCol="0" anchor="ctr"/>
-            <a:lstStyle/>
-            <a:p>
-              <a:pPr algn="ctr"/>
-              <a:r>
-                <a:rPr lang="ko-KR" altLang="en-US" sz="800" dirty="0" smtClean="0"/>
-                <a:t>게시판관리</a:t>
-              </a:r>
-              <a:endParaRPr lang="ko-KR" altLang="en-US" sz="800" dirty="0"/>
-            </a:p>
-          </p:txBody>
-        </p:sp>
-        <p:sp>
-          <p:nvSpPr>
-            <p:cNvPr id="41" name="직사각형 40"/>
-            <p:cNvSpPr/>
-            <p:nvPr/>
-          </p:nvSpPr>
-          <p:spPr>
-            <a:xfrm>
-              <a:off x="2374709" y="83164"/>
-              <a:ext cx="613115" cy="166328"/>
-            </a:xfrm>
-            <a:prstGeom prst="rect">
-              <a:avLst/>
-            </a:prstGeom>
-          </p:spPr>
-          <p:style>
-            <a:lnRef idx="2">
-              <a:schemeClr val="accent1">
-                <a:shade val="50000"/>
-              </a:schemeClr>
-            </a:lnRef>
-            <a:fillRef idx="1">
-              <a:schemeClr val="accent1"/>
-            </a:fillRef>
-            <a:effectRef idx="0">
-              <a:schemeClr val="accent1"/>
-            </a:effectRef>
-            <a:fontRef idx="minor">
-              <a:schemeClr val="lt1"/>
-            </a:fontRef>
-          </p:style>
-          <p:txBody>
-            <a:bodyPr rtlCol="0" anchor="ctr"/>
-            <a:lstStyle/>
-            <a:p>
-              <a:pPr algn="ctr"/>
-              <a:r>
-                <a:rPr lang="ko-KR" altLang="en-US" sz="600" dirty="0" err="1" smtClean="0"/>
-                <a:t>로그인정보</a:t>
-              </a:r>
-              <a:endParaRPr lang="ko-KR" altLang="en-US" sz="600" dirty="0"/>
-            </a:p>
-          </p:txBody>
-        </p:sp>
       </p:grpSp>
       <p:sp>
         <p:nvSpPr>
@@ -29959,14 +29563,14 @@
       </p:sp>
       <p:sp>
         <p:nvSpPr>
-          <p:cNvPr id="2" name="직사각형 1"/>
+          <p:cNvPr id="40" name="직사각형 39"/>
           <p:cNvSpPr/>
           <p:nvPr/>
         </p:nvSpPr>
         <p:spPr>
           <a:xfrm>
-            <a:off x="1475656" y="1124744"/>
-            <a:ext cx="1728192" cy="216024"/>
+            <a:off x="2208450" y="1988840"/>
+            <a:ext cx="4608512" cy="3384376"/>
           </a:xfrm>
           <a:prstGeom prst="rect">
             <a:avLst/>
@@ -29993,24 +29597,532 @@
           <a:lstStyle/>
           <a:p>
             <a:pPr algn="ctr"/>
-            <a:r>
-              <a:rPr lang="ko-KR" altLang="en-US" dirty="0" smtClean="0"/>
-              <a:t>미확인 주문</a:t>
-            </a:r>
             <a:endParaRPr lang="ko-KR" altLang="en-US" dirty="0"/>
           </a:p>
         </p:txBody>
       </p:sp>
       <p:sp>
         <p:nvSpPr>
-          <p:cNvPr id="3" name="직사각형 2"/>
+          <p:cNvPr id="42" name="직사각형 41"/>
           <p:cNvSpPr/>
           <p:nvPr/>
         </p:nvSpPr>
         <p:spPr>
           <a:xfrm>
-            <a:off x="1475656" y="1484784"/>
-            <a:ext cx="6192688" cy="792088"/>
+            <a:off x="4433526" y="2204864"/>
+            <a:ext cx="2298714" cy="360040"/>
+          </a:xfrm>
+          <a:prstGeom prst="rect">
+            <a:avLst/>
+          </a:prstGeom>
+          <a:solidFill>
+            <a:schemeClr val="accent1">
+              <a:lumMod val="40000"/>
+              <a:lumOff val="60000"/>
+            </a:schemeClr>
+          </a:solidFill>
+        </p:spPr>
+        <p:style>
+          <a:lnRef idx="2">
+            <a:schemeClr val="accent1">
+              <a:shade val="50000"/>
+            </a:schemeClr>
+          </a:lnRef>
+          <a:fillRef idx="1">
+            <a:schemeClr val="accent1"/>
+          </a:fillRef>
+          <a:effectRef idx="0">
+            <a:schemeClr val="accent1"/>
+          </a:effectRef>
+          <a:fontRef idx="minor">
+            <a:schemeClr val="lt1"/>
+          </a:fontRef>
+        </p:style>
+        <p:txBody>
+          <a:bodyPr rtlCol="0" anchor="ctr"/>
+          <a:lstStyle/>
+          <a:p>
+            <a:pPr algn="ctr"/>
+            <a:r>
+              <a:rPr lang="ko-KR" altLang="en-US" dirty="0" smtClean="0"/>
+              <a:t>제품명</a:t>
+            </a:r>
+            <a:endParaRPr lang="ko-KR" altLang="en-US" dirty="0"/>
+          </a:p>
+        </p:txBody>
+      </p:sp>
+      <p:sp>
+        <p:nvSpPr>
+          <p:cNvPr id="43" name="직사각형 42"/>
+          <p:cNvSpPr/>
+          <p:nvPr/>
+        </p:nvSpPr>
+        <p:spPr>
+          <a:xfrm>
+            <a:off x="4433526" y="2708920"/>
+            <a:ext cx="1008112" cy="360040"/>
+          </a:xfrm>
+          <a:prstGeom prst="rect">
+            <a:avLst/>
+          </a:prstGeom>
+          <a:solidFill>
+            <a:schemeClr val="accent1">
+              <a:lumMod val="40000"/>
+              <a:lumOff val="60000"/>
+            </a:schemeClr>
+          </a:solidFill>
+        </p:spPr>
+        <p:style>
+          <a:lnRef idx="2">
+            <a:schemeClr val="accent1">
+              <a:shade val="50000"/>
+            </a:schemeClr>
+          </a:lnRef>
+          <a:fillRef idx="1">
+            <a:schemeClr val="accent1"/>
+          </a:fillRef>
+          <a:effectRef idx="0">
+            <a:schemeClr val="accent1"/>
+          </a:effectRef>
+          <a:fontRef idx="minor">
+            <a:schemeClr val="lt1"/>
+          </a:fontRef>
+        </p:style>
+        <p:txBody>
+          <a:bodyPr rtlCol="0" anchor="ctr"/>
+          <a:lstStyle/>
+          <a:p>
+            <a:pPr algn="ctr"/>
+            <a:r>
+              <a:rPr lang="ko-KR" altLang="en-US" dirty="0" smtClean="0"/>
+              <a:t>가격</a:t>
+            </a:r>
+            <a:endParaRPr lang="ko-KR" altLang="en-US" dirty="0"/>
+          </a:p>
+        </p:txBody>
+      </p:sp>
+      <p:sp>
+        <p:nvSpPr>
+          <p:cNvPr id="44" name="직사각형 43"/>
+          <p:cNvSpPr/>
+          <p:nvPr/>
+        </p:nvSpPr>
+        <p:spPr>
+          <a:xfrm>
+            <a:off x="5580112" y="2708920"/>
+            <a:ext cx="1152128" cy="360040"/>
+          </a:xfrm>
+          <a:prstGeom prst="rect">
+            <a:avLst/>
+          </a:prstGeom>
+          <a:solidFill>
+            <a:schemeClr val="accent1">
+              <a:lumMod val="40000"/>
+              <a:lumOff val="60000"/>
+            </a:schemeClr>
+          </a:solidFill>
+        </p:spPr>
+        <p:style>
+          <a:lnRef idx="2">
+            <a:schemeClr val="accent1">
+              <a:shade val="50000"/>
+            </a:schemeClr>
+          </a:lnRef>
+          <a:fillRef idx="1">
+            <a:schemeClr val="accent1"/>
+          </a:fillRef>
+          <a:effectRef idx="0">
+            <a:schemeClr val="accent1"/>
+          </a:effectRef>
+          <a:fontRef idx="minor">
+            <a:schemeClr val="lt1"/>
+          </a:fontRef>
+        </p:style>
+        <p:txBody>
+          <a:bodyPr rtlCol="0" anchor="ctr"/>
+          <a:lstStyle/>
+          <a:p>
+            <a:pPr algn="ctr"/>
+            <a:r>
+              <a:rPr lang="ko-KR" altLang="en-US" dirty="0" smtClean="0"/>
+              <a:t>적립금</a:t>
+            </a:r>
+            <a:endParaRPr lang="ko-KR" altLang="en-US" dirty="0"/>
+          </a:p>
+        </p:txBody>
+      </p:sp>
+      <p:sp>
+        <p:nvSpPr>
+          <p:cNvPr id="45" name="직사각형 44"/>
+          <p:cNvSpPr/>
+          <p:nvPr/>
+        </p:nvSpPr>
+        <p:spPr>
+          <a:xfrm>
+            <a:off x="3419872" y="4797152"/>
+            <a:ext cx="2295906" cy="360040"/>
+          </a:xfrm>
+          <a:prstGeom prst="rect">
+            <a:avLst/>
+          </a:prstGeom>
+          <a:solidFill>
+            <a:schemeClr val="accent1">
+              <a:lumMod val="40000"/>
+              <a:lumOff val="60000"/>
+            </a:schemeClr>
+          </a:solidFill>
+        </p:spPr>
+        <p:style>
+          <a:lnRef idx="2">
+            <a:schemeClr val="accent1">
+              <a:shade val="50000"/>
+            </a:schemeClr>
+          </a:lnRef>
+          <a:fillRef idx="1">
+            <a:schemeClr val="accent1"/>
+          </a:fillRef>
+          <a:effectRef idx="0">
+            <a:schemeClr val="accent1"/>
+          </a:effectRef>
+          <a:fontRef idx="minor">
+            <a:schemeClr val="lt1"/>
+          </a:fontRef>
+        </p:style>
+        <p:txBody>
+          <a:bodyPr rtlCol="0" anchor="ctr"/>
+          <a:lstStyle/>
+          <a:p>
+            <a:pPr algn="ctr"/>
+            <a:r>
+              <a:rPr lang="ko-KR" altLang="en-US" dirty="0" smtClean="0"/>
+              <a:t>제품설명 이미지</a:t>
+            </a:r>
+            <a:endParaRPr lang="ko-KR" altLang="en-US" dirty="0"/>
+          </a:p>
+        </p:txBody>
+      </p:sp>
+      <p:sp>
+        <p:nvSpPr>
+          <p:cNvPr id="46" name="직사각형 45"/>
+          <p:cNvSpPr/>
+          <p:nvPr/>
+        </p:nvSpPr>
+        <p:spPr>
+          <a:xfrm>
+            <a:off x="2374709" y="2204864"/>
+            <a:ext cx="1474026" cy="1474026"/>
+          </a:xfrm>
+          <a:prstGeom prst="rect">
+            <a:avLst/>
+          </a:prstGeom>
+          <a:solidFill>
+            <a:schemeClr val="accent1">
+              <a:lumMod val="40000"/>
+              <a:lumOff val="60000"/>
+            </a:schemeClr>
+          </a:solidFill>
+        </p:spPr>
+        <p:style>
+          <a:lnRef idx="2">
+            <a:schemeClr val="accent1">
+              <a:shade val="50000"/>
+            </a:schemeClr>
+          </a:lnRef>
+          <a:fillRef idx="1">
+            <a:schemeClr val="accent1"/>
+          </a:fillRef>
+          <a:effectRef idx="0">
+            <a:schemeClr val="accent1"/>
+          </a:effectRef>
+          <a:fontRef idx="minor">
+            <a:schemeClr val="lt1"/>
+          </a:fontRef>
+        </p:style>
+        <p:txBody>
+          <a:bodyPr rtlCol="0" anchor="ctr"/>
+          <a:lstStyle/>
+          <a:p>
+            <a:pPr algn="ctr"/>
+            <a:r>
+              <a:rPr lang="ko-KR" altLang="en-US" dirty="0" smtClean="0"/>
+              <a:t>제품</a:t>
+            </a:r>
+            <a:endParaRPr lang="en-US" altLang="ko-KR" dirty="0" smtClean="0"/>
+          </a:p>
+          <a:p>
+            <a:pPr algn="ctr"/>
+            <a:r>
+              <a:rPr lang="ko-KR" altLang="en-US" dirty="0" smtClean="0"/>
+              <a:t>이미지</a:t>
+            </a:r>
+            <a:endParaRPr lang="ko-KR" altLang="en-US" dirty="0"/>
+          </a:p>
+        </p:txBody>
+      </p:sp>
+      <p:sp>
+        <p:nvSpPr>
+          <p:cNvPr id="47" name="직사각형 46"/>
+          <p:cNvSpPr/>
+          <p:nvPr/>
+        </p:nvSpPr>
+        <p:spPr>
+          <a:xfrm>
+            <a:off x="4441876" y="3172251"/>
+            <a:ext cx="2290364" cy="360040"/>
+          </a:xfrm>
+          <a:prstGeom prst="rect">
+            <a:avLst/>
+          </a:prstGeom>
+          <a:solidFill>
+            <a:schemeClr val="accent1">
+              <a:lumMod val="40000"/>
+              <a:lumOff val="60000"/>
+            </a:schemeClr>
+          </a:solidFill>
+        </p:spPr>
+        <p:style>
+          <a:lnRef idx="2">
+            <a:schemeClr val="accent1">
+              <a:shade val="50000"/>
+            </a:schemeClr>
+          </a:lnRef>
+          <a:fillRef idx="1">
+            <a:schemeClr val="accent1"/>
+          </a:fillRef>
+          <a:effectRef idx="0">
+            <a:schemeClr val="accent1"/>
+          </a:effectRef>
+          <a:fontRef idx="minor">
+            <a:schemeClr val="lt1"/>
+          </a:fontRef>
+        </p:style>
+        <p:txBody>
+          <a:bodyPr rtlCol="0" anchor="ctr"/>
+          <a:lstStyle/>
+          <a:p>
+            <a:pPr algn="ctr"/>
+            <a:r>
+              <a:rPr lang="ko-KR" altLang="en-US" dirty="0" smtClean="0"/>
+              <a:t>옵션</a:t>
+            </a:r>
+            <a:endParaRPr lang="ko-KR" altLang="en-US" dirty="0"/>
+          </a:p>
+        </p:txBody>
+      </p:sp>
+      <p:sp>
+        <p:nvSpPr>
+          <p:cNvPr id="48" name="직사각형 47"/>
+          <p:cNvSpPr/>
+          <p:nvPr/>
+        </p:nvSpPr>
+        <p:spPr>
+          <a:xfrm>
+            <a:off x="4211960" y="3789040"/>
+            <a:ext cx="1008112" cy="360040"/>
+          </a:xfrm>
+          <a:prstGeom prst="rect">
+            <a:avLst/>
+          </a:prstGeom>
+          <a:solidFill>
+            <a:schemeClr val="accent1">
+              <a:lumMod val="40000"/>
+              <a:lumOff val="60000"/>
+            </a:schemeClr>
+          </a:solidFill>
+        </p:spPr>
+        <p:style>
+          <a:lnRef idx="2">
+            <a:schemeClr val="accent1">
+              <a:shade val="50000"/>
+            </a:schemeClr>
+          </a:lnRef>
+          <a:fillRef idx="1">
+            <a:schemeClr val="accent1"/>
+          </a:fillRef>
+          <a:effectRef idx="0">
+            <a:schemeClr val="accent1"/>
+          </a:effectRef>
+          <a:fontRef idx="minor">
+            <a:schemeClr val="lt1"/>
+          </a:fontRef>
+        </p:style>
+        <p:txBody>
+          <a:bodyPr rtlCol="0" anchor="ctr"/>
+          <a:lstStyle/>
+          <a:p>
+            <a:pPr algn="ctr"/>
+            <a:r>
+              <a:rPr lang="ko-KR" altLang="en-US" dirty="0" smtClean="0"/>
+              <a:t>색상</a:t>
+            </a:r>
+            <a:r>
+              <a:rPr lang="en-US" altLang="ko-KR" dirty="0" smtClean="0"/>
+              <a:t>1</a:t>
+            </a:r>
+            <a:endParaRPr lang="ko-KR" altLang="en-US" dirty="0"/>
+          </a:p>
+        </p:txBody>
+      </p:sp>
+      <p:sp>
+        <p:nvSpPr>
+          <p:cNvPr id="49" name="직사각형 48"/>
+          <p:cNvSpPr/>
+          <p:nvPr/>
+        </p:nvSpPr>
+        <p:spPr>
+          <a:xfrm>
+            <a:off x="5214530" y="3789040"/>
+            <a:ext cx="1152128" cy="360040"/>
+          </a:xfrm>
+          <a:prstGeom prst="rect">
+            <a:avLst/>
+          </a:prstGeom>
+          <a:solidFill>
+            <a:schemeClr val="accent1">
+              <a:lumMod val="40000"/>
+              <a:lumOff val="60000"/>
+            </a:schemeClr>
+          </a:solidFill>
+        </p:spPr>
+        <p:style>
+          <a:lnRef idx="2">
+            <a:schemeClr val="accent1">
+              <a:shade val="50000"/>
+            </a:schemeClr>
+          </a:lnRef>
+          <a:fillRef idx="1">
+            <a:schemeClr val="accent1"/>
+          </a:fillRef>
+          <a:effectRef idx="0">
+            <a:schemeClr val="accent1"/>
+          </a:effectRef>
+          <a:fontRef idx="minor">
+            <a:schemeClr val="lt1"/>
+          </a:fontRef>
+        </p:style>
+        <p:txBody>
+          <a:bodyPr rtlCol="0" anchor="ctr"/>
+          <a:lstStyle/>
+          <a:p>
+            <a:pPr algn="ctr"/>
+            <a:r>
+              <a:rPr lang="ko-KR" altLang="en-US" dirty="0" smtClean="0"/>
+              <a:t>가격</a:t>
+            </a:r>
+            <a:endParaRPr lang="ko-KR" altLang="en-US" dirty="0"/>
+          </a:p>
+        </p:txBody>
+      </p:sp>
+      <p:sp>
+        <p:nvSpPr>
+          <p:cNvPr id="50" name="직사각형 49"/>
+          <p:cNvSpPr/>
+          <p:nvPr/>
+        </p:nvSpPr>
+        <p:spPr>
+          <a:xfrm>
+            <a:off x="4211960" y="4293096"/>
+            <a:ext cx="1008112" cy="360040"/>
+          </a:xfrm>
+          <a:prstGeom prst="rect">
+            <a:avLst/>
+          </a:prstGeom>
+          <a:solidFill>
+            <a:schemeClr val="accent1">
+              <a:lumMod val="40000"/>
+              <a:lumOff val="60000"/>
+            </a:schemeClr>
+          </a:solidFill>
+        </p:spPr>
+        <p:style>
+          <a:lnRef idx="2">
+            <a:schemeClr val="accent1">
+              <a:shade val="50000"/>
+            </a:schemeClr>
+          </a:lnRef>
+          <a:fillRef idx="1">
+            <a:schemeClr val="accent1"/>
+          </a:fillRef>
+          <a:effectRef idx="0">
+            <a:schemeClr val="accent1"/>
+          </a:effectRef>
+          <a:fontRef idx="minor">
+            <a:schemeClr val="lt1"/>
+          </a:fontRef>
+        </p:style>
+        <p:txBody>
+          <a:bodyPr rtlCol="0" anchor="ctr"/>
+          <a:lstStyle/>
+          <a:p>
+            <a:pPr algn="ctr"/>
+            <a:r>
+              <a:rPr lang="ko-KR" altLang="en-US" dirty="0" smtClean="0"/>
+              <a:t>색상</a:t>
+            </a:r>
+            <a:r>
+              <a:rPr lang="en-US" altLang="ko-KR" dirty="0"/>
+              <a:t>2</a:t>
+            </a:r>
+            <a:endParaRPr lang="ko-KR" altLang="en-US" dirty="0"/>
+          </a:p>
+        </p:txBody>
+      </p:sp>
+      <p:sp>
+        <p:nvSpPr>
+          <p:cNvPr id="51" name="직사각형 50"/>
+          <p:cNvSpPr/>
+          <p:nvPr/>
+        </p:nvSpPr>
+        <p:spPr>
+          <a:xfrm>
+            <a:off x="5214530" y="4293096"/>
+            <a:ext cx="1152128" cy="360040"/>
+          </a:xfrm>
+          <a:prstGeom prst="rect">
+            <a:avLst/>
+          </a:prstGeom>
+          <a:solidFill>
+            <a:schemeClr val="accent1">
+              <a:lumMod val="40000"/>
+              <a:lumOff val="60000"/>
+            </a:schemeClr>
+          </a:solidFill>
+        </p:spPr>
+        <p:style>
+          <a:lnRef idx="2">
+            <a:schemeClr val="accent1">
+              <a:shade val="50000"/>
+            </a:schemeClr>
+          </a:lnRef>
+          <a:fillRef idx="1">
+            <a:schemeClr val="accent1"/>
+          </a:fillRef>
+          <a:effectRef idx="0">
+            <a:schemeClr val="accent1"/>
+          </a:effectRef>
+          <a:fontRef idx="minor">
+            <a:schemeClr val="lt1"/>
+          </a:fontRef>
+        </p:style>
+        <p:txBody>
+          <a:bodyPr rtlCol="0" anchor="ctr"/>
+          <a:lstStyle/>
+          <a:p>
+            <a:pPr algn="ctr"/>
+            <a:endParaRPr lang="ko-KR" altLang="en-US" dirty="0"/>
+          </a:p>
+        </p:txBody>
+      </p:sp>
+      <p:sp>
+        <p:nvSpPr>
+          <p:cNvPr id="52" name="직사각형 51"/>
+          <p:cNvSpPr/>
+          <p:nvPr/>
+        </p:nvSpPr>
+        <p:spPr>
+          <a:xfrm>
+            <a:off x="3140190" y="83164"/>
+            <a:ext cx="639722" cy="166328"/>
           </a:xfrm>
           <a:prstGeom prst="rect">
             <a:avLst/>
@@ -30038,39 +30150,23 @@
           <a:p>
             <a:pPr algn="ctr"/>
             <a:r>
-              <a:rPr lang="ko-KR" altLang="en-US" dirty="0" smtClean="0"/>
-              <a:t>오래된 미확인 주문 </a:t>
-            </a:r>
-            <a:r>
-              <a:rPr lang="en-US" altLang="ko-KR" dirty="0" smtClean="0"/>
-              <a:t>/ </a:t>
-            </a:r>
-            <a:r>
-              <a:rPr lang="ko-KR" altLang="en-US" dirty="0" smtClean="0"/>
-              <a:t>미처리된 주문 </a:t>
-            </a:r>
-            <a:r>
-              <a:rPr lang="ko-KR" altLang="en-US" dirty="0"/>
-              <a:t>개</a:t>
-            </a:r>
-            <a:r>
-              <a:rPr lang="ko-KR" altLang="en-US" dirty="0" smtClean="0"/>
-              <a:t>수</a:t>
-            </a:r>
-            <a:endParaRPr lang="ko-KR" altLang="en-US" dirty="0"/>
-          </a:p>
-        </p:txBody>
-      </p:sp>
-      <p:sp>
-        <p:nvSpPr>
-          <p:cNvPr id="45" name="직사각형 44"/>
+              <a:rPr lang="ko-KR" altLang="en-US" sz="800" dirty="0" smtClean="0"/>
+              <a:t>로그아웃</a:t>
+            </a:r>
+            <a:endParaRPr lang="ko-KR" altLang="en-US" sz="800" dirty="0"/>
+          </a:p>
+        </p:txBody>
+      </p:sp>
+      <p:sp>
+        <p:nvSpPr>
+          <p:cNvPr id="53" name="직사각형 52"/>
           <p:cNvSpPr/>
           <p:nvPr/>
         </p:nvSpPr>
         <p:spPr>
           <a:xfrm>
-            <a:off x="1475656" y="2420888"/>
-            <a:ext cx="1728192" cy="216024"/>
+            <a:off x="7092280" y="83164"/>
+            <a:ext cx="720080" cy="166328"/>
           </a:xfrm>
           <a:prstGeom prst="rect">
             <a:avLst/>
@@ -30098,27 +30194,23 @@
           <a:p>
             <a:pPr algn="ctr"/>
             <a:r>
-              <a:rPr lang="ko-KR" altLang="en-US" dirty="0"/>
-              <a:t>미확인 반</a:t>
-            </a:r>
-            <a:r>
-              <a:rPr lang="ko-KR" altLang="en-US" dirty="0" smtClean="0"/>
-              <a:t>품</a:t>
-            </a:r>
-            <a:endParaRPr lang="ko-KR" altLang="en-US" dirty="0"/>
-          </a:p>
-        </p:txBody>
-      </p:sp>
-      <p:sp>
-        <p:nvSpPr>
-          <p:cNvPr id="46" name="직사각형 45"/>
+              <a:rPr lang="ko-KR" altLang="en-US" sz="800" dirty="0" err="1" smtClean="0"/>
+              <a:t>마이페이지</a:t>
+            </a:r>
+            <a:endParaRPr lang="ko-KR" altLang="en-US" sz="800" dirty="0"/>
+          </a:p>
+        </p:txBody>
+      </p:sp>
+      <p:sp>
+        <p:nvSpPr>
+          <p:cNvPr id="54" name="직사각형 53"/>
           <p:cNvSpPr/>
           <p:nvPr/>
         </p:nvSpPr>
         <p:spPr>
           <a:xfrm>
-            <a:off x="1475656" y="2780928"/>
-            <a:ext cx="6192688" cy="792088"/>
+            <a:off x="6372200" y="83164"/>
+            <a:ext cx="648072" cy="166328"/>
           </a:xfrm>
           <a:prstGeom prst="rect">
             <a:avLst/>
@@ -30146,39 +30238,23 @@
           <a:p>
             <a:pPr algn="ctr"/>
             <a:r>
-              <a:rPr lang="ko-KR" altLang="en-US" dirty="0" smtClean="0"/>
-              <a:t>오래된 미확인 반품 </a:t>
-            </a:r>
-            <a:r>
-              <a:rPr lang="en-US" altLang="ko-KR" dirty="0" smtClean="0"/>
-              <a:t>/ </a:t>
-            </a:r>
-            <a:r>
-              <a:rPr lang="ko-KR" altLang="en-US" dirty="0" smtClean="0"/>
-              <a:t>미확인 반품 </a:t>
-            </a:r>
-            <a:r>
-              <a:rPr lang="ko-KR" altLang="en-US" dirty="0"/>
-              <a:t>개</a:t>
-            </a:r>
-            <a:r>
-              <a:rPr lang="ko-KR" altLang="en-US" dirty="0" smtClean="0"/>
-              <a:t>수</a:t>
-            </a:r>
-            <a:endParaRPr lang="ko-KR" altLang="en-US" dirty="0"/>
-          </a:p>
-        </p:txBody>
-      </p:sp>
-      <p:sp>
-        <p:nvSpPr>
-          <p:cNvPr id="47" name="직사각형 46"/>
+              <a:rPr lang="ko-KR" altLang="en-US" sz="800" dirty="0" smtClean="0"/>
+              <a:t>상품관리</a:t>
+            </a:r>
+            <a:endParaRPr lang="ko-KR" altLang="en-US" sz="800" dirty="0"/>
+          </a:p>
+        </p:txBody>
+      </p:sp>
+      <p:sp>
+        <p:nvSpPr>
+          <p:cNvPr id="55" name="직사각형 54"/>
           <p:cNvSpPr/>
           <p:nvPr/>
         </p:nvSpPr>
         <p:spPr>
           <a:xfrm>
-            <a:off x="1475656" y="3789040"/>
-            <a:ext cx="1728192" cy="216024"/>
+            <a:off x="5114198" y="83164"/>
+            <a:ext cx="393906" cy="166328"/>
           </a:xfrm>
           <a:prstGeom prst="rect">
             <a:avLst/>
@@ -30206,27 +30282,23 @@
           <a:p>
             <a:pPr algn="ctr"/>
             <a:r>
-              <a:rPr lang="ko-KR" altLang="en-US" dirty="0"/>
-              <a:t>미확인 </a:t>
-            </a:r>
-            <a:r>
-              <a:rPr lang="en-US" altLang="ko-KR" dirty="0" smtClean="0"/>
-              <a:t>A/S</a:t>
-            </a:r>
-            <a:endParaRPr lang="ko-KR" altLang="en-US" dirty="0"/>
-          </a:p>
-        </p:txBody>
-      </p:sp>
-      <p:sp>
-        <p:nvSpPr>
-          <p:cNvPr id="48" name="직사각형 47"/>
+              <a:rPr lang="ko-KR" altLang="en-US" sz="800" dirty="0" smtClean="0"/>
+              <a:t>리뷰</a:t>
+            </a:r>
+            <a:endParaRPr lang="ko-KR" altLang="en-US" sz="800" dirty="0"/>
+          </a:p>
+        </p:txBody>
+      </p:sp>
+      <p:sp>
+        <p:nvSpPr>
+          <p:cNvPr id="56" name="직사각형 55"/>
           <p:cNvSpPr/>
           <p:nvPr/>
         </p:nvSpPr>
         <p:spPr>
           <a:xfrm>
-            <a:off x="1475656" y="4149080"/>
-            <a:ext cx="6192688" cy="792088"/>
+            <a:off x="4572000" y="83164"/>
+            <a:ext cx="465914" cy="166328"/>
           </a:xfrm>
           <a:prstGeom prst="rect">
             <a:avLst/>
@@ -30254,24 +30326,243 @@
           <a:p>
             <a:pPr algn="ctr"/>
             <a:r>
-              <a:rPr lang="ko-KR" altLang="en-US" dirty="0" smtClean="0"/>
-              <a:t>오래된 미확인 </a:t>
-            </a:r>
+              <a:rPr lang="en-US" altLang="ko-KR" sz="800" dirty="0" smtClean="0"/>
+              <a:t>Q&amp;A</a:t>
+            </a:r>
+            <a:endParaRPr lang="ko-KR" altLang="en-US" sz="800" dirty="0"/>
+          </a:p>
+        </p:txBody>
+      </p:sp>
+      <p:sp>
+        <p:nvSpPr>
+          <p:cNvPr id="57" name="직사각형 56"/>
+          <p:cNvSpPr/>
+          <p:nvPr/>
+        </p:nvSpPr>
+        <p:spPr>
+          <a:xfrm>
+            <a:off x="3890062" y="83164"/>
+            <a:ext cx="609930" cy="166328"/>
+          </a:xfrm>
+          <a:prstGeom prst="rect">
+            <a:avLst/>
+          </a:prstGeom>
+        </p:spPr>
+        <p:style>
+          <a:lnRef idx="2">
+            <a:schemeClr val="accent1">
+              <a:shade val="50000"/>
+            </a:schemeClr>
+          </a:lnRef>
+          <a:fillRef idx="1">
+            <a:schemeClr val="accent1"/>
+          </a:fillRef>
+          <a:effectRef idx="0">
+            <a:schemeClr val="accent1"/>
+          </a:effectRef>
+          <a:fontRef idx="minor">
+            <a:schemeClr val="lt1"/>
+          </a:fontRef>
+        </p:style>
+        <p:txBody>
+          <a:bodyPr rtlCol="0" anchor="ctr"/>
+          <a:lstStyle/>
+          <a:p>
+            <a:pPr algn="ctr"/>
+            <a:r>
+              <a:rPr lang="ko-KR" altLang="en-US" sz="800" dirty="0" smtClean="0"/>
+              <a:t>공지사</a:t>
+            </a:r>
+            <a:r>
+              <a:rPr lang="ko-KR" altLang="en-US" sz="800" dirty="0"/>
+              <a:t>항</a:t>
+            </a:r>
+          </a:p>
+        </p:txBody>
+      </p:sp>
+      <p:sp>
+        <p:nvSpPr>
+          <p:cNvPr id="58" name="직사각형 57"/>
+          <p:cNvSpPr/>
+          <p:nvPr/>
+        </p:nvSpPr>
+        <p:spPr>
+          <a:xfrm>
+            <a:off x="5580112" y="83164"/>
+            <a:ext cx="720080" cy="166328"/>
+          </a:xfrm>
+          <a:prstGeom prst="rect">
+            <a:avLst/>
+          </a:prstGeom>
+        </p:spPr>
+        <p:style>
+          <a:lnRef idx="2">
+            <a:schemeClr val="accent1">
+              <a:shade val="50000"/>
+            </a:schemeClr>
+          </a:lnRef>
+          <a:fillRef idx="1">
+            <a:schemeClr val="accent1"/>
+          </a:fillRef>
+          <a:effectRef idx="0">
+            <a:schemeClr val="accent1"/>
+          </a:effectRef>
+          <a:fontRef idx="minor">
+            <a:schemeClr val="lt1"/>
+          </a:fontRef>
+        </p:style>
+        <p:txBody>
+          <a:bodyPr rtlCol="0" anchor="ctr"/>
+          <a:lstStyle/>
+          <a:p>
+            <a:pPr algn="ctr"/>
+            <a:r>
+              <a:rPr lang="ko-KR" altLang="en-US" sz="800" dirty="0" smtClean="0"/>
+              <a:t>게시판관리</a:t>
+            </a:r>
+            <a:endParaRPr lang="ko-KR" altLang="en-US" sz="800" dirty="0"/>
+          </a:p>
+        </p:txBody>
+      </p:sp>
+      <p:sp>
+        <p:nvSpPr>
+          <p:cNvPr id="59" name="직사각형 58"/>
+          <p:cNvSpPr/>
+          <p:nvPr/>
+        </p:nvSpPr>
+        <p:spPr>
+          <a:xfrm>
+            <a:off x="2374709" y="83164"/>
+            <a:ext cx="613115" cy="166328"/>
+          </a:xfrm>
+          <a:prstGeom prst="rect">
+            <a:avLst/>
+          </a:prstGeom>
+        </p:spPr>
+        <p:style>
+          <a:lnRef idx="2">
+            <a:schemeClr val="accent1">
+              <a:shade val="50000"/>
+            </a:schemeClr>
+          </a:lnRef>
+          <a:fillRef idx="1">
+            <a:schemeClr val="accent1"/>
+          </a:fillRef>
+          <a:effectRef idx="0">
+            <a:schemeClr val="accent1"/>
+          </a:effectRef>
+          <a:fontRef idx="minor">
+            <a:schemeClr val="lt1"/>
+          </a:fontRef>
+        </p:style>
+        <p:txBody>
+          <a:bodyPr rtlCol="0" anchor="ctr"/>
+          <a:lstStyle/>
+          <a:p>
+            <a:pPr algn="ctr"/>
+            <a:r>
+              <a:rPr lang="ko-KR" altLang="en-US" sz="600" dirty="0" err="1" smtClean="0"/>
+              <a:t>로그인정보</a:t>
+            </a:r>
+            <a:endParaRPr lang="ko-KR" altLang="en-US" sz="600" dirty="0"/>
+          </a:p>
+        </p:txBody>
+      </p:sp>
+      <p:sp>
+        <p:nvSpPr>
+          <p:cNvPr id="38" name="직사각형 37"/>
+          <p:cNvSpPr/>
+          <p:nvPr/>
+        </p:nvSpPr>
+        <p:spPr>
+          <a:xfrm>
+            <a:off x="6372200" y="3789040"/>
+            <a:ext cx="360040" cy="360040"/>
+          </a:xfrm>
+          <a:prstGeom prst="rect">
+            <a:avLst/>
+          </a:prstGeom>
+          <a:solidFill>
+            <a:schemeClr val="tx2">
+              <a:lumMod val="40000"/>
+              <a:lumOff val="60000"/>
+            </a:schemeClr>
+          </a:solidFill>
+        </p:spPr>
+        <p:style>
+          <a:lnRef idx="2">
+            <a:schemeClr val="accent1">
+              <a:shade val="50000"/>
+            </a:schemeClr>
+          </a:lnRef>
+          <a:fillRef idx="1">
+            <a:schemeClr val="accent1"/>
+          </a:fillRef>
+          <a:effectRef idx="0">
+            <a:schemeClr val="accent1"/>
+          </a:effectRef>
+          <a:fontRef idx="minor">
+            <a:schemeClr val="lt1"/>
+          </a:fontRef>
+        </p:style>
+        <p:txBody>
+          <a:bodyPr rtlCol="0" anchor="ctr"/>
+          <a:lstStyle/>
+          <a:p>
+            <a:pPr algn="ctr"/>
             <a:r>
               <a:rPr lang="en-US" altLang="ko-KR" dirty="0" smtClean="0"/>
-              <a:t>A/S / </a:t>
-            </a:r>
-            <a:r>
-              <a:rPr lang="ko-KR" altLang="en-US" dirty="0" smtClean="0"/>
-              <a:t>미확인 </a:t>
-            </a:r>
+              <a:t>X</a:t>
+            </a:r>
+            <a:endParaRPr lang="ko-KR" altLang="en-US" dirty="0"/>
+          </a:p>
+        </p:txBody>
+      </p:sp>
+      <p:sp>
+        <p:nvSpPr>
+          <p:cNvPr id="39" name="직사각형 38"/>
+          <p:cNvSpPr/>
+          <p:nvPr/>
+        </p:nvSpPr>
+        <p:spPr>
+          <a:xfrm>
+            <a:off x="6372200" y="4293096"/>
+            <a:ext cx="360040" cy="360040"/>
+          </a:xfrm>
+          <a:prstGeom prst="rect">
+            <a:avLst/>
+          </a:prstGeom>
+          <a:solidFill>
+            <a:schemeClr val="tx2">
+              <a:lumMod val="40000"/>
+              <a:lumOff val="60000"/>
+            </a:schemeClr>
+          </a:solidFill>
+        </p:spPr>
+        <p:style>
+          <a:lnRef idx="2">
+            <a:schemeClr val="accent1">
+              <a:shade val="50000"/>
+            </a:schemeClr>
+          </a:lnRef>
+          <a:fillRef idx="1">
+            <a:schemeClr val="accent1"/>
+          </a:fillRef>
+          <a:effectRef idx="0">
+            <a:schemeClr val="accent1"/>
+          </a:effectRef>
+          <a:fontRef idx="minor">
+            <a:schemeClr val="lt1"/>
+          </a:fontRef>
+        </p:style>
+        <p:txBody>
+          <a:bodyPr rtlCol="0" anchor="ctr"/>
+          <a:lstStyle/>
+          <a:p>
+            <a:pPr algn="ctr"/>
             <a:r>
               <a:rPr lang="en-US" altLang="ko-KR" dirty="0" smtClean="0"/>
-              <a:t>A/S </a:t>
-            </a:r>
-            <a:r>
-              <a:rPr lang="ko-KR" altLang="en-US" dirty="0" smtClean="0"/>
-              <a:t>개수</a:t>
+              <a:t>X</a:t>
             </a:r>
             <a:endParaRPr lang="ko-KR" altLang="en-US" dirty="0"/>
           </a:p>
@@ -30279,7 +30570,7 @@
       </p:sp>
       <p:grpSp>
         <p:nvGrpSpPr>
-          <p:cNvPr id="11" name="그룹 10"/>
+          <p:cNvPr id="66" name="그룹 65"/>
           <p:cNvGrpSpPr/>
           <p:nvPr/>
         </p:nvGrpSpPr>
@@ -30293,7 +30584,7 @@
         </p:grpSpPr>
         <p:sp>
           <p:nvSpPr>
-            <p:cNvPr id="49" name="직사각형 48"/>
+            <p:cNvPr id="67" name="직사각형 66"/>
             <p:cNvSpPr/>
             <p:nvPr/>
           </p:nvSpPr>
@@ -30416,7 +30707,7 @@
         </p:sp>
         <p:sp>
           <p:nvSpPr>
-            <p:cNvPr id="50" name="직사각형 49"/>
+            <p:cNvPr id="68" name="직사각형 67"/>
             <p:cNvSpPr/>
             <p:nvPr/>
           </p:nvSpPr>
@@ -30465,118 +30756,10 @@
           </p:txBody>
         </p:sp>
       </p:grpSp>
-      <p:sp>
-        <p:nvSpPr>
-          <p:cNvPr id="32" name="직사각형 31"/>
-          <p:cNvSpPr/>
-          <p:nvPr/>
-        </p:nvSpPr>
-        <p:spPr>
-          <a:xfrm>
-            <a:off x="1475656" y="5042190"/>
-            <a:ext cx="1728192" cy="216024"/>
-          </a:xfrm>
-          <a:prstGeom prst="rect">
-            <a:avLst/>
-          </a:prstGeom>
-        </p:spPr>
-        <p:style>
-          <a:lnRef idx="2">
-            <a:schemeClr val="accent1">
-              <a:shade val="50000"/>
-            </a:schemeClr>
-          </a:lnRef>
-          <a:fillRef idx="1">
-            <a:schemeClr val="accent1"/>
-          </a:fillRef>
-          <a:effectRef idx="0">
-            <a:schemeClr val="accent1"/>
-          </a:effectRef>
-          <a:fontRef idx="minor">
-            <a:schemeClr val="lt1"/>
-          </a:fontRef>
-        </p:style>
-        <p:txBody>
-          <a:bodyPr rtlCol="0" anchor="ctr"/>
-          <a:lstStyle/>
-          <a:p>
-            <a:pPr algn="ctr"/>
-            <a:r>
-              <a:rPr lang="ko-KR" altLang="en-US" dirty="0"/>
-              <a:t>미확인 </a:t>
-            </a:r>
-            <a:r>
-              <a:rPr lang="en-US" altLang="ko-KR" dirty="0" smtClean="0"/>
-              <a:t>Q&amp;A</a:t>
-            </a:r>
-            <a:endParaRPr lang="ko-KR" altLang="en-US" dirty="0"/>
-          </a:p>
-        </p:txBody>
-      </p:sp>
-      <p:sp>
-        <p:nvSpPr>
-          <p:cNvPr id="33" name="직사각형 32"/>
-          <p:cNvSpPr/>
-          <p:nvPr/>
-        </p:nvSpPr>
-        <p:spPr>
-          <a:xfrm>
-            <a:off x="1475656" y="5402230"/>
-            <a:ext cx="6192688" cy="792088"/>
-          </a:xfrm>
-          <a:prstGeom prst="rect">
-            <a:avLst/>
-          </a:prstGeom>
-        </p:spPr>
-        <p:style>
-          <a:lnRef idx="2">
-            <a:schemeClr val="accent1">
-              <a:shade val="50000"/>
-            </a:schemeClr>
-          </a:lnRef>
-          <a:fillRef idx="1">
-            <a:schemeClr val="accent1"/>
-          </a:fillRef>
-          <a:effectRef idx="0">
-            <a:schemeClr val="accent1"/>
-          </a:effectRef>
-          <a:fontRef idx="minor">
-            <a:schemeClr val="lt1"/>
-          </a:fontRef>
-        </p:style>
-        <p:txBody>
-          <a:bodyPr rtlCol="0" anchor="ctr"/>
-          <a:lstStyle/>
-          <a:p>
-            <a:pPr algn="ctr"/>
-            <a:r>
-              <a:rPr lang="ko-KR" altLang="en-US" dirty="0" smtClean="0"/>
-              <a:t>오래된 미확인 </a:t>
-            </a:r>
-            <a:r>
-              <a:rPr lang="en-US" altLang="ko-KR" dirty="0" smtClean="0"/>
-              <a:t>Q&amp;A / </a:t>
-            </a:r>
-            <a:r>
-              <a:rPr lang="ko-KR" altLang="en-US" dirty="0" smtClean="0"/>
-              <a:t>미확인 </a:t>
-            </a:r>
-            <a:r>
-              <a:rPr lang="en-US" altLang="ko-KR" dirty="0" smtClean="0"/>
-              <a:t>Q&amp;A </a:t>
-            </a:r>
-            <a:r>
-              <a:rPr lang="ko-KR" altLang="en-US" dirty="0" smtClean="0"/>
-              <a:t>개수</a:t>
-            </a:r>
-            <a:endParaRPr lang="ko-KR" altLang="en-US" dirty="0"/>
-          </a:p>
-        </p:txBody>
-      </p:sp>
     </p:spTree>
     <p:extLst>
       <p:ext uri="{BB962C8B-B14F-4D97-AF65-F5344CB8AC3E}">
-        <p14:creationId xmlns:p14="http://schemas.microsoft.com/office/powerpoint/2010/main" val="3849766990"/>
+        <p14:creationId xmlns:p14="http://schemas.microsoft.com/office/powerpoint/2010/main" val="2476717436"/>
       </p:ext>
     </p:extLst>
   </p:cSld>
@@ -30590,6 +30773,64 @@
       </p:par>
     </p:tnLst>
   </p:timing>
+</p:sld>
+</file>
+
+<file path=ppt/slides/slide26.xml><?xml version="1.0" encoding="utf-8"?>
+<p:sld xmlns:a="http://schemas.openxmlformats.org/drawingml/2006/main" xmlns:r="http://schemas.openxmlformats.org/officeDocument/2006/relationships" xmlns:p="http://schemas.openxmlformats.org/presentationml/2006/main">
+  <p:cSld>
+    <p:spTree>
+      <p:nvGrpSpPr>
+        <p:cNvPr id="1" name=""/>
+        <p:cNvGrpSpPr/>
+        <p:nvPr/>
+      </p:nvGrpSpPr>
+      <p:grpSpPr>
+        <a:xfrm>
+          <a:off x="0" y="0"/>
+          <a:ext cx="0" cy="0"/>
+          <a:chOff x="0" y="0"/>
+          <a:chExt cx="0" cy="0"/>
+        </a:xfrm>
+      </p:grpSpPr>
+      <p:sp>
+        <p:nvSpPr>
+          <p:cNvPr id="2" name="제목 1"/>
+          <p:cNvSpPr>
+            <a:spLocks noGrp="1"/>
+          </p:cNvSpPr>
+          <p:nvPr>
+            <p:ph type="title"/>
+          </p:nvPr>
+        </p:nvSpPr>
+        <p:spPr>
+          <a:xfrm>
+            <a:off x="457200" y="2492896"/>
+            <a:ext cx="8229600" cy="1143000"/>
+          </a:xfrm>
+        </p:spPr>
+        <p:txBody>
+          <a:bodyPr/>
+          <a:lstStyle/>
+          <a:p>
+            <a:r>
+              <a:rPr lang="ko-KR" altLang="en-US" dirty="0" smtClean="0"/>
+              <a:t>관리자 시점</a:t>
+            </a:r>
+            <a:endParaRPr lang="ko-KR" altLang="en-US" dirty="0"/>
+          </a:p>
+        </p:txBody>
+      </p:sp>
+    </p:spTree>
+    <p:extLst>
+      <p:ext uri="{BB962C8B-B14F-4D97-AF65-F5344CB8AC3E}">
+        <p14:creationId xmlns:p14="http://schemas.microsoft.com/office/powerpoint/2010/main" val="10625423"/>
+      </p:ext>
+    </p:extLst>
+  </p:cSld>
+  <p:clrMapOvr>
+    <a:masterClrMapping/>
+  </p:clrMapOvr>
 </p:sld>
 </file>
 
@@ -30712,7 +30953,7 @@
                     <a:schemeClr val="tx1"/>
                   </a:solidFill>
                 </a:rPr>
-                <a:t>상품등록</a:t>
+                <a:t>메인 화면</a:t>
               </a:r>
               <a:r>
                 <a:rPr lang="en-US" altLang="ko-KR" dirty="0" smtClean="0">
@@ -30747,7 +30988,7 @@
                     <a:schemeClr val="tx1"/>
                   </a:solidFill>
                 </a:rPr>
-                <a:t>(CSS</a:t>
+                <a:t>(CSS </a:t>
               </a:r>
               <a:r>
                 <a:rPr lang="ko-KR" altLang="en-US" dirty="0" smtClean="0">
@@ -30765,6 +31006,46 @@
                 </a:rPr>
                 <a:t>)</a:t>
               </a:r>
+            </a:p>
+            <a:p>
+              <a:pPr algn="ctr"/>
+              <a:r>
+                <a:rPr lang="ko-KR" altLang="en-US" dirty="0" err="1" smtClean="0">
+                  <a:solidFill>
+                    <a:schemeClr val="tx1"/>
+                  </a:solidFill>
+                </a:rPr>
+                <a:t>게시글은</a:t>
+              </a:r>
+              <a:r>
+                <a:rPr lang="ko-KR" altLang="en-US" dirty="0" smtClean="0">
+                  <a:solidFill>
+                    <a:schemeClr val="tx1"/>
+                  </a:solidFill>
+                </a:rPr>
+                <a:t> 최대 </a:t>
+              </a:r>
+              <a:r>
+                <a:rPr lang="en-US" altLang="ko-KR" dirty="0" smtClean="0">
+                  <a:solidFill>
+                    <a:schemeClr val="tx1"/>
+                  </a:solidFill>
+                </a:rPr>
+                <a:t>6</a:t>
+              </a:r>
+              <a:r>
+                <a:rPr lang="ko-KR" altLang="en-US" dirty="0" smtClean="0">
+                  <a:solidFill>
+                    <a:schemeClr val="tx1"/>
+                  </a:solidFill>
+                </a:rPr>
+                <a:t>개까지 노출</a:t>
+              </a:r>
+              <a:endParaRPr lang="ko-KR" altLang="en-US" dirty="0">
+                <a:solidFill>
+                  <a:schemeClr val="tx1"/>
+                </a:solidFill>
+              </a:endParaRPr>
             </a:p>
           </p:txBody>
         </p:sp>
@@ -31081,6 +31362,361 @@
             </a:p>
           </p:txBody>
         </p:sp>
+        <p:sp>
+          <p:nvSpPr>
+            <p:cNvPr id="18" name="직사각형 17"/>
+            <p:cNvSpPr/>
+            <p:nvPr/>
+          </p:nvSpPr>
+          <p:spPr>
+            <a:xfrm>
+              <a:off x="3140190" y="83164"/>
+              <a:ext cx="639722" cy="166328"/>
+            </a:xfrm>
+            <a:prstGeom prst="rect">
+              <a:avLst/>
+            </a:prstGeom>
+          </p:spPr>
+          <p:style>
+            <a:lnRef idx="2">
+              <a:schemeClr val="accent1">
+                <a:shade val="50000"/>
+              </a:schemeClr>
+            </a:lnRef>
+            <a:fillRef idx="1">
+              <a:schemeClr val="accent1"/>
+            </a:fillRef>
+            <a:effectRef idx="0">
+              <a:schemeClr val="accent1"/>
+            </a:effectRef>
+            <a:fontRef idx="minor">
+              <a:schemeClr val="lt1"/>
+            </a:fontRef>
+          </p:style>
+          <p:txBody>
+            <a:bodyPr rtlCol="0" anchor="ctr"/>
+            <a:lstStyle/>
+            <a:p>
+              <a:pPr algn="ctr"/>
+              <a:r>
+                <a:rPr lang="ko-KR" altLang="en-US" sz="800" dirty="0" smtClean="0"/>
+                <a:t>로그아웃</a:t>
+              </a:r>
+              <a:endParaRPr lang="ko-KR" altLang="en-US" sz="800" dirty="0"/>
+            </a:p>
+          </p:txBody>
+        </p:sp>
+        <p:sp>
+          <p:nvSpPr>
+            <p:cNvPr id="20" name="직사각형 19"/>
+            <p:cNvSpPr/>
+            <p:nvPr/>
+          </p:nvSpPr>
+          <p:spPr>
+            <a:xfrm>
+              <a:off x="7092280" y="83164"/>
+              <a:ext cx="720080" cy="166328"/>
+            </a:xfrm>
+            <a:prstGeom prst="rect">
+              <a:avLst/>
+            </a:prstGeom>
+          </p:spPr>
+          <p:style>
+            <a:lnRef idx="2">
+              <a:schemeClr val="accent1">
+                <a:shade val="50000"/>
+              </a:schemeClr>
+            </a:lnRef>
+            <a:fillRef idx="1">
+              <a:schemeClr val="accent1"/>
+            </a:fillRef>
+            <a:effectRef idx="0">
+              <a:schemeClr val="accent1"/>
+            </a:effectRef>
+            <a:fontRef idx="minor">
+              <a:schemeClr val="lt1"/>
+            </a:fontRef>
+          </p:style>
+          <p:txBody>
+            <a:bodyPr rtlCol="0" anchor="ctr"/>
+            <a:lstStyle/>
+            <a:p>
+              <a:pPr algn="ctr"/>
+              <a:r>
+                <a:rPr lang="ko-KR" altLang="en-US" sz="800" dirty="0" err="1" smtClean="0"/>
+                <a:t>마이페이지</a:t>
+              </a:r>
+              <a:endParaRPr lang="ko-KR" altLang="en-US" sz="800" dirty="0"/>
+            </a:p>
+          </p:txBody>
+        </p:sp>
+        <p:sp>
+          <p:nvSpPr>
+            <p:cNvPr id="23" name="직사각형 22"/>
+            <p:cNvSpPr/>
+            <p:nvPr/>
+          </p:nvSpPr>
+          <p:spPr>
+            <a:xfrm>
+              <a:off x="6372200" y="83164"/>
+              <a:ext cx="648072" cy="166328"/>
+            </a:xfrm>
+            <a:prstGeom prst="rect">
+              <a:avLst/>
+            </a:prstGeom>
+          </p:spPr>
+          <p:style>
+            <a:lnRef idx="2">
+              <a:schemeClr val="accent1">
+                <a:shade val="50000"/>
+              </a:schemeClr>
+            </a:lnRef>
+            <a:fillRef idx="1">
+              <a:schemeClr val="accent1"/>
+            </a:fillRef>
+            <a:effectRef idx="0">
+              <a:schemeClr val="accent1"/>
+            </a:effectRef>
+            <a:fontRef idx="minor">
+              <a:schemeClr val="lt1"/>
+            </a:fontRef>
+          </p:style>
+          <p:txBody>
+            <a:bodyPr rtlCol="0" anchor="ctr"/>
+            <a:lstStyle/>
+            <a:p>
+              <a:pPr algn="ctr"/>
+              <a:r>
+                <a:rPr lang="ko-KR" altLang="en-US" sz="800" dirty="0" smtClean="0"/>
+                <a:t>상품관리</a:t>
+              </a:r>
+              <a:endParaRPr lang="ko-KR" altLang="en-US" sz="800" dirty="0"/>
+            </a:p>
+          </p:txBody>
+        </p:sp>
+        <p:sp>
+          <p:nvSpPr>
+            <p:cNvPr id="24" name="직사각형 23"/>
+            <p:cNvSpPr/>
+            <p:nvPr/>
+          </p:nvSpPr>
+          <p:spPr>
+            <a:xfrm>
+              <a:off x="5114198" y="83164"/>
+              <a:ext cx="393906" cy="166328"/>
+            </a:xfrm>
+            <a:prstGeom prst="rect">
+              <a:avLst/>
+            </a:prstGeom>
+          </p:spPr>
+          <p:style>
+            <a:lnRef idx="2">
+              <a:schemeClr val="accent1">
+                <a:shade val="50000"/>
+              </a:schemeClr>
+            </a:lnRef>
+            <a:fillRef idx="1">
+              <a:schemeClr val="accent1"/>
+            </a:fillRef>
+            <a:effectRef idx="0">
+              <a:schemeClr val="accent1"/>
+            </a:effectRef>
+            <a:fontRef idx="minor">
+              <a:schemeClr val="lt1"/>
+            </a:fontRef>
+          </p:style>
+          <p:txBody>
+            <a:bodyPr rtlCol="0" anchor="ctr"/>
+            <a:lstStyle/>
+            <a:p>
+              <a:pPr algn="ctr"/>
+              <a:r>
+                <a:rPr lang="ko-KR" altLang="en-US" sz="800" dirty="0" smtClean="0"/>
+                <a:t>리뷰</a:t>
+              </a:r>
+              <a:endParaRPr lang="ko-KR" altLang="en-US" sz="800" dirty="0"/>
+            </a:p>
+          </p:txBody>
+        </p:sp>
+        <p:sp>
+          <p:nvSpPr>
+            <p:cNvPr id="26" name="직사각형 25"/>
+            <p:cNvSpPr/>
+            <p:nvPr/>
+          </p:nvSpPr>
+          <p:spPr>
+            <a:xfrm>
+              <a:off x="4572000" y="83164"/>
+              <a:ext cx="465914" cy="166328"/>
+            </a:xfrm>
+            <a:prstGeom prst="rect">
+              <a:avLst/>
+            </a:prstGeom>
+          </p:spPr>
+          <p:style>
+            <a:lnRef idx="2">
+              <a:schemeClr val="accent1">
+                <a:shade val="50000"/>
+              </a:schemeClr>
+            </a:lnRef>
+            <a:fillRef idx="1">
+              <a:schemeClr val="accent1"/>
+            </a:fillRef>
+            <a:effectRef idx="0">
+              <a:schemeClr val="accent1"/>
+            </a:effectRef>
+            <a:fontRef idx="minor">
+              <a:schemeClr val="lt1"/>
+            </a:fontRef>
+          </p:style>
+          <p:txBody>
+            <a:bodyPr rtlCol="0" anchor="ctr"/>
+            <a:lstStyle/>
+            <a:p>
+              <a:pPr algn="ctr"/>
+              <a:r>
+                <a:rPr lang="en-US" altLang="ko-KR" sz="800" dirty="0" smtClean="0"/>
+                <a:t>Q&amp;A</a:t>
+              </a:r>
+              <a:endParaRPr lang="ko-KR" altLang="en-US" sz="800" dirty="0"/>
+            </a:p>
+          </p:txBody>
+        </p:sp>
+        <p:sp>
+          <p:nvSpPr>
+            <p:cNvPr id="27" name="직사각형 26"/>
+            <p:cNvSpPr/>
+            <p:nvPr/>
+          </p:nvSpPr>
+          <p:spPr>
+            <a:xfrm>
+              <a:off x="3890062" y="83164"/>
+              <a:ext cx="609930" cy="166328"/>
+            </a:xfrm>
+            <a:prstGeom prst="rect">
+              <a:avLst/>
+            </a:prstGeom>
+          </p:spPr>
+          <p:style>
+            <a:lnRef idx="2">
+              <a:schemeClr val="accent1">
+                <a:shade val="50000"/>
+              </a:schemeClr>
+            </a:lnRef>
+            <a:fillRef idx="1">
+              <a:schemeClr val="accent1"/>
+            </a:fillRef>
+            <a:effectRef idx="0">
+              <a:schemeClr val="accent1"/>
+            </a:effectRef>
+            <a:fontRef idx="minor">
+              <a:schemeClr val="lt1"/>
+            </a:fontRef>
+          </p:style>
+          <p:txBody>
+            <a:bodyPr rtlCol="0" anchor="ctr"/>
+            <a:lstStyle/>
+            <a:p>
+              <a:pPr algn="ctr"/>
+              <a:r>
+                <a:rPr lang="ko-KR" altLang="en-US" sz="800" dirty="0" smtClean="0"/>
+                <a:t>공지사</a:t>
+              </a:r>
+              <a:r>
+                <a:rPr lang="ko-KR" altLang="en-US" sz="800" dirty="0"/>
+                <a:t>항</a:t>
+              </a:r>
+            </a:p>
+          </p:txBody>
+        </p:sp>
+        <p:sp>
+          <p:nvSpPr>
+            <p:cNvPr id="40" name="직사각형 39"/>
+            <p:cNvSpPr/>
+            <p:nvPr/>
+          </p:nvSpPr>
+          <p:spPr>
+            <a:xfrm>
+              <a:off x="5580112" y="83164"/>
+              <a:ext cx="720080" cy="166328"/>
+            </a:xfrm>
+            <a:prstGeom prst="rect">
+              <a:avLst/>
+            </a:prstGeom>
+          </p:spPr>
+          <p:style>
+            <a:lnRef idx="2">
+              <a:schemeClr val="accent1">
+                <a:shade val="50000"/>
+              </a:schemeClr>
+            </a:lnRef>
+            <a:fillRef idx="1">
+              <a:schemeClr val="accent1"/>
+            </a:fillRef>
+            <a:effectRef idx="0">
+              <a:schemeClr val="accent1"/>
+            </a:effectRef>
+            <a:fontRef idx="minor">
+              <a:schemeClr val="lt1"/>
+            </a:fontRef>
+          </p:style>
+          <p:txBody>
+            <a:bodyPr rtlCol="0" anchor="ctr"/>
+            <a:lstStyle/>
+            <a:p>
+              <a:pPr algn="ctr"/>
+              <a:r>
+                <a:rPr lang="ko-KR" altLang="en-US" sz="800" dirty="0" smtClean="0"/>
+                <a:t>게시판관리</a:t>
+              </a:r>
+              <a:endParaRPr lang="ko-KR" altLang="en-US" sz="800" dirty="0"/>
+            </a:p>
+          </p:txBody>
+        </p:sp>
+        <p:sp>
+          <p:nvSpPr>
+            <p:cNvPr id="41" name="직사각형 40"/>
+            <p:cNvSpPr/>
+            <p:nvPr/>
+          </p:nvSpPr>
+          <p:spPr>
+            <a:xfrm>
+              <a:off x="2374709" y="83164"/>
+              <a:ext cx="613115" cy="166328"/>
+            </a:xfrm>
+            <a:prstGeom prst="rect">
+              <a:avLst/>
+            </a:prstGeom>
+          </p:spPr>
+          <p:style>
+            <a:lnRef idx="2">
+              <a:schemeClr val="accent1">
+                <a:shade val="50000"/>
+              </a:schemeClr>
+            </a:lnRef>
+            <a:fillRef idx="1">
+              <a:schemeClr val="accent1"/>
+            </a:fillRef>
+            <a:effectRef idx="0">
+              <a:schemeClr val="accent1"/>
+            </a:effectRef>
+            <a:fontRef idx="minor">
+              <a:schemeClr val="lt1"/>
+            </a:fontRef>
+          </p:style>
+          <p:txBody>
+            <a:bodyPr rtlCol="0" anchor="ctr"/>
+            <a:lstStyle/>
+            <a:p>
+              <a:pPr algn="ctr"/>
+              <a:r>
+                <a:rPr lang="ko-KR" altLang="en-US" sz="600" dirty="0" err="1" smtClean="0"/>
+                <a:t>로그인정보</a:t>
+              </a:r>
+              <a:endParaRPr lang="ko-KR" altLang="en-US" sz="600" dirty="0"/>
+            </a:p>
+          </p:txBody>
+        </p:sp>
       </p:grpSp>
       <p:sp>
         <p:nvSpPr>
@@ -31174,14 +31810,14 @@
       </p:sp>
       <p:sp>
         <p:nvSpPr>
-          <p:cNvPr id="40" name="직사각형 39"/>
+          <p:cNvPr id="2" name="직사각형 1"/>
           <p:cNvSpPr/>
           <p:nvPr/>
         </p:nvSpPr>
         <p:spPr>
           <a:xfrm>
-            <a:off x="2208450" y="1988840"/>
-            <a:ext cx="4608512" cy="3384376"/>
+            <a:off x="1475656" y="1124744"/>
+            <a:ext cx="1728192" cy="216024"/>
           </a:xfrm>
           <a:prstGeom prst="rect">
             <a:avLst/>
@@ -31208,20 +31844,24 @@
           <a:lstStyle/>
           <a:p>
             <a:pPr algn="ctr"/>
+            <a:r>
+              <a:rPr lang="ko-KR" altLang="en-US" dirty="0" smtClean="0"/>
+              <a:t>미확인 주문</a:t>
+            </a:r>
             <a:endParaRPr lang="ko-KR" altLang="en-US" dirty="0"/>
           </a:p>
         </p:txBody>
       </p:sp>
       <p:sp>
         <p:nvSpPr>
-          <p:cNvPr id="41" name="직사각형 40"/>
+          <p:cNvPr id="3" name="직사각형 2"/>
           <p:cNvSpPr/>
           <p:nvPr/>
         </p:nvSpPr>
         <p:spPr>
           <a:xfrm>
-            <a:off x="2208450" y="5517232"/>
-            <a:ext cx="4608512" cy="504056"/>
+            <a:off x="1475656" y="1484784"/>
+            <a:ext cx="6192688" cy="792088"/>
           </a:xfrm>
           <a:prstGeom prst="rect">
             <a:avLst/>
@@ -31250,157 +31890,23 @@
             <a:pPr algn="ctr"/>
             <a:r>
               <a:rPr lang="ko-KR" altLang="en-US" dirty="0" smtClean="0"/>
-              <a:t>등록</a:t>
-            </a:r>
-            <a:endParaRPr lang="ko-KR" altLang="en-US" dirty="0"/>
-          </a:p>
-        </p:txBody>
-      </p:sp>
-      <p:sp>
-        <p:nvSpPr>
-          <p:cNvPr id="42" name="직사각형 41"/>
-          <p:cNvSpPr/>
-          <p:nvPr/>
-        </p:nvSpPr>
-        <p:spPr>
-          <a:xfrm>
-            <a:off x="2411760" y="2204864"/>
-            <a:ext cx="1440160" cy="360040"/>
-          </a:xfrm>
-          <a:prstGeom prst="rect">
-            <a:avLst/>
-          </a:prstGeom>
-          <a:solidFill>
-            <a:schemeClr val="accent1">
-              <a:lumMod val="40000"/>
-              <a:lumOff val="60000"/>
-            </a:schemeClr>
-          </a:solidFill>
-        </p:spPr>
-        <p:style>
-          <a:lnRef idx="2">
-            <a:schemeClr val="accent1">
-              <a:shade val="50000"/>
-            </a:schemeClr>
-          </a:lnRef>
-          <a:fillRef idx="1">
-            <a:schemeClr val="accent1"/>
-          </a:fillRef>
-          <a:effectRef idx="0">
-            <a:schemeClr val="accent1"/>
-          </a:effectRef>
-          <a:fontRef idx="minor">
-            <a:schemeClr val="lt1"/>
-          </a:fontRef>
-        </p:style>
-        <p:txBody>
-          <a:bodyPr rtlCol="0" anchor="ctr"/>
-          <a:lstStyle/>
-          <a:p>
-            <a:pPr algn="ctr"/>
+              <a:t>오래된 미확인 주문 </a:t>
+            </a:r>
+            <a:r>
+              <a:rPr lang="en-US" altLang="ko-KR" dirty="0" smtClean="0"/>
+              <a:t>/ </a:t>
+            </a:r>
             <a:r>
               <a:rPr lang="ko-KR" altLang="en-US" dirty="0" smtClean="0"/>
-              <a:t>제품명</a:t>
-            </a:r>
-            <a:endParaRPr lang="ko-KR" altLang="en-US" dirty="0"/>
-          </a:p>
-        </p:txBody>
-      </p:sp>
-      <p:sp>
-        <p:nvSpPr>
-          <p:cNvPr id="43" name="직사각형 42"/>
-          <p:cNvSpPr/>
-          <p:nvPr/>
-        </p:nvSpPr>
-        <p:spPr>
-          <a:xfrm>
-            <a:off x="2411760" y="2708920"/>
-            <a:ext cx="1008112" cy="360040"/>
-          </a:xfrm>
-          <a:prstGeom prst="rect">
-            <a:avLst/>
-          </a:prstGeom>
-          <a:solidFill>
-            <a:schemeClr val="accent1">
-              <a:lumMod val="40000"/>
-              <a:lumOff val="60000"/>
-            </a:schemeClr>
-          </a:solidFill>
-        </p:spPr>
-        <p:style>
-          <a:lnRef idx="2">
-            <a:schemeClr val="accent1">
-              <a:shade val="50000"/>
-            </a:schemeClr>
-          </a:lnRef>
-          <a:fillRef idx="1">
-            <a:schemeClr val="accent1"/>
-          </a:fillRef>
-          <a:effectRef idx="0">
-            <a:schemeClr val="accent1"/>
-          </a:effectRef>
-          <a:fontRef idx="minor">
-            <a:schemeClr val="lt1"/>
-          </a:fontRef>
-        </p:style>
-        <p:txBody>
-          <a:bodyPr rtlCol="0" anchor="ctr"/>
-          <a:lstStyle/>
-          <a:p>
-            <a:pPr algn="ctr"/>
+              <a:t>미처리된 주문 </a:t>
+            </a:r>
+            <a:r>
+              <a:rPr lang="ko-KR" altLang="en-US" dirty="0"/>
+              <a:t>개</a:t>
+            </a:r>
             <a:r>
               <a:rPr lang="ko-KR" altLang="en-US" dirty="0" smtClean="0"/>
-              <a:t>가격</a:t>
-            </a:r>
-            <a:endParaRPr lang="ko-KR" altLang="en-US" dirty="0"/>
-          </a:p>
-        </p:txBody>
-      </p:sp>
-      <p:sp>
-        <p:nvSpPr>
-          <p:cNvPr id="44" name="직사각형 43"/>
-          <p:cNvSpPr/>
-          <p:nvPr/>
-        </p:nvSpPr>
-        <p:spPr>
-          <a:xfrm>
-            <a:off x="3558346" y="2708920"/>
-            <a:ext cx="1152128" cy="360040"/>
-          </a:xfrm>
-          <a:prstGeom prst="rect">
-            <a:avLst/>
-          </a:prstGeom>
-          <a:solidFill>
-            <a:schemeClr val="accent1">
-              <a:lumMod val="40000"/>
-              <a:lumOff val="60000"/>
-            </a:schemeClr>
-          </a:solidFill>
-        </p:spPr>
-        <p:style>
-          <a:lnRef idx="2">
-            <a:schemeClr val="accent1">
-              <a:shade val="50000"/>
-            </a:schemeClr>
-          </a:lnRef>
-          <a:fillRef idx="1">
-            <a:schemeClr val="accent1"/>
-          </a:fillRef>
-          <a:effectRef idx="0">
-            <a:schemeClr val="accent1"/>
-          </a:effectRef>
-          <a:fontRef idx="minor">
-            <a:schemeClr val="lt1"/>
-          </a:fontRef>
-        </p:style>
-        <p:txBody>
-          <a:bodyPr rtlCol="0" anchor="ctr"/>
-          <a:lstStyle/>
-          <a:p>
-            <a:pPr algn="ctr"/>
-            <a:r>
-              <a:rPr lang="ko-KR" altLang="en-US" dirty="0" smtClean="0"/>
-              <a:t>적립금</a:t>
+              <a:t>수</a:t>
             </a:r>
             <a:endParaRPr lang="ko-KR" altLang="en-US" dirty="0"/>
           </a:p>
@@ -31414,382 +31920,8 @@
         </p:nvSpPr>
         <p:spPr>
           <a:xfrm>
-            <a:off x="2420110" y="3645024"/>
-            <a:ext cx="2295906" cy="360040"/>
-          </a:xfrm>
-          <a:prstGeom prst="rect">
-            <a:avLst/>
-          </a:prstGeom>
-          <a:solidFill>
-            <a:schemeClr val="accent1">
-              <a:lumMod val="40000"/>
-              <a:lumOff val="60000"/>
-            </a:schemeClr>
-          </a:solidFill>
-        </p:spPr>
-        <p:style>
-          <a:lnRef idx="2">
-            <a:schemeClr val="accent1">
-              <a:shade val="50000"/>
-            </a:schemeClr>
-          </a:lnRef>
-          <a:fillRef idx="1">
-            <a:schemeClr val="accent1"/>
-          </a:fillRef>
-          <a:effectRef idx="0">
-            <a:schemeClr val="accent1"/>
-          </a:effectRef>
-          <a:fontRef idx="minor">
-            <a:schemeClr val="lt1"/>
-          </a:fontRef>
-        </p:style>
-        <p:txBody>
-          <a:bodyPr rtlCol="0" anchor="ctr"/>
-          <a:lstStyle/>
-          <a:p>
-            <a:pPr algn="ctr"/>
-            <a:r>
-              <a:rPr lang="ko-KR" altLang="en-US" dirty="0" smtClean="0"/>
-              <a:t>제품설명 이미지</a:t>
-            </a:r>
-            <a:endParaRPr lang="ko-KR" altLang="en-US" dirty="0"/>
-          </a:p>
-        </p:txBody>
-      </p:sp>
-      <p:sp>
-        <p:nvSpPr>
-          <p:cNvPr id="46" name="직사각형 45"/>
-          <p:cNvSpPr/>
-          <p:nvPr/>
-        </p:nvSpPr>
-        <p:spPr>
-          <a:xfrm>
-            <a:off x="5004048" y="2243006"/>
-            <a:ext cx="1474026" cy="1474026"/>
-          </a:xfrm>
-          <a:prstGeom prst="rect">
-            <a:avLst/>
-          </a:prstGeom>
-          <a:solidFill>
-            <a:schemeClr val="accent1">
-              <a:lumMod val="40000"/>
-              <a:lumOff val="60000"/>
-            </a:schemeClr>
-          </a:solidFill>
-        </p:spPr>
-        <p:style>
-          <a:lnRef idx="2">
-            <a:schemeClr val="accent1">
-              <a:shade val="50000"/>
-            </a:schemeClr>
-          </a:lnRef>
-          <a:fillRef idx="1">
-            <a:schemeClr val="accent1"/>
-          </a:fillRef>
-          <a:effectRef idx="0">
-            <a:schemeClr val="accent1"/>
-          </a:effectRef>
-          <a:fontRef idx="minor">
-            <a:schemeClr val="lt1"/>
-          </a:fontRef>
-        </p:style>
-        <p:txBody>
-          <a:bodyPr rtlCol="0" anchor="ctr"/>
-          <a:lstStyle/>
-          <a:p>
-            <a:pPr algn="ctr"/>
-            <a:r>
-              <a:rPr lang="ko-KR" altLang="en-US" dirty="0" smtClean="0"/>
-              <a:t>제품</a:t>
-            </a:r>
-            <a:endParaRPr lang="en-US" altLang="ko-KR" dirty="0" smtClean="0"/>
-          </a:p>
-          <a:p>
-            <a:pPr algn="ctr"/>
-            <a:r>
-              <a:rPr lang="ko-KR" altLang="en-US" dirty="0" smtClean="0"/>
-              <a:t>이미지</a:t>
-            </a:r>
-            <a:endParaRPr lang="ko-KR" altLang="en-US" dirty="0"/>
-          </a:p>
-        </p:txBody>
-      </p:sp>
-      <p:sp>
-        <p:nvSpPr>
-          <p:cNvPr id="47" name="직사각형 46"/>
-          <p:cNvSpPr/>
-          <p:nvPr/>
-        </p:nvSpPr>
-        <p:spPr>
-          <a:xfrm>
-            <a:off x="2420110" y="3172251"/>
-            <a:ext cx="2290364" cy="360040"/>
-          </a:xfrm>
-          <a:prstGeom prst="rect">
-            <a:avLst/>
-          </a:prstGeom>
-          <a:solidFill>
-            <a:schemeClr val="accent1">
-              <a:lumMod val="40000"/>
-              <a:lumOff val="60000"/>
-            </a:schemeClr>
-          </a:solidFill>
-        </p:spPr>
-        <p:style>
-          <a:lnRef idx="2">
-            <a:schemeClr val="accent1">
-              <a:shade val="50000"/>
-            </a:schemeClr>
-          </a:lnRef>
-          <a:fillRef idx="1">
-            <a:schemeClr val="accent1"/>
-          </a:fillRef>
-          <a:effectRef idx="0">
-            <a:schemeClr val="accent1"/>
-          </a:effectRef>
-          <a:fontRef idx="minor">
-            <a:schemeClr val="lt1"/>
-          </a:fontRef>
-        </p:style>
-        <p:txBody>
-          <a:bodyPr rtlCol="0" anchor="ctr"/>
-          <a:lstStyle/>
-          <a:p>
-            <a:pPr algn="ctr"/>
-            <a:r>
-              <a:rPr lang="ko-KR" altLang="en-US" dirty="0" smtClean="0"/>
-              <a:t>타입</a:t>
-            </a:r>
-            <a:endParaRPr lang="ko-KR" altLang="en-US" dirty="0"/>
-          </a:p>
-        </p:txBody>
-      </p:sp>
-      <p:sp>
-        <p:nvSpPr>
-          <p:cNvPr id="48" name="직사각형 47"/>
-          <p:cNvSpPr/>
-          <p:nvPr/>
-        </p:nvSpPr>
-        <p:spPr>
-          <a:xfrm>
-            <a:off x="2411760" y="4221088"/>
-            <a:ext cx="1008112" cy="360040"/>
-          </a:xfrm>
-          <a:prstGeom prst="rect">
-            <a:avLst/>
-          </a:prstGeom>
-          <a:solidFill>
-            <a:schemeClr val="accent1">
-              <a:lumMod val="40000"/>
-              <a:lumOff val="60000"/>
-            </a:schemeClr>
-          </a:solidFill>
-        </p:spPr>
-        <p:style>
-          <a:lnRef idx="2">
-            <a:schemeClr val="accent1">
-              <a:shade val="50000"/>
-            </a:schemeClr>
-          </a:lnRef>
-          <a:fillRef idx="1">
-            <a:schemeClr val="accent1"/>
-          </a:fillRef>
-          <a:effectRef idx="0">
-            <a:schemeClr val="accent1"/>
-          </a:effectRef>
-          <a:fontRef idx="minor">
-            <a:schemeClr val="lt1"/>
-          </a:fontRef>
-        </p:style>
-        <p:txBody>
-          <a:bodyPr rtlCol="0" anchor="ctr"/>
-          <a:lstStyle/>
-          <a:p>
-            <a:pPr algn="ctr"/>
-            <a:r>
-              <a:rPr lang="ko-KR" altLang="en-US" dirty="0" smtClean="0"/>
-              <a:t>색상</a:t>
-            </a:r>
-            <a:r>
-              <a:rPr lang="en-US" altLang="ko-KR" dirty="0" smtClean="0"/>
-              <a:t>1</a:t>
-            </a:r>
-            <a:endParaRPr lang="ko-KR" altLang="en-US" dirty="0"/>
-          </a:p>
-        </p:txBody>
-      </p:sp>
-      <p:sp>
-        <p:nvSpPr>
-          <p:cNvPr id="49" name="직사각형 48"/>
-          <p:cNvSpPr/>
-          <p:nvPr/>
-        </p:nvSpPr>
-        <p:spPr>
-          <a:xfrm>
-            <a:off x="3558346" y="4221088"/>
-            <a:ext cx="1152128" cy="360040"/>
-          </a:xfrm>
-          <a:prstGeom prst="rect">
-            <a:avLst/>
-          </a:prstGeom>
-          <a:solidFill>
-            <a:schemeClr val="accent1">
-              <a:lumMod val="40000"/>
-              <a:lumOff val="60000"/>
-            </a:schemeClr>
-          </a:solidFill>
-        </p:spPr>
-        <p:style>
-          <a:lnRef idx="2">
-            <a:schemeClr val="accent1">
-              <a:shade val="50000"/>
-            </a:schemeClr>
-          </a:lnRef>
-          <a:fillRef idx="1">
-            <a:schemeClr val="accent1"/>
-          </a:fillRef>
-          <a:effectRef idx="0">
-            <a:schemeClr val="accent1"/>
-          </a:effectRef>
-          <a:fontRef idx="minor">
-            <a:schemeClr val="lt1"/>
-          </a:fontRef>
-        </p:style>
-        <p:txBody>
-          <a:bodyPr rtlCol="0" anchor="ctr"/>
-          <a:lstStyle/>
-          <a:p>
-            <a:pPr algn="ctr"/>
-            <a:r>
-              <a:rPr lang="ko-KR" altLang="en-US" dirty="0" smtClean="0"/>
-              <a:t>재고량</a:t>
-            </a:r>
-            <a:r>
-              <a:rPr lang="en-US" altLang="ko-KR" dirty="0" smtClean="0"/>
-              <a:t>1</a:t>
-            </a:r>
-            <a:endParaRPr lang="ko-KR" altLang="en-US" dirty="0"/>
-          </a:p>
-        </p:txBody>
-      </p:sp>
-      <p:sp>
-        <p:nvSpPr>
-          <p:cNvPr id="50" name="직사각형 49"/>
-          <p:cNvSpPr/>
-          <p:nvPr/>
-        </p:nvSpPr>
-        <p:spPr>
-          <a:xfrm>
-            <a:off x="2411760" y="4725144"/>
-            <a:ext cx="1008112" cy="360040"/>
-          </a:xfrm>
-          <a:prstGeom prst="rect">
-            <a:avLst/>
-          </a:prstGeom>
-          <a:solidFill>
-            <a:schemeClr val="accent1">
-              <a:lumMod val="40000"/>
-              <a:lumOff val="60000"/>
-            </a:schemeClr>
-          </a:solidFill>
-        </p:spPr>
-        <p:style>
-          <a:lnRef idx="2">
-            <a:schemeClr val="accent1">
-              <a:shade val="50000"/>
-            </a:schemeClr>
-          </a:lnRef>
-          <a:fillRef idx="1">
-            <a:schemeClr val="accent1"/>
-          </a:fillRef>
-          <a:effectRef idx="0">
-            <a:schemeClr val="accent1"/>
-          </a:effectRef>
-          <a:fontRef idx="minor">
-            <a:schemeClr val="lt1"/>
-          </a:fontRef>
-        </p:style>
-        <p:txBody>
-          <a:bodyPr rtlCol="0" anchor="ctr"/>
-          <a:lstStyle/>
-          <a:p>
-            <a:pPr algn="ctr"/>
-            <a:r>
-              <a:rPr lang="ko-KR" altLang="en-US" dirty="0" smtClean="0"/>
-              <a:t>색상</a:t>
-            </a:r>
-            <a:r>
-              <a:rPr lang="en-US" altLang="ko-KR" dirty="0"/>
-              <a:t>2</a:t>
-            </a:r>
-            <a:endParaRPr lang="ko-KR" altLang="en-US" dirty="0"/>
-          </a:p>
-        </p:txBody>
-      </p:sp>
-      <p:sp>
-        <p:nvSpPr>
-          <p:cNvPr id="51" name="직사각형 50"/>
-          <p:cNvSpPr/>
-          <p:nvPr/>
-        </p:nvSpPr>
-        <p:spPr>
-          <a:xfrm>
-            <a:off x="3558346" y="4725144"/>
-            <a:ext cx="1152128" cy="360040"/>
-          </a:xfrm>
-          <a:prstGeom prst="rect">
-            <a:avLst/>
-          </a:prstGeom>
-          <a:solidFill>
-            <a:schemeClr val="accent1">
-              <a:lumMod val="40000"/>
-              <a:lumOff val="60000"/>
-            </a:schemeClr>
-          </a:solidFill>
-        </p:spPr>
-        <p:style>
-          <a:lnRef idx="2">
-            <a:schemeClr val="accent1">
-              <a:shade val="50000"/>
-            </a:schemeClr>
-          </a:lnRef>
-          <a:fillRef idx="1">
-            <a:schemeClr val="accent1"/>
-          </a:fillRef>
-          <a:effectRef idx="0">
-            <a:schemeClr val="accent1"/>
-          </a:effectRef>
-          <a:fontRef idx="minor">
-            <a:schemeClr val="lt1"/>
-          </a:fontRef>
-        </p:style>
-        <p:txBody>
-          <a:bodyPr rtlCol="0" anchor="ctr"/>
-          <a:lstStyle/>
-          <a:p>
-            <a:pPr algn="ctr"/>
-            <a:r>
-              <a:rPr lang="ko-KR" altLang="en-US" dirty="0" smtClean="0"/>
-              <a:t>재고량</a:t>
-            </a:r>
-            <a:r>
-              <a:rPr lang="en-US" altLang="ko-KR" dirty="0" smtClean="0"/>
-              <a:t>2</a:t>
-            </a:r>
-            <a:endParaRPr lang="ko-KR" altLang="en-US" dirty="0"/>
-          </a:p>
-        </p:txBody>
-      </p:sp>
-      <p:sp>
-        <p:nvSpPr>
-          <p:cNvPr id="52" name="직사각형 51"/>
-          <p:cNvSpPr/>
-          <p:nvPr/>
-        </p:nvSpPr>
-        <p:spPr>
-          <a:xfrm>
-            <a:off x="3140190" y="83164"/>
-            <a:ext cx="639722" cy="166328"/>
+            <a:off x="1475656" y="2420888"/>
+            <a:ext cx="1728192" cy="216024"/>
           </a:xfrm>
           <a:prstGeom prst="rect">
             <a:avLst/>
@@ -31817,23 +31949,27 @@
           <a:p>
             <a:pPr algn="ctr"/>
             <a:r>
-              <a:rPr lang="ko-KR" altLang="en-US" sz="800" dirty="0" smtClean="0"/>
-              <a:t>로그아웃</a:t>
-            </a:r>
-            <a:endParaRPr lang="ko-KR" altLang="en-US" sz="800" dirty="0"/>
-          </a:p>
-        </p:txBody>
-      </p:sp>
-      <p:sp>
-        <p:nvSpPr>
-          <p:cNvPr id="53" name="직사각형 52"/>
+              <a:rPr lang="ko-KR" altLang="en-US" dirty="0"/>
+              <a:t>미확인 반</a:t>
+            </a:r>
+            <a:r>
+              <a:rPr lang="ko-KR" altLang="en-US" dirty="0" smtClean="0"/>
+              <a:t>품</a:t>
+            </a:r>
+            <a:endParaRPr lang="ko-KR" altLang="en-US" dirty="0"/>
+          </a:p>
+        </p:txBody>
+      </p:sp>
+      <p:sp>
+        <p:nvSpPr>
+          <p:cNvPr id="46" name="직사각형 45"/>
           <p:cNvSpPr/>
           <p:nvPr/>
         </p:nvSpPr>
         <p:spPr>
           <a:xfrm>
-            <a:off x="7092280" y="83164"/>
-            <a:ext cx="720080" cy="166328"/>
+            <a:off x="1475656" y="2780928"/>
+            <a:ext cx="6192688" cy="792088"/>
           </a:xfrm>
           <a:prstGeom prst="rect">
             <a:avLst/>
@@ -31861,23 +31997,39 @@
           <a:p>
             <a:pPr algn="ctr"/>
             <a:r>
-              <a:rPr lang="ko-KR" altLang="en-US" sz="800" dirty="0" err="1" smtClean="0"/>
-              <a:t>마이페이지</a:t>
-            </a:r>
-            <a:endParaRPr lang="ko-KR" altLang="en-US" sz="800" dirty="0"/>
-          </a:p>
-        </p:txBody>
-      </p:sp>
-      <p:sp>
-        <p:nvSpPr>
-          <p:cNvPr id="54" name="직사각형 53"/>
+              <a:rPr lang="ko-KR" altLang="en-US" dirty="0" smtClean="0"/>
+              <a:t>오래된 미확인 반품 </a:t>
+            </a:r>
+            <a:r>
+              <a:rPr lang="en-US" altLang="ko-KR" dirty="0" smtClean="0"/>
+              <a:t>/ </a:t>
+            </a:r>
+            <a:r>
+              <a:rPr lang="ko-KR" altLang="en-US" dirty="0" smtClean="0"/>
+              <a:t>미확인 반품 </a:t>
+            </a:r>
+            <a:r>
+              <a:rPr lang="ko-KR" altLang="en-US" dirty="0"/>
+              <a:t>개</a:t>
+            </a:r>
+            <a:r>
+              <a:rPr lang="ko-KR" altLang="en-US" dirty="0" smtClean="0"/>
+              <a:t>수</a:t>
+            </a:r>
+            <a:endParaRPr lang="ko-KR" altLang="en-US" dirty="0"/>
+          </a:p>
+        </p:txBody>
+      </p:sp>
+      <p:sp>
+        <p:nvSpPr>
+          <p:cNvPr id="47" name="직사각형 46"/>
           <p:cNvSpPr/>
           <p:nvPr/>
         </p:nvSpPr>
         <p:spPr>
           <a:xfrm>
-            <a:off x="6372200" y="83164"/>
-            <a:ext cx="648072" cy="166328"/>
+            <a:off x="1475656" y="3789040"/>
+            <a:ext cx="1728192" cy="216024"/>
           </a:xfrm>
           <a:prstGeom prst="rect">
             <a:avLst/>
@@ -31905,23 +32057,27 @@
           <a:p>
             <a:pPr algn="ctr"/>
             <a:r>
-              <a:rPr lang="ko-KR" altLang="en-US" sz="800" dirty="0" smtClean="0"/>
-              <a:t>상품관리</a:t>
-            </a:r>
-            <a:endParaRPr lang="ko-KR" altLang="en-US" sz="800" dirty="0"/>
-          </a:p>
-        </p:txBody>
-      </p:sp>
-      <p:sp>
-        <p:nvSpPr>
-          <p:cNvPr id="55" name="직사각형 54"/>
+              <a:rPr lang="ko-KR" altLang="en-US" dirty="0"/>
+              <a:t>미확인 </a:t>
+            </a:r>
+            <a:r>
+              <a:rPr lang="en-US" altLang="ko-KR" dirty="0" smtClean="0"/>
+              <a:t>A/S</a:t>
+            </a:r>
+            <a:endParaRPr lang="ko-KR" altLang="en-US" dirty="0"/>
+          </a:p>
+        </p:txBody>
+      </p:sp>
+      <p:sp>
+        <p:nvSpPr>
+          <p:cNvPr id="48" name="직사각형 47"/>
           <p:cNvSpPr/>
           <p:nvPr/>
         </p:nvSpPr>
         <p:spPr>
           <a:xfrm>
-            <a:off x="5114198" y="83164"/>
-            <a:ext cx="393906" cy="166328"/>
+            <a:off x="1475656" y="4149080"/>
+            <a:ext cx="6192688" cy="792088"/>
           </a:xfrm>
           <a:prstGeom prst="rect">
             <a:avLst/>
@@ -31949,287 +32105,24 @@
           <a:p>
             <a:pPr algn="ctr"/>
             <a:r>
-              <a:rPr lang="ko-KR" altLang="en-US" sz="800" dirty="0" smtClean="0"/>
-              <a:t>리뷰</a:t>
-            </a:r>
-            <a:endParaRPr lang="ko-KR" altLang="en-US" sz="800" dirty="0"/>
-          </a:p>
-        </p:txBody>
-      </p:sp>
-      <p:sp>
-        <p:nvSpPr>
-          <p:cNvPr id="56" name="직사각형 55"/>
-          <p:cNvSpPr/>
-          <p:nvPr/>
-        </p:nvSpPr>
-        <p:spPr>
-          <a:xfrm>
-            <a:off x="4572000" y="83164"/>
-            <a:ext cx="465914" cy="166328"/>
-          </a:xfrm>
-          <a:prstGeom prst="rect">
-            <a:avLst/>
-          </a:prstGeom>
-        </p:spPr>
-        <p:style>
-          <a:lnRef idx="2">
-            <a:schemeClr val="accent1">
-              <a:shade val="50000"/>
-            </a:schemeClr>
-          </a:lnRef>
-          <a:fillRef idx="1">
-            <a:schemeClr val="accent1"/>
-          </a:fillRef>
-          <a:effectRef idx="0">
-            <a:schemeClr val="accent1"/>
-          </a:effectRef>
-          <a:fontRef idx="minor">
-            <a:schemeClr val="lt1"/>
-          </a:fontRef>
-        </p:style>
-        <p:txBody>
-          <a:bodyPr rtlCol="0" anchor="ctr"/>
-          <a:lstStyle/>
-          <a:p>
-            <a:pPr algn="ctr"/>
-            <a:r>
-              <a:rPr lang="en-US" altLang="ko-KR" sz="800" dirty="0" smtClean="0"/>
-              <a:t>Q&amp;A</a:t>
-            </a:r>
-            <a:endParaRPr lang="ko-KR" altLang="en-US" sz="800" dirty="0"/>
-          </a:p>
-        </p:txBody>
-      </p:sp>
-      <p:sp>
-        <p:nvSpPr>
-          <p:cNvPr id="57" name="직사각형 56"/>
-          <p:cNvSpPr/>
-          <p:nvPr/>
-        </p:nvSpPr>
-        <p:spPr>
-          <a:xfrm>
-            <a:off x="3890062" y="83164"/>
-            <a:ext cx="609930" cy="166328"/>
-          </a:xfrm>
-          <a:prstGeom prst="rect">
-            <a:avLst/>
-          </a:prstGeom>
-        </p:spPr>
-        <p:style>
-          <a:lnRef idx="2">
-            <a:schemeClr val="accent1">
-              <a:shade val="50000"/>
-            </a:schemeClr>
-          </a:lnRef>
-          <a:fillRef idx="1">
-            <a:schemeClr val="accent1"/>
-          </a:fillRef>
-          <a:effectRef idx="0">
-            <a:schemeClr val="accent1"/>
-          </a:effectRef>
-          <a:fontRef idx="minor">
-            <a:schemeClr val="lt1"/>
-          </a:fontRef>
-        </p:style>
-        <p:txBody>
-          <a:bodyPr rtlCol="0" anchor="ctr"/>
-          <a:lstStyle/>
-          <a:p>
-            <a:pPr algn="ctr"/>
-            <a:r>
-              <a:rPr lang="ko-KR" altLang="en-US" sz="800" dirty="0" smtClean="0"/>
-              <a:t>공지사</a:t>
-            </a:r>
-            <a:r>
-              <a:rPr lang="ko-KR" altLang="en-US" sz="800" dirty="0"/>
-              <a:t>항</a:t>
-            </a:r>
-          </a:p>
-        </p:txBody>
-      </p:sp>
-      <p:sp>
-        <p:nvSpPr>
-          <p:cNvPr id="58" name="직사각형 57"/>
-          <p:cNvSpPr/>
-          <p:nvPr/>
-        </p:nvSpPr>
-        <p:spPr>
-          <a:xfrm>
-            <a:off x="5580112" y="83164"/>
-            <a:ext cx="720080" cy="166328"/>
-          </a:xfrm>
-          <a:prstGeom prst="rect">
-            <a:avLst/>
-          </a:prstGeom>
-        </p:spPr>
-        <p:style>
-          <a:lnRef idx="2">
-            <a:schemeClr val="accent1">
-              <a:shade val="50000"/>
-            </a:schemeClr>
-          </a:lnRef>
-          <a:fillRef idx="1">
-            <a:schemeClr val="accent1"/>
-          </a:fillRef>
-          <a:effectRef idx="0">
-            <a:schemeClr val="accent1"/>
-          </a:effectRef>
-          <a:fontRef idx="minor">
-            <a:schemeClr val="lt1"/>
-          </a:fontRef>
-        </p:style>
-        <p:txBody>
-          <a:bodyPr rtlCol="0" anchor="ctr"/>
-          <a:lstStyle/>
-          <a:p>
-            <a:pPr algn="ctr"/>
-            <a:r>
-              <a:rPr lang="ko-KR" altLang="en-US" sz="800" dirty="0" smtClean="0"/>
-              <a:t>게시판관리</a:t>
-            </a:r>
-            <a:endParaRPr lang="ko-KR" altLang="en-US" sz="800" dirty="0"/>
-          </a:p>
-        </p:txBody>
-      </p:sp>
-      <p:sp>
-        <p:nvSpPr>
-          <p:cNvPr id="59" name="직사각형 58"/>
-          <p:cNvSpPr/>
-          <p:nvPr/>
-        </p:nvSpPr>
-        <p:spPr>
-          <a:xfrm>
-            <a:off x="2374709" y="83164"/>
-            <a:ext cx="613115" cy="166328"/>
-          </a:xfrm>
-          <a:prstGeom prst="rect">
-            <a:avLst/>
-          </a:prstGeom>
-        </p:spPr>
-        <p:style>
-          <a:lnRef idx="2">
-            <a:schemeClr val="accent1">
-              <a:shade val="50000"/>
-            </a:schemeClr>
-          </a:lnRef>
-          <a:fillRef idx="1">
-            <a:schemeClr val="accent1"/>
-          </a:fillRef>
-          <a:effectRef idx="0">
-            <a:schemeClr val="accent1"/>
-          </a:effectRef>
-          <a:fontRef idx="minor">
-            <a:schemeClr val="lt1"/>
-          </a:fontRef>
-        </p:style>
-        <p:txBody>
-          <a:bodyPr rtlCol="0" anchor="ctr"/>
-          <a:lstStyle/>
-          <a:p>
-            <a:pPr algn="ctr"/>
-            <a:r>
-              <a:rPr lang="ko-KR" altLang="en-US" sz="600" dirty="0" err="1" smtClean="0"/>
-              <a:t>로그인정보</a:t>
-            </a:r>
-            <a:endParaRPr lang="ko-KR" altLang="en-US" sz="600" dirty="0"/>
-          </a:p>
-        </p:txBody>
-      </p:sp>
-      <p:sp>
-        <p:nvSpPr>
-          <p:cNvPr id="38" name="직사각형 37"/>
-          <p:cNvSpPr/>
-          <p:nvPr/>
-        </p:nvSpPr>
-        <p:spPr>
-          <a:xfrm>
-            <a:off x="4860032" y="4221088"/>
-            <a:ext cx="360040" cy="360040"/>
-          </a:xfrm>
-          <a:prstGeom prst="rect">
-            <a:avLst/>
-          </a:prstGeom>
-          <a:solidFill>
-            <a:schemeClr val="tx2">
-              <a:lumMod val="40000"/>
-              <a:lumOff val="60000"/>
-            </a:schemeClr>
-          </a:solidFill>
-        </p:spPr>
-        <p:style>
-          <a:lnRef idx="2">
-            <a:schemeClr val="accent1">
-              <a:shade val="50000"/>
-            </a:schemeClr>
-          </a:lnRef>
-          <a:fillRef idx="1">
-            <a:schemeClr val="accent1"/>
-          </a:fillRef>
-          <a:effectRef idx="0">
-            <a:schemeClr val="accent1"/>
-          </a:effectRef>
-          <a:fontRef idx="minor">
-            <a:schemeClr val="lt1"/>
-          </a:fontRef>
-        </p:style>
-        <p:txBody>
-          <a:bodyPr rtlCol="0" anchor="ctr"/>
-          <a:lstStyle/>
-          <a:p>
-            <a:pPr algn="ctr"/>
+              <a:rPr lang="ko-KR" altLang="en-US" dirty="0" smtClean="0"/>
+              <a:t>오래된 미확인 </a:t>
+            </a:r>
             <a:r>
               <a:rPr lang="en-US" altLang="ko-KR" dirty="0" smtClean="0"/>
-              <a:t>X</a:t>
-            </a:r>
-            <a:endParaRPr lang="ko-KR" altLang="en-US" dirty="0"/>
-          </a:p>
-        </p:txBody>
-      </p:sp>
-      <p:sp>
-        <p:nvSpPr>
-          <p:cNvPr id="39" name="직사각형 38"/>
-          <p:cNvSpPr/>
-          <p:nvPr/>
-        </p:nvSpPr>
-        <p:spPr>
-          <a:xfrm>
-            <a:off x="4860032" y="4725144"/>
-            <a:ext cx="360040" cy="360040"/>
-          </a:xfrm>
-          <a:prstGeom prst="rect">
-            <a:avLst/>
-          </a:prstGeom>
-          <a:solidFill>
-            <a:schemeClr val="tx2">
-              <a:lumMod val="40000"/>
-              <a:lumOff val="60000"/>
-            </a:schemeClr>
-          </a:solidFill>
-        </p:spPr>
-        <p:style>
-          <a:lnRef idx="2">
-            <a:schemeClr val="accent1">
-              <a:shade val="50000"/>
-            </a:schemeClr>
-          </a:lnRef>
-          <a:fillRef idx="1">
-            <a:schemeClr val="accent1"/>
-          </a:fillRef>
-          <a:effectRef idx="0">
-            <a:schemeClr val="accent1"/>
-          </a:effectRef>
-          <a:fontRef idx="minor">
-            <a:schemeClr val="lt1"/>
-          </a:fontRef>
-        </p:style>
-        <p:txBody>
-          <a:bodyPr rtlCol="0" anchor="ctr"/>
-          <a:lstStyle/>
-          <a:p>
-            <a:pPr algn="ctr"/>
+              <a:t>A/S / </a:t>
+            </a:r>
+            <a:r>
+              <a:rPr lang="ko-KR" altLang="en-US" dirty="0" smtClean="0"/>
+              <a:t>미확인 </a:t>
+            </a:r>
             <a:r>
               <a:rPr lang="en-US" altLang="ko-KR" dirty="0" smtClean="0"/>
-              <a:t>X</a:t>
+              <a:t>A/S </a:t>
+            </a:r>
+            <a:r>
+              <a:rPr lang="ko-KR" altLang="en-US" dirty="0" smtClean="0"/>
+              <a:t>개수</a:t>
             </a:r>
             <a:endParaRPr lang="ko-KR" altLang="en-US" dirty="0"/>
           </a:p>
@@ -32237,7 +32130,7 @@
       </p:sp>
       <p:grpSp>
         <p:nvGrpSpPr>
-          <p:cNvPr id="66" name="그룹 65"/>
+          <p:cNvPr id="11" name="그룹 10"/>
           <p:cNvGrpSpPr/>
           <p:nvPr/>
         </p:nvGrpSpPr>
@@ -32251,7 +32144,7 @@
         </p:grpSpPr>
         <p:sp>
           <p:nvSpPr>
-            <p:cNvPr id="67" name="직사각형 66"/>
+            <p:cNvPr id="49" name="직사각형 48"/>
             <p:cNvSpPr/>
             <p:nvPr/>
           </p:nvSpPr>
@@ -32374,7 +32267,7 @@
         </p:sp>
         <p:sp>
           <p:nvSpPr>
-            <p:cNvPr id="68" name="직사각형 67"/>
+            <p:cNvPr id="50" name="직사각형 49"/>
             <p:cNvSpPr/>
             <p:nvPr/>
           </p:nvSpPr>
@@ -32423,10 +32316,118 @@
           </p:txBody>
         </p:sp>
       </p:grpSp>
+      <p:sp>
+        <p:nvSpPr>
+          <p:cNvPr id="32" name="직사각형 31"/>
+          <p:cNvSpPr/>
+          <p:nvPr/>
+        </p:nvSpPr>
+        <p:spPr>
+          <a:xfrm>
+            <a:off x="1475656" y="5042190"/>
+            <a:ext cx="1728192" cy="216024"/>
+          </a:xfrm>
+          <a:prstGeom prst="rect">
+            <a:avLst/>
+          </a:prstGeom>
+        </p:spPr>
+        <p:style>
+          <a:lnRef idx="2">
+            <a:schemeClr val="accent1">
+              <a:shade val="50000"/>
+            </a:schemeClr>
+          </a:lnRef>
+          <a:fillRef idx="1">
+            <a:schemeClr val="accent1"/>
+          </a:fillRef>
+          <a:effectRef idx="0">
+            <a:schemeClr val="accent1"/>
+          </a:effectRef>
+          <a:fontRef idx="minor">
+            <a:schemeClr val="lt1"/>
+          </a:fontRef>
+        </p:style>
+        <p:txBody>
+          <a:bodyPr rtlCol="0" anchor="ctr"/>
+          <a:lstStyle/>
+          <a:p>
+            <a:pPr algn="ctr"/>
+            <a:r>
+              <a:rPr lang="ko-KR" altLang="en-US" dirty="0"/>
+              <a:t>미확인 </a:t>
+            </a:r>
+            <a:r>
+              <a:rPr lang="en-US" altLang="ko-KR" dirty="0" smtClean="0"/>
+              <a:t>Q&amp;A</a:t>
+            </a:r>
+            <a:endParaRPr lang="ko-KR" altLang="en-US" dirty="0"/>
+          </a:p>
+        </p:txBody>
+      </p:sp>
+      <p:sp>
+        <p:nvSpPr>
+          <p:cNvPr id="33" name="직사각형 32"/>
+          <p:cNvSpPr/>
+          <p:nvPr/>
+        </p:nvSpPr>
+        <p:spPr>
+          <a:xfrm>
+            <a:off x="1475656" y="5402230"/>
+            <a:ext cx="6192688" cy="792088"/>
+          </a:xfrm>
+          <a:prstGeom prst="rect">
+            <a:avLst/>
+          </a:prstGeom>
+        </p:spPr>
+        <p:style>
+          <a:lnRef idx="2">
+            <a:schemeClr val="accent1">
+              <a:shade val="50000"/>
+            </a:schemeClr>
+          </a:lnRef>
+          <a:fillRef idx="1">
+            <a:schemeClr val="accent1"/>
+          </a:fillRef>
+          <a:effectRef idx="0">
+            <a:schemeClr val="accent1"/>
+          </a:effectRef>
+          <a:fontRef idx="minor">
+            <a:schemeClr val="lt1"/>
+          </a:fontRef>
+        </p:style>
+        <p:txBody>
+          <a:bodyPr rtlCol="0" anchor="ctr"/>
+          <a:lstStyle/>
+          <a:p>
+            <a:pPr algn="ctr"/>
+            <a:r>
+              <a:rPr lang="ko-KR" altLang="en-US" dirty="0" smtClean="0"/>
+              <a:t>오래된 미확인 </a:t>
+            </a:r>
+            <a:r>
+              <a:rPr lang="en-US" altLang="ko-KR" dirty="0" smtClean="0"/>
+              <a:t>Q&amp;A / </a:t>
+            </a:r>
+            <a:r>
+              <a:rPr lang="ko-KR" altLang="en-US" dirty="0" smtClean="0"/>
+              <a:t>미확인 </a:t>
+            </a:r>
+            <a:r>
+              <a:rPr lang="en-US" altLang="ko-KR" dirty="0" smtClean="0"/>
+              <a:t>Q&amp;A </a:t>
+            </a:r>
+            <a:r>
+              <a:rPr lang="ko-KR" altLang="en-US" dirty="0" smtClean="0"/>
+              <a:t>개수</a:t>
+            </a:r>
+            <a:endParaRPr lang="ko-KR" altLang="en-US" dirty="0"/>
+          </a:p>
+        </p:txBody>
+      </p:sp>
     </p:spTree>
     <p:extLst>
       <p:ext uri="{BB962C8B-B14F-4D97-AF65-F5344CB8AC3E}">
-        <p14:creationId xmlns:p14="http://schemas.microsoft.com/office/powerpoint/2010/main" val="2140322885"/>
+        <p14:creationId xmlns:p14="http://schemas.microsoft.com/office/powerpoint/2010/main" val="3849766990"/>
       </p:ext>
     </p:extLst>
   </p:cSld>
@@ -32562,16 +32563,8 @@
                     <a:schemeClr val="tx1"/>
                   </a:solidFill>
                 </a:rPr>
-                <a:t>공지사항</a:t>
-              </a:r>
-              <a:endParaRPr lang="en-US" altLang="ko-KR" dirty="0">
-                <a:solidFill>
-                  <a:schemeClr val="tx1"/>
-                </a:solidFill>
-              </a:endParaRPr>
-            </a:p>
-            <a:p>
-              <a:pPr algn="ctr"/>
+                <a:t>상품등록</a:t>
+              </a:r>
               <a:r>
                 <a:rPr lang="en-US" altLang="ko-KR" dirty="0" smtClean="0">
                   <a:solidFill>
@@ -32623,11 +32616,6 @@
                 </a:rPr>
                 <a:t>)</a:t>
               </a:r>
-              <a:endParaRPr lang="ko-KR" altLang="en-US" dirty="0">
-                <a:solidFill>
-                  <a:schemeClr val="tx1"/>
-                </a:solidFill>
-              </a:endParaRPr>
             </a:p>
           </p:txBody>
         </p:sp>
@@ -33037,14 +33025,14 @@
       </p:sp>
       <p:sp>
         <p:nvSpPr>
-          <p:cNvPr id="3" name="직사각형 2"/>
+          <p:cNvPr id="40" name="직사각형 39"/>
           <p:cNvSpPr/>
           <p:nvPr/>
         </p:nvSpPr>
         <p:spPr>
           <a:xfrm>
-            <a:off x="1835696" y="2132856"/>
-            <a:ext cx="5572000" cy="3168352"/>
+            <a:off x="2208450" y="1988840"/>
+            <a:ext cx="4608512" cy="3384376"/>
           </a:xfrm>
           <a:prstGeom prst="rect">
             <a:avLst/>
@@ -33071,24 +33059,20 @@
           <a:lstStyle/>
           <a:p>
             <a:pPr algn="ctr"/>
-            <a:r>
-              <a:rPr lang="ko-KR" altLang="en-US" dirty="0" smtClean="0"/>
-              <a:t>공지사항 테이블</a:t>
-            </a:r>
             <a:endParaRPr lang="ko-KR" altLang="en-US" dirty="0"/>
           </a:p>
         </p:txBody>
       </p:sp>
       <p:sp>
         <p:nvSpPr>
-          <p:cNvPr id="4" name="직사각형 3"/>
+          <p:cNvPr id="41" name="직사각형 40"/>
           <p:cNvSpPr/>
           <p:nvPr/>
         </p:nvSpPr>
         <p:spPr>
           <a:xfrm>
-            <a:off x="1835696" y="5445224"/>
-            <a:ext cx="1195158" cy="288032"/>
+            <a:off x="2208450" y="5517232"/>
+            <a:ext cx="4608512" cy="504056"/>
           </a:xfrm>
           <a:prstGeom prst="rect">
             <a:avLst/>
@@ -33115,28 +33099,32 @@
           <a:lstStyle/>
           <a:p>
             <a:pPr algn="ctr"/>
-            <a:endParaRPr lang="ko-KR" altLang="en-US"/>
-          </a:p>
-        </p:txBody>
-      </p:sp>
-      <p:sp>
-        <p:nvSpPr>
-          <p:cNvPr id="34" name="직사각형 33"/>
+            <a:r>
+              <a:rPr lang="ko-KR" altLang="en-US" dirty="0" smtClean="0"/>
+              <a:t>등록</a:t>
+            </a:r>
+            <a:endParaRPr lang="ko-KR" altLang="en-US" dirty="0"/>
+          </a:p>
+        </p:txBody>
+      </p:sp>
+      <p:sp>
+        <p:nvSpPr>
+          <p:cNvPr id="42" name="직사각형 41"/>
           <p:cNvSpPr/>
           <p:nvPr/>
         </p:nvSpPr>
         <p:spPr>
           <a:xfrm>
-            <a:off x="2742822" y="5445224"/>
-            <a:ext cx="288032" cy="288032"/>
+            <a:off x="2411760" y="2204864"/>
+            <a:ext cx="1440160" cy="360040"/>
           </a:xfrm>
           <a:prstGeom prst="rect">
             <a:avLst/>
           </a:prstGeom>
           <a:solidFill>
             <a:schemeClr val="accent1">
-              <a:lumMod val="60000"/>
-              <a:lumOff val="40000"/>
+              <a:lumMod val="40000"/>
+              <a:lumOff val="60000"/>
             </a:schemeClr>
           </a:solidFill>
         </p:spPr>
@@ -33161,20 +33149,498 @@
           <a:lstStyle/>
           <a:p>
             <a:pPr algn="ctr"/>
-            <a:endParaRPr lang="ko-KR" altLang="en-US"/>
-          </a:p>
-        </p:txBody>
-      </p:sp>
-      <p:sp>
-        <p:nvSpPr>
-          <p:cNvPr id="36" name="직사각형 35"/>
+            <a:r>
+              <a:rPr lang="ko-KR" altLang="en-US" dirty="0" smtClean="0"/>
+              <a:t>제품명</a:t>
+            </a:r>
+            <a:endParaRPr lang="ko-KR" altLang="en-US" dirty="0"/>
+          </a:p>
+        </p:txBody>
+      </p:sp>
+      <p:sp>
+        <p:nvSpPr>
+          <p:cNvPr id="43" name="직사각형 42"/>
           <p:cNvSpPr/>
           <p:nvPr/>
         </p:nvSpPr>
         <p:spPr>
           <a:xfrm>
-            <a:off x="6340420" y="5445224"/>
-            <a:ext cx="1082922" cy="288032"/>
+            <a:off x="2411760" y="2708920"/>
+            <a:ext cx="1008112" cy="360040"/>
+          </a:xfrm>
+          <a:prstGeom prst="rect">
+            <a:avLst/>
+          </a:prstGeom>
+          <a:solidFill>
+            <a:schemeClr val="accent1">
+              <a:lumMod val="40000"/>
+              <a:lumOff val="60000"/>
+            </a:schemeClr>
+          </a:solidFill>
+        </p:spPr>
+        <p:style>
+          <a:lnRef idx="2">
+            <a:schemeClr val="accent1">
+              <a:shade val="50000"/>
+            </a:schemeClr>
+          </a:lnRef>
+          <a:fillRef idx="1">
+            <a:schemeClr val="accent1"/>
+          </a:fillRef>
+          <a:effectRef idx="0">
+            <a:schemeClr val="accent1"/>
+          </a:effectRef>
+          <a:fontRef idx="minor">
+            <a:schemeClr val="lt1"/>
+          </a:fontRef>
+        </p:style>
+        <p:txBody>
+          <a:bodyPr rtlCol="0" anchor="ctr"/>
+          <a:lstStyle/>
+          <a:p>
+            <a:pPr algn="ctr"/>
+            <a:r>
+              <a:rPr lang="ko-KR" altLang="en-US" dirty="0" smtClean="0"/>
+              <a:t>가격</a:t>
+            </a:r>
+            <a:endParaRPr lang="ko-KR" altLang="en-US" dirty="0"/>
+          </a:p>
+        </p:txBody>
+      </p:sp>
+      <p:sp>
+        <p:nvSpPr>
+          <p:cNvPr id="44" name="직사각형 43"/>
+          <p:cNvSpPr/>
+          <p:nvPr/>
+        </p:nvSpPr>
+        <p:spPr>
+          <a:xfrm>
+            <a:off x="3558346" y="2708920"/>
+            <a:ext cx="1152128" cy="360040"/>
+          </a:xfrm>
+          <a:prstGeom prst="rect">
+            <a:avLst/>
+          </a:prstGeom>
+          <a:solidFill>
+            <a:schemeClr val="accent1">
+              <a:lumMod val="40000"/>
+              <a:lumOff val="60000"/>
+            </a:schemeClr>
+          </a:solidFill>
+        </p:spPr>
+        <p:style>
+          <a:lnRef idx="2">
+            <a:schemeClr val="accent1">
+              <a:shade val="50000"/>
+            </a:schemeClr>
+          </a:lnRef>
+          <a:fillRef idx="1">
+            <a:schemeClr val="accent1"/>
+          </a:fillRef>
+          <a:effectRef idx="0">
+            <a:schemeClr val="accent1"/>
+          </a:effectRef>
+          <a:fontRef idx="minor">
+            <a:schemeClr val="lt1"/>
+          </a:fontRef>
+        </p:style>
+        <p:txBody>
+          <a:bodyPr rtlCol="0" anchor="ctr"/>
+          <a:lstStyle/>
+          <a:p>
+            <a:pPr algn="ctr"/>
+            <a:r>
+              <a:rPr lang="ko-KR" altLang="en-US" dirty="0" smtClean="0"/>
+              <a:t>적립금</a:t>
+            </a:r>
+            <a:endParaRPr lang="ko-KR" altLang="en-US" dirty="0"/>
+          </a:p>
+        </p:txBody>
+      </p:sp>
+      <p:sp>
+        <p:nvSpPr>
+          <p:cNvPr id="45" name="직사각형 44"/>
+          <p:cNvSpPr/>
+          <p:nvPr/>
+        </p:nvSpPr>
+        <p:spPr>
+          <a:xfrm>
+            <a:off x="2420110" y="3645024"/>
+            <a:ext cx="2295906" cy="360040"/>
+          </a:xfrm>
+          <a:prstGeom prst="rect">
+            <a:avLst/>
+          </a:prstGeom>
+          <a:solidFill>
+            <a:schemeClr val="accent1">
+              <a:lumMod val="40000"/>
+              <a:lumOff val="60000"/>
+            </a:schemeClr>
+          </a:solidFill>
+        </p:spPr>
+        <p:style>
+          <a:lnRef idx="2">
+            <a:schemeClr val="accent1">
+              <a:shade val="50000"/>
+            </a:schemeClr>
+          </a:lnRef>
+          <a:fillRef idx="1">
+            <a:schemeClr val="accent1"/>
+          </a:fillRef>
+          <a:effectRef idx="0">
+            <a:schemeClr val="accent1"/>
+          </a:effectRef>
+          <a:fontRef idx="minor">
+            <a:schemeClr val="lt1"/>
+          </a:fontRef>
+        </p:style>
+        <p:txBody>
+          <a:bodyPr rtlCol="0" anchor="ctr"/>
+          <a:lstStyle/>
+          <a:p>
+            <a:pPr algn="ctr"/>
+            <a:r>
+              <a:rPr lang="ko-KR" altLang="en-US" dirty="0" smtClean="0"/>
+              <a:t>제품설명 이미지</a:t>
+            </a:r>
+            <a:endParaRPr lang="ko-KR" altLang="en-US" dirty="0"/>
+          </a:p>
+        </p:txBody>
+      </p:sp>
+      <p:sp>
+        <p:nvSpPr>
+          <p:cNvPr id="46" name="직사각형 45"/>
+          <p:cNvSpPr/>
+          <p:nvPr/>
+        </p:nvSpPr>
+        <p:spPr>
+          <a:xfrm>
+            <a:off x="5004048" y="2243006"/>
+            <a:ext cx="1474026" cy="1474026"/>
+          </a:xfrm>
+          <a:prstGeom prst="rect">
+            <a:avLst/>
+          </a:prstGeom>
+          <a:solidFill>
+            <a:schemeClr val="accent1">
+              <a:lumMod val="40000"/>
+              <a:lumOff val="60000"/>
+            </a:schemeClr>
+          </a:solidFill>
+        </p:spPr>
+        <p:style>
+          <a:lnRef idx="2">
+            <a:schemeClr val="accent1">
+              <a:shade val="50000"/>
+            </a:schemeClr>
+          </a:lnRef>
+          <a:fillRef idx="1">
+            <a:schemeClr val="accent1"/>
+          </a:fillRef>
+          <a:effectRef idx="0">
+            <a:schemeClr val="accent1"/>
+          </a:effectRef>
+          <a:fontRef idx="minor">
+            <a:schemeClr val="lt1"/>
+          </a:fontRef>
+        </p:style>
+        <p:txBody>
+          <a:bodyPr rtlCol="0" anchor="ctr"/>
+          <a:lstStyle/>
+          <a:p>
+            <a:pPr algn="ctr"/>
+            <a:r>
+              <a:rPr lang="ko-KR" altLang="en-US" dirty="0" smtClean="0"/>
+              <a:t>제품</a:t>
+            </a:r>
+            <a:endParaRPr lang="en-US" altLang="ko-KR" dirty="0" smtClean="0"/>
+          </a:p>
+          <a:p>
+            <a:pPr algn="ctr"/>
+            <a:r>
+              <a:rPr lang="ko-KR" altLang="en-US" dirty="0" smtClean="0"/>
+              <a:t>이미지</a:t>
+            </a:r>
+            <a:endParaRPr lang="ko-KR" altLang="en-US" dirty="0"/>
+          </a:p>
+        </p:txBody>
+      </p:sp>
+      <p:sp>
+        <p:nvSpPr>
+          <p:cNvPr id="47" name="직사각형 46"/>
+          <p:cNvSpPr/>
+          <p:nvPr/>
+        </p:nvSpPr>
+        <p:spPr>
+          <a:xfrm>
+            <a:off x="2420110" y="3172251"/>
+            <a:ext cx="2290364" cy="360040"/>
+          </a:xfrm>
+          <a:prstGeom prst="rect">
+            <a:avLst/>
+          </a:prstGeom>
+          <a:solidFill>
+            <a:schemeClr val="accent1">
+              <a:lumMod val="40000"/>
+              <a:lumOff val="60000"/>
+            </a:schemeClr>
+          </a:solidFill>
+        </p:spPr>
+        <p:style>
+          <a:lnRef idx="2">
+            <a:schemeClr val="accent1">
+              <a:shade val="50000"/>
+            </a:schemeClr>
+          </a:lnRef>
+          <a:fillRef idx="1">
+            <a:schemeClr val="accent1"/>
+          </a:fillRef>
+          <a:effectRef idx="0">
+            <a:schemeClr val="accent1"/>
+          </a:effectRef>
+          <a:fontRef idx="minor">
+            <a:schemeClr val="lt1"/>
+          </a:fontRef>
+        </p:style>
+        <p:txBody>
+          <a:bodyPr rtlCol="0" anchor="ctr"/>
+          <a:lstStyle/>
+          <a:p>
+            <a:pPr algn="ctr"/>
+            <a:r>
+              <a:rPr lang="ko-KR" altLang="en-US" dirty="0" smtClean="0"/>
+              <a:t>타입</a:t>
+            </a:r>
+            <a:endParaRPr lang="ko-KR" altLang="en-US" dirty="0"/>
+          </a:p>
+        </p:txBody>
+      </p:sp>
+      <p:sp>
+        <p:nvSpPr>
+          <p:cNvPr id="48" name="직사각형 47"/>
+          <p:cNvSpPr/>
+          <p:nvPr/>
+        </p:nvSpPr>
+        <p:spPr>
+          <a:xfrm>
+            <a:off x="2411760" y="4221088"/>
+            <a:ext cx="1008112" cy="360040"/>
+          </a:xfrm>
+          <a:prstGeom prst="rect">
+            <a:avLst/>
+          </a:prstGeom>
+          <a:solidFill>
+            <a:schemeClr val="accent1">
+              <a:lumMod val="40000"/>
+              <a:lumOff val="60000"/>
+            </a:schemeClr>
+          </a:solidFill>
+        </p:spPr>
+        <p:style>
+          <a:lnRef idx="2">
+            <a:schemeClr val="accent1">
+              <a:shade val="50000"/>
+            </a:schemeClr>
+          </a:lnRef>
+          <a:fillRef idx="1">
+            <a:schemeClr val="accent1"/>
+          </a:fillRef>
+          <a:effectRef idx="0">
+            <a:schemeClr val="accent1"/>
+          </a:effectRef>
+          <a:fontRef idx="minor">
+            <a:schemeClr val="lt1"/>
+          </a:fontRef>
+        </p:style>
+        <p:txBody>
+          <a:bodyPr rtlCol="0" anchor="ctr"/>
+          <a:lstStyle/>
+          <a:p>
+            <a:pPr algn="ctr"/>
+            <a:r>
+              <a:rPr lang="ko-KR" altLang="en-US" dirty="0" smtClean="0"/>
+              <a:t>색상</a:t>
+            </a:r>
+            <a:r>
+              <a:rPr lang="en-US" altLang="ko-KR" dirty="0" smtClean="0"/>
+              <a:t>1</a:t>
+            </a:r>
+            <a:endParaRPr lang="ko-KR" altLang="en-US" dirty="0"/>
+          </a:p>
+        </p:txBody>
+      </p:sp>
+      <p:sp>
+        <p:nvSpPr>
+          <p:cNvPr id="49" name="직사각형 48"/>
+          <p:cNvSpPr/>
+          <p:nvPr/>
+        </p:nvSpPr>
+        <p:spPr>
+          <a:xfrm>
+            <a:off x="3558346" y="4221088"/>
+            <a:ext cx="1152128" cy="360040"/>
+          </a:xfrm>
+          <a:prstGeom prst="rect">
+            <a:avLst/>
+          </a:prstGeom>
+          <a:solidFill>
+            <a:schemeClr val="accent1">
+              <a:lumMod val="40000"/>
+              <a:lumOff val="60000"/>
+            </a:schemeClr>
+          </a:solidFill>
+        </p:spPr>
+        <p:style>
+          <a:lnRef idx="2">
+            <a:schemeClr val="accent1">
+              <a:shade val="50000"/>
+            </a:schemeClr>
+          </a:lnRef>
+          <a:fillRef idx="1">
+            <a:schemeClr val="accent1"/>
+          </a:fillRef>
+          <a:effectRef idx="0">
+            <a:schemeClr val="accent1"/>
+          </a:effectRef>
+          <a:fontRef idx="minor">
+            <a:schemeClr val="lt1"/>
+          </a:fontRef>
+        </p:style>
+        <p:txBody>
+          <a:bodyPr rtlCol="0" anchor="ctr"/>
+          <a:lstStyle/>
+          <a:p>
+            <a:pPr algn="ctr"/>
+            <a:r>
+              <a:rPr lang="ko-KR" altLang="en-US" dirty="0" smtClean="0"/>
+              <a:t>재고량</a:t>
+            </a:r>
+            <a:r>
+              <a:rPr lang="en-US" altLang="ko-KR" dirty="0" smtClean="0"/>
+              <a:t>1</a:t>
+            </a:r>
+            <a:endParaRPr lang="ko-KR" altLang="en-US" dirty="0"/>
+          </a:p>
+        </p:txBody>
+      </p:sp>
+      <p:sp>
+        <p:nvSpPr>
+          <p:cNvPr id="50" name="직사각형 49"/>
+          <p:cNvSpPr/>
+          <p:nvPr/>
+        </p:nvSpPr>
+        <p:spPr>
+          <a:xfrm>
+            <a:off x="2411760" y="4725144"/>
+            <a:ext cx="1008112" cy="360040"/>
+          </a:xfrm>
+          <a:prstGeom prst="rect">
+            <a:avLst/>
+          </a:prstGeom>
+          <a:solidFill>
+            <a:schemeClr val="accent1">
+              <a:lumMod val="40000"/>
+              <a:lumOff val="60000"/>
+            </a:schemeClr>
+          </a:solidFill>
+        </p:spPr>
+        <p:style>
+          <a:lnRef idx="2">
+            <a:schemeClr val="accent1">
+              <a:shade val="50000"/>
+            </a:schemeClr>
+          </a:lnRef>
+          <a:fillRef idx="1">
+            <a:schemeClr val="accent1"/>
+          </a:fillRef>
+          <a:effectRef idx="0">
+            <a:schemeClr val="accent1"/>
+          </a:effectRef>
+          <a:fontRef idx="minor">
+            <a:schemeClr val="lt1"/>
+          </a:fontRef>
+        </p:style>
+        <p:txBody>
+          <a:bodyPr rtlCol="0" anchor="ctr"/>
+          <a:lstStyle/>
+          <a:p>
+            <a:pPr algn="ctr"/>
+            <a:r>
+              <a:rPr lang="ko-KR" altLang="en-US" dirty="0" smtClean="0"/>
+              <a:t>색상</a:t>
+            </a:r>
+            <a:r>
+              <a:rPr lang="en-US" altLang="ko-KR" dirty="0"/>
+              <a:t>2</a:t>
+            </a:r>
+            <a:endParaRPr lang="ko-KR" altLang="en-US" dirty="0"/>
+          </a:p>
+        </p:txBody>
+      </p:sp>
+      <p:sp>
+        <p:nvSpPr>
+          <p:cNvPr id="51" name="직사각형 50"/>
+          <p:cNvSpPr/>
+          <p:nvPr/>
+        </p:nvSpPr>
+        <p:spPr>
+          <a:xfrm>
+            <a:off x="3558346" y="4725144"/>
+            <a:ext cx="1152128" cy="360040"/>
+          </a:xfrm>
+          <a:prstGeom prst="rect">
+            <a:avLst/>
+          </a:prstGeom>
+          <a:solidFill>
+            <a:schemeClr val="accent1">
+              <a:lumMod val="40000"/>
+              <a:lumOff val="60000"/>
+            </a:schemeClr>
+          </a:solidFill>
+        </p:spPr>
+        <p:style>
+          <a:lnRef idx="2">
+            <a:schemeClr val="accent1">
+              <a:shade val="50000"/>
+            </a:schemeClr>
+          </a:lnRef>
+          <a:fillRef idx="1">
+            <a:schemeClr val="accent1"/>
+          </a:fillRef>
+          <a:effectRef idx="0">
+            <a:schemeClr val="accent1"/>
+          </a:effectRef>
+          <a:fontRef idx="minor">
+            <a:schemeClr val="lt1"/>
+          </a:fontRef>
+        </p:style>
+        <p:txBody>
+          <a:bodyPr rtlCol="0" anchor="ctr"/>
+          <a:lstStyle/>
+          <a:p>
+            <a:pPr algn="ctr"/>
+            <a:r>
+              <a:rPr lang="ko-KR" altLang="en-US" dirty="0" smtClean="0"/>
+              <a:t>재고량</a:t>
+            </a:r>
+            <a:r>
+              <a:rPr lang="en-US" altLang="ko-KR" dirty="0" smtClean="0"/>
+              <a:t>2</a:t>
+            </a:r>
+            <a:endParaRPr lang="ko-KR" altLang="en-US" dirty="0"/>
+          </a:p>
+        </p:txBody>
+      </p:sp>
+      <p:sp>
+        <p:nvSpPr>
+          <p:cNvPr id="52" name="직사각형 51"/>
+          <p:cNvSpPr/>
+          <p:nvPr/>
+        </p:nvSpPr>
+        <p:spPr>
+          <a:xfrm>
+            <a:off x="3140190" y="83164"/>
+            <a:ext cx="639722" cy="166328"/>
           </a:xfrm>
           <a:prstGeom prst="rect">
             <a:avLst/>
@@ -33202,23 +33668,23 @@
           <a:p>
             <a:pPr algn="ctr"/>
             <a:r>
-              <a:rPr lang="ko-KR" altLang="en-US" smtClean="0"/>
-              <a:t>글쓰기</a:t>
-            </a:r>
-            <a:endParaRPr lang="ko-KR" altLang="en-US"/>
-          </a:p>
-        </p:txBody>
-      </p:sp>
-      <p:sp>
-        <p:nvSpPr>
-          <p:cNvPr id="11" name="직사각형 10"/>
+              <a:rPr lang="ko-KR" altLang="en-US" sz="800" dirty="0" smtClean="0"/>
+              <a:t>로그아웃</a:t>
+            </a:r>
+            <a:endParaRPr lang="ko-KR" altLang="en-US" sz="800" dirty="0"/>
+          </a:p>
+        </p:txBody>
+      </p:sp>
+      <p:sp>
+        <p:nvSpPr>
+          <p:cNvPr id="53" name="직사각형 52"/>
           <p:cNvSpPr/>
           <p:nvPr/>
         </p:nvSpPr>
         <p:spPr>
           <a:xfrm>
-            <a:off x="3635896" y="5445224"/>
-            <a:ext cx="1944216" cy="288032"/>
+            <a:off x="7092280" y="83164"/>
+            <a:ext cx="720080" cy="166328"/>
           </a:xfrm>
           <a:prstGeom prst="rect">
             <a:avLst/>
@@ -33246,23 +33712,23 @@
           <a:p>
             <a:pPr algn="ctr"/>
             <a:r>
-              <a:rPr lang="ko-KR" altLang="en-US" dirty="0" err="1" smtClean="0"/>
-              <a:t>페이지네이션</a:t>
-            </a:r>
-            <a:endParaRPr lang="ko-KR" altLang="en-US" dirty="0"/>
-          </a:p>
-        </p:txBody>
-      </p:sp>
-      <p:sp>
-        <p:nvSpPr>
-          <p:cNvPr id="35" name="직사각형 34"/>
+              <a:rPr lang="ko-KR" altLang="en-US" sz="800" dirty="0" err="1" smtClean="0"/>
+              <a:t>마이페이지</a:t>
+            </a:r>
+            <a:endParaRPr lang="ko-KR" altLang="en-US" sz="800" dirty="0"/>
+          </a:p>
+        </p:txBody>
+      </p:sp>
+      <p:sp>
+        <p:nvSpPr>
+          <p:cNvPr id="54" name="직사각형 53"/>
           <p:cNvSpPr/>
           <p:nvPr/>
         </p:nvSpPr>
         <p:spPr>
           <a:xfrm>
-            <a:off x="3140190" y="83164"/>
-            <a:ext cx="639722" cy="166328"/>
+            <a:off x="6372200" y="83164"/>
+            <a:ext cx="648072" cy="166328"/>
           </a:xfrm>
           <a:prstGeom prst="rect">
             <a:avLst/>
@@ -33291,7 +33757,7 @@
             <a:pPr algn="ctr"/>
             <a:r>
               <a:rPr lang="ko-KR" altLang="en-US" sz="800" dirty="0" smtClean="0"/>
-              <a:t>로그아웃</a:t>
+              <a:t>상품관리</a:t>
             </a:r>
             <a:endParaRPr lang="ko-KR" altLang="en-US" sz="800" dirty="0"/>
           </a:p>
@@ -33299,14 +33765,14 @@
       </p:sp>
       <p:sp>
         <p:nvSpPr>
-          <p:cNvPr id="40" name="직사각형 39"/>
+          <p:cNvPr id="55" name="직사각형 54"/>
           <p:cNvSpPr/>
           <p:nvPr/>
         </p:nvSpPr>
         <p:spPr>
           <a:xfrm>
-            <a:off x="7092280" y="83164"/>
-            <a:ext cx="720080" cy="166328"/>
+            <a:off x="5114198" y="83164"/>
+            <a:ext cx="393906" cy="166328"/>
           </a:xfrm>
           <a:prstGeom prst="rect">
             <a:avLst/>
@@ -33334,8 +33800,8 @@
           <a:p>
             <a:pPr algn="ctr"/>
             <a:r>
-              <a:rPr lang="ko-KR" altLang="en-US" sz="800" dirty="0" err="1" smtClean="0"/>
-              <a:t>마이페이지</a:t>
+              <a:rPr lang="ko-KR" altLang="en-US" sz="800" dirty="0" smtClean="0"/>
+              <a:t>리뷰</a:t>
             </a:r>
             <a:endParaRPr lang="ko-KR" altLang="en-US" sz="800" dirty="0"/>
           </a:p>
@@ -33343,14 +33809,14 @@
       </p:sp>
       <p:sp>
         <p:nvSpPr>
-          <p:cNvPr id="41" name="직사각형 40"/>
+          <p:cNvPr id="56" name="직사각형 55"/>
           <p:cNvSpPr/>
           <p:nvPr/>
         </p:nvSpPr>
         <p:spPr>
           <a:xfrm>
-            <a:off x="6372200" y="83164"/>
-            <a:ext cx="648072" cy="166328"/>
+            <a:off x="4572000" y="83164"/>
+            <a:ext cx="465914" cy="166328"/>
           </a:xfrm>
           <a:prstGeom prst="rect">
             <a:avLst/>
@@ -33378,8 +33844,8 @@
           <a:p>
             <a:pPr algn="ctr"/>
             <a:r>
-              <a:rPr lang="ko-KR" altLang="en-US" sz="800" dirty="0" smtClean="0"/>
-              <a:t>상품관리</a:t>
+              <a:rPr lang="en-US" altLang="ko-KR" sz="800" dirty="0" smtClean="0"/>
+              <a:t>Q&amp;A</a:t>
             </a:r>
             <a:endParaRPr lang="ko-KR" altLang="en-US" sz="800" dirty="0"/>
           </a:p>
@@ -33387,14 +33853,14 @@
       </p:sp>
       <p:sp>
         <p:nvSpPr>
-          <p:cNvPr id="42" name="직사각형 41"/>
+          <p:cNvPr id="57" name="직사각형 56"/>
           <p:cNvSpPr/>
           <p:nvPr/>
         </p:nvSpPr>
         <p:spPr>
           <a:xfrm>
-            <a:off x="5114198" y="83164"/>
-            <a:ext cx="393906" cy="166328"/>
+            <a:off x="3890062" y="83164"/>
+            <a:ext cx="609930" cy="166328"/>
           </a:xfrm>
           <a:prstGeom prst="rect">
             <a:avLst/>
@@ -33423,22 +33889,25 @@
             <a:pPr algn="ctr"/>
             <a:r>
               <a:rPr lang="ko-KR" altLang="en-US" sz="800" dirty="0" smtClean="0"/>
-              <a:t>리뷰</a:t>
-            </a:r>
-            <a:endParaRPr lang="ko-KR" altLang="en-US" sz="800" dirty="0"/>
-          </a:p>
-        </p:txBody>
-      </p:sp>
-      <p:sp>
-        <p:nvSpPr>
-          <p:cNvPr id="43" name="직사각형 42"/>
+              <a:t>공지사</a:t>
+            </a:r>
+            <a:r>
+              <a:rPr lang="ko-KR" altLang="en-US" sz="800" dirty="0"/>
+              <a:t>항</a:t>
+            </a:r>
+          </a:p>
+        </p:txBody>
+      </p:sp>
+      <p:sp>
+        <p:nvSpPr>
+          <p:cNvPr id="58" name="직사각형 57"/>
           <p:cNvSpPr/>
           <p:nvPr/>
         </p:nvSpPr>
         <p:spPr>
           <a:xfrm>
-            <a:off x="4572000" y="83164"/>
-            <a:ext cx="465914" cy="166328"/>
+            <a:off x="5580112" y="83164"/>
+            <a:ext cx="720080" cy="166328"/>
           </a:xfrm>
           <a:prstGeom prst="rect">
             <a:avLst/>
@@ -33466,8 +33935,8 @@
           <a:p>
             <a:pPr algn="ctr"/>
             <a:r>
-              <a:rPr lang="en-US" altLang="ko-KR" sz="800" dirty="0" smtClean="0"/>
-              <a:t>Q&amp;A</a:t>
+              <a:rPr lang="ko-KR" altLang="en-US" sz="800" dirty="0" smtClean="0"/>
+              <a:t>게시판관리</a:t>
             </a:r>
             <a:endParaRPr lang="ko-KR" altLang="en-US" sz="800" dirty="0"/>
           </a:p>
@@ -33475,14 +33944,14 @@
       </p:sp>
       <p:sp>
         <p:nvSpPr>
-          <p:cNvPr id="44" name="직사각형 43"/>
+          <p:cNvPr id="59" name="직사각형 58"/>
           <p:cNvSpPr/>
           <p:nvPr/>
         </p:nvSpPr>
         <p:spPr>
           <a:xfrm>
-            <a:off x="3890062" y="83164"/>
-            <a:ext cx="609930" cy="166328"/>
+            <a:off x="2374709" y="83164"/>
+            <a:ext cx="613115" cy="166328"/>
           </a:xfrm>
           <a:prstGeom prst="rect">
             <a:avLst/>
@@ -33510,30 +33979,33 @@
           <a:p>
             <a:pPr algn="ctr"/>
             <a:r>
-              <a:rPr lang="ko-KR" altLang="en-US" sz="800" dirty="0" smtClean="0"/>
-              <a:t>공지사</a:t>
-            </a:r>
-            <a:r>
-              <a:rPr lang="ko-KR" altLang="en-US" sz="800" dirty="0"/>
-              <a:t>항</a:t>
-            </a:r>
-          </a:p>
-        </p:txBody>
-      </p:sp>
-      <p:sp>
-        <p:nvSpPr>
-          <p:cNvPr id="45" name="직사각형 44"/>
+              <a:rPr lang="ko-KR" altLang="en-US" sz="600" dirty="0" err="1" smtClean="0"/>
+              <a:t>로그인정보</a:t>
+            </a:r>
+            <a:endParaRPr lang="ko-KR" altLang="en-US" sz="600" dirty="0"/>
+          </a:p>
+        </p:txBody>
+      </p:sp>
+      <p:sp>
+        <p:nvSpPr>
+          <p:cNvPr id="38" name="직사각형 37"/>
           <p:cNvSpPr/>
           <p:nvPr/>
         </p:nvSpPr>
         <p:spPr>
           <a:xfrm>
-            <a:off x="5580112" y="83164"/>
-            <a:ext cx="720080" cy="166328"/>
+            <a:off x="4860032" y="4221088"/>
+            <a:ext cx="360040" cy="360040"/>
           </a:xfrm>
           <a:prstGeom prst="rect">
             <a:avLst/>
           </a:prstGeom>
+          <a:solidFill>
+            <a:schemeClr val="tx2">
+              <a:lumMod val="40000"/>
+              <a:lumOff val="60000"/>
+            </a:schemeClr>
+          </a:solidFill>
         </p:spPr>
         <p:style>
           <a:lnRef idx="2">
@@ -33557,27 +34029,33 @@
           <a:p>
             <a:pPr algn="ctr"/>
             <a:r>
-              <a:rPr lang="ko-KR" altLang="en-US" sz="800" dirty="0" smtClean="0"/>
-              <a:t>게시판관리</a:t>
-            </a:r>
-            <a:endParaRPr lang="ko-KR" altLang="en-US" sz="800" dirty="0"/>
-          </a:p>
-        </p:txBody>
-      </p:sp>
-      <p:sp>
-        <p:nvSpPr>
-          <p:cNvPr id="46" name="직사각형 45"/>
+              <a:rPr lang="en-US" altLang="ko-KR" dirty="0" smtClean="0"/>
+              <a:t>X</a:t>
+            </a:r>
+            <a:endParaRPr lang="ko-KR" altLang="en-US" dirty="0"/>
+          </a:p>
+        </p:txBody>
+      </p:sp>
+      <p:sp>
+        <p:nvSpPr>
+          <p:cNvPr id="39" name="직사각형 38"/>
           <p:cNvSpPr/>
           <p:nvPr/>
         </p:nvSpPr>
         <p:spPr>
           <a:xfrm>
-            <a:off x="2374709" y="83164"/>
-            <a:ext cx="613115" cy="166328"/>
+            <a:off x="4860032" y="4725144"/>
+            <a:ext cx="360040" cy="360040"/>
           </a:xfrm>
           <a:prstGeom prst="rect">
             <a:avLst/>
           </a:prstGeom>
+          <a:solidFill>
+            <a:schemeClr val="tx2">
+              <a:lumMod val="40000"/>
+              <a:lumOff val="60000"/>
+            </a:schemeClr>
+          </a:solidFill>
         </p:spPr>
         <p:style>
           <a:lnRef idx="2">
@@ -33601,16 +34079,16 @@
           <a:p>
             <a:pPr algn="ctr"/>
             <a:r>
-              <a:rPr lang="ko-KR" altLang="en-US" sz="600" dirty="0" err="1" smtClean="0"/>
-              <a:t>로그인정보</a:t>
-            </a:r>
-            <a:endParaRPr lang="ko-KR" altLang="en-US" sz="600" dirty="0"/>
+              <a:rPr lang="en-US" altLang="ko-KR" dirty="0" smtClean="0"/>
+              <a:t>X</a:t>
+            </a:r>
+            <a:endParaRPr lang="ko-KR" altLang="en-US" dirty="0"/>
           </a:p>
         </p:txBody>
       </p:sp>
       <p:grpSp>
         <p:nvGrpSpPr>
-          <p:cNvPr id="38" name="그룹 37"/>
+          <p:cNvPr id="66" name="그룹 65"/>
           <p:cNvGrpSpPr/>
           <p:nvPr/>
         </p:nvGrpSpPr>
@@ -33624,7 +34102,7 @@
         </p:grpSpPr>
         <p:sp>
           <p:nvSpPr>
-            <p:cNvPr id="39" name="직사각형 38"/>
+            <p:cNvPr id="67" name="직사각형 66"/>
             <p:cNvSpPr/>
             <p:nvPr/>
           </p:nvSpPr>
@@ -33747,7 +34225,7 @@
         </p:sp>
         <p:sp>
           <p:nvSpPr>
-            <p:cNvPr id="50" name="직사각형 49"/>
+            <p:cNvPr id="68" name="직사각형 67"/>
             <p:cNvSpPr/>
             <p:nvPr/>
           </p:nvSpPr>
@@ -33799,7 +34277,7 @@
     </p:spTree>
     <p:extLst>
       <p:ext uri="{BB962C8B-B14F-4D97-AF65-F5344CB8AC3E}">
-        <p14:creationId xmlns:p14="http://schemas.microsoft.com/office/powerpoint/2010/main" val="170859895"/>
+        <p14:creationId xmlns:p14="http://schemas.microsoft.com/office/powerpoint/2010/main" val="2140322885"/>
       </p:ext>
     </p:extLst>
   </p:cSld>
@@ -33930,13 +34408,18 @@
             <a:p>
               <a:pPr algn="ctr"/>
               <a:r>
-                <a:rPr lang="en-US" altLang="ko-KR" dirty="0" smtClean="0">
+                <a:rPr lang="ko-KR" altLang="en-US" dirty="0" smtClean="0">
                   <a:solidFill>
                     <a:schemeClr val="tx1"/>
                   </a:solidFill>
                 </a:rPr>
-                <a:t>Q&amp;A</a:t>
-              </a:r>
+                <a:t>공지사항</a:t>
+              </a:r>
+              <a:endParaRPr lang="en-US" altLang="ko-KR" dirty="0">
+                <a:solidFill>
+                  <a:schemeClr val="tx1"/>
+                </a:solidFill>
+              </a:endParaRPr>
             </a:p>
             <a:p>
               <a:pPr algn="ctr"/>
@@ -34440,12 +34923,8 @@
           <a:p>
             <a:pPr algn="ctr"/>
             <a:r>
-              <a:rPr lang="en-US" altLang="ko-KR" dirty="0" smtClean="0"/>
-              <a:t>Q&amp;A </a:t>
-            </a:r>
-            <a:r>
               <a:rPr lang="ko-KR" altLang="en-US" dirty="0" smtClean="0"/>
-              <a:t>테이블</a:t>
+              <a:t>공지사항 테이블</a:t>
             </a:r>
             <a:endParaRPr lang="ko-KR" altLang="en-US" dirty="0"/>
           </a:p>
@@ -34982,7 +35461,7 @@
       </p:sp>
       <p:grpSp>
         <p:nvGrpSpPr>
-          <p:cNvPr id="31" name="그룹 30"/>
+          <p:cNvPr id="38" name="그룹 37"/>
           <p:cNvGrpSpPr/>
           <p:nvPr/>
         </p:nvGrpSpPr>
@@ -34996,7 +35475,7 @@
         </p:grpSpPr>
         <p:sp>
           <p:nvSpPr>
-            <p:cNvPr id="32" name="직사각형 31"/>
+            <p:cNvPr id="39" name="직사각형 38"/>
             <p:cNvSpPr/>
             <p:nvPr/>
           </p:nvSpPr>
@@ -35119,7 +35598,7 @@
         </p:sp>
         <p:sp>
           <p:nvSpPr>
-            <p:cNvPr id="33" name="직사각형 32"/>
+            <p:cNvPr id="50" name="직사각형 49"/>
             <p:cNvSpPr/>
             <p:nvPr/>
           </p:nvSpPr>
@@ -35171,7 +35650,7 @@
     </p:spTree>
     <p:extLst>
       <p:ext uri="{BB962C8B-B14F-4D97-AF65-F5344CB8AC3E}">
-        <p14:creationId xmlns:p14="http://schemas.microsoft.com/office/powerpoint/2010/main" val="375859148"/>
+        <p14:creationId xmlns:p14="http://schemas.microsoft.com/office/powerpoint/2010/main" val="170859895"/>
       </p:ext>
     </p:extLst>
   </p:cSld>
@@ -36977,18 +37456,13 @@
             <a:p>
               <a:pPr algn="ctr"/>
               <a:r>
-                <a:rPr lang="ko-KR" altLang="en-US" dirty="0" smtClean="0">
+                <a:rPr lang="en-US" altLang="ko-KR" dirty="0" smtClean="0">
                   <a:solidFill>
                     <a:schemeClr val="tx1"/>
                   </a:solidFill>
                 </a:rPr>
-                <a:t>리뷰</a:t>
-              </a:r>
-              <a:endParaRPr lang="en-US" altLang="ko-KR" dirty="0" smtClean="0">
-                <a:solidFill>
-                  <a:schemeClr val="tx1"/>
-                </a:solidFill>
-              </a:endParaRPr>
+                <a:t>Q&amp;A</a:t>
+              </a:r>
             </a:p>
             <a:p>
               <a:pPr algn="ctr"/>
@@ -37492,8 +37966,12 @@
           <a:p>
             <a:pPr algn="ctr"/>
             <a:r>
+              <a:rPr lang="en-US" altLang="ko-KR" dirty="0" smtClean="0"/>
+              <a:t>Q&amp;A </a:t>
+            </a:r>
+            <a:r>
               <a:rPr lang="ko-KR" altLang="en-US" dirty="0" smtClean="0"/>
-              <a:t>리뷰 테이블</a:t>
+              <a:t>테이블</a:t>
             </a:r>
             <a:endParaRPr lang="ko-KR" altLang="en-US" dirty="0"/>
           </a:p>
@@ -38350,20 +38828,12 @@
             <a:p>
               <a:pPr algn="ctr"/>
               <a:r>
-                <a:rPr lang="en-US" altLang="ko-KR" dirty="0" smtClean="0">
-                  <a:solidFill>
-                    <a:schemeClr val="tx1"/>
-                  </a:solidFill>
-                </a:rPr>
-                <a:t>Q&amp;A</a:t>
-              </a:r>
-              <a:r>
                 <a:rPr lang="ko-KR" altLang="en-US" dirty="0" smtClean="0">
                   <a:solidFill>
                     <a:schemeClr val="tx1"/>
                   </a:solidFill>
                 </a:rPr>
-                <a:t> 조회</a:t>
+                <a:t>리뷰</a:t>
               </a:r>
               <a:endParaRPr lang="en-US" altLang="ko-KR" dirty="0" smtClean="0">
                 <a:solidFill>
@@ -38873,8 +39343,8 @@
           <a:p>
             <a:pPr algn="ctr"/>
             <a:r>
-              <a:rPr lang="en-US" altLang="ko-KR" dirty="0" smtClean="0"/>
-              <a:t>Q&amp;A</a:t>
+              <a:rPr lang="ko-KR" altLang="en-US" dirty="0" smtClean="0"/>
+              <a:t>리뷰 테이블</a:t>
             </a:r>
             <a:endParaRPr lang="ko-KR" altLang="en-US" dirty="0"/>
           </a:p>
@@ -38889,7 +39359,7 @@
         <p:spPr>
           <a:xfrm>
             <a:off x="1835696" y="5445224"/>
-            <a:ext cx="845570" cy="288032"/>
+            <a:ext cx="1195158" cy="288032"/>
           </a:xfrm>
           <a:prstGeom prst="rect">
             <a:avLst/>
@@ -38916,11 +39386,53 @@
           <a:lstStyle/>
           <a:p>
             <a:pPr algn="ctr"/>
-            <a:r>
-              <a:rPr lang="ko-KR" altLang="en-US" dirty="0" smtClean="0"/>
-              <a:t>목록</a:t>
-            </a:r>
-            <a:endParaRPr lang="ko-KR" altLang="en-US" dirty="0"/>
+            <a:endParaRPr lang="ko-KR" altLang="en-US"/>
+          </a:p>
+        </p:txBody>
+      </p:sp>
+      <p:sp>
+        <p:nvSpPr>
+          <p:cNvPr id="34" name="직사각형 33"/>
+          <p:cNvSpPr/>
+          <p:nvPr/>
+        </p:nvSpPr>
+        <p:spPr>
+          <a:xfrm>
+            <a:off x="2742822" y="5445224"/>
+            <a:ext cx="288032" cy="288032"/>
+          </a:xfrm>
+          <a:prstGeom prst="rect">
+            <a:avLst/>
+          </a:prstGeom>
+          <a:solidFill>
+            <a:schemeClr val="accent1">
+              <a:lumMod val="60000"/>
+              <a:lumOff val="40000"/>
+            </a:schemeClr>
+          </a:solidFill>
+        </p:spPr>
+        <p:style>
+          <a:lnRef idx="2">
+            <a:schemeClr val="accent1">
+              <a:shade val="50000"/>
+            </a:schemeClr>
+          </a:lnRef>
+          <a:fillRef idx="1">
+            <a:schemeClr val="accent1"/>
+          </a:fillRef>
+          <a:effectRef idx="0">
+            <a:schemeClr val="accent1"/>
+          </a:effectRef>
+          <a:fontRef idx="minor">
+            <a:schemeClr val="lt1"/>
+          </a:fontRef>
+        </p:style>
+        <p:txBody>
+          <a:bodyPr rtlCol="0" anchor="ctr"/>
+          <a:lstStyle/>
+          <a:p>
+            <a:pPr algn="ctr"/>
+            <a:endParaRPr lang="ko-KR" altLang="en-US"/>
           </a:p>
         </p:txBody>
       </p:sp>
@@ -38932,7 +39444,7 @@
         </p:nvSpPr>
         <p:spPr>
           <a:xfrm>
-            <a:off x="5004048" y="5445224"/>
+            <a:off x="6340420" y="5445224"/>
             <a:ext cx="1082922" cy="288032"/>
           </a:xfrm>
           <a:prstGeom prst="rect">
@@ -38961,23 +39473,23 @@
           <a:p>
             <a:pPr algn="ctr"/>
             <a:r>
-              <a:rPr lang="ko-KR" altLang="en-US" dirty="0" smtClean="0"/>
-              <a:t>답변</a:t>
-            </a:r>
-            <a:endParaRPr lang="ko-KR" altLang="en-US" dirty="0"/>
-          </a:p>
-        </p:txBody>
-      </p:sp>
-      <p:sp>
-        <p:nvSpPr>
-          <p:cNvPr id="35" name="직사각형 34"/>
+              <a:rPr lang="ko-KR" altLang="en-US" smtClean="0"/>
+              <a:t>글쓰기</a:t>
+            </a:r>
+            <a:endParaRPr lang="ko-KR" altLang="en-US"/>
+          </a:p>
+        </p:txBody>
+      </p:sp>
+      <p:sp>
+        <p:nvSpPr>
+          <p:cNvPr id="11" name="직사각형 10"/>
           <p:cNvSpPr/>
           <p:nvPr/>
         </p:nvSpPr>
         <p:spPr>
           <a:xfrm>
-            <a:off x="3140190" y="83164"/>
-            <a:ext cx="639722" cy="166328"/>
+            <a:off x="3635896" y="5445224"/>
+            <a:ext cx="1944216" cy="288032"/>
           </a:xfrm>
           <a:prstGeom prst="rect">
             <a:avLst/>
@@ -39005,23 +39517,23 @@
           <a:p>
             <a:pPr algn="ctr"/>
             <a:r>
-              <a:rPr lang="ko-KR" altLang="en-US" sz="800" dirty="0" smtClean="0"/>
-              <a:t>로그아웃</a:t>
-            </a:r>
-            <a:endParaRPr lang="ko-KR" altLang="en-US" sz="800" dirty="0"/>
-          </a:p>
-        </p:txBody>
-      </p:sp>
-      <p:sp>
-        <p:nvSpPr>
-          <p:cNvPr id="40" name="직사각형 39"/>
+              <a:rPr lang="ko-KR" altLang="en-US" dirty="0" err="1" smtClean="0"/>
+              <a:t>페이지네이션</a:t>
+            </a:r>
+            <a:endParaRPr lang="ko-KR" altLang="en-US" dirty="0"/>
+          </a:p>
+        </p:txBody>
+      </p:sp>
+      <p:sp>
+        <p:nvSpPr>
+          <p:cNvPr id="35" name="직사각형 34"/>
           <p:cNvSpPr/>
           <p:nvPr/>
         </p:nvSpPr>
         <p:spPr>
           <a:xfrm>
-            <a:off x="7092280" y="83164"/>
-            <a:ext cx="720080" cy="166328"/>
+            <a:off x="3140190" y="83164"/>
+            <a:ext cx="639722" cy="166328"/>
           </a:xfrm>
           <a:prstGeom prst="rect">
             <a:avLst/>
@@ -39049,8 +39561,8 @@
           <a:p>
             <a:pPr algn="ctr"/>
             <a:r>
-              <a:rPr lang="ko-KR" altLang="en-US" sz="800" dirty="0" err="1" smtClean="0"/>
-              <a:t>마이페이지</a:t>
+              <a:rPr lang="ko-KR" altLang="en-US" sz="800" dirty="0" smtClean="0"/>
+              <a:t>로그아웃</a:t>
             </a:r>
             <a:endParaRPr lang="ko-KR" altLang="en-US" sz="800" dirty="0"/>
           </a:p>
@@ -39058,14 +39570,14 @@
       </p:sp>
       <p:sp>
         <p:nvSpPr>
-          <p:cNvPr id="41" name="직사각형 40"/>
+          <p:cNvPr id="40" name="직사각형 39"/>
           <p:cNvSpPr/>
           <p:nvPr/>
         </p:nvSpPr>
         <p:spPr>
           <a:xfrm>
-            <a:off x="6372200" y="83164"/>
-            <a:ext cx="648072" cy="166328"/>
+            <a:off x="7092280" y="83164"/>
+            <a:ext cx="720080" cy="166328"/>
           </a:xfrm>
           <a:prstGeom prst="rect">
             <a:avLst/>
@@ -39093,8 +39605,8 @@
           <a:p>
             <a:pPr algn="ctr"/>
             <a:r>
-              <a:rPr lang="ko-KR" altLang="en-US" sz="800" dirty="0" smtClean="0"/>
-              <a:t>상품관리</a:t>
+              <a:rPr lang="ko-KR" altLang="en-US" sz="800" dirty="0" err="1" smtClean="0"/>
+              <a:t>마이페이지</a:t>
             </a:r>
             <a:endParaRPr lang="ko-KR" altLang="en-US" sz="800" dirty="0"/>
           </a:p>
@@ -39102,14 +39614,14 @@
       </p:sp>
       <p:sp>
         <p:nvSpPr>
-          <p:cNvPr id="42" name="직사각형 41"/>
+          <p:cNvPr id="41" name="직사각형 40"/>
           <p:cNvSpPr/>
           <p:nvPr/>
         </p:nvSpPr>
         <p:spPr>
           <a:xfrm>
-            <a:off x="5114198" y="83164"/>
-            <a:ext cx="393906" cy="166328"/>
+            <a:off x="6372200" y="83164"/>
+            <a:ext cx="648072" cy="166328"/>
           </a:xfrm>
           <a:prstGeom prst="rect">
             <a:avLst/>
@@ -39138,7 +39650,7 @@
             <a:pPr algn="ctr"/>
             <a:r>
               <a:rPr lang="ko-KR" altLang="en-US" sz="800" dirty="0" smtClean="0"/>
-              <a:t>리뷰</a:t>
+              <a:t>상품관리</a:t>
             </a:r>
             <a:endParaRPr lang="ko-KR" altLang="en-US" sz="800" dirty="0"/>
           </a:p>
@@ -39146,14 +39658,14 @@
       </p:sp>
       <p:sp>
         <p:nvSpPr>
-          <p:cNvPr id="43" name="직사각형 42"/>
+          <p:cNvPr id="42" name="직사각형 41"/>
           <p:cNvSpPr/>
           <p:nvPr/>
         </p:nvSpPr>
         <p:spPr>
           <a:xfrm>
-            <a:off x="4572000" y="83164"/>
-            <a:ext cx="465914" cy="166328"/>
+            <a:off x="5114198" y="83164"/>
+            <a:ext cx="393906" cy="166328"/>
           </a:xfrm>
           <a:prstGeom prst="rect">
             <a:avLst/>
@@ -39181,8 +39693,8 @@
           <a:p>
             <a:pPr algn="ctr"/>
             <a:r>
-              <a:rPr lang="en-US" altLang="ko-KR" sz="800" dirty="0" smtClean="0"/>
-              <a:t>Q&amp;A</a:t>
+              <a:rPr lang="ko-KR" altLang="en-US" sz="800" dirty="0" smtClean="0"/>
+              <a:t>리뷰</a:t>
             </a:r>
             <a:endParaRPr lang="ko-KR" altLang="en-US" sz="800" dirty="0"/>
           </a:p>
@@ -39190,14 +39702,14 @@
       </p:sp>
       <p:sp>
         <p:nvSpPr>
-          <p:cNvPr id="44" name="직사각형 43"/>
+          <p:cNvPr id="43" name="직사각형 42"/>
           <p:cNvSpPr/>
           <p:nvPr/>
         </p:nvSpPr>
         <p:spPr>
           <a:xfrm>
-            <a:off x="3890062" y="83164"/>
-            <a:ext cx="609930" cy="166328"/>
+            <a:off x="4572000" y="83164"/>
+            <a:ext cx="465914" cy="166328"/>
           </a:xfrm>
           <a:prstGeom prst="rect">
             <a:avLst/>
@@ -39225,26 +39737,23 @@
           <a:p>
             <a:pPr algn="ctr"/>
             <a:r>
-              <a:rPr lang="ko-KR" altLang="en-US" sz="800" dirty="0" smtClean="0"/>
-              <a:t>공지사</a:t>
-            </a:r>
-            <a:r>
-              <a:rPr lang="ko-KR" altLang="en-US" sz="800" dirty="0"/>
-              <a:t>항</a:t>
-            </a:r>
-          </a:p>
-        </p:txBody>
-      </p:sp>
-      <p:sp>
-        <p:nvSpPr>
-          <p:cNvPr id="45" name="직사각형 44"/>
+              <a:rPr lang="en-US" altLang="ko-KR" sz="800" dirty="0" smtClean="0"/>
+              <a:t>Q&amp;A</a:t>
+            </a:r>
+            <a:endParaRPr lang="ko-KR" altLang="en-US" sz="800" dirty="0"/>
+          </a:p>
+        </p:txBody>
+      </p:sp>
+      <p:sp>
+        <p:nvSpPr>
+          <p:cNvPr id="44" name="직사각형 43"/>
           <p:cNvSpPr/>
           <p:nvPr/>
         </p:nvSpPr>
         <p:spPr>
           <a:xfrm>
-            <a:off x="5580112" y="83164"/>
-            <a:ext cx="720080" cy="166328"/>
+            <a:off x="3890062" y="83164"/>
+            <a:ext cx="609930" cy="166328"/>
           </a:xfrm>
           <a:prstGeom prst="rect">
             <a:avLst/>
@@ -39273,22 +39782,25 @@
             <a:pPr algn="ctr"/>
             <a:r>
               <a:rPr lang="ko-KR" altLang="en-US" sz="800" dirty="0" smtClean="0"/>
-              <a:t>게시판관리</a:t>
-            </a:r>
-            <a:endParaRPr lang="ko-KR" altLang="en-US" sz="800" dirty="0"/>
-          </a:p>
-        </p:txBody>
-      </p:sp>
-      <p:sp>
-        <p:nvSpPr>
-          <p:cNvPr id="46" name="직사각형 45"/>
+              <a:t>공지사</a:t>
+            </a:r>
+            <a:r>
+              <a:rPr lang="ko-KR" altLang="en-US" sz="800" dirty="0"/>
+              <a:t>항</a:t>
+            </a:r>
+          </a:p>
+        </p:txBody>
+      </p:sp>
+      <p:sp>
+        <p:nvSpPr>
+          <p:cNvPr id="45" name="직사각형 44"/>
           <p:cNvSpPr/>
           <p:nvPr/>
         </p:nvSpPr>
         <p:spPr>
           <a:xfrm>
-            <a:off x="2374709" y="83164"/>
-            <a:ext cx="613115" cy="166328"/>
+            <a:off x="5580112" y="83164"/>
+            <a:ext cx="720080" cy="166328"/>
           </a:xfrm>
           <a:prstGeom prst="rect">
             <a:avLst/>
@@ -39316,23 +39828,23 @@
           <a:p>
             <a:pPr algn="ctr"/>
             <a:r>
-              <a:rPr lang="ko-KR" altLang="en-US" sz="600" dirty="0" err="1" smtClean="0"/>
-              <a:t>로그인정보</a:t>
-            </a:r>
-            <a:endParaRPr lang="ko-KR" altLang="en-US" sz="600" dirty="0"/>
-          </a:p>
-        </p:txBody>
-      </p:sp>
-      <p:sp>
-        <p:nvSpPr>
-          <p:cNvPr id="31" name="직사각형 30"/>
+              <a:rPr lang="ko-KR" altLang="en-US" sz="800" dirty="0" smtClean="0"/>
+              <a:t>게시판관리</a:t>
+            </a:r>
+            <a:endParaRPr lang="ko-KR" altLang="en-US" sz="800" dirty="0"/>
+          </a:p>
+        </p:txBody>
+      </p:sp>
+      <p:sp>
+        <p:nvSpPr>
+          <p:cNvPr id="46" name="직사각형 45"/>
           <p:cNvSpPr/>
           <p:nvPr/>
         </p:nvSpPr>
         <p:spPr>
           <a:xfrm>
-            <a:off x="6324774" y="5445224"/>
-            <a:ext cx="1082922" cy="288032"/>
+            <a:off x="2374709" y="83164"/>
+            <a:ext cx="613115" cy="166328"/>
           </a:xfrm>
           <a:prstGeom prst="rect">
             <a:avLst/>
@@ -39360,16 +39872,16 @@
           <a:p>
             <a:pPr algn="ctr"/>
             <a:r>
-              <a:rPr lang="ko-KR" altLang="en-US" dirty="0" smtClean="0"/>
-              <a:t>삭제</a:t>
-            </a:r>
-            <a:endParaRPr lang="ko-KR" altLang="en-US" dirty="0"/>
+              <a:rPr lang="ko-KR" altLang="en-US" sz="600" dirty="0" err="1" smtClean="0"/>
+              <a:t>로그인정보</a:t>
+            </a:r>
+            <a:endParaRPr lang="ko-KR" altLang="en-US" sz="600" dirty="0"/>
           </a:p>
         </p:txBody>
       </p:sp>
       <p:grpSp>
         <p:nvGrpSpPr>
-          <p:cNvPr id="32" name="그룹 31"/>
+          <p:cNvPr id="31" name="그룹 30"/>
           <p:cNvGrpSpPr/>
           <p:nvPr/>
         </p:nvGrpSpPr>
@@ -39383,7 +39895,7 @@
         </p:grpSpPr>
         <p:sp>
           <p:nvSpPr>
-            <p:cNvPr id="33" name="직사각형 32"/>
+            <p:cNvPr id="32" name="직사각형 31"/>
             <p:cNvSpPr/>
             <p:nvPr/>
           </p:nvSpPr>
@@ -39506,7 +40018,7 @@
         </p:sp>
         <p:sp>
           <p:nvSpPr>
-            <p:cNvPr id="38" name="직사각형 37"/>
+            <p:cNvPr id="33" name="직사각형 32"/>
             <p:cNvSpPr/>
             <p:nvPr/>
           </p:nvSpPr>
@@ -39558,7 +40070,7 @@
     </p:spTree>
     <p:extLst>
       <p:ext uri="{BB962C8B-B14F-4D97-AF65-F5344CB8AC3E}">
-        <p14:creationId xmlns:p14="http://schemas.microsoft.com/office/powerpoint/2010/main" val="477577195"/>
+        <p14:creationId xmlns:p14="http://schemas.microsoft.com/office/powerpoint/2010/main" val="375859148"/>
       </p:ext>
     </p:extLst>
   </p:cSld>
@@ -39696,21 +40208,13 @@
                 </a:rPr>
                 <a:t>Q&amp;A</a:t>
               </a:r>
-              <a:endParaRPr lang="en-US" altLang="ko-KR" dirty="0">
-                <a:solidFill>
-                  <a:schemeClr val="tx1"/>
-                </a:solidFill>
-              </a:endParaRPr>
-            </a:p>
-            <a:p>
-              <a:pPr algn="ctr"/>
               <a:r>
                 <a:rPr lang="ko-KR" altLang="en-US" dirty="0" smtClean="0">
                   <a:solidFill>
                     <a:schemeClr val="tx1"/>
                   </a:solidFill>
                 </a:rPr>
-                <a:t>답변쓰기</a:t>
+                <a:t> 조회</a:t>
               </a:r>
               <a:endParaRPr lang="en-US" altLang="ko-KR" dirty="0" smtClean="0">
                 <a:solidFill>
@@ -40141,59 +40645,6 @@
       </p:sp>
       <p:sp>
         <p:nvSpPr>
-          <p:cNvPr id="30" name="직사각형 29"/>
-          <p:cNvSpPr/>
-          <p:nvPr/>
-        </p:nvSpPr>
-        <p:spPr>
-          <a:xfrm>
-            <a:off x="1259632" y="1008112"/>
-            <a:ext cx="6624736" cy="764704"/>
-          </a:xfrm>
-          <a:prstGeom prst="rect">
-            <a:avLst/>
-          </a:prstGeom>
-          <a:solidFill>
-            <a:schemeClr val="accent1">
-              <a:lumMod val="40000"/>
-              <a:lumOff val="60000"/>
-            </a:schemeClr>
-          </a:solidFill>
-        </p:spPr>
-        <p:style>
-          <a:lnRef idx="2">
-            <a:schemeClr val="accent1">
-              <a:shade val="50000"/>
-            </a:schemeClr>
-          </a:lnRef>
-          <a:fillRef idx="1">
-            <a:schemeClr val="accent1"/>
-          </a:fillRef>
-          <a:effectRef idx="0">
-            <a:schemeClr val="accent1"/>
-          </a:effectRef>
-          <a:fontRef idx="minor">
-            <a:schemeClr val="lt1"/>
-          </a:fontRef>
-        </p:style>
-        <p:txBody>
-          <a:bodyPr rtlCol="0" anchor="ctr"/>
-          <a:lstStyle/>
-          <a:p>
-            <a:pPr algn="ctr"/>
-            <a:r>
-              <a:rPr lang="ko-KR" altLang="en-US" dirty="0" smtClean="0"/>
-              <a:t>배</a:t>
-            </a:r>
-            <a:r>
-              <a:rPr lang="ko-KR" altLang="en-US" dirty="0"/>
-              <a:t>너</a:t>
-            </a:r>
-          </a:p>
-        </p:txBody>
-      </p:sp>
-      <p:sp>
-        <p:nvSpPr>
           <p:cNvPr id="37" name="직사각형 36"/>
           <p:cNvSpPr/>
           <p:nvPr/>
@@ -40282,14 +40733,14 @@
       </p:sp>
       <p:sp>
         <p:nvSpPr>
-          <p:cNvPr id="35" name="직사각형 34"/>
+          <p:cNvPr id="4" name="직사각형 3"/>
           <p:cNvSpPr/>
           <p:nvPr/>
         </p:nvSpPr>
         <p:spPr>
           <a:xfrm>
-            <a:off x="3140190" y="83164"/>
-            <a:ext cx="639722" cy="166328"/>
+            <a:off x="1835696" y="5445224"/>
+            <a:ext cx="845570" cy="288032"/>
           </a:xfrm>
           <a:prstGeom prst="rect">
             <a:avLst/>
@@ -40317,23 +40768,23 @@
           <a:p>
             <a:pPr algn="ctr"/>
             <a:r>
-              <a:rPr lang="ko-KR" altLang="en-US" sz="800" dirty="0" smtClean="0"/>
-              <a:t>로그아웃</a:t>
-            </a:r>
-            <a:endParaRPr lang="ko-KR" altLang="en-US" sz="800" dirty="0"/>
-          </a:p>
-        </p:txBody>
-      </p:sp>
-      <p:sp>
-        <p:nvSpPr>
-          <p:cNvPr id="40" name="직사각형 39"/>
+              <a:rPr lang="ko-KR" altLang="en-US" dirty="0" smtClean="0"/>
+              <a:t>목록</a:t>
+            </a:r>
+            <a:endParaRPr lang="ko-KR" altLang="en-US" dirty="0"/>
+          </a:p>
+        </p:txBody>
+      </p:sp>
+      <p:sp>
+        <p:nvSpPr>
+          <p:cNvPr id="36" name="직사각형 35"/>
           <p:cNvSpPr/>
           <p:nvPr/>
         </p:nvSpPr>
         <p:spPr>
           <a:xfrm>
-            <a:off x="7092280" y="83164"/>
-            <a:ext cx="720080" cy="166328"/>
+            <a:off x="5004048" y="5445224"/>
+            <a:ext cx="1082922" cy="288032"/>
           </a:xfrm>
           <a:prstGeom prst="rect">
             <a:avLst/>
@@ -40361,23 +40812,23 @@
           <a:p>
             <a:pPr algn="ctr"/>
             <a:r>
-              <a:rPr lang="ko-KR" altLang="en-US" sz="800" dirty="0" err="1" smtClean="0"/>
-              <a:t>마이페이지</a:t>
-            </a:r>
-            <a:endParaRPr lang="ko-KR" altLang="en-US" sz="800" dirty="0"/>
-          </a:p>
-        </p:txBody>
-      </p:sp>
-      <p:sp>
-        <p:nvSpPr>
-          <p:cNvPr id="41" name="직사각형 40"/>
+              <a:rPr lang="ko-KR" altLang="en-US" dirty="0" smtClean="0"/>
+              <a:t>답변</a:t>
+            </a:r>
+            <a:endParaRPr lang="ko-KR" altLang="en-US" dirty="0"/>
+          </a:p>
+        </p:txBody>
+      </p:sp>
+      <p:sp>
+        <p:nvSpPr>
+          <p:cNvPr id="35" name="직사각형 34"/>
           <p:cNvSpPr/>
           <p:nvPr/>
         </p:nvSpPr>
         <p:spPr>
           <a:xfrm>
-            <a:off x="6372200" y="83164"/>
-            <a:ext cx="648072" cy="166328"/>
+            <a:off x="3140190" y="83164"/>
+            <a:ext cx="639722" cy="166328"/>
           </a:xfrm>
           <a:prstGeom prst="rect">
             <a:avLst/>
@@ -40406,7 +40857,7 @@
             <a:pPr algn="ctr"/>
             <a:r>
               <a:rPr lang="ko-KR" altLang="en-US" sz="800" dirty="0" smtClean="0"/>
-              <a:t>상품관리</a:t>
+              <a:t>로그아웃</a:t>
             </a:r>
             <a:endParaRPr lang="ko-KR" altLang="en-US" sz="800" dirty="0"/>
           </a:p>
@@ -40414,14 +40865,14 @@
       </p:sp>
       <p:sp>
         <p:nvSpPr>
-          <p:cNvPr id="42" name="직사각형 41"/>
+          <p:cNvPr id="40" name="직사각형 39"/>
           <p:cNvSpPr/>
           <p:nvPr/>
         </p:nvSpPr>
         <p:spPr>
           <a:xfrm>
-            <a:off x="5114198" y="83164"/>
-            <a:ext cx="393906" cy="166328"/>
+            <a:off x="7092280" y="83164"/>
+            <a:ext cx="720080" cy="166328"/>
           </a:xfrm>
           <a:prstGeom prst="rect">
             <a:avLst/>
@@ -40449,8 +40900,8 @@
           <a:p>
             <a:pPr algn="ctr"/>
             <a:r>
-              <a:rPr lang="ko-KR" altLang="en-US" sz="800" dirty="0" smtClean="0"/>
-              <a:t>리뷰</a:t>
+              <a:rPr lang="ko-KR" altLang="en-US" sz="800" dirty="0" err="1" smtClean="0"/>
+              <a:t>마이페이지</a:t>
             </a:r>
             <a:endParaRPr lang="ko-KR" altLang="en-US" sz="800" dirty="0"/>
           </a:p>
@@ -40458,14 +40909,14 @@
       </p:sp>
       <p:sp>
         <p:nvSpPr>
-          <p:cNvPr id="43" name="직사각형 42"/>
+          <p:cNvPr id="41" name="직사각형 40"/>
           <p:cNvSpPr/>
           <p:nvPr/>
         </p:nvSpPr>
         <p:spPr>
           <a:xfrm>
-            <a:off x="4572000" y="83164"/>
-            <a:ext cx="465914" cy="166328"/>
+            <a:off x="6372200" y="83164"/>
+            <a:ext cx="648072" cy="166328"/>
           </a:xfrm>
           <a:prstGeom prst="rect">
             <a:avLst/>
@@ -40493,8 +40944,8 @@
           <a:p>
             <a:pPr algn="ctr"/>
             <a:r>
-              <a:rPr lang="en-US" altLang="ko-KR" sz="800" dirty="0" smtClean="0"/>
-              <a:t>Q&amp;A</a:t>
+              <a:rPr lang="ko-KR" altLang="en-US" sz="800" dirty="0" smtClean="0"/>
+              <a:t>상품관리</a:t>
             </a:r>
             <a:endParaRPr lang="ko-KR" altLang="en-US" sz="800" dirty="0"/>
           </a:p>
@@ -40502,14 +40953,14 @@
       </p:sp>
       <p:sp>
         <p:nvSpPr>
-          <p:cNvPr id="44" name="직사각형 43"/>
+          <p:cNvPr id="42" name="직사각형 41"/>
           <p:cNvSpPr/>
           <p:nvPr/>
         </p:nvSpPr>
         <p:spPr>
           <a:xfrm>
-            <a:off x="3890062" y="83164"/>
-            <a:ext cx="609930" cy="166328"/>
+            <a:off x="5114198" y="83164"/>
+            <a:ext cx="393906" cy="166328"/>
           </a:xfrm>
           <a:prstGeom prst="rect">
             <a:avLst/>
@@ -40538,25 +40989,22 @@
             <a:pPr algn="ctr"/>
             <a:r>
               <a:rPr lang="ko-KR" altLang="en-US" sz="800" dirty="0" smtClean="0"/>
-              <a:t>공지사</a:t>
-            </a:r>
-            <a:r>
-              <a:rPr lang="ko-KR" altLang="en-US" sz="800" dirty="0"/>
-              <a:t>항</a:t>
-            </a:r>
-          </a:p>
-        </p:txBody>
-      </p:sp>
-      <p:sp>
-        <p:nvSpPr>
-          <p:cNvPr id="45" name="직사각형 44"/>
+              <a:t>리뷰</a:t>
+            </a:r>
+            <a:endParaRPr lang="ko-KR" altLang="en-US" sz="800" dirty="0"/>
+          </a:p>
+        </p:txBody>
+      </p:sp>
+      <p:sp>
+        <p:nvSpPr>
+          <p:cNvPr id="43" name="직사각형 42"/>
           <p:cNvSpPr/>
           <p:nvPr/>
         </p:nvSpPr>
         <p:spPr>
           <a:xfrm>
-            <a:off x="5580112" y="83164"/>
-            <a:ext cx="720080" cy="166328"/>
+            <a:off x="4572000" y="83164"/>
+            <a:ext cx="465914" cy="166328"/>
           </a:xfrm>
           <a:prstGeom prst="rect">
             <a:avLst/>
@@ -40584,8 +41032,8 @@
           <a:p>
             <a:pPr algn="ctr"/>
             <a:r>
-              <a:rPr lang="ko-KR" altLang="en-US" sz="800" dirty="0" smtClean="0"/>
-              <a:t>게시판관리</a:t>
+              <a:rPr lang="en-US" altLang="ko-KR" sz="800" dirty="0" smtClean="0"/>
+              <a:t>Q&amp;A</a:t>
             </a:r>
             <a:endParaRPr lang="ko-KR" altLang="en-US" sz="800" dirty="0"/>
           </a:p>
@@ -40593,14 +41041,14 @@
       </p:sp>
       <p:sp>
         <p:nvSpPr>
-          <p:cNvPr id="46" name="직사각형 45"/>
+          <p:cNvPr id="44" name="직사각형 43"/>
           <p:cNvSpPr/>
           <p:nvPr/>
         </p:nvSpPr>
         <p:spPr>
           <a:xfrm>
-            <a:off x="2374709" y="83164"/>
-            <a:ext cx="613115" cy="166328"/>
+            <a:off x="3890062" y="83164"/>
+            <a:ext cx="609930" cy="166328"/>
           </a:xfrm>
           <a:prstGeom prst="rect">
             <a:avLst/>
@@ -40628,23 +41076,26 @@
           <a:p>
             <a:pPr algn="ctr"/>
             <a:r>
-              <a:rPr lang="ko-KR" altLang="en-US" sz="600" dirty="0" err="1" smtClean="0"/>
-              <a:t>로그인정보</a:t>
-            </a:r>
-            <a:endParaRPr lang="ko-KR" altLang="en-US" sz="600" dirty="0"/>
-          </a:p>
-        </p:txBody>
-      </p:sp>
-      <p:sp>
-        <p:nvSpPr>
-          <p:cNvPr id="31" name="직사각형 30"/>
+              <a:rPr lang="ko-KR" altLang="en-US" sz="800" dirty="0" smtClean="0"/>
+              <a:t>공지사</a:t>
+            </a:r>
+            <a:r>
+              <a:rPr lang="ko-KR" altLang="en-US" sz="800" dirty="0"/>
+              <a:t>항</a:t>
+            </a:r>
+          </a:p>
+        </p:txBody>
+      </p:sp>
+      <p:sp>
+        <p:nvSpPr>
+          <p:cNvPr id="45" name="직사각형 44"/>
           <p:cNvSpPr/>
           <p:nvPr/>
         </p:nvSpPr>
         <p:spPr>
           <a:xfrm>
-            <a:off x="6324774" y="5445224"/>
-            <a:ext cx="1082922" cy="288032"/>
+            <a:off x="5580112" y="83164"/>
+            <a:ext cx="720080" cy="166328"/>
           </a:xfrm>
           <a:prstGeom prst="rect">
             <a:avLst/>
@@ -40672,13 +41123,98 @@
           <a:p>
             <a:pPr algn="ctr"/>
             <a:r>
+              <a:rPr lang="ko-KR" altLang="en-US" sz="800" dirty="0" smtClean="0"/>
+              <a:t>게시판관리</a:t>
+            </a:r>
+            <a:endParaRPr lang="ko-KR" altLang="en-US" sz="800" dirty="0"/>
+          </a:p>
+        </p:txBody>
+      </p:sp>
+      <p:sp>
+        <p:nvSpPr>
+          <p:cNvPr id="46" name="직사각형 45"/>
+          <p:cNvSpPr/>
+          <p:nvPr/>
+        </p:nvSpPr>
+        <p:spPr>
+          <a:xfrm>
+            <a:off x="2374709" y="83164"/>
+            <a:ext cx="613115" cy="166328"/>
+          </a:xfrm>
+          <a:prstGeom prst="rect">
+            <a:avLst/>
+          </a:prstGeom>
+        </p:spPr>
+        <p:style>
+          <a:lnRef idx="2">
+            <a:schemeClr val="accent1">
+              <a:shade val="50000"/>
+            </a:schemeClr>
+          </a:lnRef>
+          <a:fillRef idx="1">
+            <a:schemeClr val="accent1"/>
+          </a:fillRef>
+          <a:effectRef idx="0">
+            <a:schemeClr val="accent1"/>
+          </a:effectRef>
+          <a:fontRef idx="minor">
+            <a:schemeClr val="lt1"/>
+          </a:fontRef>
+        </p:style>
+        <p:txBody>
+          <a:bodyPr rtlCol="0" anchor="ctr"/>
+          <a:lstStyle/>
+          <a:p>
+            <a:pPr algn="ctr"/>
+            <a:r>
+              <a:rPr lang="ko-KR" altLang="en-US" sz="600" dirty="0" err="1" smtClean="0"/>
+              <a:t>로그인정보</a:t>
+            </a:r>
+            <a:endParaRPr lang="ko-KR" altLang="en-US" sz="600" dirty="0"/>
+          </a:p>
+        </p:txBody>
+      </p:sp>
+      <p:sp>
+        <p:nvSpPr>
+          <p:cNvPr id="31" name="직사각형 30"/>
+          <p:cNvSpPr/>
+          <p:nvPr/>
+        </p:nvSpPr>
+        <p:spPr>
+          <a:xfrm>
+            <a:off x="6324774" y="5445224"/>
+            <a:ext cx="1082922" cy="288032"/>
+          </a:xfrm>
+          <a:prstGeom prst="rect">
+            <a:avLst/>
+          </a:prstGeom>
+        </p:spPr>
+        <p:style>
+          <a:lnRef idx="2">
+            <a:schemeClr val="accent1">
+              <a:shade val="50000"/>
+            </a:schemeClr>
+          </a:lnRef>
+          <a:fillRef idx="1">
+            <a:schemeClr val="accent1"/>
+          </a:fillRef>
+          <a:effectRef idx="0">
+            <a:schemeClr val="accent1"/>
+          </a:effectRef>
+          <a:fontRef idx="minor">
+            <a:schemeClr val="lt1"/>
+          </a:fontRef>
+        </p:style>
+        <p:txBody>
+          <a:bodyPr rtlCol="0" anchor="ctr"/>
+          <a:lstStyle/>
+          <a:p>
+            <a:pPr algn="ctr"/>
+            <a:r>
               <a:rPr lang="ko-KR" altLang="en-US" dirty="0" smtClean="0"/>
-              <a:t>등</a:t>
-            </a:r>
-            <a:r>
-              <a:rPr lang="ko-KR" altLang="en-US" dirty="0"/>
-              <a:t>록</a:t>
-            </a:r>
+              <a:t>삭제</a:t>
+            </a:r>
+            <a:endParaRPr lang="ko-KR" altLang="en-US" dirty="0"/>
           </a:p>
         </p:txBody>
       </p:sp>
@@ -40873,7 +41409,7 @@
     </p:spTree>
     <p:extLst>
       <p:ext uri="{BB962C8B-B14F-4D97-AF65-F5344CB8AC3E}">
-        <p14:creationId xmlns:p14="http://schemas.microsoft.com/office/powerpoint/2010/main" val="3279753645"/>
+        <p14:creationId xmlns:p14="http://schemas.microsoft.com/office/powerpoint/2010/main" val="477577195"/>
       </p:ext>
     </p:extLst>
   </p:cSld>
@@ -41004,84 +41540,28 @@
             <a:p>
               <a:pPr algn="ctr"/>
               <a:r>
+                <a:rPr lang="en-US" altLang="ko-KR" dirty="0" smtClean="0">
+                  <a:solidFill>
+                    <a:schemeClr val="tx1"/>
+                  </a:solidFill>
+                </a:rPr>
+                <a:t>Q&amp;A</a:t>
+              </a:r>
+              <a:endParaRPr lang="en-US" altLang="ko-KR" dirty="0">
+                <a:solidFill>
+                  <a:schemeClr val="tx1"/>
+                </a:solidFill>
+              </a:endParaRPr>
+            </a:p>
+            <a:p>
+              <a:pPr algn="ctr"/>
+              <a:r>
                 <a:rPr lang="ko-KR" altLang="en-US" dirty="0" smtClean="0">
                   <a:solidFill>
                     <a:schemeClr val="tx1"/>
                   </a:solidFill>
                 </a:rPr>
-                <a:t>리</a:t>
-              </a:r>
-              <a:r>
-                <a:rPr lang="ko-KR" altLang="en-US" dirty="0">
-                  <a:solidFill>
-                    <a:schemeClr val="tx1"/>
-                  </a:solidFill>
-                </a:rPr>
-                <a:t>뷰</a:t>
-              </a:r>
-              <a:r>
-                <a:rPr lang="ko-KR" altLang="en-US" dirty="0" smtClean="0">
-                  <a:solidFill>
-                    <a:schemeClr val="tx1"/>
-                  </a:solidFill>
-                </a:rPr>
-                <a:t> 조회</a:t>
-              </a:r>
-              <a:endParaRPr lang="en-US" altLang="ko-KR" dirty="0" smtClean="0">
-                <a:solidFill>
-                  <a:schemeClr val="tx1"/>
-                </a:solidFill>
-              </a:endParaRPr>
-            </a:p>
-            <a:p>
-              <a:pPr algn="ctr"/>
-              <a:r>
-                <a:rPr lang="ko-KR" altLang="en-US" dirty="0" smtClean="0">
-                  <a:solidFill>
-                    <a:schemeClr val="tx1"/>
-                  </a:solidFill>
-                </a:rPr>
-                <a:t>또는</a:t>
-              </a:r>
-              <a:endParaRPr lang="en-US" altLang="ko-KR" dirty="0" smtClean="0">
-                <a:solidFill>
-                  <a:schemeClr val="tx1"/>
-                </a:solidFill>
-              </a:endParaRPr>
-            </a:p>
-            <a:p>
-              <a:pPr algn="ctr"/>
-              <a:r>
-                <a:rPr lang="ko-KR" altLang="en-US" dirty="0" smtClean="0">
-                  <a:solidFill>
-                    <a:schemeClr val="tx1"/>
-                  </a:solidFill>
-                </a:rPr>
-                <a:t>공지사항</a:t>
-              </a:r>
-              <a:endParaRPr lang="en-US" altLang="ko-KR" dirty="0" smtClean="0">
-                <a:solidFill>
-                  <a:schemeClr val="tx1"/>
-                </a:solidFill>
-              </a:endParaRPr>
-            </a:p>
-            <a:p>
-              <a:pPr algn="ctr"/>
-              <a:r>
-                <a:rPr lang="ko-KR" altLang="en-US" dirty="0" smtClean="0">
-                  <a:solidFill>
-                    <a:schemeClr val="tx1"/>
-                  </a:solidFill>
-                </a:rPr>
-                <a:t>조</a:t>
-              </a:r>
-              <a:r>
-                <a:rPr lang="ko-KR" altLang="en-US" dirty="0">
-                  <a:solidFill>
-                    <a:schemeClr val="tx1"/>
-                  </a:solidFill>
-                </a:rPr>
-                <a:t>회</a:t>
+                <a:t>답변쓰기</a:t>
               </a:r>
               <a:endParaRPr lang="en-US" altLang="ko-KR" dirty="0" smtClean="0">
                 <a:solidFill>
@@ -41119,7 +41599,7 @@
             <a:p>
               <a:pPr algn="ctr"/>
               <a:r>
-                <a:rPr lang="en-US" altLang="ko-KR" dirty="0">
+                <a:rPr lang="en-US" altLang="ko-KR" dirty="0" smtClean="0">
                   <a:solidFill>
                     <a:schemeClr val="tx1"/>
                   </a:solidFill>
@@ -41127,7 +41607,7 @@
                 <a:t>(CSS</a:t>
               </a:r>
               <a:r>
-                <a:rPr lang="ko-KR" altLang="en-US" dirty="0">
+                <a:rPr lang="ko-KR" altLang="en-US" dirty="0" smtClean="0">
                   <a:solidFill>
                     <a:schemeClr val="tx1"/>
                   </a:solidFill>
@@ -41135,21 +41615,13 @@
                 <a:t>완료</a:t>
               </a:r>
               <a:r>
-                <a:rPr lang="en-US" altLang="ko-KR" dirty="0">
+                <a:rPr lang="en-US" altLang="ko-KR" dirty="0" smtClean="0">
                   <a:solidFill>
                     <a:schemeClr val="tx1"/>
                   </a:solidFill>
                 </a:rPr>
                 <a:t>)</a:t>
               </a:r>
-              <a:endParaRPr lang="ko-KR" altLang="en-US" dirty="0">
-                <a:solidFill>
-                  <a:schemeClr val="tx1"/>
-                </a:solidFill>
-              </a:endParaRPr>
-            </a:p>
-            <a:p>
-              <a:pPr algn="ctr"/>
               <a:endParaRPr lang="ko-KR" altLang="en-US" dirty="0">
                 <a:solidFill>
                   <a:schemeClr val="tx1"/>
@@ -41652,20 +42124,8 @@
           <a:p>
             <a:pPr algn="ctr"/>
             <a:r>
-              <a:rPr lang="ko-KR" altLang="en-US" dirty="0" smtClean="0"/>
-              <a:t>리뷰</a:t>
-            </a:r>
-            <a:r>
-              <a:rPr lang="en-US" altLang="ko-KR" dirty="0"/>
-              <a:t> </a:t>
-            </a:r>
-            <a:r>
               <a:rPr lang="en-US" altLang="ko-KR" dirty="0" smtClean="0"/>
-              <a:t>or </a:t>
-            </a:r>
-            <a:r>
-              <a:rPr lang="ko-KR" altLang="en-US" dirty="0" smtClean="0"/>
-              <a:t>공지사항</a:t>
+              <a:t>Q&amp;A</a:t>
             </a:r>
             <a:endParaRPr lang="ko-KR" altLang="en-US" dirty="0"/>
           </a:p>
@@ -41673,14 +42133,14 @@
       </p:sp>
       <p:sp>
         <p:nvSpPr>
-          <p:cNvPr id="4" name="직사각형 3"/>
+          <p:cNvPr id="35" name="직사각형 34"/>
           <p:cNvSpPr/>
           <p:nvPr/>
         </p:nvSpPr>
         <p:spPr>
           <a:xfrm>
-            <a:off x="1835696" y="5445224"/>
-            <a:ext cx="845570" cy="288032"/>
+            <a:off x="3140190" y="83164"/>
+            <a:ext cx="639722" cy="166328"/>
           </a:xfrm>
           <a:prstGeom prst="rect">
             <a:avLst/>
@@ -41708,23 +42168,23 @@
           <a:p>
             <a:pPr algn="ctr"/>
             <a:r>
-              <a:rPr lang="ko-KR" altLang="en-US" dirty="0" smtClean="0"/>
-              <a:t>목록</a:t>
-            </a:r>
-            <a:endParaRPr lang="ko-KR" altLang="en-US" dirty="0"/>
-          </a:p>
-        </p:txBody>
-      </p:sp>
-      <p:sp>
-        <p:nvSpPr>
-          <p:cNvPr id="35" name="직사각형 34"/>
+              <a:rPr lang="ko-KR" altLang="en-US" sz="800" dirty="0" smtClean="0"/>
+              <a:t>로그아웃</a:t>
+            </a:r>
+            <a:endParaRPr lang="ko-KR" altLang="en-US" sz="800" dirty="0"/>
+          </a:p>
+        </p:txBody>
+      </p:sp>
+      <p:sp>
+        <p:nvSpPr>
+          <p:cNvPr id="40" name="직사각형 39"/>
           <p:cNvSpPr/>
           <p:nvPr/>
         </p:nvSpPr>
         <p:spPr>
           <a:xfrm>
-            <a:off x="3140190" y="83164"/>
-            <a:ext cx="639722" cy="166328"/>
+            <a:off x="7092280" y="83164"/>
+            <a:ext cx="720080" cy="166328"/>
           </a:xfrm>
           <a:prstGeom prst="rect">
             <a:avLst/>
@@ -41752,8 +42212,8 @@
           <a:p>
             <a:pPr algn="ctr"/>
             <a:r>
-              <a:rPr lang="ko-KR" altLang="en-US" sz="800" dirty="0" smtClean="0"/>
-              <a:t>로그아웃</a:t>
+              <a:rPr lang="ko-KR" altLang="en-US" sz="800" dirty="0" err="1" smtClean="0"/>
+              <a:t>마이페이지</a:t>
             </a:r>
             <a:endParaRPr lang="ko-KR" altLang="en-US" sz="800" dirty="0"/>
           </a:p>
@@ -41761,14 +42221,14 @@
       </p:sp>
       <p:sp>
         <p:nvSpPr>
-          <p:cNvPr id="40" name="직사각형 39"/>
+          <p:cNvPr id="41" name="직사각형 40"/>
           <p:cNvSpPr/>
           <p:nvPr/>
         </p:nvSpPr>
         <p:spPr>
           <a:xfrm>
-            <a:off x="7092280" y="83164"/>
-            <a:ext cx="720080" cy="166328"/>
+            <a:off x="6372200" y="83164"/>
+            <a:ext cx="648072" cy="166328"/>
           </a:xfrm>
           <a:prstGeom prst="rect">
             <a:avLst/>
@@ -41796,8 +42256,8 @@
           <a:p>
             <a:pPr algn="ctr"/>
             <a:r>
-              <a:rPr lang="ko-KR" altLang="en-US" sz="800" dirty="0" err="1" smtClean="0"/>
-              <a:t>마이페이지</a:t>
+              <a:rPr lang="ko-KR" altLang="en-US" sz="800" dirty="0" smtClean="0"/>
+              <a:t>상품관리</a:t>
             </a:r>
             <a:endParaRPr lang="ko-KR" altLang="en-US" sz="800" dirty="0"/>
           </a:p>
@@ -41805,14 +42265,14 @@
       </p:sp>
       <p:sp>
         <p:nvSpPr>
-          <p:cNvPr id="41" name="직사각형 40"/>
+          <p:cNvPr id="42" name="직사각형 41"/>
           <p:cNvSpPr/>
           <p:nvPr/>
         </p:nvSpPr>
         <p:spPr>
           <a:xfrm>
-            <a:off x="6372200" y="83164"/>
-            <a:ext cx="648072" cy="166328"/>
+            <a:off x="5114198" y="83164"/>
+            <a:ext cx="393906" cy="166328"/>
           </a:xfrm>
           <a:prstGeom prst="rect">
             <a:avLst/>
@@ -41841,7 +42301,7 @@
             <a:pPr algn="ctr"/>
             <a:r>
               <a:rPr lang="ko-KR" altLang="en-US" sz="800" dirty="0" smtClean="0"/>
-              <a:t>상품관리</a:t>
+              <a:t>리뷰</a:t>
             </a:r>
             <a:endParaRPr lang="ko-KR" altLang="en-US" sz="800" dirty="0"/>
           </a:p>
@@ -41849,14 +42309,14 @@
       </p:sp>
       <p:sp>
         <p:nvSpPr>
-          <p:cNvPr id="42" name="직사각형 41"/>
+          <p:cNvPr id="43" name="직사각형 42"/>
           <p:cNvSpPr/>
           <p:nvPr/>
         </p:nvSpPr>
         <p:spPr>
           <a:xfrm>
-            <a:off x="5114198" y="83164"/>
-            <a:ext cx="393906" cy="166328"/>
+            <a:off x="4572000" y="83164"/>
+            <a:ext cx="465914" cy="166328"/>
           </a:xfrm>
           <a:prstGeom prst="rect">
             <a:avLst/>
@@ -41884,8 +42344,8 @@
           <a:p>
             <a:pPr algn="ctr"/>
             <a:r>
-              <a:rPr lang="ko-KR" altLang="en-US" sz="800" dirty="0" smtClean="0"/>
-              <a:t>리뷰</a:t>
+              <a:rPr lang="en-US" altLang="ko-KR" sz="800" dirty="0" smtClean="0"/>
+              <a:t>Q&amp;A</a:t>
             </a:r>
             <a:endParaRPr lang="ko-KR" altLang="en-US" sz="800" dirty="0"/>
           </a:p>
@@ -41893,14 +42353,14 @@
       </p:sp>
       <p:sp>
         <p:nvSpPr>
-          <p:cNvPr id="43" name="직사각형 42"/>
+          <p:cNvPr id="44" name="직사각형 43"/>
           <p:cNvSpPr/>
           <p:nvPr/>
         </p:nvSpPr>
         <p:spPr>
           <a:xfrm>
-            <a:off x="4572000" y="83164"/>
-            <a:ext cx="465914" cy="166328"/>
+            <a:off x="3890062" y="83164"/>
+            <a:ext cx="609930" cy="166328"/>
           </a:xfrm>
           <a:prstGeom prst="rect">
             <a:avLst/>
@@ -41928,23 +42388,26 @@
           <a:p>
             <a:pPr algn="ctr"/>
             <a:r>
-              <a:rPr lang="en-US" altLang="ko-KR" sz="800" dirty="0" smtClean="0"/>
-              <a:t>Q&amp;A</a:t>
-            </a:r>
-            <a:endParaRPr lang="ko-KR" altLang="en-US" sz="800" dirty="0"/>
-          </a:p>
-        </p:txBody>
-      </p:sp>
-      <p:sp>
-        <p:nvSpPr>
-          <p:cNvPr id="44" name="직사각형 43"/>
+              <a:rPr lang="ko-KR" altLang="en-US" sz="800" dirty="0" smtClean="0"/>
+              <a:t>공지사</a:t>
+            </a:r>
+            <a:r>
+              <a:rPr lang="ko-KR" altLang="en-US" sz="800" dirty="0"/>
+              <a:t>항</a:t>
+            </a:r>
+          </a:p>
+        </p:txBody>
+      </p:sp>
+      <p:sp>
+        <p:nvSpPr>
+          <p:cNvPr id="45" name="직사각형 44"/>
           <p:cNvSpPr/>
           <p:nvPr/>
         </p:nvSpPr>
         <p:spPr>
           <a:xfrm>
-            <a:off x="3890062" y="83164"/>
-            <a:ext cx="609930" cy="166328"/>
+            <a:off x="5580112" y="83164"/>
+            <a:ext cx="720080" cy="166328"/>
           </a:xfrm>
           <a:prstGeom prst="rect">
             <a:avLst/>
@@ -41973,25 +42436,22 @@
             <a:pPr algn="ctr"/>
             <a:r>
               <a:rPr lang="ko-KR" altLang="en-US" sz="800" dirty="0" smtClean="0"/>
-              <a:t>공지사</a:t>
-            </a:r>
-            <a:r>
-              <a:rPr lang="ko-KR" altLang="en-US" sz="800" dirty="0"/>
-              <a:t>항</a:t>
-            </a:r>
-          </a:p>
-        </p:txBody>
-      </p:sp>
-      <p:sp>
-        <p:nvSpPr>
-          <p:cNvPr id="45" name="직사각형 44"/>
+              <a:t>게시판관리</a:t>
+            </a:r>
+            <a:endParaRPr lang="ko-KR" altLang="en-US" sz="800" dirty="0"/>
+          </a:p>
+        </p:txBody>
+      </p:sp>
+      <p:sp>
+        <p:nvSpPr>
+          <p:cNvPr id="46" name="직사각형 45"/>
           <p:cNvSpPr/>
           <p:nvPr/>
         </p:nvSpPr>
         <p:spPr>
           <a:xfrm>
-            <a:off x="5580112" y="83164"/>
-            <a:ext cx="720080" cy="166328"/>
+            <a:off x="2374709" y="83164"/>
+            <a:ext cx="613115" cy="166328"/>
           </a:xfrm>
           <a:prstGeom prst="rect">
             <a:avLst/>
@@ -42019,23 +42479,23 @@
           <a:p>
             <a:pPr algn="ctr"/>
             <a:r>
-              <a:rPr lang="ko-KR" altLang="en-US" sz="800" dirty="0" smtClean="0"/>
-              <a:t>게시판관리</a:t>
-            </a:r>
-            <a:endParaRPr lang="ko-KR" altLang="en-US" sz="800" dirty="0"/>
-          </a:p>
-        </p:txBody>
-      </p:sp>
-      <p:sp>
-        <p:nvSpPr>
-          <p:cNvPr id="46" name="직사각형 45"/>
+              <a:rPr lang="ko-KR" altLang="en-US" sz="600" dirty="0" err="1" smtClean="0"/>
+              <a:t>로그인정보</a:t>
+            </a:r>
+            <a:endParaRPr lang="ko-KR" altLang="en-US" sz="600" dirty="0"/>
+          </a:p>
+        </p:txBody>
+      </p:sp>
+      <p:sp>
+        <p:nvSpPr>
+          <p:cNvPr id="31" name="직사각형 30"/>
           <p:cNvSpPr/>
           <p:nvPr/>
         </p:nvSpPr>
         <p:spPr>
           <a:xfrm>
-            <a:off x="2374709" y="83164"/>
-            <a:ext cx="613115" cy="166328"/>
+            <a:off x="6324774" y="5445224"/>
+            <a:ext cx="1082922" cy="288032"/>
           </a:xfrm>
           <a:prstGeom prst="rect">
             <a:avLst/>
@@ -42063,54 +42523,13 @@
           <a:p>
             <a:pPr algn="ctr"/>
             <a:r>
-              <a:rPr lang="ko-KR" altLang="en-US" sz="600" dirty="0" err="1" smtClean="0"/>
-              <a:t>로그인정보</a:t>
-            </a:r>
-            <a:endParaRPr lang="ko-KR" altLang="en-US" sz="600" dirty="0"/>
-          </a:p>
-        </p:txBody>
-      </p:sp>
-      <p:sp>
-        <p:nvSpPr>
-          <p:cNvPr id="31" name="직사각형 30"/>
-          <p:cNvSpPr/>
-          <p:nvPr/>
-        </p:nvSpPr>
-        <p:spPr>
-          <a:xfrm>
-            <a:off x="6324774" y="5445224"/>
-            <a:ext cx="1082922" cy="288032"/>
-          </a:xfrm>
-          <a:prstGeom prst="rect">
-            <a:avLst/>
-          </a:prstGeom>
-        </p:spPr>
-        <p:style>
-          <a:lnRef idx="2">
-            <a:schemeClr val="accent1">
-              <a:shade val="50000"/>
-            </a:schemeClr>
-          </a:lnRef>
-          <a:fillRef idx="1">
-            <a:schemeClr val="accent1"/>
-          </a:fillRef>
-          <a:effectRef idx="0">
-            <a:schemeClr val="accent1"/>
-          </a:effectRef>
-          <a:fontRef idx="minor">
-            <a:schemeClr val="lt1"/>
-          </a:fontRef>
-        </p:style>
-        <p:txBody>
-          <a:bodyPr rtlCol="0" anchor="ctr"/>
-          <a:lstStyle/>
-          <a:p>
-            <a:pPr algn="ctr"/>
-            <a:r>
               <a:rPr lang="ko-KR" altLang="en-US" dirty="0" smtClean="0"/>
-              <a:t>삭제</a:t>
-            </a:r>
-            <a:endParaRPr lang="ko-KR" altLang="en-US" dirty="0"/>
+              <a:t>등</a:t>
+            </a:r>
+            <a:r>
+              <a:rPr lang="ko-KR" altLang="en-US" dirty="0"/>
+              <a:t>록</a:t>
+            </a:r>
           </a:p>
         </p:txBody>
       </p:sp>
@@ -42253,7 +42672,7 @@
         </p:sp>
         <p:sp>
           <p:nvSpPr>
-            <p:cNvPr id="34" name="직사각형 33"/>
+            <p:cNvPr id="38" name="직사각형 37"/>
             <p:cNvSpPr/>
             <p:nvPr/>
           </p:nvSpPr>
@@ -42305,7 +42724,7 @@
     </p:spTree>
     <p:extLst>
       <p:ext uri="{BB962C8B-B14F-4D97-AF65-F5344CB8AC3E}">
-        <p14:creationId xmlns:p14="http://schemas.microsoft.com/office/powerpoint/2010/main" val="330375573"/>
+        <p14:creationId xmlns:p14="http://schemas.microsoft.com/office/powerpoint/2010/main" val="3279753645"/>
       </p:ext>
     </p:extLst>
   </p:cSld>
@@ -42441,7 +42860,79 @@
                     <a:schemeClr val="tx1"/>
                   </a:solidFill>
                 </a:rPr>
-                <a:t>주문 목록</a:t>
+                <a:t>리</a:t>
+              </a:r>
+              <a:r>
+                <a:rPr lang="ko-KR" altLang="en-US" dirty="0">
+                  <a:solidFill>
+                    <a:schemeClr val="tx1"/>
+                  </a:solidFill>
+                </a:rPr>
+                <a:t>뷰</a:t>
+              </a:r>
+              <a:r>
+                <a:rPr lang="ko-KR" altLang="en-US" dirty="0" smtClean="0">
+                  <a:solidFill>
+                    <a:schemeClr val="tx1"/>
+                  </a:solidFill>
+                </a:rPr>
+                <a:t> 조회</a:t>
+              </a:r>
+              <a:endParaRPr lang="en-US" altLang="ko-KR" dirty="0" smtClean="0">
+                <a:solidFill>
+                  <a:schemeClr val="tx1"/>
+                </a:solidFill>
+              </a:endParaRPr>
+            </a:p>
+            <a:p>
+              <a:pPr algn="ctr"/>
+              <a:r>
+                <a:rPr lang="ko-KR" altLang="en-US" dirty="0" smtClean="0">
+                  <a:solidFill>
+                    <a:schemeClr val="tx1"/>
+                  </a:solidFill>
+                </a:rPr>
+                <a:t>또는</a:t>
+              </a:r>
+              <a:endParaRPr lang="en-US" altLang="ko-KR" dirty="0" smtClean="0">
+                <a:solidFill>
+                  <a:schemeClr val="tx1"/>
+                </a:solidFill>
+              </a:endParaRPr>
+            </a:p>
+            <a:p>
+              <a:pPr algn="ctr"/>
+              <a:r>
+                <a:rPr lang="ko-KR" altLang="en-US" dirty="0" smtClean="0">
+                  <a:solidFill>
+                    <a:schemeClr val="tx1"/>
+                  </a:solidFill>
+                </a:rPr>
+                <a:t>공지사항</a:t>
+              </a:r>
+              <a:endParaRPr lang="en-US" altLang="ko-KR" dirty="0" smtClean="0">
+                <a:solidFill>
+                  <a:schemeClr val="tx1"/>
+                </a:solidFill>
+              </a:endParaRPr>
+            </a:p>
+            <a:p>
+              <a:pPr algn="ctr"/>
+              <a:r>
+                <a:rPr lang="ko-KR" altLang="en-US" dirty="0" smtClean="0">
+                  <a:solidFill>
+                    <a:schemeClr val="tx1"/>
+                  </a:solidFill>
+                </a:rPr>
+                <a:t>조</a:t>
+              </a:r>
+              <a:r>
+                <a:rPr lang="ko-KR" altLang="en-US" dirty="0">
+                  <a:solidFill>
+                    <a:schemeClr val="tx1"/>
+                  </a:solidFill>
+                </a:rPr>
+                <a:t>회</a:t>
               </a:r>
               <a:endParaRPr lang="en-US" altLang="ko-KR" dirty="0" smtClean="0">
                 <a:solidFill>
@@ -42479,7 +42970,7 @@
             <a:p>
               <a:pPr algn="ctr"/>
               <a:r>
-                <a:rPr lang="en-US" altLang="ko-KR" dirty="0" smtClean="0">
+                <a:rPr lang="en-US" altLang="ko-KR" dirty="0">
                   <a:solidFill>
                     <a:schemeClr val="tx1"/>
                   </a:solidFill>
@@ -42487,7 +42978,7 @@
                 <a:t>(CSS</a:t>
               </a:r>
               <a:r>
-                <a:rPr lang="ko-KR" altLang="en-US" dirty="0" smtClean="0">
+                <a:rPr lang="ko-KR" altLang="en-US" dirty="0">
                   <a:solidFill>
                     <a:schemeClr val="tx1"/>
                   </a:solidFill>
@@ -42495,13 +42986,21 @@
                 <a:t>완료</a:t>
               </a:r>
               <a:r>
-                <a:rPr lang="en-US" altLang="ko-KR" dirty="0" smtClean="0">
+                <a:rPr lang="en-US" altLang="ko-KR" dirty="0">
                   <a:solidFill>
                     <a:schemeClr val="tx1"/>
                   </a:solidFill>
                 </a:rPr>
                 <a:t>)</a:t>
               </a:r>
+              <a:endParaRPr lang="ko-KR" altLang="en-US" dirty="0">
+                <a:solidFill>
+                  <a:schemeClr val="tx1"/>
+                </a:solidFill>
+              </a:endParaRPr>
+            </a:p>
+            <a:p>
+              <a:pPr algn="ctr"/>
               <a:endParaRPr lang="ko-KR" altLang="en-US" dirty="0">
                 <a:solidFill>
                   <a:schemeClr val="tx1"/>
@@ -42872,6 +43371,59 @@
       </p:sp>
       <p:sp>
         <p:nvSpPr>
+          <p:cNvPr id="30" name="직사각형 29"/>
+          <p:cNvSpPr/>
+          <p:nvPr/>
+        </p:nvSpPr>
+        <p:spPr>
+          <a:xfrm>
+            <a:off x="1259632" y="1008112"/>
+            <a:ext cx="6624736" cy="764704"/>
+          </a:xfrm>
+          <a:prstGeom prst="rect">
+            <a:avLst/>
+          </a:prstGeom>
+          <a:solidFill>
+            <a:schemeClr val="accent1">
+              <a:lumMod val="40000"/>
+              <a:lumOff val="60000"/>
+            </a:schemeClr>
+          </a:solidFill>
+        </p:spPr>
+        <p:style>
+          <a:lnRef idx="2">
+            <a:schemeClr val="accent1">
+              <a:shade val="50000"/>
+            </a:schemeClr>
+          </a:lnRef>
+          <a:fillRef idx="1">
+            <a:schemeClr val="accent1"/>
+          </a:fillRef>
+          <a:effectRef idx="0">
+            <a:schemeClr val="accent1"/>
+          </a:effectRef>
+          <a:fontRef idx="minor">
+            <a:schemeClr val="lt1"/>
+          </a:fontRef>
+        </p:style>
+        <p:txBody>
+          <a:bodyPr rtlCol="0" anchor="ctr"/>
+          <a:lstStyle/>
+          <a:p>
+            <a:pPr algn="ctr"/>
+            <a:r>
+              <a:rPr lang="ko-KR" altLang="en-US" dirty="0" smtClean="0"/>
+              <a:t>배</a:t>
+            </a:r>
+            <a:r>
+              <a:rPr lang="ko-KR" altLang="en-US" dirty="0"/>
+              <a:t>너</a:t>
+            </a:r>
+          </a:p>
+        </p:txBody>
+      </p:sp>
+      <p:sp>
+        <p:nvSpPr>
           <p:cNvPr id="37" name="직사각형 36"/>
           <p:cNvSpPr/>
           <p:nvPr/>
@@ -42916,14 +43468,14 @@
       </p:sp>
       <p:sp>
         <p:nvSpPr>
-          <p:cNvPr id="35" name="직사각형 34"/>
+          <p:cNvPr id="3" name="직사각형 2"/>
           <p:cNvSpPr/>
           <p:nvPr/>
         </p:nvSpPr>
         <p:spPr>
           <a:xfrm>
-            <a:off x="3140190" y="83164"/>
-            <a:ext cx="639722" cy="166328"/>
+            <a:off x="1835696" y="2132856"/>
+            <a:ext cx="5572000" cy="3168352"/>
           </a:xfrm>
           <a:prstGeom prst="rect">
             <a:avLst/>
@@ -42951,23 +43503,35 @@
           <a:p>
             <a:pPr algn="ctr"/>
             <a:r>
-              <a:rPr lang="ko-KR" altLang="en-US" sz="800" dirty="0" smtClean="0"/>
-              <a:t>로그아웃</a:t>
-            </a:r>
-            <a:endParaRPr lang="ko-KR" altLang="en-US" sz="800" dirty="0"/>
-          </a:p>
-        </p:txBody>
-      </p:sp>
-      <p:sp>
-        <p:nvSpPr>
-          <p:cNvPr id="40" name="직사각형 39"/>
+              <a:rPr lang="ko-KR" altLang="en-US" dirty="0" smtClean="0"/>
+              <a:t>리뷰</a:t>
+            </a:r>
+            <a:r>
+              <a:rPr lang="en-US" altLang="ko-KR" dirty="0"/>
+              <a:t> </a:t>
+            </a:r>
+            <a:r>
+              <a:rPr lang="en-US" altLang="ko-KR" dirty="0" smtClean="0"/>
+              <a:t>or </a:t>
+            </a:r>
+            <a:r>
+              <a:rPr lang="ko-KR" altLang="en-US" dirty="0" smtClean="0"/>
+              <a:t>공지사항</a:t>
+            </a:r>
+            <a:endParaRPr lang="ko-KR" altLang="en-US" dirty="0"/>
+          </a:p>
+        </p:txBody>
+      </p:sp>
+      <p:sp>
+        <p:nvSpPr>
+          <p:cNvPr id="4" name="직사각형 3"/>
           <p:cNvSpPr/>
           <p:nvPr/>
         </p:nvSpPr>
         <p:spPr>
           <a:xfrm>
-            <a:off x="7092280" y="83164"/>
-            <a:ext cx="720080" cy="166328"/>
+            <a:off x="1835696" y="5445224"/>
+            <a:ext cx="845570" cy="288032"/>
           </a:xfrm>
           <a:prstGeom prst="rect">
             <a:avLst/>
@@ -42995,23 +43559,23 @@
           <a:p>
             <a:pPr algn="ctr"/>
             <a:r>
-              <a:rPr lang="ko-KR" altLang="en-US" sz="800" dirty="0" err="1" smtClean="0"/>
-              <a:t>마이페이지</a:t>
-            </a:r>
-            <a:endParaRPr lang="ko-KR" altLang="en-US" sz="800" dirty="0"/>
-          </a:p>
-        </p:txBody>
-      </p:sp>
-      <p:sp>
-        <p:nvSpPr>
-          <p:cNvPr id="41" name="직사각형 40"/>
+              <a:rPr lang="ko-KR" altLang="en-US" dirty="0" smtClean="0"/>
+              <a:t>목록</a:t>
+            </a:r>
+            <a:endParaRPr lang="ko-KR" altLang="en-US" dirty="0"/>
+          </a:p>
+        </p:txBody>
+      </p:sp>
+      <p:sp>
+        <p:nvSpPr>
+          <p:cNvPr id="35" name="직사각형 34"/>
           <p:cNvSpPr/>
           <p:nvPr/>
         </p:nvSpPr>
         <p:spPr>
           <a:xfrm>
-            <a:off x="6372200" y="83164"/>
-            <a:ext cx="648072" cy="166328"/>
+            <a:off x="3140190" y="83164"/>
+            <a:ext cx="639722" cy="166328"/>
           </a:xfrm>
           <a:prstGeom prst="rect">
             <a:avLst/>
@@ -43040,7 +43604,7 @@
             <a:pPr algn="ctr"/>
             <a:r>
               <a:rPr lang="ko-KR" altLang="en-US" sz="800" dirty="0" smtClean="0"/>
-              <a:t>상품관리</a:t>
+              <a:t>로그아웃</a:t>
             </a:r>
             <a:endParaRPr lang="ko-KR" altLang="en-US" sz="800" dirty="0"/>
           </a:p>
@@ -43048,14 +43612,14 @@
       </p:sp>
       <p:sp>
         <p:nvSpPr>
-          <p:cNvPr id="42" name="직사각형 41"/>
+          <p:cNvPr id="40" name="직사각형 39"/>
           <p:cNvSpPr/>
           <p:nvPr/>
         </p:nvSpPr>
         <p:spPr>
           <a:xfrm>
-            <a:off x="5114198" y="83164"/>
-            <a:ext cx="393906" cy="166328"/>
+            <a:off x="7092280" y="83164"/>
+            <a:ext cx="720080" cy="166328"/>
           </a:xfrm>
           <a:prstGeom prst="rect">
             <a:avLst/>
@@ -43083,8 +43647,8 @@
           <a:p>
             <a:pPr algn="ctr"/>
             <a:r>
-              <a:rPr lang="ko-KR" altLang="en-US" sz="800" dirty="0" smtClean="0"/>
-              <a:t>리뷰</a:t>
+              <a:rPr lang="ko-KR" altLang="en-US" sz="800" dirty="0" err="1" smtClean="0"/>
+              <a:t>마이페이지</a:t>
             </a:r>
             <a:endParaRPr lang="ko-KR" altLang="en-US" sz="800" dirty="0"/>
           </a:p>
@@ -43092,14 +43656,14 @@
       </p:sp>
       <p:sp>
         <p:nvSpPr>
-          <p:cNvPr id="43" name="직사각형 42"/>
+          <p:cNvPr id="41" name="직사각형 40"/>
           <p:cNvSpPr/>
           <p:nvPr/>
         </p:nvSpPr>
         <p:spPr>
           <a:xfrm>
-            <a:off x="4572000" y="83164"/>
-            <a:ext cx="465914" cy="166328"/>
+            <a:off x="6372200" y="83164"/>
+            <a:ext cx="648072" cy="166328"/>
           </a:xfrm>
           <a:prstGeom prst="rect">
             <a:avLst/>
@@ -43127,8 +43691,8 @@
           <a:p>
             <a:pPr algn="ctr"/>
             <a:r>
-              <a:rPr lang="en-US" altLang="ko-KR" sz="800" dirty="0" smtClean="0"/>
-              <a:t>Q&amp;A</a:t>
+              <a:rPr lang="ko-KR" altLang="en-US" sz="800" dirty="0" smtClean="0"/>
+              <a:t>상품관리</a:t>
             </a:r>
             <a:endParaRPr lang="ko-KR" altLang="en-US" sz="800" dirty="0"/>
           </a:p>
@@ -43136,14 +43700,14 @@
       </p:sp>
       <p:sp>
         <p:nvSpPr>
-          <p:cNvPr id="44" name="직사각형 43"/>
+          <p:cNvPr id="42" name="직사각형 41"/>
           <p:cNvSpPr/>
           <p:nvPr/>
         </p:nvSpPr>
         <p:spPr>
           <a:xfrm>
-            <a:off x="3890062" y="83164"/>
-            <a:ext cx="609930" cy="166328"/>
+            <a:off x="5114198" y="83164"/>
+            <a:ext cx="393906" cy="166328"/>
           </a:xfrm>
           <a:prstGeom prst="rect">
             <a:avLst/>
@@ -43172,25 +43736,22 @@
             <a:pPr algn="ctr"/>
             <a:r>
               <a:rPr lang="ko-KR" altLang="en-US" sz="800" dirty="0" smtClean="0"/>
-              <a:t>공지사</a:t>
-            </a:r>
-            <a:r>
-              <a:rPr lang="ko-KR" altLang="en-US" sz="800" dirty="0"/>
-              <a:t>항</a:t>
-            </a:r>
-          </a:p>
-        </p:txBody>
-      </p:sp>
-      <p:sp>
-        <p:nvSpPr>
-          <p:cNvPr id="45" name="직사각형 44"/>
+              <a:t>리뷰</a:t>
+            </a:r>
+            <a:endParaRPr lang="ko-KR" altLang="en-US" sz="800" dirty="0"/>
+          </a:p>
+        </p:txBody>
+      </p:sp>
+      <p:sp>
+        <p:nvSpPr>
+          <p:cNvPr id="43" name="직사각형 42"/>
           <p:cNvSpPr/>
           <p:nvPr/>
         </p:nvSpPr>
         <p:spPr>
           <a:xfrm>
-            <a:off x="5580112" y="83164"/>
-            <a:ext cx="720080" cy="166328"/>
+            <a:off x="4572000" y="83164"/>
+            <a:ext cx="465914" cy="166328"/>
           </a:xfrm>
           <a:prstGeom prst="rect">
             <a:avLst/>
@@ -43218,8 +43779,8 @@
           <a:p>
             <a:pPr algn="ctr"/>
             <a:r>
-              <a:rPr lang="ko-KR" altLang="en-US" sz="800" dirty="0" smtClean="0"/>
-              <a:t>게시판관리</a:t>
+              <a:rPr lang="en-US" altLang="ko-KR" sz="800" dirty="0" smtClean="0"/>
+              <a:t>Q&amp;A</a:t>
             </a:r>
             <a:endParaRPr lang="ko-KR" altLang="en-US" sz="800" dirty="0"/>
           </a:p>
@@ -43227,14 +43788,14 @@
       </p:sp>
       <p:sp>
         <p:nvSpPr>
-          <p:cNvPr id="46" name="직사각형 45"/>
+          <p:cNvPr id="44" name="직사각형 43"/>
           <p:cNvSpPr/>
           <p:nvPr/>
         </p:nvSpPr>
         <p:spPr>
           <a:xfrm>
-            <a:off x="2374709" y="83164"/>
-            <a:ext cx="613115" cy="166328"/>
+            <a:off x="3890062" y="83164"/>
+            <a:ext cx="609930" cy="166328"/>
           </a:xfrm>
           <a:prstGeom prst="rect">
             <a:avLst/>
@@ -43262,23 +43823,26 @@
           <a:p>
             <a:pPr algn="ctr"/>
             <a:r>
-              <a:rPr lang="ko-KR" altLang="en-US" sz="600" dirty="0" err="1" smtClean="0"/>
-              <a:t>로그인정보</a:t>
-            </a:r>
-            <a:endParaRPr lang="ko-KR" altLang="en-US" sz="600" dirty="0"/>
-          </a:p>
-        </p:txBody>
-      </p:sp>
-      <p:sp>
-        <p:nvSpPr>
-          <p:cNvPr id="33" name="직사각형 32"/>
+              <a:rPr lang="ko-KR" altLang="en-US" sz="800" dirty="0" smtClean="0"/>
+              <a:t>공지사</a:t>
+            </a:r>
+            <a:r>
+              <a:rPr lang="ko-KR" altLang="en-US" sz="800" dirty="0"/>
+              <a:t>항</a:t>
+            </a:r>
+          </a:p>
+        </p:txBody>
+      </p:sp>
+      <p:sp>
+        <p:nvSpPr>
+          <p:cNvPr id="45" name="직사각형 44"/>
           <p:cNvSpPr/>
           <p:nvPr/>
         </p:nvSpPr>
         <p:spPr>
           <a:xfrm>
-            <a:off x="1835696" y="2542335"/>
-            <a:ext cx="5572000" cy="2448272"/>
+            <a:off x="5580112" y="83164"/>
+            <a:ext cx="720080" cy="166328"/>
           </a:xfrm>
           <a:prstGeom prst="rect">
             <a:avLst/>
@@ -43305,436 +43869,24 @@
           <a:lstStyle/>
           <a:p>
             <a:pPr algn="ctr"/>
-            <a:endParaRPr lang="ko-KR" altLang="en-US" dirty="0"/>
-          </a:p>
-        </p:txBody>
-      </p:sp>
-      <p:sp>
-        <p:nvSpPr>
-          <p:cNvPr id="34" name="직사각형 33"/>
+            <a:r>
+              <a:rPr lang="ko-KR" altLang="en-US" sz="800" dirty="0" smtClean="0"/>
+              <a:t>게시판관리</a:t>
+            </a:r>
+            <a:endParaRPr lang="ko-KR" altLang="en-US" sz="800" dirty="0"/>
+          </a:p>
+        </p:txBody>
+      </p:sp>
+      <p:sp>
+        <p:nvSpPr>
+          <p:cNvPr id="46" name="직사각형 45"/>
           <p:cNvSpPr/>
           <p:nvPr/>
         </p:nvSpPr>
         <p:spPr>
           <a:xfrm>
-            <a:off x="2051720" y="2758359"/>
-            <a:ext cx="4032448" cy="360040"/>
-          </a:xfrm>
-          <a:prstGeom prst="rect">
-            <a:avLst/>
-          </a:prstGeom>
-          <a:solidFill>
-            <a:schemeClr val="accent1">
-              <a:lumMod val="40000"/>
-              <a:lumOff val="60000"/>
-            </a:schemeClr>
-          </a:solidFill>
-        </p:spPr>
-        <p:style>
-          <a:lnRef idx="2">
-            <a:schemeClr val="accent1">
-              <a:shade val="50000"/>
-            </a:schemeClr>
-          </a:lnRef>
-          <a:fillRef idx="1">
-            <a:schemeClr val="accent1"/>
-          </a:fillRef>
-          <a:effectRef idx="0">
-            <a:schemeClr val="accent1"/>
-          </a:effectRef>
-          <a:fontRef idx="minor">
-            <a:schemeClr val="lt1"/>
-          </a:fontRef>
-        </p:style>
-        <p:txBody>
-          <a:bodyPr rtlCol="0" anchor="ctr"/>
-          <a:lstStyle/>
-          <a:p>
-            <a:pPr algn="ctr"/>
-            <a:r>
-              <a:rPr lang="ko-KR" altLang="en-US" dirty="0" smtClean="0"/>
-              <a:t>주문번호 </a:t>
-            </a:r>
-            <a:r>
-              <a:rPr lang="en-US" altLang="ko-KR" dirty="0" smtClean="0"/>
-              <a:t>1</a:t>
-            </a:r>
-            <a:endParaRPr lang="ko-KR" altLang="en-US" dirty="0"/>
-          </a:p>
-        </p:txBody>
-      </p:sp>
-      <p:sp>
-        <p:nvSpPr>
-          <p:cNvPr id="36" name="직사각형 35"/>
-          <p:cNvSpPr/>
-          <p:nvPr/>
-        </p:nvSpPr>
-        <p:spPr>
-          <a:xfrm>
-            <a:off x="2051720" y="3298419"/>
-            <a:ext cx="4032448" cy="360040"/>
-          </a:xfrm>
-          <a:prstGeom prst="rect">
-            <a:avLst/>
-          </a:prstGeom>
-          <a:solidFill>
-            <a:schemeClr val="accent1">
-              <a:lumMod val="40000"/>
-              <a:lumOff val="60000"/>
-            </a:schemeClr>
-          </a:solidFill>
-        </p:spPr>
-        <p:style>
-          <a:lnRef idx="2">
-            <a:schemeClr val="accent1">
-              <a:shade val="50000"/>
-            </a:schemeClr>
-          </a:lnRef>
-          <a:fillRef idx="1">
-            <a:schemeClr val="accent1"/>
-          </a:fillRef>
-          <a:effectRef idx="0">
-            <a:schemeClr val="accent1"/>
-          </a:effectRef>
-          <a:fontRef idx="minor">
-            <a:schemeClr val="lt1"/>
-          </a:fontRef>
-        </p:style>
-        <p:txBody>
-          <a:bodyPr rtlCol="0" anchor="ctr"/>
-          <a:lstStyle/>
-          <a:p>
-            <a:pPr algn="ctr"/>
-            <a:r>
-              <a:rPr lang="ko-KR" altLang="en-US" dirty="0" smtClean="0"/>
-              <a:t>주문번호 </a:t>
-            </a:r>
-            <a:r>
-              <a:rPr lang="en-US" altLang="ko-KR" dirty="0" smtClean="0"/>
-              <a:t>2</a:t>
-            </a:r>
-            <a:endParaRPr lang="ko-KR" altLang="en-US" dirty="0"/>
-          </a:p>
-        </p:txBody>
-      </p:sp>
-      <p:sp>
-        <p:nvSpPr>
-          <p:cNvPr id="38" name="직사각형 37"/>
-          <p:cNvSpPr/>
-          <p:nvPr/>
-        </p:nvSpPr>
-        <p:spPr>
-          <a:xfrm>
-            <a:off x="2051720" y="3838479"/>
-            <a:ext cx="4032448" cy="360040"/>
-          </a:xfrm>
-          <a:prstGeom prst="rect">
-            <a:avLst/>
-          </a:prstGeom>
-          <a:solidFill>
-            <a:schemeClr val="accent1">
-              <a:lumMod val="40000"/>
-              <a:lumOff val="60000"/>
-            </a:schemeClr>
-          </a:solidFill>
-        </p:spPr>
-        <p:style>
-          <a:lnRef idx="2">
-            <a:schemeClr val="accent1">
-              <a:shade val="50000"/>
-            </a:schemeClr>
-          </a:lnRef>
-          <a:fillRef idx="1">
-            <a:schemeClr val="accent1"/>
-          </a:fillRef>
-          <a:effectRef idx="0">
-            <a:schemeClr val="accent1"/>
-          </a:effectRef>
-          <a:fontRef idx="minor">
-            <a:schemeClr val="lt1"/>
-          </a:fontRef>
-        </p:style>
-        <p:txBody>
-          <a:bodyPr rtlCol="0" anchor="ctr"/>
-          <a:lstStyle/>
-          <a:p>
-            <a:pPr algn="ctr"/>
-            <a:r>
-              <a:rPr lang="ko-KR" altLang="en-US" dirty="0" smtClean="0"/>
-              <a:t>주문번호 </a:t>
-            </a:r>
-            <a:r>
-              <a:rPr lang="en-US" altLang="ko-KR" dirty="0" smtClean="0"/>
-              <a:t>3</a:t>
-            </a:r>
-            <a:endParaRPr lang="ko-KR" altLang="en-US" dirty="0"/>
-          </a:p>
-        </p:txBody>
-      </p:sp>
-      <p:sp>
-        <p:nvSpPr>
-          <p:cNvPr id="39" name="직사각형 38"/>
-          <p:cNvSpPr/>
-          <p:nvPr/>
-        </p:nvSpPr>
-        <p:spPr>
-          <a:xfrm>
-            <a:off x="2051720" y="4342535"/>
-            <a:ext cx="4032448" cy="360040"/>
-          </a:xfrm>
-          <a:prstGeom prst="rect">
-            <a:avLst/>
-          </a:prstGeom>
-          <a:solidFill>
-            <a:schemeClr val="accent1">
-              <a:lumMod val="40000"/>
-              <a:lumOff val="60000"/>
-            </a:schemeClr>
-          </a:solidFill>
-        </p:spPr>
-        <p:style>
-          <a:lnRef idx="2">
-            <a:schemeClr val="accent1">
-              <a:shade val="50000"/>
-            </a:schemeClr>
-          </a:lnRef>
-          <a:fillRef idx="1">
-            <a:schemeClr val="accent1"/>
-          </a:fillRef>
-          <a:effectRef idx="0">
-            <a:schemeClr val="accent1"/>
-          </a:effectRef>
-          <a:fontRef idx="minor">
-            <a:schemeClr val="lt1"/>
-          </a:fontRef>
-        </p:style>
-        <p:txBody>
-          <a:bodyPr rtlCol="0" anchor="ctr"/>
-          <a:lstStyle/>
-          <a:p>
-            <a:pPr algn="ctr"/>
-            <a:r>
-              <a:rPr lang="ko-KR" altLang="en-US" dirty="0" smtClean="0"/>
-              <a:t>주문번호 </a:t>
-            </a:r>
-            <a:r>
-              <a:rPr lang="en-US" altLang="ko-KR" dirty="0" smtClean="0"/>
-              <a:t>4</a:t>
-            </a:r>
-            <a:endParaRPr lang="ko-KR" altLang="en-US" dirty="0"/>
-          </a:p>
-        </p:txBody>
-      </p:sp>
-      <p:sp>
-        <p:nvSpPr>
-          <p:cNvPr id="50" name="직사각형 49"/>
-          <p:cNvSpPr/>
-          <p:nvPr/>
-        </p:nvSpPr>
-        <p:spPr>
-          <a:xfrm>
-            <a:off x="6300192" y="2758359"/>
-            <a:ext cx="1008112" cy="360040"/>
-          </a:xfrm>
-          <a:prstGeom prst="rect">
-            <a:avLst/>
-          </a:prstGeom>
-          <a:solidFill>
-            <a:schemeClr val="tx2">
-              <a:lumMod val="40000"/>
-              <a:lumOff val="60000"/>
-            </a:schemeClr>
-          </a:solidFill>
-        </p:spPr>
-        <p:style>
-          <a:lnRef idx="2">
-            <a:schemeClr val="accent1">
-              <a:shade val="50000"/>
-            </a:schemeClr>
-          </a:lnRef>
-          <a:fillRef idx="1">
-            <a:schemeClr val="accent1"/>
-          </a:fillRef>
-          <a:effectRef idx="0">
-            <a:schemeClr val="accent1"/>
-          </a:effectRef>
-          <a:fontRef idx="minor">
-            <a:schemeClr val="lt1"/>
-          </a:fontRef>
-        </p:style>
-        <p:txBody>
-          <a:bodyPr rtlCol="0" anchor="ctr"/>
-          <a:lstStyle/>
-          <a:p>
-            <a:pPr algn="ctr"/>
-            <a:r>
-              <a:rPr lang="ko-KR" altLang="en-US" sz="1600" dirty="0" smtClean="0"/>
-              <a:t>주문상태</a:t>
-            </a:r>
-            <a:endParaRPr lang="ko-KR" altLang="en-US" sz="1600" dirty="0"/>
-          </a:p>
-        </p:txBody>
-      </p:sp>
-      <p:sp>
-        <p:nvSpPr>
-          <p:cNvPr id="54" name="직사각형 53"/>
-          <p:cNvSpPr/>
-          <p:nvPr/>
-        </p:nvSpPr>
-        <p:spPr>
-          <a:xfrm>
-            <a:off x="6300192" y="3298419"/>
-            <a:ext cx="1008112" cy="360040"/>
-          </a:xfrm>
-          <a:prstGeom prst="rect">
-            <a:avLst/>
-          </a:prstGeom>
-          <a:solidFill>
-            <a:schemeClr val="tx2">
-              <a:lumMod val="40000"/>
-              <a:lumOff val="60000"/>
-            </a:schemeClr>
-          </a:solidFill>
-        </p:spPr>
-        <p:style>
-          <a:lnRef idx="2">
-            <a:schemeClr val="accent1">
-              <a:shade val="50000"/>
-            </a:schemeClr>
-          </a:lnRef>
-          <a:fillRef idx="1">
-            <a:schemeClr val="accent1"/>
-          </a:fillRef>
-          <a:effectRef idx="0">
-            <a:schemeClr val="accent1"/>
-          </a:effectRef>
-          <a:fontRef idx="minor">
-            <a:schemeClr val="lt1"/>
-          </a:fontRef>
-        </p:style>
-        <p:txBody>
-          <a:bodyPr rtlCol="0" anchor="ctr"/>
-          <a:lstStyle/>
-          <a:p>
-            <a:pPr algn="ctr"/>
-            <a:r>
-              <a:rPr lang="ko-KR" altLang="en-US" sz="1600" dirty="0" smtClean="0"/>
-              <a:t>주문상태</a:t>
-            </a:r>
-            <a:endParaRPr lang="ko-KR" altLang="en-US" sz="1600" dirty="0"/>
-          </a:p>
-        </p:txBody>
-      </p:sp>
-      <p:sp>
-        <p:nvSpPr>
-          <p:cNvPr id="55" name="직사각형 54"/>
-          <p:cNvSpPr/>
-          <p:nvPr/>
-        </p:nvSpPr>
-        <p:spPr>
-          <a:xfrm>
-            <a:off x="6300192" y="3838479"/>
-            <a:ext cx="1008112" cy="360040"/>
-          </a:xfrm>
-          <a:prstGeom prst="rect">
-            <a:avLst/>
-          </a:prstGeom>
-          <a:solidFill>
-            <a:schemeClr val="tx2">
-              <a:lumMod val="40000"/>
-              <a:lumOff val="60000"/>
-            </a:schemeClr>
-          </a:solidFill>
-        </p:spPr>
-        <p:style>
-          <a:lnRef idx="2">
-            <a:schemeClr val="accent1">
-              <a:shade val="50000"/>
-            </a:schemeClr>
-          </a:lnRef>
-          <a:fillRef idx="1">
-            <a:schemeClr val="accent1"/>
-          </a:fillRef>
-          <a:effectRef idx="0">
-            <a:schemeClr val="accent1"/>
-          </a:effectRef>
-          <a:fontRef idx="minor">
-            <a:schemeClr val="lt1"/>
-          </a:fontRef>
-        </p:style>
-        <p:txBody>
-          <a:bodyPr rtlCol="0" anchor="ctr"/>
-          <a:lstStyle/>
-          <a:p>
-            <a:pPr algn="ctr"/>
-            <a:r>
-              <a:rPr lang="ko-KR" altLang="en-US" sz="1600" dirty="0" smtClean="0"/>
-              <a:t>주문상태</a:t>
-            </a:r>
-            <a:endParaRPr lang="ko-KR" altLang="en-US" sz="1600" dirty="0"/>
-          </a:p>
-        </p:txBody>
-      </p:sp>
-      <p:sp>
-        <p:nvSpPr>
-          <p:cNvPr id="56" name="직사각형 55"/>
-          <p:cNvSpPr/>
-          <p:nvPr/>
-        </p:nvSpPr>
-        <p:spPr>
-          <a:xfrm>
-            <a:off x="6300192" y="4342535"/>
-            <a:ext cx="1008112" cy="360040"/>
-          </a:xfrm>
-          <a:prstGeom prst="rect">
-            <a:avLst/>
-          </a:prstGeom>
-          <a:solidFill>
-            <a:schemeClr val="tx2">
-              <a:lumMod val="40000"/>
-              <a:lumOff val="60000"/>
-            </a:schemeClr>
-          </a:solidFill>
-        </p:spPr>
-        <p:style>
-          <a:lnRef idx="2">
-            <a:schemeClr val="accent1">
-              <a:shade val="50000"/>
-            </a:schemeClr>
-          </a:lnRef>
-          <a:fillRef idx="1">
-            <a:schemeClr val="accent1"/>
-          </a:fillRef>
-          <a:effectRef idx="0">
-            <a:schemeClr val="accent1"/>
-          </a:effectRef>
-          <a:fontRef idx="minor">
-            <a:schemeClr val="lt1"/>
-          </a:fontRef>
-        </p:style>
-        <p:txBody>
-          <a:bodyPr rtlCol="0" anchor="ctr"/>
-          <a:lstStyle/>
-          <a:p>
-            <a:pPr algn="ctr"/>
-            <a:r>
-              <a:rPr lang="ko-KR" altLang="en-US" sz="1600" dirty="0" smtClean="0"/>
-              <a:t>주문상태</a:t>
-            </a:r>
-            <a:endParaRPr lang="ko-KR" altLang="en-US" sz="1600" dirty="0"/>
-          </a:p>
-        </p:txBody>
-      </p:sp>
-      <p:sp>
-        <p:nvSpPr>
-          <p:cNvPr id="57" name="직사각형 56"/>
-          <p:cNvSpPr/>
-          <p:nvPr/>
-        </p:nvSpPr>
-        <p:spPr>
-          <a:xfrm>
-            <a:off x="3635896" y="5301208"/>
-            <a:ext cx="1944216" cy="288032"/>
+            <a:off x="2374709" y="83164"/>
+            <a:ext cx="613115" cy="166328"/>
           </a:xfrm>
           <a:prstGeom prst="rect">
             <a:avLst/>
@@ -43762,8 +43914,52 @@
           <a:p>
             <a:pPr algn="ctr"/>
             <a:r>
-              <a:rPr lang="ko-KR" altLang="en-US" dirty="0" err="1" smtClean="0"/>
-              <a:t>페이지네이션</a:t>
+              <a:rPr lang="ko-KR" altLang="en-US" sz="600" dirty="0" err="1" smtClean="0"/>
+              <a:t>로그인정보</a:t>
+            </a:r>
+            <a:endParaRPr lang="ko-KR" altLang="en-US" sz="600" dirty="0"/>
+          </a:p>
+        </p:txBody>
+      </p:sp>
+      <p:sp>
+        <p:nvSpPr>
+          <p:cNvPr id="31" name="직사각형 30"/>
+          <p:cNvSpPr/>
+          <p:nvPr/>
+        </p:nvSpPr>
+        <p:spPr>
+          <a:xfrm>
+            <a:off x="6324774" y="5445224"/>
+            <a:ext cx="1082922" cy="288032"/>
+          </a:xfrm>
+          <a:prstGeom prst="rect">
+            <a:avLst/>
+          </a:prstGeom>
+        </p:spPr>
+        <p:style>
+          <a:lnRef idx="2">
+            <a:schemeClr val="accent1">
+              <a:shade val="50000"/>
+            </a:schemeClr>
+          </a:lnRef>
+          <a:fillRef idx="1">
+            <a:schemeClr val="accent1"/>
+          </a:fillRef>
+          <a:effectRef idx="0">
+            <a:schemeClr val="accent1"/>
+          </a:effectRef>
+          <a:fontRef idx="minor">
+            <a:schemeClr val="lt1"/>
+          </a:fontRef>
+        </p:style>
+        <p:txBody>
+          <a:bodyPr rtlCol="0" anchor="ctr"/>
+          <a:lstStyle/>
+          <a:p>
+            <a:pPr algn="ctr"/>
+            <a:r>
+              <a:rPr lang="ko-KR" altLang="en-US" dirty="0" smtClean="0"/>
+              <a:t>삭제</a:t>
             </a:r>
             <a:endParaRPr lang="ko-KR" altLang="en-US" dirty="0"/>
           </a:p>
@@ -43771,7 +43967,7 @@
       </p:sp>
       <p:grpSp>
         <p:nvGrpSpPr>
-          <p:cNvPr id="58" name="그룹 57"/>
+          <p:cNvPr id="32" name="그룹 31"/>
           <p:cNvGrpSpPr/>
           <p:nvPr/>
         </p:nvGrpSpPr>
@@ -43785,7 +43981,7 @@
         </p:grpSpPr>
         <p:sp>
           <p:nvSpPr>
-            <p:cNvPr id="59" name="직사각형 58"/>
+            <p:cNvPr id="33" name="직사각형 32"/>
             <p:cNvSpPr/>
             <p:nvPr/>
           </p:nvSpPr>
@@ -43908,7 +44104,7 @@
         </p:sp>
         <p:sp>
           <p:nvSpPr>
-            <p:cNvPr id="60" name="직사각형 59"/>
+            <p:cNvPr id="34" name="직사각형 33"/>
             <p:cNvSpPr/>
             <p:nvPr/>
           </p:nvSpPr>
@@ -43960,7 +44156,7 @@
     </p:spTree>
     <p:extLst>
       <p:ext uri="{BB962C8B-B14F-4D97-AF65-F5344CB8AC3E}">
-        <p14:creationId xmlns:p14="http://schemas.microsoft.com/office/powerpoint/2010/main" val="1769552246"/>
+        <p14:creationId xmlns:p14="http://schemas.microsoft.com/office/powerpoint/2010/main" val="330375573"/>
       </p:ext>
     </p:extLst>
   </p:cSld>
@@ -44096,7 +44292,7 @@
                     <a:schemeClr val="tx1"/>
                   </a:solidFill>
                 </a:rPr>
-                <a:t>주문 확인</a:t>
+                <a:t>주문 목록</a:t>
               </a:r>
               <a:endParaRPr lang="en-US" altLang="ko-KR" dirty="0" smtClean="0">
                 <a:solidFill>
@@ -45062,11 +45258,11 @@
             <a:pPr algn="ctr"/>
             <a:r>
               <a:rPr lang="ko-KR" altLang="en-US" dirty="0" smtClean="0"/>
-              <a:t>제품 </a:t>
+              <a:t>주문번호 </a:t>
             </a:r>
             <a:r>
               <a:rPr lang="en-US" altLang="ko-KR" dirty="0" smtClean="0"/>
-              <a:t>1</a:t>
+              <a:t>2</a:t>
             </a:r>
             <a:endParaRPr lang="ko-KR" altLang="en-US" dirty="0"/>
           </a:p>
@@ -45116,11 +45312,11 @@
             <a:pPr algn="ctr"/>
             <a:r>
               <a:rPr lang="ko-KR" altLang="en-US" dirty="0" smtClean="0"/>
-              <a:t>제품 </a:t>
+              <a:t>주문번호 </a:t>
             </a:r>
             <a:r>
               <a:rPr lang="en-US" altLang="ko-KR" dirty="0" smtClean="0"/>
-              <a:t>2</a:t>
+              <a:t>3</a:t>
             </a:r>
             <a:endParaRPr lang="ko-KR" altLang="en-US" dirty="0"/>
           </a:p>
@@ -45170,11 +45366,255 @@
             <a:pPr algn="ctr"/>
             <a:r>
               <a:rPr lang="ko-KR" altLang="en-US" dirty="0" smtClean="0"/>
-              <a:t>제품 </a:t>
+              <a:t>주문번호 </a:t>
             </a:r>
             <a:r>
               <a:rPr lang="en-US" altLang="ko-KR" dirty="0" smtClean="0"/>
-              <a:t>3</a:t>
+              <a:t>4</a:t>
+            </a:r>
+            <a:endParaRPr lang="ko-KR" altLang="en-US" dirty="0"/>
+          </a:p>
+        </p:txBody>
+      </p:sp>
+      <p:sp>
+        <p:nvSpPr>
+          <p:cNvPr id="50" name="직사각형 49"/>
+          <p:cNvSpPr/>
+          <p:nvPr/>
+        </p:nvSpPr>
+        <p:spPr>
+          <a:xfrm>
+            <a:off x="6300192" y="2758359"/>
+            <a:ext cx="1008112" cy="360040"/>
+          </a:xfrm>
+          <a:prstGeom prst="rect">
+            <a:avLst/>
+          </a:prstGeom>
+          <a:solidFill>
+            <a:schemeClr val="tx2">
+              <a:lumMod val="40000"/>
+              <a:lumOff val="60000"/>
+            </a:schemeClr>
+          </a:solidFill>
+        </p:spPr>
+        <p:style>
+          <a:lnRef idx="2">
+            <a:schemeClr val="accent1">
+              <a:shade val="50000"/>
+            </a:schemeClr>
+          </a:lnRef>
+          <a:fillRef idx="1">
+            <a:schemeClr val="accent1"/>
+          </a:fillRef>
+          <a:effectRef idx="0">
+            <a:schemeClr val="accent1"/>
+          </a:effectRef>
+          <a:fontRef idx="minor">
+            <a:schemeClr val="lt1"/>
+          </a:fontRef>
+        </p:style>
+        <p:txBody>
+          <a:bodyPr rtlCol="0" anchor="ctr"/>
+          <a:lstStyle/>
+          <a:p>
+            <a:pPr algn="ctr"/>
+            <a:r>
+              <a:rPr lang="ko-KR" altLang="en-US" sz="1600" dirty="0" smtClean="0"/>
+              <a:t>주문상태</a:t>
+            </a:r>
+            <a:endParaRPr lang="ko-KR" altLang="en-US" sz="1600" dirty="0"/>
+          </a:p>
+        </p:txBody>
+      </p:sp>
+      <p:sp>
+        <p:nvSpPr>
+          <p:cNvPr id="54" name="직사각형 53"/>
+          <p:cNvSpPr/>
+          <p:nvPr/>
+        </p:nvSpPr>
+        <p:spPr>
+          <a:xfrm>
+            <a:off x="6300192" y="3298419"/>
+            <a:ext cx="1008112" cy="360040"/>
+          </a:xfrm>
+          <a:prstGeom prst="rect">
+            <a:avLst/>
+          </a:prstGeom>
+          <a:solidFill>
+            <a:schemeClr val="tx2">
+              <a:lumMod val="40000"/>
+              <a:lumOff val="60000"/>
+            </a:schemeClr>
+          </a:solidFill>
+        </p:spPr>
+        <p:style>
+          <a:lnRef idx="2">
+            <a:schemeClr val="accent1">
+              <a:shade val="50000"/>
+            </a:schemeClr>
+          </a:lnRef>
+          <a:fillRef idx="1">
+            <a:schemeClr val="accent1"/>
+          </a:fillRef>
+          <a:effectRef idx="0">
+            <a:schemeClr val="accent1"/>
+          </a:effectRef>
+          <a:fontRef idx="minor">
+            <a:schemeClr val="lt1"/>
+          </a:fontRef>
+        </p:style>
+        <p:txBody>
+          <a:bodyPr rtlCol="0" anchor="ctr"/>
+          <a:lstStyle/>
+          <a:p>
+            <a:pPr algn="ctr"/>
+            <a:r>
+              <a:rPr lang="ko-KR" altLang="en-US" sz="1600" dirty="0" smtClean="0"/>
+              <a:t>주문상태</a:t>
+            </a:r>
+            <a:endParaRPr lang="ko-KR" altLang="en-US" sz="1600" dirty="0"/>
+          </a:p>
+        </p:txBody>
+      </p:sp>
+      <p:sp>
+        <p:nvSpPr>
+          <p:cNvPr id="55" name="직사각형 54"/>
+          <p:cNvSpPr/>
+          <p:nvPr/>
+        </p:nvSpPr>
+        <p:spPr>
+          <a:xfrm>
+            <a:off x="6300192" y="3838479"/>
+            <a:ext cx="1008112" cy="360040"/>
+          </a:xfrm>
+          <a:prstGeom prst="rect">
+            <a:avLst/>
+          </a:prstGeom>
+          <a:solidFill>
+            <a:schemeClr val="tx2">
+              <a:lumMod val="40000"/>
+              <a:lumOff val="60000"/>
+            </a:schemeClr>
+          </a:solidFill>
+        </p:spPr>
+        <p:style>
+          <a:lnRef idx="2">
+            <a:schemeClr val="accent1">
+              <a:shade val="50000"/>
+            </a:schemeClr>
+          </a:lnRef>
+          <a:fillRef idx="1">
+            <a:schemeClr val="accent1"/>
+          </a:fillRef>
+          <a:effectRef idx="0">
+            <a:schemeClr val="accent1"/>
+          </a:effectRef>
+          <a:fontRef idx="minor">
+            <a:schemeClr val="lt1"/>
+          </a:fontRef>
+        </p:style>
+        <p:txBody>
+          <a:bodyPr rtlCol="0" anchor="ctr"/>
+          <a:lstStyle/>
+          <a:p>
+            <a:pPr algn="ctr"/>
+            <a:r>
+              <a:rPr lang="ko-KR" altLang="en-US" sz="1600" dirty="0" smtClean="0"/>
+              <a:t>주문상태</a:t>
+            </a:r>
+            <a:endParaRPr lang="ko-KR" altLang="en-US" sz="1600" dirty="0"/>
+          </a:p>
+        </p:txBody>
+      </p:sp>
+      <p:sp>
+        <p:nvSpPr>
+          <p:cNvPr id="56" name="직사각형 55"/>
+          <p:cNvSpPr/>
+          <p:nvPr/>
+        </p:nvSpPr>
+        <p:spPr>
+          <a:xfrm>
+            <a:off x="6300192" y="4342535"/>
+            <a:ext cx="1008112" cy="360040"/>
+          </a:xfrm>
+          <a:prstGeom prst="rect">
+            <a:avLst/>
+          </a:prstGeom>
+          <a:solidFill>
+            <a:schemeClr val="tx2">
+              <a:lumMod val="40000"/>
+              <a:lumOff val="60000"/>
+            </a:schemeClr>
+          </a:solidFill>
+        </p:spPr>
+        <p:style>
+          <a:lnRef idx="2">
+            <a:schemeClr val="accent1">
+              <a:shade val="50000"/>
+            </a:schemeClr>
+          </a:lnRef>
+          <a:fillRef idx="1">
+            <a:schemeClr val="accent1"/>
+          </a:fillRef>
+          <a:effectRef idx="0">
+            <a:schemeClr val="accent1"/>
+          </a:effectRef>
+          <a:fontRef idx="minor">
+            <a:schemeClr val="lt1"/>
+          </a:fontRef>
+        </p:style>
+        <p:txBody>
+          <a:bodyPr rtlCol="0" anchor="ctr"/>
+          <a:lstStyle/>
+          <a:p>
+            <a:pPr algn="ctr"/>
+            <a:r>
+              <a:rPr lang="ko-KR" altLang="en-US" sz="1600" dirty="0" smtClean="0"/>
+              <a:t>주문상태</a:t>
+            </a:r>
+            <a:endParaRPr lang="ko-KR" altLang="en-US" sz="1600" dirty="0"/>
+          </a:p>
+        </p:txBody>
+      </p:sp>
+      <p:sp>
+        <p:nvSpPr>
+          <p:cNvPr id="57" name="직사각형 56"/>
+          <p:cNvSpPr/>
+          <p:nvPr/>
+        </p:nvSpPr>
+        <p:spPr>
+          <a:xfrm>
+            <a:off x="3635896" y="5301208"/>
+            <a:ext cx="1944216" cy="288032"/>
+          </a:xfrm>
+          <a:prstGeom prst="rect">
+            <a:avLst/>
+          </a:prstGeom>
+        </p:spPr>
+        <p:style>
+          <a:lnRef idx="2">
+            <a:schemeClr val="accent1">
+              <a:shade val="50000"/>
+            </a:schemeClr>
+          </a:lnRef>
+          <a:fillRef idx="1">
+            <a:schemeClr val="accent1"/>
+          </a:fillRef>
+          <a:effectRef idx="0">
+            <a:schemeClr val="accent1"/>
+          </a:effectRef>
+          <a:fontRef idx="minor">
+            <a:schemeClr val="lt1"/>
+          </a:fontRef>
+        </p:style>
+        <p:txBody>
+          <a:bodyPr rtlCol="0" anchor="ctr"/>
+          <a:lstStyle/>
+          <a:p>
+            <a:pPr algn="ctr"/>
+            <a:r>
+              <a:rPr lang="ko-KR" altLang="en-US" dirty="0" err="1" smtClean="0"/>
+              <a:t>페이지네이션</a:t>
             </a:r>
             <a:endParaRPr lang="ko-KR" altLang="en-US" dirty="0"/>
           </a:p>
@@ -45368,257 +45808,10 @@
           </p:txBody>
         </p:sp>
       </p:grpSp>
-      <p:sp>
-        <p:nvSpPr>
-          <p:cNvPr id="47" name="직사각형 46"/>
-          <p:cNvSpPr/>
-          <p:nvPr/>
-        </p:nvSpPr>
-        <p:spPr>
-          <a:xfrm>
-            <a:off x="6300192" y="2758359"/>
-            <a:ext cx="1008112" cy="360040"/>
-          </a:xfrm>
-          <a:prstGeom prst="rect">
-            <a:avLst/>
-          </a:prstGeom>
-          <a:solidFill>
-            <a:schemeClr val="tx2">
-              <a:lumMod val="40000"/>
-              <a:lumOff val="60000"/>
-            </a:schemeClr>
-          </a:solidFill>
-        </p:spPr>
-        <p:style>
-          <a:lnRef idx="2">
-            <a:schemeClr val="accent1">
-              <a:shade val="50000"/>
-            </a:schemeClr>
-          </a:lnRef>
-          <a:fillRef idx="1">
-            <a:schemeClr val="accent1"/>
-          </a:fillRef>
-          <a:effectRef idx="0">
-            <a:schemeClr val="accent1"/>
-          </a:effectRef>
-          <a:fontRef idx="minor">
-            <a:schemeClr val="lt1"/>
-          </a:fontRef>
-        </p:style>
-        <p:txBody>
-          <a:bodyPr rtlCol="0" anchor="ctr"/>
-          <a:lstStyle/>
-          <a:p>
-            <a:pPr algn="ctr"/>
-            <a:r>
-              <a:rPr lang="ko-KR" altLang="en-US" sz="1600" dirty="0" smtClean="0"/>
-              <a:t>상태설정</a:t>
-            </a:r>
-            <a:endParaRPr lang="ko-KR" altLang="en-US" sz="1600" dirty="0"/>
-          </a:p>
-        </p:txBody>
-      </p:sp>
-      <p:sp>
-        <p:nvSpPr>
-          <p:cNvPr id="48" name="직사각형 47"/>
-          <p:cNvSpPr/>
-          <p:nvPr/>
-        </p:nvSpPr>
-        <p:spPr>
-          <a:xfrm>
-            <a:off x="6300192" y="3298419"/>
-            <a:ext cx="1008112" cy="360040"/>
-          </a:xfrm>
-          <a:prstGeom prst="rect">
-            <a:avLst/>
-          </a:prstGeom>
-          <a:solidFill>
-            <a:schemeClr val="tx2">
-              <a:lumMod val="40000"/>
-              <a:lumOff val="60000"/>
-            </a:schemeClr>
-          </a:solidFill>
-        </p:spPr>
-        <p:style>
-          <a:lnRef idx="2">
-            <a:schemeClr val="accent1">
-              <a:shade val="50000"/>
-            </a:schemeClr>
-          </a:lnRef>
-          <a:fillRef idx="1">
-            <a:schemeClr val="accent1"/>
-          </a:fillRef>
-          <a:effectRef idx="0">
-            <a:schemeClr val="accent1"/>
-          </a:effectRef>
-          <a:fontRef idx="minor">
-            <a:schemeClr val="lt1"/>
-          </a:fontRef>
-        </p:style>
-        <p:txBody>
-          <a:bodyPr rtlCol="0" anchor="ctr"/>
-          <a:lstStyle/>
-          <a:p>
-            <a:pPr algn="ctr"/>
-            <a:r>
-              <a:rPr lang="ko-KR" altLang="en-US" sz="1600" dirty="0" smtClean="0"/>
-              <a:t>개수</a:t>
-            </a:r>
-            <a:endParaRPr lang="ko-KR" altLang="en-US" sz="1600" dirty="0"/>
-          </a:p>
-        </p:txBody>
-      </p:sp>
-      <p:sp>
-        <p:nvSpPr>
-          <p:cNvPr id="49" name="직사각형 48"/>
-          <p:cNvSpPr/>
-          <p:nvPr/>
-        </p:nvSpPr>
-        <p:spPr>
-          <a:xfrm>
-            <a:off x="6300192" y="3838479"/>
-            <a:ext cx="1008112" cy="360040"/>
-          </a:xfrm>
-          <a:prstGeom prst="rect">
-            <a:avLst/>
-          </a:prstGeom>
-          <a:solidFill>
-            <a:schemeClr val="tx2">
-              <a:lumMod val="40000"/>
-              <a:lumOff val="60000"/>
-            </a:schemeClr>
-          </a:solidFill>
-        </p:spPr>
-        <p:style>
-          <a:lnRef idx="2">
-            <a:schemeClr val="accent1">
-              <a:shade val="50000"/>
-            </a:schemeClr>
-          </a:lnRef>
-          <a:fillRef idx="1">
-            <a:schemeClr val="accent1"/>
-          </a:fillRef>
-          <a:effectRef idx="0">
-            <a:schemeClr val="accent1"/>
-          </a:effectRef>
-          <a:fontRef idx="minor">
-            <a:schemeClr val="lt1"/>
-          </a:fontRef>
-        </p:style>
-        <p:txBody>
-          <a:bodyPr rtlCol="0" anchor="ctr"/>
-          <a:lstStyle/>
-          <a:p>
-            <a:pPr algn="ctr"/>
-            <a:r>
-              <a:rPr lang="ko-KR" altLang="en-US" sz="1600" dirty="0" smtClean="0"/>
-              <a:t>개수</a:t>
-            </a:r>
-            <a:endParaRPr lang="ko-KR" altLang="en-US" sz="1600" dirty="0"/>
-          </a:p>
-        </p:txBody>
-      </p:sp>
-      <p:sp>
-        <p:nvSpPr>
-          <p:cNvPr id="51" name="직사각형 50"/>
-          <p:cNvSpPr/>
-          <p:nvPr/>
-        </p:nvSpPr>
-        <p:spPr>
-          <a:xfrm>
-            <a:off x="6300192" y="4342535"/>
-            <a:ext cx="1008112" cy="360040"/>
-          </a:xfrm>
-          <a:prstGeom prst="rect">
-            <a:avLst/>
-          </a:prstGeom>
-          <a:solidFill>
-            <a:schemeClr val="tx2">
-              <a:lumMod val="40000"/>
-              <a:lumOff val="60000"/>
-            </a:schemeClr>
-          </a:solidFill>
-        </p:spPr>
-        <p:style>
-          <a:lnRef idx="2">
-            <a:schemeClr val="accent1">
-              <a:shade val="50000"/>
-            </a:schemeClr>
-          </a:lnRef>
-          <a:fillRef idx="1">
-            <a:schemeClr val="accent1"/>
-          </a:fillRef>
-          <a:effectRef idx="0">
-            <a:schemeClr val="accent1"/>
-          </a:effectRef>
-          <a:fontRef idx="minor">
-            <a:schemeClr val="lt1"/>
-          </a:fontRef>
-        </p:style>
-        <p:txBody>
-          <a:bodyPr rtlCol="0" anchor="ctr"/>
-          <a:lstStyle/>
-          <a:p>
-            <a:pPr algn="ctr"/>
-            <a:r>
-              <a:rPr lang="ko-KR" altLang="en-US" sz="1600" dirty="0" smtClean="0"/>
-              <a:t>개수</a:t>
-            </a:r>
-            <a:endParaRPr lang="ko-KR" altLang="en-US" sz="1600" dirty="0"/>
-          </a:p>
-        </p:txBody>
-      </p:sp>
-      <p:sp>
-        <p:nvSpPr>
-          <p:cNvPr id="52" name="직사각형 51"/>
-          <p:cNvSpPr/>
-          <p:nvPr/>
-        </p:nvSpPr>
-        <p:spPr>
-          <a:xfrm>
-            <a:off x="3635896" y="5301208"/>
-            <a:ext cx="1944216" cy="288032"/>
-          </a:xfrm>
-          <a:prstGeom prst="rect">
-            <a:avLst/>
-          </a:prstGeom>
-        </p:spPr>
-        <p:style>
-          <a:lnRef idx="2">
-            <a:schemeClr val="accent1">
-              <a:shade val="50000"/>
-            </a:schemeClr>
-          </a:lnRef>
-          <a:fillRef idx="1">
-            <a:schemeClr val="accent1"/>
-          </a:fillRef>
-          <a:effectRef idx="0">
-            <a:schemeClr val="accent1"/>
-          </a:effectRef>
-          <a:fontRef idx="minor">
-            <a:schemeClr val="lt1"/>
-          </a:fontRef>
-        </p:style>
-        <p:txBody>
-          <a:bodyPr rtlCol="0" anchor="ctr"/>
-          <a:lstStyle/>
-          <a:p>
-            <a:pPr algn="ctr"/>
-            <a:r>
-              <a:rPr lang="ko-KR" altLang="en-US" dirty="0" smtClean="0"/>
-              <a:t>변</a:t>
-            </a:r>
-            <a:r>
-              <a:rPr lang="ko-KR" altLang="en-US" dirty="0"/>
-              <a:t>경</a:t>
-            </a:r>
-          </a:p>
-        </p:txBody>
-      </p:sp>
     </p:spTree>
     <p:extLst>
       <p:ext uri="{BB962C8B-B14F-4D97-AF65-F5344CB8AC3E}">
-        <p14:creationId xmlns:p14="http://schemas.microsoft.com/office/powerpoint/2010/main" val="1445691219"/>
+        <p14:creationId xmlns:p14="http://schemas.microsoft.com/office/powerpoint/2010/main" val="1769552246"/>
       </p:ext>
     </p:extLst>
   </p:cSld>
@@ -45754,6 +45947,1664 @@
                     <a:schemeClr val="tx1"/>
                   </a:solidFill>
                 </a:rPr>
+                <a:t>주문 확인</a:t>
+              </a:r>
+              <a:endParaRPr lang="en-US" altLang="ko-KR" dirty="0" smtClean="0">
+                <a:solidFill>
+                  <a:schemeClr val="tx1"/>
+                </a:solidFill>
+              </a:endParaRPr>
+            </a:p>
+            <a:p>
+              <a:pPr algn="ctr"/>
+              <a:r>
+                <a:rPr lang="en-US" altLang="ko-KR" dirty="0" smtClean="0">
+                  <a:solidFill>
+                    <a:schemeClr val="tx1"/>
+                  </a:solidFill>
+                </a:rPr>
+                <a:t>(</a:t>
+              </a:r>
+              <a:r>
+                <a:rPr lang="ko-KR" altLang="en-US" dirty="0" smtClean="0">
+                  <a:solidFill>
+                    <a:schemeClr val="tx1"/>
+                  </a:solidFill>
+                </a:rPr>
+                <a:t>관리자</a:t>
+              </a:r>
+              <a:r>
+                <a:rPr lang="en-US" altLang="ko-KR" dirty="0" smtClean="0">
+                  <a:solidFill>
+                    <a:schemeClr val="tx1"/>
+                  </a:solidFill>
+                </a:rPr>
+                <a:t>)</a:t>
+              </a:r>
+            </a:p>
+            <a:p>
+              <a:pPr algn="ctr"/>
+              <a:r>
+                <a:rPr lang="en-US" altLang="ko-KR" dirty="0" smtClean="0">
+                  <a:solidFill>
+                    <a:schemeClr val="tx1"/>
+                  </a:solidFill>
+                </a:rPr>
+                <a:t>(CSS</a:t>
+              </a:r>
+              <a:r>
+                <a:rPr lang="ko-KR" altLang="en-US" dirty="0" smtClean="0">
+                  <a:solidFill>
+                    <a:schemeClr val="tx1"/>
+                  </a:solidFill>
+                </a:rPr>
+                <a:t>완료</a:t>
+              </a:r>
+              <a:r>
+                <a:rPr lang="en-US" altLang="ko-KR" dirty="0" smtClean="0">
+                  <a:solidFill>
+                    <a:schemeClr val="tx1"/>
+                  </a:solidFill>
+                </a:rPr>
+                <a:t>)</a:t>
+              </a:r>
+              <a:endParaRPr lang="ko-KR" altLang="en-US" dirty="0">
+                <a:solidFill>
+                  <a:schemeClr val="tx1"/>
+                </a:solidFill>
+              </a:endParaRPr>
+            </a:p>
+          </p:txBody>
+        </p:sp>
+        <p:sp>
+          <p:nvSpPr>
+            <p:cNvPr id="7" name="직사각형 6"/>
+            <p:cNvSpPr/>
+            <p:nvPr/>
+          </p:nvSpPr>
+          <p:spPr>
+            <a:xfrm>
+              <a:off x="1259632" y="0"/>
+              <a:ext cx="6624736" cy="1008112"/>
+            </a:xfrm>
+            <a:prstGeom prst="rect">
+              <a:avLst/>
+            </a:prstGeom>
+            <a:solidFill>
+              <a:schemeClr val="bg1">
+                <a:lumMod val="85000"/>
+              </a:schemeClr>
+            </a:solidFill>
+          </p:spPr>
+          <p:style>
+            <a:lnRef idx="2">
+              <a:schemeClr val="accent1">
+                <a:shade val="50000"/>
+              </a:schemeClr>
+            </a:lnRef>
+            <a:fillRef idx="1">
+              <a:schemeClr val="accent1"/>
+            </a:fillRef>
+            <a:effectRef idx="0">
+              <a:schemeClr val="accent1"/>
+            </a:effectRef>
+            <a:fontRef idx="minor">
+              <a:schemeClr val="lt1"/>
+            </a:fontRef>
+          </p:style>
+          <p:txBody>
+            <a:bodyPr rtlCol="0" anchor="ctr"/>
+            <a:lstStyle/>
+            <a:p>
+              <a:pPr algn="ctr"/>
+              <a:endParaRPr lang="ko-KR" altLang="en-US"/>
+            </a:p>
+          </p:txBody>
+        </p:sp>
+        <p:sp>
+          <p:nvSpPr>
+            <p:cNvPr id="8" name="직사각형 7"/>
+            <p:cNvSpPr/>
+            <p:nvPr/>
+          </p:nvSpPr>
+          <p:spPr>
+            <a:xfrm>
+              <a:off x="1259632" y="0"/>
+              <a:ext cx="1008112" cy="1008112"/>
+            </a:xfrm>
+            <a:prstGeom prst="rect">
+              <a:avLst/>
+            </a:prstGeom>
+            <a:solidFill>
+              <a:schemeClr val="tx2">
+                <a:lumMod val="40000"/>
+                <a:lumOff val="60000"/>
+              </a:schemeClr>
+            </a:solidFill>
+          </p:spPr>
+          <p:style>
+            <a:lnRef idx="2">
+              <a:schemeClr val="accent1">
+                <a:shade val="50000"/>
+              </a:schemeClr>
+            </a:lnRef>
+            <a:fillRef idx="1">
+              <a:schemeClr val="accent1"/>
+            </a:fillRef>
+            <a:effectRef idx="0">
+              <a:schemeClr val="accent1"/>
+            </a:effectRef>
+            <a:fontRef idx="minor">
+              <a:schemeClr val="lt1"/>
+            </a:fontRef>
+          </p:style>
+          <p:txBody>
+            <a:bodyPr rtlCol="0" anchor="ctr"/>
+            <a:lstStyle/>
+            <a:p>
+              <a:pPr algn="ctr"/>
+              <a:r>
+                <a:rPr lang="ko-KR" altLang="en-US" dirty="0" smtClean="0"/>
+                <a:t>로고</a:t>
+              </a:r>
+              <a:endParaRPr lang="ko-KR" altLang="en-US" dirty="0"/>
+            </a:p>
+          </p:txBody>
+        </p:sp>
+        <p:sp>
+          <p:nvSpPr>
+            <p:cNvPr id="9" name="직사각형 8"/>
+            <p:cNvSpPr/>
+            <p:nvPr/>
+          </p:nvSpPr>
+          <p:spPr>
+            <a:xfrm>
+              <a:off x="2267744" y="0"/>
+              <a:ext cx="5616624" cy="332656"/>
+            </a:xfrm>
+            <a:prstGeom prst="rect">
+              <a:avLst/>
+            </a:prstGeom>
+            <a:solidFill>
+              <a:schemeClr val="accent2">
+                <a:lumMod val="40000"/>
+                <a:lumOff val="60000"/>
+              </a:schemeClr>
+            </a:solidFill>
+          </p:spPr>
+          <p:style>
+            <a:lnRef idx="2">
+              <a:schemeClr val="accent1">
+                <a:shade val="50000"/>
+              </a:schemeClr>
+            </a:lnRef>
+            <a:fillRef idx="1">
+              <a:schemeClr val="accent1"/>
+            </a:fillRef>
+            <a:effectRef idx="0">
+              <a:schemeClr val="accent1"/>
+            </a:effectRef>
+            <a:fontRef idx="minor">
+              <a:schemeClr val="lt1"/>
+            </a:fontRef>
+          </p:style>
+          <p:txBody>
+            <a:bodyPr rtlCol="0" anchor="ctr"/>
+            <a:lstStyle/>
+            <a:p>
+              <a:pPr algn="ctr"/>
+              <a:endParaRPr lang="ko-KR" altLang="en-US"/>
+            </a:p>
+          </p:txBody>
+        </p:sp>
+        <p:sp>
+          <p:nvSpPr>
+            <p:cNvPr id="10" name="직사각형 9"/>
+            <p:cNvSpPr/>
+            <p:nvPr/>
+          </p:nvSpPr>
+          <p:spPr>
+            <a:xfrm>
+              <a:off x="2411760" y="504056"/>
+              <a:ext cx="1008112" cy="332656"/>
+            </a:xfrm>
+            <a:prstGeom prst="rect">
+              <a:avLst/>
+            </a:prstGeom>
+          </p:spPr>
+          <p:style>
+            <a:lnRef idx="2">
+              <a:schemeClr val="accent1">
+                <a:shade val="50000"/>
+              </a:schemeClr>
+            </a:lnRef>
+            <a:fillRef idx="1">
+              <a:schemeClr val="accent1"/>
+            </a:fillRef>
+            <a:effectRef idx="0">
+              <a:schemeClr val="accent1"/>
+            </a:effectRef>
+            <a:fontRef idx="minor">
+              <a:schemeClr val="lt1"/>
+            </a:fontRef>
+          </p:style>
+          <p:txBody>
+            <a:bodyPr rtlCol="0" anchor="ctr"/>
+            <a:lstStyle/>
+            <a:p>
+              <a:pPr algn="ctr"/>
+              <a:r>
+                <a:rPr lang="ko-KR" altLang="en-US" sz="1000" dirty="0" smtClean="0"/>
+                <a:t>제품리스트로</a:t>
+              </a:r>
+              <a:endParaRPr lang="ko-KR" altLang="en-US" sz="1000" dirty="0"/>
+            </a:p>
+          </p:txBody>
+        </p:sp>
+        <p:sp>
+          <p:nvSpPr>
+            <p:cNvPr id="15" name="직사각형 14"/>
+            <p:cNvSpPr/>
+            <p:nvPr/>
+          </p:nvSpPr>
+          <p:spPr>
+            <a:xfrm>
+              <a:off x="3558346" y="504056"/>
+              <a:ext cx="1008112" cy="332656"/>
+            </a:xfrm>
+            <a:prstGeom prst="rect">
+              <a:avLst/>
+            </a:prstGeom>
+          </p:spPr>
+          <p:style>
+            <a:lnRef idx="2">
+              <a:schemeClr val="accent1">
+                <a:shade val="50000"/>
+              </a:schemeClr>
+            </a:lnRef>
+            <a:fillRef idx="1">
+              <a:schemeClr val="accent1"/>
+            </a:fillRef>
+            <a:effectRef idx="0">
+              <a:schemeClr val="accent1"/>
+            </a:effectRef>
+            <a:fontRef idx="minor">
+              <a:schemeClr val="lt1"/>
+            </a:fontRef>
+          </p:style>
+          <p:txBody>
+            <a:bodyPr rtlCol="0" anchor="ctr"/>
+            <a:lstStyle/>
+            <a:p>
+              <a:pPr algn="ctr"/>
+              <a:r>
+                <a:rPr lang="ko-KR" altLang="en-US" sz="1000" dirty="0" smtClean="0"/>
+                <a:t>제품리스트로</a:t>
+              </a:r>
+              <a:endParaRPr lang="ko-KR" altLang="en-US" sz="1000" dirty="0"/>
+            </a:p>
+          </p:txBody>
+        </p:sp>
+        <p:sp>
+          <p:nvSpPr>
+            <p:cNvPr id="16" name="직사각형 15"/>
+            <p:cNvSpPr/>
+            <p:nvPr/>
+          </p:nvSpPr>
+          <p:spPr>
+            <a:xfrm>
+              <a:off x="4716016" y="504056"/>
+              <a:ext cx="1008112" cy="332656"/>
+            </a:xfrm>
+            <a:prstGeom prst="rect">
+              <a:avLst/>
+            </a:prstGeom>
+          </p:spPr>
+          <p:style>
+            <a:lnRef idx="2">
+              <a:schemeClr val="accent1">
+                <a:shade val="50000"/>
+              </a:schemeClr>
+            </a:lnRef>
+            <a:fillRef idx="1">
+              <a:schemeClr val="accent1"/>
+            </a:fillRef>
+            <a:effectRef idx="0">
+              <a:schemeClr val="accent1"/>
+            </a:effectRef>
+            <a:fontRef idx="minor">
+              <a:schemeClr val="lt1"/>
+            </a:fontRef>
+          </p:style>
+          <p:txBody>
+            <a:bodyPr rtlCol="0" anchor="ctr"/>
+            <a:lstStyle/>
+            <a:p>
+              <a:pPr algn="ctr"/>
+              <a:r>
+                <a:rPr lang="ko-KR" altLang="en-US" sz="1000" dirty="0" smtClean="0"/>
+                <a:t>제품리스트로</a:t>
+              </a:r>
+              <a:endParaRPr lang="ko-KR" altLang="en-US" sz="1000" dirty="0"/>
+            </a:p>
+          </p:txBody>
+        </p:sp>
+        <p:sp>
+          <p:nvSpPr>
+            <p:cNvPr id="17" name="직사각형 16"/>
+            <p:cNvSpPr/>
+            <p:nvPr/>
+          </p:nvSpPr>
+          <p:spPr>
+            <a:xfrm>
+              <a:off x="5868144" y="504056"/>
+              <a:ext cx="1872208" cy="332656"/>
+            </a:xfrm>
+            <a:prstGeom prst="rect">
+              <a:avLst/>
+            </a:prstGeom>
+          </p:spPr>
+          <p:style>
+            <a:lnRef idx="2">
+              <a:schemeClr val="accent1">
+                <a:shade val="50000"/>
+              </a:schemeClr>
+            </a:lnRef>
+            <a:fillRef idx="1">
+              <a:schemeClr val="accent1"/>
+            </a:fillRef>
+            <a:effectRef idx="0">
+              <a:schemeClr val="accent1"/>
+            </a:effectRef>
+            <a:fontRef idx="minor">
+              <a:schemeClr val="lt1"/>
+            </a:fontRef>
+          </p:style>
+          <p:txBody>
+            <a:bodyPr rtlCol="0" anchor="ctr"/>
+            <a:lstStyle/>
+            <a:p>
+              <a:pPr algn="ctr"/>
+              <a:endParaRPr lang="ko-KR" altLang="en-US"/>
+            </a:p>
+          </p:txBody>
+        </p:sp>
+      </p:grpSp>
+      <p:sp>
+        <p:nvSpPr>
+          <p:cNvPr id="29" name="직사각형 28"/>
+          <p:cNvSpPr/>
+          <p:nvPr/>
+        </p:nvSpPr>
+        <p:spPr>
+          <a:xfrm>
+            <a:off x="7407696" y="504056"/>
+            <a:ext cx="332656" cy="332656"/>
+          </a:xfrm>
+          <a:prstGeom prst="rect">
+            <a:avLst/>
+          </a:prstGeom>
+          <a:solidFill>
+            <a:schemeClr val="accent1">
+              <a:lumMod val="60000"/>
+              <a:lumOff val="40000"/>
+            </a:schemeClr>
+          </a:solidFill>
+        </p:spPr>
+        <p:style>
+          <a:lnRef idx="2">
+            <a:schemeClr val="accent1">
+              <a:shade val="50000"/>
+            </a:schemeClr>
+          </a:lnRef>
+          <a:fillRef idx="1">
+            <a:schemeClr val="accent1"/>
+          </a:fillRef>
+          <a:effectRef idx="0">
+            <a:schemeClr val="accent1"/>
+          </a:effectRef>
+          <a:fontRef idx="minor">
+            <a:schemeClr val="lt1"/>
+          </a:fontRef>
+        </p:style>
+        <p:txBody>
+          <a:bodyPr rtlCol="0" anchor="ctr"/>
+          <a:lstStyle/>
+          <a:p>
+            <a:pPr algn="ctr"/>
+            <a:endParaRPr lang="ko-KR" altLang="en-US"/>
+          </a:p>
+        </p:txBody>
+      </p:sp>
+      <p:sp>
+        <p:nvSpPr>
+          <p:cNvPr id="37" name="직사각형 36"/>
+          <p:cNvSpPr/>
+          <p:nvPr/>
+        </p:nvSpPr>
+        <p:spPr>
+          <a:xfrm>
+            <a:off x="1259632" y="6237312"/>
+            <a:ext cx="6624736" cy="620688"/>
+          </a:xfrm>
+          <a:prstGeom prst="rect">
+            <a:avLst/>
+          </a:prstGeom>
+        </p:spPr>
+        <p:style>
+          <a:lnRef idx="2">
+            <a:schemeClr val="accent1">
+              <a:shade val="50000"/>
+            </a:schemeClr>
+          </a:lnRef>
+          <a:fillRef idx="1">
+            <a:schemeClr val="accent1"/>
+          </a:fillRef>
+          <a:effectRef idx="0">
+            <a:schemeClr val="accent1"/>
+          </a:effectRef>
+          <a:fontRef idx="minor">
+            <a:schemeClr val="lt1"/>
+          </a:fontRef>
+        </p:style>
+        <p:txBody>
+          <a:bodyPr rtlCol="0" anchor="ctr"/>
+          <a:lstStyle/>
+          <a:p>
+            <a:pPr algn="ctr"/>
+            <a:r>
+              <a:rPr lang="ko-KR" altLang="en-US" dirty="0" err="1" smtClean="0"/>
+              <a:t>푸터</a:t>
+            </a:r>
+            <a:endParaRPr lang="ko-KR" altLang="en-US" dirty="0"/>
+          </a:p>
+        </p:txBody>
+      </p:sp>
+      <p:sp>
+        <p:nvSpPr>
+          <p:cNvPr id="35" name="직사각형 34"/>
+          <p:cNvSpPr/>
+          <p:nvPr/>
+        </p:nvSpPr>
+        <p:spPr>
+          <a:xfrm>
+            <a:off x="3140190" y="83164"/>
+            <a:ext cx="639722" cy="166328"/>
+          </a:xfrm>
+          <a:prstGeom prst="rect">
+            <a:avLst/>
+          </a:prstGeom>
+        </p:spPr>
+        <p:style>
+          <a:lnRef idx="2">
+            <a:schemeClr val="accent1">
+              <a:shade val="50000"/>
+            </a:schemeClr>
+          </a:lnRef>
+          <a:fillRef idx="1">
+            <a:schemeClr val="accent1"/>
+          </a:fillRef>
+          <a:effectRef idx="0">
+            <a:schemeClr val="accent1"/>
+          </a:effectRef>
+          <a:fontRef idx="minor">
+            <a:schemeClr val="lt1"/>
+          </a:fontRef>
+        </p:style>
+        <p:txBody>
+          <a:bodyPr rtlCol="0" anchor="ctr"/>
+          <a:lstStyle/>
+          <a:p>
+            <a:pPr algn="ctr"/>
+            <a:r>
+              <a:rPr lang="ko-KR" altLang="en-US" sz="800" dirty="0" smtClean="0"/>
+              <a:t>로그아웃</a:t>
+            </a:r>
+            <a:endParaRPr lang="ko-KR" altLang="en-US" sz="800" dirty="0"/>
+          </a:p>
+        </p:txBody>
+      </p:sp>
+      <p:sp>
+        <p:nvSpPr>
+          <p:cNvPr id="40" name="직사각형 39"/>
+          <p:cNvSpPr/>
+          <p:nvPr/>
+        </p:nvSpPr>
+        <p:spPr>
+          <a:xfrm>
+            <a:off x="7092280" y="83164"/>
+            <a:ext cx="720080" cy="166328"/>
+          </a:xfrm>
+          <a:prstGeom prst="rect">
+            <a:avLst/>
+          </a:prstGeom>
+        </p:spPr>
+        <p:style>
+          <a:lnRef idx="2">
+            <a:schemeClr val="accent1">
+              <a:shade val="50000"/>
+            </a:schemeClr>
+          </a:lnRef>
+          <a:fillRef idx="1">
+            <a:schemeClr val="accent1"/>
+          </a:fillRef>
+          <a:effectRef idx="0">
+            <a:schemeClr val="accent1"/>
+          </a:effectRef>
+          <a:fontRef idx="minor">
+            <a:schemeClr val="lt1"/>
+          </a:fontRef>
+        </p:style>
+        <p:txBody>
+          <a:bodyPr rtlCol="0" anchor="ctr"/>
+          <a:lstStyle/>
+          <a:p>
+            <a:pPr algn="ctr"/>
+            <a:r>
+              <a:rPr lang="ko-KR" altLang="en-US" sz="800" dirty="0" err="1" smtClean="0"/>
+              <a:t>마이페이지</a:t>
+            </a:r>
+            <a:endParaRPr lang="ko-KR" altLang="en-US" sz="800" dirty="0"/>
+          </a:p>
+        </p:txBody>
+      </p:sp>
+      <p:sp>
+        <p:nvSpPr>
+          <p:cNvPr id="41" name="직사각형 40"/>
+          <p:cNvSpPr/>
+          <p:nvPr/>
+        </p:nvSpPr>
+        <p:spPr>
+          <a:xfrm>
+            <a:off x="6372200" y="83164"/>
+            <a:ext cx="648072" cy="166328"/>
+          </a:xfrm>
+          <a:prstGeom prst="rect">
+            <a:avLst/>
+          </a:prstGeom>
+        </p:spPr>
+        <p:style>
+          <a:lnRef idx="2">
+            <a:schemeClr val="accent1">
+              <a:shade val="50000"/>
+            </a:schemeClr>
+          </a:lnRef>
+          <a:fillRef idx="1">
+            <a:schemeClr val="accent1"/>
+          </a:fillRef>
+          <a:effectRef idx="0">
+            <a:schemeClr val="accent1"/>
+          </a:effectRef>
+          <a:fontRef idx="minor">
+            <a:schemeClr val="lt1"/>
+          </a:fontRef>
+        </p:style>
+        <p:txBody>
+          <a:bodyPr rtlCol="0" anchor="ctr"/>
+          <a:lstStyle/>
+          <a:p>
+            <a:pPr algn="ctr"/>
+            <a:r>
+              <a:rPr lang="ko-KR" altLang="en-US" sz="800" dirty="0" smtClean="0"/>
+              <a:t>상품관리</a:t>
+            </a:r>
+            <a:endParaRPr lang="ko-KR" altLang="en-US" sz="800" dirty="0"/>
+          </a:p>
+        </p:txBody>
+      </p:sp>
+      <p:sp>
+        <p:nvSpPr>
+          <p:cNvPr id="42" name="직사각형 41"/>
+          <p:cNvSpPr/>
+          <p:nvPr/>
+        </p:nvSpPr>
+        <p:spPr>
+          <a:xfrm>
+            <a:off x="5114198" y="83164"/>
+            <a:ext cx="393906" cy="166328"/>
+          </a:xfrm>
+          <a:prstGeom prst="rect">
+            <a:avLst/>
+          </a:prstGeom>
+        </p:spPr>
+        <p:style>
+          <a:lnRef idx="2">
+            <a:schemeClr val="accent1">
+              <a:shade val="50000"/>
+            </a:schemeClr>
+          </a:lnRef>
+          <a:fillRef idx="1">
+            <a:schemeClr val="accent1"/>
+          </a:fillRef>
+          <a:effectRef idx="0">
+            <a:schemeClr val="accent1"/>
+          </a:effectRef>
+          <a:fontRef idx="minor">
+            <a:schemeClr val="lt1"/>
+          </a:fontRef>
+        </p:style>
+        <p:txBody>
+          <a:bodyPr rtlCol="0" anchor="ctr"/>
+          <a:lstStyle/>
+          <a:p>
+            <a:pPr algn="ctr"/>
+            <a:r>
+              <a:rPr lang="ko-KR" altLang="en-US" sz="800" dirty="0" smtClean="0"/>
+              <a:t>리뷰</a:t>
+            </a:r>
+            <a:endParaRPr lang="ko-KR" altLang="en-US" sz="800" dirty="0"/>
+          </a:p>
+        </p:txBody>
+      </p:sp>
+      <p:sp>
+        <p:nvSpPr>
+          <p:cNvPr id="43" name="직사각형 42"/>
+          <p:cNvSpPr/>
+          <p:nvPr/>
+        </p:nvSpPr>
+        <p:spPr>
+          <a:xfrm>
+            <a:off x="4572000" y="83164"/>
+            <a:ext cx="465914" cy="166328"/>
+          </a:xfrm>
+          <a:prstGeom prst="rect">
+            <a:avLst/>
+          </a:prstGeom>
+        </p:spPr>
+        <p:style>
+          <a:lnRef idx="2">
+            <a:schemeClr val="accent1">
+              <a:shade val="50000"/>
+            </a:schemeClr>
+          </a:lnRef>
+          <a:fillRef idx="1">
+            <a:schemeClr val="accent1"/>
+          </a:fillRef>
+          <a:effectRef idx="0">
+            <a:schemeClr val="accent1"/>
+          </a:effectRef>
+          <a:fontRef idx="minor">
+            <a:schemeClr val="lt1"/>
+          </a:fontRef>
+        </p:style>
+        <p:txBody>
+          <a:bodyPr rtlCol="0" anchor="ctr"/>
+          <a:lstStyle/>
+          <a:p>
+            <a:pPr algn="ctr"/>
+            <a:r>
+              <a:rPr lang="en-US" altLang="ko-KR" sz="800" dirty="0" smtClean="0"/>
+              <a:t>Q&amp;A</a:t>
+            </a:r>
+            <a:endParaRPr lang="ko-KR" altLang="en-US" sz="800" dirty="0"/>
+          </a:p>
+        </p:txBody>
+      </p:sp>
+      <p:sp>
+        <p:nvSpPr>
+          <p:cNvPr id="44" name="직사각형 43"/>
+          <p:cNvSpPr/>
+          <p:nvPr/>
+        </p:nvSpPr>
+        <p:spPr>
+          <a:xfrm>
+            <a:off x="3890062" y="83164"/>
+            <a:ext cx="609930" cy="166328"/>
+          </a:xfrm>
+          <a:prstGeom prst="rect">
+            <a:avLst/>
+          </a:prstGeom>
+        </p:spPr>
+        <p:style>
+          <a:lnRef idx="2">
+            <a:schemeClr val="accent1">
+              <a:shade val="50000"/>
+            </a:schemeClr>
+          </a:lnRef>
+          <a:fillRef idx="1">
+            <a:schemeClr val="accent1"/>
+          </a:fillRef>
+          <a:effectRef idx="0">
+            <a:schemeClr val="accent1"/>
+          </a:effectRef>
+          <a:fontRef idx="minor">
+            <a:schemeClr val="lt1"/>
+          </a:fontRef>
+        </p:style>
+        <p:txBody>
+          <a:bodyPr rtlCol="0" anchor="ctr"/>
+          <a:lstStyle/>
+          <a:p>
+            <a:pPr algn="ctr"/>
+            <a:r>
+              <a:rPr lang="ko-KR" altLang="en-US" sz="800" dirty="0" smtClean="0"/>
+              <a:t>공지사</a:t>
+            </a:r>
+            <a:r>
+              <a:rPr lang="ko-KR" altLang="en-US" sz="800" dirty="0"/>
+              <a:t>항</a:t>
+            </a:r>
+          </a:p>
+        </p:txBody>
+      </p:sp>
+      <p:sp>
+        <p:nvSpPr>
+          <p:cNvPr id="45" name="직사각형 44"/>
+          <p:cNvSpPr/>
+          <p:nvPr/>
+        </p:nvSpPr>
+        <p:spPr>
+          <a:xfrm>
+            <a:off x="5580112" y="83164"/>
+            <a:ext cx="720080" cy="166328"/>
+          </a:xfrm>
+          <a:prstGeom prst="rect">
+            <a:avLst/>
+          </a:prstGeom>
+        </p:spPr>
+        <p:style>
+          <a:lnRef idx="2">
+            <a:schemeClr val="accent1">
+              <a:shade val="50000"/>
+            </a:schemeClr>
+          </a:lnRef>
+          <a:fillRef idx="1">
+            <a:schemeClr val="accent1"/>
+          </a:fillRef>
+          <a:effectRef idx="0">
+            <a:schemeClr val="accent1"/>
+          </a:effectRef>
+          <a:fontRef idx="minor">
+            <a:schemeClr val="lt1"/>
+          </a:fontRef>
+        </p:style>
+        <p:txBody>
+          <a:bodyPr rtlCol="0" anchor="ctr"/>
+          <a:lstStyle/>
+          <a:p>
+            <a:pPr algn="ctr"/>
+            <a:r>
+              <a:rPr lang="ko-KR" altLang="en-US" sz="800" dirty="0" smtClean="0"/>
+              <a:t>게시판관리</a:t>
+            </a:r>
+            <a:endParaRPr lang="ko-KR" altLang="en-US" sz="800" dirty="0"/>
+          </a:p>
+        </p:txBody>
+      </p:sp>
+      <p:sp>
+        <p:nvSpPr>
+          <p:cNvPr id="46" name="직사각형 45"/>
+          <p:cNvSpPr/>
+          <p:nvPr/>
+        </p:nvSpPr>
+        <p:spPr>
+          <a:xfrm>
+            <a:off x="2374709" y="83164"/>
+            <a:ext cx="613115" cy="166328"/>
+          </a:xfrm>
+          <a:prstGeom prst="rect">
+            <a:avLst/>
+          </a:prstGeom>
+        </p:spPr>
+        <p:style>
+          <a:lnRef idx="2">
+            <a:schemeClr val="accent1">
+              <a:shade val="50000"/>
+            </a:schemeClr>
+          </a:lnRef>
+          <a:fillRef idx="1">
+            <a:schemeClr val="accent1"/>
+          </a:fillRef>
+          <a:effectRef idx="0">
+            <a:schemeClr val="accent1"/>
+          </a:effectRef>
+          <a:fontRef idx="minor">
+            <a:schemeClr val="lt1"/>
+          </a:fontRef>
+        </p:style>
+        <p:txBody>
+          <a:bodyPr rtlCol="0" anchor="ctr"/>
+          <a:lstStyle/>
+          <a:p>
+            <a:pPr algn="ctr"/>
+            <a:r>
+              <a:rPr lang="ko-KR" altLang="en-US" sz="600" dirty="0" err="1" smtClean="0"/>
+              <a:t>로그인정보</a:t>
+            </a:r>
+            <a:endParaRPr lang="ko-KR" altLang="en-US" sz="600" dirty="0"/>
+          </a:p>
+        </p:txBody>
+      </p:sp>
+      <p:sp>
+        <p:nvSpPr>
+          <p:cNvPr id="33" name="직사각형 32"/>
+          <p:cNvSpPr/>
+          <p:nvPr/>
+        </p:nvSpPr>
+        <p:spPr>
+          <a:xfrm>
+            <a:off x="1835696" y="2542335"/>
+            <a:ext cx="5572000" cy="2448272"/>
+          </a:xfrm>
+          <a:prstGeom prst="rect">
+            <a:avLst/>
+          </a:prstGeom>
+        </p:spPr>
+        <p:style>
+          <a:lnRef idx="2">
+            <a:schemeClr val="accent1">
+              <a:shade val="50000"/>
+            </a:schemeClr>
+          </a:lnRef>
+          <a:fillRef idx="1">
+            <a:schemeClr val="accent1"/>
+          </a:fillRef>
+          <a:effectRef idx="0">
+            <a:schemeClr val="accent1"/>
+          </a:effectRef>
+          <a:fontRef idx="minor">
+            <a:schemeClr val="lt1"/>
+          </a:fontRef>
+        </p:style>
+        <p:txBody>
+          <a:bodyPr rtlCol="0" anchor="ctr"/>
+          <a:lstStyle/>
+          <a:p>
+            <a:pPr algn="ctr"/>
+            <a:endParaRPr lang="ko-KR" altLang="en-US" dirty="0"/>
+          </a:p>
+        </p:txBody>
+      </p:sp>
+      <p:sp>
+        <p:nvSpPr>
+          <p:cNvPr id="34" name="직사각형 33"/>
+          <p:cNvSpPr/>
+          <p:nvPr/>
+        </p:nvSpPr>
+        <p:spPr>
+          <a:xfrm>
+            <a:off x="2051720" y="2758359"/>
+            <a:ext cx="4032448" cy="360040"/>
+          </a:xfrm>
+          <a:prstGeom prst="rect">
+            <a:avLst/>
+          </a:prstGeom>
+          <a:solidFill>
+            <a:schemeClr val="accent1">
+              <a:lumMod val="40000"/>
+              <a:lumOff val="60000"/>
+            </a:schemeClr>
+          </a:solidFill>
+        </p:spPr>
+        <p:style>
+          <a:lnRef idx="2">
+            <a:schemeClr val="accent1">
+              <a:shade val="50000"/>
+            </a:schemeClr>
+          </a:lnRef>
+          <a:fillRef idx="1">
+            <a:schemeClr val="accent1"/>
+          </a:fillRef>
+          <a:effectRef idx="0">
+            <a:schemeClr val="accent1"/>
+          </a:effectRef>
+          <a:fontRef idx="minor">
+            <a:schemeClr val="lt1"/>
+          </a:fontRef>
+        </p:style>
+        <p:txBody>
+          <a:bodyPr rtlCol="0" anchor="ctr"/>
+          <a:lstStyle/>
+          <a:p>
+            <a:pPr algn="ctr"/>
+            <a:r>
+              <a:rPr lang="ko-KR" altLang="en-US" dirty="0" smtClean="0"/>
+              <a:t>주문번호 </a:t>
+            </a:r>
+            <a:r>
+              <a:rPr lang="en-US" altLang="ko-KR" dirty="0" smtClean="0"/>
+              <a:t>1</a:t>
+            </a:r>
+            <a:endParaRPr lang="ko-KR" altLang="en-US" dirty="0"/>
+          </a:p>
+        </p:txBody>
+      </p:sp>
+      <p:sp>
+        <p:nvSpPr>
+          <p:cNvPr id="36" name="직사각형 35"/>
+          <p:cNvSpPr/>
+          <p:nvPr/>
+        </p:nvSpPr>
+        <p:spPr>
+          <a:xfrm>
+            <a:off x="2051720" y="3298419"/>
+            <a:ext cx="4032448" cy="360040"/>
+          </a:xfrm>
+          <a:prstGeom prst="rect">
+            <a:avLst/>
+          </a:prstGeom>
+          <a:solidFill>
+            <a:schemeClr val="accent1">
+              <a:lumMod val="40000"/>
+              <a:lumOff val="60000"/>
+            </a:schemeClr>
+          </a:solidFill>
+        </p:spPr>
+        <p:style>
+          <a:lnRef idx="2">
+            <a:schemeClr val="accent1">
+              <a:shade val="50000"/>
+            </a:schemeClr>
+          </a:lnRef>
+          <a:fillRef idx="1">
+            <a:schemeClr val="accent1"/>
+          </a:fillRef>
+          <a:effectRef idx="0">
+            <a:schemeClr val="accent1"/>
+          </a:effectRef>
+          <a:fontRef idx="minor">
+            <a:schemeClr val="lt1"/>
+          </a:fontRef>
+        </p:style>
+        <p:txBody>
+          <a:bodyPr rtlCol="0" anchor="ctr"/>
+          <a:lstStyle/>
+          <a:p>
+            <a:pPr algn="ctr"/>
+            <a:r>
+              <a:rPr lang="ko-KR" altLang="en-US" dirty="0" smtClean="0"/>
+              <a:t>제품 </a:t>
+            </a:r>
+            <a:r>
+              <a:rPr lang="en-US" altLang="ko-KR" dirty="0" smtClean="0"/>
+              <a:t>1</a:t>
+            </a:r>
+            <a:endParaRPr lang="ko-KR" altLang="en-US" dirty="0"/>
+          </a:p>
+        </p:txBody>
+      </p:sp>
+      <p:sp>
+        <p:nvSpPr>
+          <p:cNvPr id="38" name="직사각형 37"/>
+          <p:cNvSpPr/>
+          <p:nvPr/>
+        </p:nvSpPr>
+        <p:spPr>
+          <a:xfrm>
+            <a:off x="2051720" y="3838479"/>
+            <a:ext cx="4032448" cy="360040"/>
+          </a:xfrm>
+          <a:prstGeom prst="rect">
+            <a:avLst/>
+          </a:prstGeom>
+          <a:solidFill>
+            <a:schemeClr val="accent1">
+              <a:lumMod val="40000"/>
+              <a:lumOff val="60000"/>
+            </a:schemeClr>
+          </a:solidFill>
+        </p:spPr>
+        <p:style>
+          <a:lnRef idx="2">
+            <a:schemeClr val="accent1">
+              <a:shade val="50000"/>
+            </a:schemeClr>
+          </a:lnRef>
+          <a:fillRef idx="1">
+            <a:schemeClr val="accent1"/>
+          </a:fillRef>
+          <a:effectRef idx="0">
+            <a:schemeClr val="accent1"/>
+          </a:effectRef>
+          <a:fontRef idx="minor">
+            <a:schemeClr val="lt1"/>
+          </a:fontRef>
+        </p:style>
+        <p:txBody>
+          <a:bodyPr rtlCol="0" anchor="ctr"/>
+          <a:lstStyle/>
+          <a:p>
+            <a:pPr algn="ctr"/>
+            <a:r>
+              <a:rPr lang="ko-KR" altLang="en-US" dirty="0" smtClean="0"/>
+              <a:t>제품 </a:t>
+            </a:r>
+            <a:r>
+              <a:rPr lang="en-US" altLang="ko-KR" dirty="0" smtClean="0"/>
+              <a:t>2</a:t>
+            </a:r>
+            <a:endParaRPr lang="ko-KR" altLang="en-US" dirty="0"/>
+          </a:p>
+        </p:txBody>
+      </p:sp>
+      <p:sp>
+        <p:nvSpPr>
+          <p:cNvPr id="39" name="직사각형 38"/>
+          <p:cNvSpPr/>
+          <p:nvPr/>
+        </p:nvSpPr>
+        <p:spPr>
+          <a:xfrm>
+            <a:off x="2051720" y="4342535"/>
+            <a:ext cx="4032448" cy="360040"/>
+          </a:xfrm>
+          <a:prstGeom prst="rect">
+            <a:avLst/>
+          </a:prstGeom>
+          <a:solidFill>
+            <a:schemeClr val="accent1">
+              <a:lumMod val="40000"/>
+              <a:lumOff val="60000"/>
+            </a:schemeClr>
+          </a:solidFill>
+        </p:spPr>
+        <p:style>
+          <a:lnRef idx="2">
+            <a:schemeClr val="accent1">
+              <a:shade val="50000"/>
+            </a:schemeClr>
+          </a:lnRef>
+          <a:fillRef idx="1">
+            <a:schemeClr val="accent1"/>
+          </a:fillRef>
+          <a:effectRef idx="0">
+            <a:schemeClr val="accent1"/>
+          </a:effectRef>
+          <a:fontRef idx="minor">
+            <a:schemeClr val="lt1"/>
+          </a:fontRef>
+        </p:style>
+        <p:txBody>
+          <a:bodyPr rtlCol="0" anchor="ctr"/>
+          <a:lstStyle/>
+          <a:p>
+            <a:pPr algn="ctr"/>
+            <a:r>
+              <a:rPr lang="ko-KR" altLang="en-US" dirty="0" smtClean="0"/>
+              <a:t>제품 </a:t>
+            </a:r>
+            <a:r>
+              <a:rPr lang="en-US" altLang="ko-KR" dirty="0" smtClean="0"/>
+              <a:t>3</a:t>
+            </a:r>
+            <a:endParaRPr lang="ko-KR" altLang="en-US" dirty="0"/>
+          </a:p>
+        </p:txBody>
+      </p:sp>
+      <p:grpSp>
+        <p:nvGrpSpPr>
+          <p:cNvPr id="58" name="그룹 57"/>
+          <p:cNvGrpSpPr/>
+          <p:nvPr/>
+        </p:nvGrpSpPr>
+        <p:grpSpPr>
+          <a:xfrm>
+            <a:off x="8028384" y="670384"/>
+            <a:ext cx="936104" cy="4630824"/>
+            <a:chOff x="8028384" y="1844824"/>
+            <a:chExt cx="936104" cy="3456384"/>
+          </a:xfrm>
+        </p:grpSpPr>
+        <p:sp>
+          <p:nvSpPr>
+            <p:cNvPr id="59" name="직사각형 58"/>
+            <p:cNvSpPr/>
+            <p:nvPr/>
+          </p:nvSpPr>
+          <p:spPr>
+            <a:xfrm>
+              <a:off x="8028384" y="1844824"/>
+              <a:ext cx="936104" cy="3168352"/>
+            </a:xfrm>
+            <a:prstGeom prst="rect">
+              <a:avLst/>
+            </a:prstGeom>
+          </p:spPr>
+          <p:style>
+            <a:lnRef idx="2">
+              <a:schemeClr val="accent1">
+                <a:shade val="50000"/>
+              </a:schemeClr>
+            </a:lnRef>
+            <a:fillRef idx="1">
+              <a:schemeClr val="accent1"/>
+            </a:fillRef>
+            <a:effectRef idx="0">
+              <a:schemeClr val="accent1"/>
+            </a:effectRef>
+            <a:fontRef idx="minor">
+              <a:schemeClr val="lt1"/>
+            </a:fontRef>
+          </p:style>
+          <p:txBody>
+            <a:bodyPr rtlCol="0" anchor="ctr"/>
+            <a:lstStyle/>
+            <a:p>
+              <a:pPr algn="ctr"/>
+              <a:r>
+                <a:rPr lang="ko-KR" altLang="en-US" sz="1600" dirty="0" smtClean="0"/>
+                <a:t>미처리 주문</a:t>
+              </a:r>
+              <a:endParaRPr lang="en-US" altLang="ko-KR" sz="1600" dirty="0" smtClean="0"/>
+            </a:p>
+            <a:p>
+              <a:pPr algn="ctr"/>
+              <a:r>
+                <a:rPr lang="ko-KR" altLang="en-US" sz="1600" dirty="0" smtClean="0"/>
+                <a:t>개수</a:t>
+              </a:r>
+              <a:endParaRPr lang="en-US" altLang="ko-KR" sz="1600" dirty="0" smtClean="0"/>
+            </a:p>
+            <a:p>
+              <a:pPr algn="ctr"/>
+              <a:endParaRPr lang="en-US" altLang="ko-KR" sz="1600" dirty="0"/>
+            </a:p>
+            <a:p>
+              <a:pPr algn="ctr"/>
+              <a:r>
+                <a:rPr lang="ko-KR" altLang="en-US" sz="1600" dirty="0" smtClean="0"/>
+                <a:t>미확인 반품</a:t>
+              </a:r>
+              <a:endParaRPr lang="en-US" altLang="ko-KR" sz="1600" dirty="0" smtClean="0"/>
+            </a:p>
+            <a:p>
+              <a:pPr algn="ctr"/>
+              <a:r>
+                <a:rPr lang="ko-KR" altLang="en-US" sz="1600" dirty="0" smtClean="0"/>
+                <a:t>개수</a:t>
+              </a:r>
+              <a:endParaRPr lang="en-US" altLang="ko-KR" sz="1600" dirty="0" smtClean="0"/>
+            </a:p>
+            <a:p>
+              <a:pPr algn="ctr"/>
+              <a:endParaRPr lang="en-US" altLang="ko-KR" sz="1600" dirty="0"/>
+            </a:p>
+            <a:p>
+              <a:pPr algn="ctr"/>
+              <a:r>
+                <a:rPr lang="ko-KR" altLang="en-US" sz="1600" dirty="0" smtClean="0"/>
+                <a:t>미확인 </a:t>
+              </a:r>
+              <a:r>
+                <a:rPr lang="en-US" altLang="ko-KR" sz="1600" dirty="0" smtClean="0"/>
+                <a:t>A/S</a:t>
+              </a:r>
+            </a:p>
+            <a:p>
+              <a:pPr algn="ctr"/>
+              <a:r>
+                <a:rPr lang="ko-KR" altLang="en-US" sz="1600" dirty="0" smtClean="0"/>
+                <a:t>개수</a:t>
+              </a:r>
+              <a:endParaRPr lang="en-US" altLang="ko-KR" sz="1600" dirty="0" smtClean="0"/>
+            </a:p>
+            <a:p>
+              <a:pPr algn="ctr"/>
+              <a:endParaRPr lang="en-US" altLang="ko-KR" sz="1600" dirty="0" smtClean="0"/>
+            </a:p>
+            <a:p>
+              <a:pPr algn="ctr"/>
+              <a:r>
+                <a:rPr lang="ko-KR" altLang="en-US" sz="1600" dirty="0"/>
+                <a:t>미확인 </a:t>
+              </a:r>
+              <a:r>
+                <a:rPr lang="en-US" altLang="ko-KR" sz="1600" dirty="0" smtClean="0"/>
+                <a:t>Q&amp;A</a:t>
+              </a:r>
+              <a:endParaRPr lang="en-US" altLang="ko-KR" sz="1600" dirty="0"/>
+            </a:p>
+            <a:p>
+              <a:pPr algn="ctr"/>
+              <a:r>
+                <a:rPr lang="ko-KR" altLang="en-US" sz="1600" dirty="0"/>
+                <a:t>개수</a:t>
+              </a:r>
+              <a:endParaRPr lang="en-US" altLang="ko-KR" sz="1600" dirty="0"/>
+            </a:p>
+            <a:p>
+              <a:pPr algn="ctr"/>
+              <a:endParaRPr lang="en-US" altLang="ko-KR" dirty="0" smtClean="0"/>
+            </a:p>
+          </p:txBody>
+        </p:sp>
+        <p:sp>
+          <p:nvSpPr>
+            <p:cNvPr id="60" name="직사각형 59"/>
+            <p:cNvSpPr/>
+            <p:nvPr/>
+          </p:nvSpPr>
+          <p:spPr>
+            <a:xfrm>
+              <a:off x="8028384" y="5013176"/>
+              <a:ext cx="936104" cy="288032"/>
+            </a:xfrm>
+            <a:prstGeom prst="rect">
+              <a:avLst/>
+            </a:prstGeom>
+            <a:solidFill>
+              <a:schemeClr val="accent1">
+                <a:lumMod val="40000"/>
+                <a:lumOff val="60000"/>
+              </a:schemeClr>
+            </a:solidFill>
+          </p:spPr>
+          <p:style>
+            <a:lnRef idx="2">
+              <a:schemeClr val="accent1">
+                <a:shade val="50000"/>
+              </a:schemeClr>
+            </a:lnRef>
+            <a:fillRef idx="1">
+              <a:schemeClr val="accent1"/>
+            </a:fillRef>
+            <a:effectRef idx="0">
+              <a:schemeClr val="accent1"/>
+            </a:effectRef>
+            <a:fontRef idx="minor">
+              <a:schemeClr val="lt1"/>
+            </a:fontRef>
+          </p:style>
+          <p:txBody>
+            <a:bodyPr rtlCol="0" anchor="ctr"/>
+            <a:lstStyle/>
+            <a:p>
+              <a:pPr algn="ctr"/>
+              <a:r>
+                <a:rPr lang="en-US" altLang="ko-KR" dirty="0" smtClean="0"/>
+                <a:t>TOP</a:t>
+              </a:r>
+              <a:endParaRPr lang="ko-KR" altLang="en-US" dirty="0"/>
+            </a:p>
+          </p:txBody>
+        </p:sp>
+      </p:grpSp>
+      <p:sp>
+        <p:nvSpPr>
+          <p:cNvPr id="47" name="직사각형 46"/>
+          <p:cNvSpPr/>
+          <p:nvPr/>
+        </p:nvSpPr>
+        <p:spPr>
+          <a:xfrm>
+            <a:off x="6300192" y="2758359"/>
+            <a:ext cx="1008112" cy="360040"/>
+          </a:xfrm>
+          <a:prstGeom prst="rect">
+            <a:avLst/>
+          </a:prstGeom>
+          <a:solidFill>
+            <a:schemeClr val="tx2">
+              <a:lumMod val="40000"/>
+              <a:lumOff val="60000"/>
+            </a:schemeClr>
+          </a:solidFill>
+        </p:spPr>
+        <p:style>
+          <a:lnRef idx="2">
+            <a:schemeClr val="accent1">
+              <a:shade val="50000"/>
+            </a:schemeClr>
+          </a:lnRef>
+          <a:fillRef idx="1">
+            <a:schemeClr val="accent1"/>
+          </a:fillRef>
+          <a:effectRef idx="0">
+            <a:schemeClr val="accent1"/>
+          </a:effectRef>
+          <a:fontRef idx="minor">
+            <a:schemeClr val="lt1"/>
+          </a:fontRef>
+        </p:style>
+        <p:txBody>
+          <a:bodyPr rtlCol="0" anchor="ctr"/>
+          <a:lstStyle/>
+          <a:p>
+            <a:pPr algn="ctr"/>
+            <a:r>
+              <a:rPr lang="ko-KR" altLang="en-US" sz="1600" dirty="0" smtClean="0"/>
+              <a:t>상태설정</a:t>
+            </a:r>
+            <a:endParaRPr lang="ko-KR" altLang="en-US" sz="1600" dirty="0"/>
+          </a:p>
+        </p:txBody>
+      </p:sp>
+      <p:sp>
+        <p:nvSpPr>
+          <p:cNvPr id="48" name="직사각형 47"/>
+          <p:cNvSpPr/>
+          <p:nvPr/>
+        </p:nvSpPr>
+        <p:spPr>
+          <a:xfrm>
+            <a:off x="6300192" y="3298419"/>
+            <a:ext cx="1008112" cy="360040"/>
+          </a:xfrm>
+          <a:prstGeom prst="rect">
+            <a:avLst/>
+          </a:prstGeom>
+          <a:solidFill>
+            <a:schemeClr val="tx2">
+              <a:lumMod val="40000"/>
+              <a:lumOff val="60000"/>
+            </a:schemeClr>
+          </a:solidFill>
+        </p:spPr>
+        <p:style>
+          <a:lnRef idx="2">
+            <a:schemeClr val="accent1">
+              <a:shade val="50000"/>
+            </a:schemeClr>
+          </a:lnRef>
+          <a:fillRef idx="1">
+            <a:schemeClr val="accent1"/>
+          </a:fillRef>
+          <a:effectRef idx="0">
+            <a:schemeClr val="accent1"/>
+          </a:effectRef>
+          <a:fontRef idx="minor">
+            <a:schemeClr val="lt1"/>
+          </a:fontRef>
+        </p:style>
+        <p:txBody>
+          <a:bodyPr rtlCol="0" anchor="ctr"/>
+          <a:lstStyle/>
+          <a:p>
+            <a:pPr algn="ctr"/>
+            <a:r>
+              <a:rPr lang="ko-KR" altLang="en-US" sz="1600" dirty="0" smtClean="0"/>
+              <a:t>개수</a:t>
+            </a:r>
+            <a:endParaRPr lang="ko-KR" altLang="en-US" sz="1600" dirty="0"/>
+          </a:p>
+        </p:txBody>
+      </p:sp>
+      <p:sp>
+        <p:nvSpPr>
+          <p:cNvPr id="49" name="직사각형 48"/>
+          <p:cNvSpPr/>
+          <p:nvPr/>
+        </p:nvSpPr>
+        <p:spPr>
+          <a:xfrm>
+            <a:off x="6300192" y="3838479"/>
+            <a:ext cx="1008112" cy="360040"/>
+          </a:xfrm>
+          <a:prstGeom prst="rect">
+            <a:avLst/>
+          </a:prstGeom>
+          <a:solidFill>
+            <a:schemeClr val="tx2">
+              <a:lumMod val="40000"/>
+              <a:lumOff val="60000"/>
+            </a:schemeClr>
+          </a:solidFill>
+        </p:spPr>
+        <p:style>
+          <a:lnRef idx="2">
+            <a:schemeClr val="accent1">
+              <a:shade val="50000"/>
+            </a:schemeClr>
+          </a:lnRef>
+          <a:fillRef idx="1">
+            <a:schemeClr val="accent1"/>
+          </a:fillRef>
+          <a:effectRef idx="0">
+            <a:schemeClr val="accent1"/>
+          </a:effectRef>
+          <a:fontRef idx="minor">
+            <a:schemeClr val="lt1"/>
+          </a:fontRef>
+        </p:style>
+        <p:txBody>
+          <a:bodyPr rtlCol="0" anchor="ctr"/>
+          <a:lstStyle/>
+          <a:p>
+            <a:pPr algn="ctr"/>
+            <a:r>
+              <a:rPr lang="ko-KR" altLang="en-US" sz="1600" dirty="0" smtClean="0"/>
+              <a:t>개수</a:t>
+            </a:r>
+            <a:endParaRPr lang="ko-KR" altLang="en-US" sz="1600" dirty="0"/>
+          </a:p>
+        </p:txBody>
+      </p:sp>
+      <p:sp>
+        <p:nvSpPr>
+          <p:cNvPr id="51" name="직사각형 50"/>
+          <p:cNvSpPr/>
+          <p:nvPr/>
+        </p:nvSpPr>
+        <p:spPr>
+          <a:xfrm>
+            <a:off x="6300192" y="4342535"/>
+            <a:ext cx="1008112" cy="360040"/>
+          </a:xfrm>
+          <a:prstGeom prst="rect">
+            <a:avLst/>
+          </a:prstGeom>
+          <a:solidFill>
+            <a:schemeClr val="tx2">
+              <a:lumMod val="40000"/>
+              <a:lumOff val="60000"/>
+            </a:schemeClr>
+          </a:solidFill>
+        </p:spPr>
+        <p:style>
+          <a:lnRef idx="2">
+            <a:schemeClr val="accent1">
+              <a:shade val="50000"/>
+            </a:schemeClr>
+          </a:lnRef>
+          <a:fillRef idx="1">
+            <a:schemeClr val="accent1"/>
+          </a:fillRef>
+          <a:effectRef idx="0">
+            <a:schemeClr val="accent1"/>
+          </a:effectRef>
+          <a:fontRef idx="minor">
+            <a:schemeClr val="lt1"/>
+          </a:fontRef>
+        </p:style>
+        <p:txBody>
+          <a:bodyPr rtlCol="0" anchor="ctr"/>
+          <a:lstStyle/>
+          <a:p>
+            <a:pPr algn="ctr"/>
+            <a:r>
+              <a:rPr lang="ko-KR" altLang="en-US" sz="1600" dirty="0" smtClean="0"/>
+              <a:t>개수</a:t>
+            </a:r>
+            <a:endParaRPr lang="ko-KR" altLang="en-US" sz="1600" dirty="0"/>
+          </a:p>
+        </p:txBody>
+      </p:sp>
+      <p:sp>
+        <p:nvSpPr>
+          <p:cNvPr id="52" name="직사각형 51"/>
+          <p:cNvSpPr/>
+          <p:nvPr/>
+        </p:nvSpPr>
+        <p:spPr>
+          <a:xfrm>
+            <a:off x="3635896" y="5301208"/>
+            <a:ext cx="1944216" cy="288032"/>
+          </a:xfrm>
+          <a:prstGeom prst="rect">
+            <a:avLst/>
+          </a:prstGeom>
+        </p:spPr>
+        <p:style>
+          <a:lnRef idx="2">
+            <a:schemeClr val="accent1">
+              <a:shade val="50000"/>
+            </a:schemeClr>
+          </a:lnRef>
+          <a:fillRef idx="1">
+            <a:schemeClr val="accent1"/>
+          </a:fillRef>
+          <a:effectRef idx="0">
+            <a:schemeClr val="accent1"/>
+          </a:effectRef>
+          <a:fontRef idx="minor">
+            <a:schemeClr val="lt1"/>
+          </a:fontRef>
+        </p:style>
+        <p:txBody>
+          <a:bodyPr rtlCol="0" anchor="ctr"/>
+          <a:lstStyle/>
+          <a:p>
+            <a:pPr algn="ctr"/>
+            <a:r>
+              <a:rPr lang="ko-KR" altLang="en-US" dirty="0" smtClean="0"/>
+              <a:t>변</a:t>
+            </a:r>
+            <a:r>
+              <a:rPr lang="ko-KR" altLang="en-US" dirty="0"/>
+              <a:t>경</a:t>
+            </a:r>
+          </a:p>
+        </p:txBody>
+      </p:sp>
+    </p:spTree>
+    <p:extLst>
+      <p:ext uri="{BB962C8B-B14F-4D97-AF65-F5344CB8AC3E}">
+        <p14:creationId xmlns:p14="http://schemas.microsoft.com/office/powerpoint/2010/main" val="1445691219"/>
+      </p:ext>
+    </p:extLst>
+  </p:cSld>
+  <p:clrMapOvr>
+    <a:masterClrMapping/>
+  </p:clrMapOvr>
+  <p:timing>
+    <p:tnLst>
+      <p:par>
+        <p:cTn id="1" dur="indefinite" restart="never" nodeType="tmRoot"/>
+      </p:par>
+    </p:tnLst>
+  </p:timing>
+</p:sld>
+</file>
+
+<file path=ppt/slides/slide37.xml><?xml version="1.0" encoding="utf-8"?>
+<p:sld xmlns:a="http://schemas.openxmlformats.org/drawingml/2006/main" xmlns:r="http://schemas.openxmlformats.org/officeDocument/2006/relationships" xmlns:p="http://schemas.openxmlformats.org/presentationml/2006/main">
+  <p:cSld>
+    <p:spTree>
+      <p:nvGrpSpPr>
+        <p:cNvPr id="1" name=""/>
+        <p:cNvGrpSpPr/>
+        <p:nvPr/>
+      </p:nvGrpSpPr>
+      <p:grpSpPr>
+        <a:xfrm>
+          <a:off x="0" y="0"/>
+          <a:ext cx="0" cy="0"/>
+          <a:chOff x="0" y="0"/>
+          <a:chExt cx="0" cy="0"/>
+        </a:xfrm>
+      </p:grpSpPr>
+      <p:grpSp>
+        <p:nvGrpSpPr>
+          <p:cNvPr id="28" name="그룹 27"/>
+          <p:cNvGrpSpPr/>
+          <p:nvPr/>
+        </p:nvGrpSpPr>
+        <p:grpSpPr>
+          <a:xfrm>
+            <a:off x="0" y="0"/>
+            <a:ext cx="9144000" cy="6858000"/>
+            <a:chOff x="0" y="0"/>
+            <a:chExt cx="9144000" cy="6858000"/>
+          </a:xfrm>
+        </p:grpSpPr>
+        <p:sp>
+          <p:nvSpPr>
+            <p:cNvPr id="5" name="직사각형 4"/>
+            <p:cNvSpPr/>
+            <p:nvPr/>
+          </p:nvSpPr>
+          <p:spPr>
+            <a:xfrm>
+              <a:off x="7884368" y="0"/>
+              <a:ext cx="1259632" cy="6858000"/>
+            </a:xfrm>
+            <a:prstGeom prst="rect">
+              <a:avLst/>
+            </a:prstGeom>
+            <a:solidFill>
+              <a:schemeClr val="bg1"/>
+            </a:solidFill>
+          </p:spPr>
+          <p:style>
+            <a:lnRef idx="2">
+              <a:schemeClr val="accent1">
+                <a:shade val="50000"/>
+              </a:schemeClr>
+            </a:lnRef>
+            <a:fillRef idx="1">
+              <a:schemeClr val="accent1"/>
+            </a:fillRef>
+            <a:effectRef idx="0">
+              <a:schemeClr val="accent1"/>
+            </a:effectRef>
+            <a:fontRef idx="minor">
+              <a:schemeClr val="lt1"/>
+            </a:fontRef>
+          </p:style>
+          <p:txBody>
+            <a:bodyPr rtlCol="0" anchor="ctr"/>
+            <a:lstStyle/>
+            <a:p>
+              <a:pPr algn="ctr"/>
+              <a:endParaRPr lang="ko-KR" altLang="en-US"/>
+            </a:p>
+          </p:txBody>
+        </p:sp>
+        <p:sp>
+          <p:nvSpPr>
+            <p:cNvPr id="6" name="직사각형 5"/>
+            <p:cNvSpPr/>
+            <p:nvPr/>
+          </p:nvSpPr>
+          <p:spPr>
+            <a:xfrm>
+              <a:off x="0" y="0"/>
+              <a:ext cx="1259632" cy="6858000"/>
+            </a:xfrm>
+            <a:prstGeom prst="rect">
+              <a:avLst/>
+            </a:prstGeom>
+            <a:solidFill>
+              <a:schemeClr val="bg1"/>
+            </a:solidFill>
+          </p:spPr>
+          <p:style>
+            <a:lnRef idx="2">
+              <a:schemeClr val="accent1">
+                <a:shade val="50000"/>
+              </a:schemeClr>
+            </a:lnRef>
+            <a:fillRef idx="1">
+              <a:schemeClr val="accent1"/>
+            </a:fillRef>
+            <a:effectRef idx="0">
+              <a:schemeClr val="accent1"/>
+            </a:effectRef>
+            <a:fontRef idx="minor">
+              <a:schemeClr val="lt1"/>
+            </a:fontRef>
+          </p:style>
+          <p:txBody>
+            <a:bodyPr rtlCol="0" anchor="ctr"/>
+            <a:lstStyle/>
+            <a:p>
+              <a:pPr algn="ctr"/>
+              <a:r>
+                <a:rPr lang="ko-KR" altLang="en-US" dirty="0" smtClean="0">
+                  <a:solidFill>
+                    <a:schemeClr val="tx1"/>
+                  </a:solidFill>
+                </a:rPr>
                 <a:t>반품 확인</a:t>
               </a:r>
               <a:endParaRPr lang="en-US" altLang="ko-KR" dirty="0" smtClean="0">
@@ -47290,7 +49141,7 @@
 </p:sld>
 </file>
 
-<file path=ppt/slides/slide37.xml><?xml version="1.0" encoding="utf-8"?>
+<file path=ppt/slides/slide38.xml><?xml version="1.0" encoding="utf-8"?>
 <p:sld xmlns:a="http://schemas.openxmlformats.org/drawingml/2006/main" xmlns:r="http://schemas.openxmlformats.org/officeDocument/2006/relationships" xmlns:p="http://schemas.openxmlformats.org/presentationml/2006/main">
   <p:cSld>
     <p:spTree>

--- a/스토리보드(구현 및 필요하면 추가).pptx
+++ b/스토리보드(구현 및 필요하면 추가).pptx
@@ -229,7 +229,7 @@
           <a:p>
             <a:fld id="{C3EF622D-87EB-4ED6-AC54-EACB2EA6DD55}" type="datetimeFigureOut">
               <a:rPr lang="ko-KR" altLang="en-US" smtClean="0"/>
-              <a:t>2020-08-13</a:t>
+              <a:t>2020-08-28</a:t>
             </a:fld>
             <a:endParaRPr lang="ko-KR" altLang="en-US"/>
           </a:p>
@@ -678,7 +678,7 @@
           <a:p>
             <a:fld id="{114F4981-A902-4C96-B316-F76B8AB2BDDE}" type="datetimeFigureOut">
               <a:rPr lang="ko-KR" altLang="en-US" smtClean="0"/>
-              <a:t>2020-08-13</a:t>
+              <a:t>2020-08-28</a:t>
             </a:fld>
             <a:endParaRPr lang="ko-KR" altLang="en-US"/>
           </a:p>
@@ -848,7 +848,7 @@
           <a:p>
             <a:fld id="{114F4981-A902-4C96-B316-F76B8AB2BDDE}" type="datetimeFigureOut">
               <a:rPr lang="ko-KR" altLang="en-US" smtClean="0"/>
-              <a:t>2020-08-13</a:t>
+              <a:t>2020-08-28</a:t>
             </a:fld>
             <a:endParaRPr lang="ko-KR" altLang="en-US"/>
           </a:p>
@@ -1028,7 +1028,7 @@
           <a:p>
             <a:fld id="{114F4981-A902-4C96-B316-F76B8AB2BDDE}" type="datetimeFigureOut">
               <a:rPr lang="ko-KR" altLang="en-US" smtClean="0"/>
-              <a:t>2020-08-13</a:t>
+              <a:t>2020-08-28</a:t>
             </a:fld>
             <a:endParaRPr lang="ko-KR" altLang="en-US"/>
           </a:p>
@@ -1198,7 +1198,7 @@
           <a:p>
             <a:fld id="{114F4981-A902-4C96-B316-F76B8AB2BDDE}" type="datetimeFigureOut">
               <a:rPr lang="ko-KR" altLang="en-US" smtClean="0"/>
-              <a:t>2020-08-13</a:t>
+              <a:t>2020-08-28</a:t>
             </a:fld>
             <a:endParaRPr lang="ko-KR" altLang="en-US"/>
           </a:p>
@@ -1444,7 +1444,7 @@
           <a:p>
             <a:fld id="{114F4981-A902-4C96-B316-F76B8AB2BDDE}" type="datetimeFigureOut">
               <a:rPr lang="ko-KR" altLang="en-US" smtClean="0"/>
-              <a:t>2020-08-13</a:t>
+              <a:t>2020-08-28</a:t>
             </a:fld>
             <a:endParaRPr lang="ko-KR" altLang="en-US"/>
           </a:p>
@@ -1732,7 +1732,7 @@
           <a:p>
             <a:fld id="{114F4981-A902-4C96-B316-F76B8AB2BDDE}" type="datetimeFigureOut">
               <a:rPr lang="ko-KR" altLang="en-US" smtClean="0"/>
-              <a:t>2020-08-13</a:t>
+              <a:t>2020-08-28</a:t>
             </a:fld>
             <a:endParaRPr lang="ko-KR" altLang="en-US"/>
           </a:p>
@@ -2154,7 +2154,7 @@
           <a:p>
             <a:fld id="{114F4981-A902-4C96-B316-F76B8AB2BDDE}" type="datetimeFigureOut">
               <a:rPr lang="ko-KR" altLang="en-US" smtClean="0"/>
-              <a:t>2020-08-13</a:t>
+              <a:t>2020-08-28</a:t>
             </a:fld>
             <a:endParaRPr lang="ko-KR" altLang="en-US"/>
           </a:p>
@@ -2272,7 +2272,7 @@
           <a:p>
             <a:fld id="{114F4981-A902-4C96-B316-F76B8AB2BDDE}" type="datetimeFigureOut">
               <a:rPr lang="ko-KR" altLang="en-US" smtClean="0"/>
-              <a:t>2020-08-13</a:t>
+              <a:t>2020-08-28</a:t>
             </a:fld>
             <a:endParaRPr lang="ko-KR" altLang="en-US"/>
           </a:p>
@@ -2367,7 +2367,7 @@
           <a:p>
             <a:fld id="{114F4981-A902-4C96-B316-F76B8AB2BDDE}" type="datetimeFigureOut">
               <a:rPr lang="ko-KR" altLang="en-US" smtClean="0"/>
-              <a:t>2020-08-13</a:t>
+              <a:t>2020-08-28</a:t>
             </a:fld>
             <a:endParaRPr lang="ko-KR" altLang="en-US"/>
           </a:p>
@@ -2644,7 +2644,7 @@
           <a:p>
             <a:fld id="{114F4981-A902-4C96-B316-F76B8AB2BDDE}" type="datetimeFigureOut">
               <a:rPr lang="ko-KR" altLang="en-US" smtClean="0"/>
-              <a:t>2020-08-13</a:t>
+              <a:t>2020-08-28</a:t>
             </a:fld>
             <a:endParaRPr lang="ko-KR" altLang="en-US"/>
           </a:p>
@@ -2897,7 +2897,7 @@
           <a:p>
             <a:fld id="{114F4981-A902-4C96-B316-F76B8AB2BDDE}" type="datetimeFigureOut">
               <a:rPr lang="ko-KR" altLang="en-US" smtClean="0"/>
-              <a:t>2020-08-13</a:t>
+              <a:t>2020-08-28</a:t>
             </a:fld>
             <a:endParaRPr lang="ko-KR" altLang="en-US"/>
           </a:p>
@@ -3110,7 +3110,7 @@
           <a:p>
             <a:fld id="{114F4981-A902-4C96-B316-F76B8AB2BDDE}" type="datetimeFigureOut">
               <a:rPr lang="ko-KR" altLang="en-US" smtClean="0"/>
-              <a:t>2020-08-13</a:t>
+              <a:t>2020-08-28</a:t>
             </a:fld>
             <a:endParaRPr lang="ko-KR" altLang="en-US"/>
           </a:p>
@@ -3521,6 +3521,60 @@
           </a:p>
         </p:txBody>
       </p:sp>
+      <p:sp>
+        <p:nvSpPr>
+          <p:cNvPr id="4" name="제목 1"/>
+          <p:cNvSpPr txBox="1">
+            <a:spLocks/>
+          </p:cNvSpPr>
+          <p:nvPr/>
+        </p:nvSpPr>
+        <p:spPr>
+          <a:xfrm>
+            <a:off x="457200" y="4293096"/>
+            <a:ext cx="8229600" cy="1143000"/>
+          </a:xfrm>
+          <a:prstGeom prst="rect">
+            <a:avLst/>
+          </a:prstGeom>
+        </p:spPr>
+        <p:txBody>
+          <a:bodyPr vert="horz" lIns="91440" tIns="45720" rIns="91440" bIns="45720" rtlCol="0" anchor="ctr">
+            <a:normAutofit/>
+          </a:bodyPr>
+          <a:lstStyle>
+            <a:lvl1pPr algn="ctr" defTabSz="914400" rtl="0" eaLnBrk="1" latinLnBrk="1" hangingPunct="1">
+              <a:spcBef>
+                <a:spcPct val="0"/>
+              </a:spcBef>
+              <a:buNone/>
+              <a:defRPr sz="4400" kern="1200">
+                <a:solidFill>
+                  <a:schemeClr val="tx1"/>
+                </a:solidFill>
+                <a:latin typeface="+mj-lt"/>
+                <a:ea typeface="+mj-ea"/>
+                <a:cs typeface="+mj-cs"/>
+              </a:defRPr>
+            </a:lvl1pPr>
+          </a:lstStyle>
+          <a:p>
+            <a:r>
+              <a:rPr lang="en-US" altLang="ko-KR" dirty="0" smtClean="0"/>
+              <a:t>8</a:t>
+            </a:r>
+            <a:r>
+              <a:rPr lang="en-US" altLang="ko-KR" dirty="0" smtClean="0"/>
+              <a:t>/36</a:t>
+            </a:r>
+            <a:r>
+              <a:rPr lang="ko-KR" altLang="en-US" dirty="0" smtClean="0"/>
+              <a:t>개</a:t>
+            </a:r>
+            <a:endParaRPr lang="ko-KR" altLang="en-US" dirty="0"/>
+          </a:p>
+        </p:txBody>
+      </p:sp>
     </p:spTree>
     <p:extLst>
       <p:ext uri="{BB962C8B-B14F-4D97-AF65-F5344CB8AC3E}">
@@ -10738,6 +10792,33 @@
                 </a:rPr>
                 <a:t>)</a:t>
               </a:r>
+            </a:p>
+            <a:p>
+              <a:pPr algn="ctr"/>
+              <a:r>
+                <a:rPr lang="en-US" altLang="ko-KR" dirty="0" smtClean="0">
+                  <a:solidFill>
+                    <a:schemeClr val="tx1"/>
+                  </a:solidFill>
+                </a:rPr>
+                <a:t>(</a:t>
+              </a:r>
+              <a:r>
+                <a:rPr lang="ko-KR" altLang="en-US" dirty="0" smtClean="0">
+                  <a:solidFill>
+                    <a:schemeClr val="tx1"/>
+                  </a:solidFill>
+                </a:rPr>
+                <a:t>구현완료</a:t>
+              </a:r>
+              <a:r>
+                <a:rPr lang="en-US" altLang="ko-KR" dirty="0" smtClean="0">
+                  <a:solidFill>
+                    <a:schemeClr val="tx1"/>
+                  </a:solidFill>
+                </a:rPr>
+                <a:t>)</a:t>
+              </a:r>
               <a:endParaRPr lang="ko-KR" altLang="en-US" dirty="0">
                 <a:solidFill>
                   <a:schemeClr val="tx1"/>
@@ -14609,6 +14690,33 @@
                 </a:rPr>
                 <a:t>)</a:t>
               </a:r>
+            </a:p>
+            <a:p>
+              <a:pPr algn="ctr"/>
+              <a:r>
+                <a:rPr lang="en-US" altLang="ko-KR" dirty="0" smtClean="0">
+                  <a:solidFill>
+                    <a:schemeClr val="tx1"/>
+                  </a:solidFill>
+                </a:rPr>
+                <a:t>(</a:t>
+              </a:r>
+              <a:r>
+                <a:rPr lang="ko-KR" altLang="en-US" dirty="0" smtClean="0">
+                  <a:solidFill>
+                    <a:schemeClr val="tx1"/>
+                  </a:solidFill>
+                </a:rPr>
+                <a:t>구현완료</a:t>
+              </a:r>
+              <a:r>
+                <a:rPr lang="en-US" altLang="ko-KR" dirty="0" smtClean="0">
+                  <a:solidFill>
+                    <a:schemeClr val="tx1"/>
+                  </a:solidFill>
+                </a:rPr>
+                <a:t>)</a:t>
+              </a:r>
               <a:endParaRPr lang="ko-KR" altLang="en-US" dirty="0">
                 <a:solidFill>
                   <a:schemeClr val="tx1"/>
@@ -19475,6 +19583,9 @@
                 </a:rPr>
                 <a:t>)</a:t>
               </a:r>
+            </a:p>
+            <a:p>
+              <a:pPr algn="ctr"/>
               <a:endParaRPr lang="ko-KR" altLang="en-US" dirty="0">
                 <a:solidFill>
                   <a:schemeClr val="tx1"/>
@@ -29149,6 +29260,33 @@
                 </a:rPr>
                 <a:t>)</a:t>
               </a:r>
+            </a:p>
+            <a:p>
+              <a:pPr algn="ctr"/>
+              <a:r>
+                <a:rPr lang="en-US" altLang="ko-KR" dirty="0" smtClean="0">
+                  <a:solidFill>
+                    <a:schemeClr val="tx1"/>
+                  </a:solidFill>
+                </a:rPr>
+                <a:t>(</a:t>
+              </a:r>
+              <a:r>
+                <a:rPr lang="ko-KR" altLang="en-US" dirty="0" smtClean="0">
+                  <a:solidFill>
+                    <a:schemeClr val="tx1"/>
+                  </a:solidFill>
+                </a:rPr>
+                <a:t>구현완료</a:t>
+              </a:r>
+              <a:r>
+                <a:rPr lang="en-US" altLang="ko-KR" dirty="0" smtClean="0">
+                  <a:solidFill>
+                    <a:schemeClr val="tx1"/>
+                  </a:solidFill>
+                </a:rPr>
+                <a:t>)</a:t>
+              </a:r>
               <a:endParaRPr lang="en-US" altLang="ko-KR" dirty="0" smtClean="0">
                 <a:solidFill>
                   <a:schemeClr val="tx1"/>
@@ -32607,6 +32745,33 @@
                   </a:solidFill>
                 </a:rPr>
                 <a:t>완료</a:t>
+              </a:r>
+              <a:r>
+                <a:rPr lang="en-US" altLang="ko-KR" dirty="0" smtClean="0">
+                  <a:solidFill>
+                    <a:schemeClr val="tx1"/>
+                  </a:solidFill>
+                </a:rPr>
+                <a:t>)</a:t>
+              </a:r>
+            </a:p>
+            <a:p>
+              <a:pPr algn="ctr"/>
+              <a:r>
+                <a:rPr lang="en-US" altLang="ko-KR" dirty="0" smtClean="0">
+                  <a:solidFill>
+                    <a:schemeClr val="tx1"/>
+                  </a:solidFill>
+                </a:rPr>
+                <a:t>(</a:t>
+              </a:r>
+              <a:r>
+                <a:rPr lang="ko-KR" altLang="en-US" dirty="0" smtClean="0">
+                  <a:solidFill>
+                    <a:schemeClr val="tx1"/>
+                  </a:solidFill>
+                </a:rPr>
+                <a:t>기능구현 완료</a:t>
               </a:r>
               <a:r>
                 <a:rPr lang="en-US" altLang="ko-KR" dirty="0" smtClean="0">
@@ -35864,6 +36029,33 @@
                 <a:t>)</a:t>
               </a:r>
             </a:p>
+            <a:p>
+              <a:pPr algn="ctr"/>
+              <a:r>
+                <a:rPr lang="en-US" altLang="ko-KR" dirty="0" smtClean="0">
+                  <a:solidFill>
+                    <a:schemeClr val="tx1"/>
+                  </a:solidFill>
+                </a:rPr>
+                <a:t>(</a:t>
+              </a:r>
+              <a:r>
+                <a:rPr lang="ko-KR" altLang="en-US" dirty="0" smtClean="0">
+                  <a:solidFill>
+                    <a:schemeClr val="tx1"/>
+                  </a:solidFill>
+                </a:rPr>
+                <a:t>기능구현 완료</a:t>
+              </a:r>
+              <a:r>
+                <a:rPr lang="en-US" altLang="ko-KR" dirty="0" smtClean="0">
+                  <a:solidFill>
+                    <a:schemeClr val="tx1"/>
+                  </a:solidFill>
+                </a:rPr>
+                <a:t>)</a:t>
+              </a:r>
+            </a:p>
           </p:txBody>
         </p:sp>
         <p:sp>
@@ -50981,6 +51173,33 @@
                 </a:rPr>
                 <a:t>)</a:t>
               </a:r>
+            </a:p>
+            <a:p>
+              <a:pPr algn="ctr"/>
+              <a:r>
+                <a:rPr lang="en-US" altLang="ko-KR" dirty="0" smtClean="0">
+                  <a:solidFill>
+                    <a:schemeClr val="tx1"/>
+                  </a:solidFill>
+                </a:rPr>
+                <a:t>(</a:t>
+              </a:r>
+              <a:r>
+                <a:rPr lang="ko-KR" altLang="en-US" dirty="0" smtClean="0">
+                  <a:solidFill>
+                    <a:schemeClr val="tx1"/>
+                  </a:solidFill>
+                </a:rPr>
+                <a:t>기능구현 완료</a:t>
+              </a:r>
+              <a:r>
+                <a:rPr lang="en-US" altLang="ko-KR" dirty="0" smtClean="0">
+                  <a:solidFill>
+                    <a:schemeClr val="tx1"/>
+                  </a:solidFill>
+                </a:rPr>
+                <a:t>)</a:t>
+              </a:r>
               <a:endParaRPr lang="ko-KR" altLang="en-US" dirty="0">
                 <a:solidFill>
                   <a:schemeClr val="tx1"/>
@@ -52440,6 +52659,33 @@
                   </a:solidFill>
                 </a:rPr>
                 <a:t>완료</a:t>
+              </a:r>
+              <a:r>
+                <a:rPr lang="en-US" altLang="ko-KR" dirty="0" smtClean="0">
+                  <a:solidFill>
+                    <a:schemeClr val="tx1"/>
+                  </a:solidFill>
+                </a:rPr>
+                <a:t>)</a:t>
+              </a:r>
+            </a:p>
+            <a:p>
+              <a:pPr algn="ctr"/>
+              <a:r>
+                <a:rPr lang="en-US" altLang="ko-KR" dirty="0" smtClean="0">
+                  <a:solidFill>
+                    <a:schemeClr val="tx1"/>
+                  </a:solidFill>
+                </a:rPr>
+                <a:t>(</a:t>
+              </a:r>
+              <a:r>
+                <a:rPr lang="ko-KR" altLang="en-US" dirty="0" smtClean="0">
+                  <a:solidFill>
+                    <a:schemeClr val="tx1"/>
+                  </a:solidFill>
+                </a:rPr>
+                <a:t>기능구현 완료</a:t>
               </a:r>
               <a:r>
                 <a:rPr lang="en-US" altLang="ko-KR" dirty="0" smtClean="0">
